--- a/docs/presentation.pptx
+++ b/docs/presentation.pptx
@@ -10,10 +10,14 @@
     <p:sldId id="257" r:id="rId4"/>
     <p:sldId id="263" r:id="rId5"/>
     <p:sldId id="258" r:id="rId6"/>
-    <p:sldId id="261" r:id="rId7"/>
-    <p:sldId id="264" r:id="rId8"/>
-    <p:sldId id="259" r:id="rId9"/>
-    <p:sldId id="260" r:id="rId10"/>
+    <p:sldId id="265" r:id="rId7"/>
+    <p:sldId id="261" r:id="rId8"/>
+    <p:sldId id="268" r:id="rId9"/>
+    <p:sldId id="266" r:id="rId10"/>
+    <p:sldId id="264" r:id="rId11"/>
+    <p:sldId id="259" r:id="rId12"/>
+    <p:sldId id="260" r:id="rId13"/>
+    <p:sldId id="267" r:id="rId14"/>
   </p:sldIdLst>
   <p:sldSz cx="12192000" cy="6858000"/>
   <p:notesSz cx="6858000" cy="9144000"/>
@@ -112,7 +116,5388 @@
       </a:defRPr>
     </a:lvl9pPr>
   </p:defaultTextStyle>
+  <p:extLst>
+    <p:ext uri="{EFAFB233-063F-42B5-8137-9DF3F51BA10A}">
+      <p15:sldGuideLst xmlns:p15="http://schemas.microsoft.com/office/powerpoint/2012/main"/>
+    </p:ext>
+  </p:extLst>
 </p:presentation>
+</file>
+
+<file path=ppt/diagrams/colors1.xml><?xml version="1.0" encoding="utf-8"?>
+<dgm:colorsDef xmlns:dgm="http://schemas.openxmlformats.org/drawingml/2006/diagram" xmlns:a="http://schemas.openxmlformats.org/drawingml/2006/main" uniqueId="urn:microsoft.com/office/officeart/2005/8/colors/accent1_2">
+  <dgm:title val=""/>
+  <dgm:desc val=""/>
+  <dgm:catLst>
+    <dgm:cat type="accent1" pri="11200"/>
+  </dgm:catLst>
+  <dgm:styleLbl name="node0">
+    <dgm:fillClrLst meth="repeat">
+      <a:schemeClr val="accent1"/>
+    </dgm:fillClrLst>
+    <dgm:linClrLst meth="repeat">
+      <a:schemeClr val="lt1"/>
+    </dgm:linClrLst>
+    <dgm:effectClrLst/>
+    <dgm:txLinClrLst/>
+    <dgm:txFillClrLst/>
+    <dgm:txEffectClrLst/>
+  </dgm:styleLbl>
+  <dgm:styleLbl name="alignNode1">
+    <dgm:fillClrLst meth="repeat">
+      <a:schemeClr val="accent1"/>
+    </dgm:fillClrLst>
+    <dgm:linClrLst meth="repeat">
+      <a:schemeClr val="accent1"/>
+    </dgm:linClrLst>
+    <dgm:effectClrLst/>
+    <dgm:txLinClrLst/>
+    <dgm:txFillClrLst/>
+    <dgm:txEffectClrLst/>
+  </dgm:styleLbl>
+  <dgm:styleLbl name="node1">
+    <dgm:fillClrLst meth="repeat">
+      <a:schemeClr val="accent1"/>
+    </dgm:fillClrLst>
+    <dgm:linClrLst meth="repeat">
+      <a:schemeClr val="lt1"/>
+    </dgm:linClrLst>
+    <dgm:effectClrLst/>
+    <dgm:txLinClrLst/>
+    <dgm:txFillClrLst/>
+    <dgm:txEffectClrLst/>
+  </dgm:styleLbl>
+  <dgm:styleLbl name="lnNode1">
+    <dgm:fillClrLst meth="repeat">
+      <a:schemeClr val="accent1"/>
+    </dgm:fillClrLst>
+    <dgm:linClrLst meth="repeat">
+      <a:schemeClr val="lt1"/>
+    </dgm:linClrLst>
+    <dgm:effectClrLst/>
+    <dgm:txLinClrLst/>
+    <dgm:txFillClrLst/>
+    <dgm:txEffectClrLst/>
+  </dgm:styleLbl>
+  <dgm:styleLbl name="vennNode1">
+    <dgm:fillClrLst meth="repeat">
+      <a:schemeClr val="accent1">
+        <a:alpha val="50000"/>
+      </a:schemeClr>
+    </dgm:fillClrLst>
+    <dgm:linClrLst meth="repeat">
+      <a:schemeClr val="lt1"/>
+    </dgm:linClrLst>
+    <dgm:effectClrLst/>
+    <dgm:txLinClrLst/>
+    <dgm:txFillClrLst/>
+    <dgm:txEffectClrLst/>
+  </dgm:styleLbl>
+  <dgm:styleLbl name="node2">
+    <dgm:fillClrLst meth="repeat">
+      <a:schemeClr val="accent1"/>
+    </dgm:fillClrLst>
+    <dgm:linClrLst meth="repeat">
+      <a:schemeClr val="lt1"/>
+    </dgm:linClrLst>
+    <dgm:effectClrLst/>
+    <dgm:txLinClrLst/>
+    <dgm:txFillClrLst/>
+    <dgm:txEffectClrLst/>
+  </dgm:styleLbl>
+  <dgm:styleLbl name="node3">
+    <dgm:fillClrLst meth="repeat">
+      <a:schemeClr val="accent1"/>
+    </dgm:fillClrLst>
+    <dgm:linClrLst meth="repeat">
+      <a:schemeClr val="lt1"/>
+    </dgm:linClrLst>
+    <dgm:effectClrLst/>
+    <dgm:txLinClrLst/>
+    <dgm:txFillClrLst/>
+    <dgm:txEffectClrLst/>
+  </dgm:styleLbl>
+  <dgm:styleLbl name="node4">
+    <dgm:fillClrLst meth="repeat">
+      <a:schemeClr val="accent1"/>
+    </dgm:fillClrLst>
+    <dgm:linClrLst meth="repeat">
+      <a:schemeClr val="lt1"/>
+    </dgm:linClrLst>
+    <dgm:effectClrLst/>
+    <dgm:txLinClrLst/>
+    <dgm:txFillClrLst/>
+    <dgm:txEffectClrLst/>
+  </dgm:styleLbl>
+  <dgm:styleLbl name="fgImgPlace1">
+    <dgm:fillClrLst meth="repeat">
+      <a:schemeClr val="accent1">
+        <a:tint val="50000"/>
+      </a:schemeClr>
+    </dgm:fillClrLst>
+    <dgm:linClrLst meth="repeat">
+      <a:schemeClr val="lt1"/>
+    </dgm:linClrLst>
+    <dgm:effectClrLst/>
+    <dgm:txLinClrLst/>
+    <dgm:txFillClrLst meth="repeat">
+      <a:schemeClr val="lt1"/>
+    </dgm:txFillClrLst>
+    <dgm:txEffectClrLst/>
+  </dgm:styleLbl>
+  <dgm:styleLbl name="alignImgPlace1">
+    <dgm:fillClrLst meth="repeat">
+      <a:schemeClr val="accent1">
+        <a:tint val="50000"/>
+      </a:schemeClr>
+    </dgm:fillClrLst>
+    <dgm:linClrLst meth="repeat">
+      <a:schemeClr val="lt1"/>
+    </dgm:linClrLst>
+    <dgm:effectClrLst/>
+    <dgm:txLinClrLst/>
+    <dgm:txFillClrLst meth="repeat">
+      <a:schemeClr val="lt1"/>
+    </dgm:txFillClrLst>
+    <dgm:txEffectClrLst/>
+  </dgm:styleLbl>
+  <dgm:styleLbl name="bgImgPlace1">
+    <dgm:fillClrLst meth="repeat">
+      <a:schemeClr val="accent1">
+        <a:tint val="50000"/>
+      </a:schemeClr>
+    </dgm:fillClrLst>
+    <dgm:linClrLst meth="repeat">
+      <a:schemeClr val="lt1"/>
+    </dgm:linClrLst>
+    <dgm:effectClrLst/>
+    <dgm:txLinClrLst/>
+    <dgm:txFillClrLst meth="repeat">
+      <a:schemeClr val="lt1"/>
+    </dgm:txFillClrLst>
+    <dgm:txEffectClrLst/>
+  </dgm:styleLbl>
+  <dgm:styleLbl name="sibTrans2D1">
+    <dgm:fillClrLst meth="repeat">
+      <a:schemeClr val="accent1">
+        <a:tint val="60000"/>
+      </a:schemeClr>
+    </dgm:fillClrLst>
+    <dgm:linClrLst meth="repeat">
+      <a:schemeClr val="accent1">
+        <a:tint val="60000"/>
+      </a:schemeClr>
+    </dgm:linClrLst>
+    <dgm:effectClrLst/>
+    <dgm:txLinClrLst/>
+    <dgm:txFillClrLst/>
+    <dgm:txEffectClrLst/>
+  </dgm:styleLbl>
+  <dgm:styleLbl name="fgSibTrans2D1">
+    <dgm:fillClrLst meth="repeat">
+      <a:schemeClr val="accent1">
+        <a:tint val="60000"/>
+      </a:schemeClr>
+    </dgm:fillClrLst>
+    <dgm:linClrLst meth="repeat">
+      <a:schemeClr val="accent1">
+        <a:tint val="60000"/>
+      </a:schemeClr>
+    </dgm:linClrLst>
+    <dgm:effectClrLst/>
+    <dgm:txLinClrLst/>
+    <dgm:txFillClrLst/>
+    <dgm:txEffectClrLst/>
+  </dgm:styleLbl>
+  <dgm:styleLbl name="bgSibTrans2D1">
+    <dgm:fillClrLst meth="repeat">
+      <a:schemeClr val="accent1">
+        <a:tint val="60000"/>
+      </a:schemeClr>
+    </dgm:fillClrLst>
+    <dgm:linClrLst meth="repeat">
+      <a:schemeClr val="accent1">
+        <a:tint val="60000"/>
+      </a:schemeClr>
+    </dgm:linClrLst>
+    <dgm:effectClrLst/>
+    <dgm:txLinClrLst/>
+    <dgm:txFillClrLst/>
+    <dgm:txEffectClrLst/>
+  </dgm:styleLbl>
+  <dgm:styleLbl name="sibTrans1D1">
+    <dgm:fillClrLst meth="repeat">
+      <a:schemeClr val="accent1"/>
+    </dgm:fillClrLst>
+    <dgm:linClrLst meth="repeat">
+      <a:schemeClr val="accent1"/>
+    </dgm:linClrLst>
+    <dgm:effectClrLst/>
+    <dgm:txLinClrLst/>
+    <dgm:txFillClrLst meth="repeat">
+      <a:schemeClr val="tx1"/>
+    </dgm:txFillClrLst>
+    <dgm:txEffectClrLst/>
+  </dgm:styleLbl>
+  <dgm:styleLbl name="callout">
+    <dgm:fillClrLst meth="repeat">
+      <a:schemeClr val="accent1"/>
+    </dgm:fillClrLst>
+    <dgm:linClrLst meth="repeat">
+      <a:schemeClr val="accent1">
+        <a:tint val="50000"/>
+      </a:schemeClr>
+    </dgm:linClrLst>
+    <dgm:effectClrLst/>
+    <dgm:txLinClrLst/>
+    <dgm:txFillClrLst meth="repeat">
+      <a:schemeClr val="tx1"/>
+    </dgm:txFillClrLst>
+    <dgm:txEffectClrLst/>
+  </dgm:styleLbl>
+  <dgm:styleLbl name="asst0">
+    <dgm:fillClrLst meth="repeat">
+      <a:schemeClr val="accent1"/>
+    </dgm:fillClrLst>
+    <dgm:linClrLst meth="repeat">
+      <a:schemeClr val="lt1"/>
+    </dgm:linClrLst>
+    <dgm:effectClrLst/>
+    <dgm:txLinClrLst/>
+    <dgm:txFillClrLst/>
+    <dgm:txEffectClrLst/>
+  </dgm:styleLbl>
+  <dgm:styleLbl name="asst1">
+    <dgm:fillClrLst meth="repeat">
+      <a:schemeClr val="accent1"/>
+    </dgm:fillClrLst>
+    <dgm:linClrLst meth="repeat">
+      <a:schemeClr val="lt1"/>
+    </dgm:linClrLst>
+    <dgm:effectClrLst/>
+    <dgm:txLinClrLst/>
+    <dgm:txFillClrLst/>
+    <dgm:txEffectClrLst/>
+  </dgm:styleLbl>
+  <dgm:styleLbl name="asst2">
+    <dgm:fillClrLst meth="repeat">
+      <a:schemeClr val="accent1"/>
+    </dgm:fillClrLst>
+    <dgm:linClrLst meth="repeat">
+      <a:schemeClr val="lt1"/>
+    </dgm:linClrLst>
+    <dgm:effectClrLst/>
+    <dgm:txLinClrLst/>
+    <dgm:txFillClrLst/>
+    <dgm:txEffectClrLst/>
+  </dgm:styleLbl>
+  <dgm:styleLbl name="asst3">
+    <dgm:fillClrLst meth="repeat">
+      <a:schemeClr val="accent1"/>
+    </dgm:fillClrLst>
+    <dgm:linClrLst meth="repeat">
+      <a:schemeClr val="lt1"/>
+    </dgm:linClrLst>
+    <dgm:effectClrLst/>
+    <dgm:txLinClrLst/>
+    <dgm:txFillClrLst/>
+    <dgm:txEffectClrLst/>
+  </dgm:styleLbl>
+  <dgm:styleLbl name="asst4">
+    <dgm:fillClrLst meth="repeat">
+      <a:schemeClr val="accent1"/>
+    </dgm:fillClrLst>
+    <dgm:linClrLst meth="repeat">
+      <a:schemeClr val="lt1"/>
+    </dgm:linClrLst>
+    <dgm:effectClrLst/>
+    <dgm:txLinClrLst/>
+    <dgm:txFillClrLst/>
+    <dgm:txEffectClrLst/>
+  </dgm:styleLbl>
+  <dgm:styleLbl name="parChTrans2D1">
+    <dgm:fillClrLst meth="repeat">
+      <a:schemeClr val="accent1">
+        <a:tint val="60000"/>
+      </a:schemeClr>
+    </dgm:fillClrLst>
+    <dgm:linClrLst meth="repeat">
+      <a:schemeClr val="accent1">
+        <a:tint val="60000"/>
+      </a:schemeClr>
+    </dgm:linClrLst>
+    <dgm:effectClrLst/>
+    <dgm:txLinClrLst/>
+    <dgm:txFillClrLst meth="repeat">
+      <a:schemeClr val="lt1"/>
+    </dgm:txFillClrLst>
+    <dgm:txEffectClrLst/>
+  </dgm:styleLbl>
+  <dgm:styleLbl name="parChTrans2D2">
+    <dgm:fillClrLst meth="repeat">
+      <a:schemeClr val="accent1"/>
+    </dgm:fillClrLst>
+    <dgm:linClrLst meth="repeat">
+      <a:schemeClr val="accent1"/>
+    </dgm:linClrLst>
+    <dgm:effectClrLst/>
+    <dgm:txLinClrLst/>
+    <dgm:txFillClrLst meth="repeat">
+      <a:schemeClr val="lt1"/>
+    </dgm:txFillClrLst>
+    <dgm:txEffectClrLst/>
+  </dgm:styleLbl>
+  <dgm:styleLbl name="parChTrans2D3">
+    <dgm:fillClrLst meth="repeat">
+      <a:schemeClr val="accent1"/>
+    </dgm:fillClrLst>
+    <dgm:linClrLst meth="repeat">
+      <a:schemeClr val="accent1"/>
+    </dgm:linClrLst>
+    <dgm:effectClrLst/>
+    <dgm:txLinClrLst/>
+    <dgm:txFillClrLst meth="repeat">
+      <a:schemeClr val="lt1"/>
+    </dgm:txFillClrLst>
+    <dgm:txEffectClrLst/>
+  </dgm:styleLbl>
+  <dgm:styleLbl name="parChTrans2D4">
+    <dgm:fillClrLst meth="repeat">
+      <a:schemeClr val="accent1"/>
+    </dgm:fillClrLst>
+    <dgm:linClrLst meth="repeat">
+      <a:schemeClr val="accent1"/>
+    </dgm:linClrLst>
+    <dgm:effectClrLst/>
+    <dgm:txLinClrLst/>
+    <dgm:txFillClrLst meth="repeat">
+      <a:schemeClr val="lt1"/>
+    </dgm:txFillClrLst>
+    <dgm:txEffectClrLst/>
+  </dgm:styleLbl>
+  <dgm:styleLbl name="parChTrans1D1">
+    <dgm:fillClrLst meth="repeat">
+      <a:schemeClr val="accent1"/>
+    </dgm:fillClrLst>
+    <dgm:linClrLst meth="repeat">
+      <a:schemeClr val="accent1">
+        <a:shade val="60000"/>
+      </a:schemeClr>
+    </dgm:linClrLst>
+    <dgm:effectClrLst/>
+    <dgm:txLinClrLst/>
+    <dgm:txFillClrLst meth="repeat">
+      <a:schemeClr val="tx1"/>
+    </dgm:txFillClrLst>
+    <dgm:txEffectClrLst/>
+  </dgm:styleLbl>
+  <dgm:styleLbl name="parChTrans1D2">
+    <dgm:fillClrLst meth="repeat">
+      <a:schemeClr val="accent1"/>
+    </dgm:fillClrLst>
+    <dgm:linClrLst meth="repeat">
+      <a:schemeClr val="accent1">
+        <a:shade val="60000"/>
+      </a:schemeClr>
+    </dgm:linClrLst>
+    <dgm:effectClrLst/>
+    <dgm:txLinClrLst/>
+    <dgm:txFillClrLst meth="repeat">
+      <a:schemeClr val="tx1"/>
+    </dgm:txFillClrLst>
+    <dgm:txEffectClrLst/>
+  </dgm:styleLbl>
+  <dgm:styleLbl name="parChTrans1D3">
+    <dgm:fillClrLst meth="repeat">
+      <a:schemeClr val="accent1"/>
+    </dgm:fillClrLst>
+    <dgm:linClrLst meth="repeat">
+      <a:schemeClr val="accent1">
+        <a:shade val="80000"/>
+      </a:schemeClr>
+    </dgm:linClrLst>
+    <dgm:effectClrLst/>
+    <dgm:txLinClrLst/>
+    <dgm:txFillClrLst meth="repeat">
+      <a:schemeClr val="tx1"/>
+    </dgm:txFillClrLst>
+    <dgm:txEffectClrLst/>
+  </dgm:styleLbl>
+  <dgm:styleLbl name="parChTrans1D4">
+    <dgm:fillClrLst meth="repeat">
+      <a:schemeClr val="accent1"/>
+    </dgm:fillClrLst>
+    <dgm:linClrLst meth="repeat">
+      <a:schemeClr val="accent1">
+        <a:shade val="80000"/>
+      </a:schemeClr>
+    </dgm:linClrLst>
+    <dgm:effectClrLst/>
+    <dgm:txLinClrLst/>
+    <dgm:txFillClrLst meth="repeat">
+      <a:schemeClr val="tx1"/>
+    </dgm:txFillClrLst>
+    <dgm:txEffectClrLst/>
+  </dgm:styleLbl>
+  <dgm:styleLbl name="fgAcc1">
+    <dgm:fillClrLst meth="repeat">
+      <a:schemeClr val="lt1">
+        <a:alpha val="90000"/>
+      </a:schemeClr>
+    </dgm:fillClrLst>
+    <dgm:linClrLst meth="repeat">
+      <a:schemeClr val="accent1"/>
+    </dgm:linClrLst>
+    <dgm:effectClrLst/>
+    <dgm:txLinClrLst/>
+    <dgm:txFillClrLst meth="repeat">
+      <a:schemeClr val="dk1"/>
+    </dgm:txFillClrLst>
+    <dgm:txEffectClrLst/>
+  </dgm:styleLbl>
+  <dgm:styleLbl name="conFgAcc1">
+    <dgm:fillClrLst meth="repeat">
+      <a:schemeClr val="lt1">
+        <a:alpha val="90000"/>
+      </a:schemeClr>
+    </dgm:fillClrLst>
+    <dgm:linClrLst meth="repeat">
+      <a:schemeClr val="accent1"/>
+    </dgm:linClrLst>
+    <dgm:effectClrLst/>
+    <dgm:txLinClrLst/>
+    <dgm:txFillClrLst meth="repeat">
+      <a:schemeClr val="dk1"/>
+    </dgm:txFillClrLst>
+    <dgm:txEffectClrLst/>
+  </dgm:styleLbl>
+  <dgm:styleLbl name="alignAcc1">
+    <dgm:fillClrLst meth="repeat">
+      <a:schemeClr val="lt1">
+        <a:alpha val="90000"/>
+      </a:schemeClr>
+    </dgm:fillClrLst>
+    <dgm:linClrLst meth="repeat">
+      <a:schemeClr val="accent1"/>
+    </dgm:linClrLst>
+    <dgm:effectClrLst/>
+    <dgm:txLinClrLst/>
+    <dgm:txFillClrLst meth="repeat">
+      <a:schemeClr val="dk1"/>
+    </dgm:txFillClrLst>
+    <dgm:txEffectClrLst/>
+  </dgm:styleLbl>
+  <dgm:styleLbl name="trAlignAcc1">
+    <dgm:fillClrLst meth="repeat">
+      <a:schemeClr val="lt1">
+        <a:alpha val="40000"/>
+      </a:schemeClr>
+    </dgm:fillClrLst>
+    <dgm:linClrLst meth="repeat">
+      <a:schemeClr val="accent1"/>
+    </dgm:linClrLst>
+    <dgm:effectClrLst/>
+    <dgm:txLinClrLst/>
+    <dgm:txFillClrLst meth="repeat">
+      <a:schemeClr val="dk1"/>
+    </dgm:txFillClrLst>
+    <dgm:txEffectClrLst/>
+  </dgm:styleLbl>
+  <dgm:styleLbl name="bgAcc1">
+    <dgm:fillClrLst meth="repeat">
+      <a:schemeClr val="lt1">
+        <a:alpha val="90000"/>
+      </a:schemeClr>
+    </dgm:fillClrLst>
+    <dgm:linClrLst meth="repeat">
+      <a:schemeClr val="accent1"/>
+    </dgm:linClrLst>
+    <dgm:effectClrLst/>
+    <dgm:txLinClrLst/>
+    <dgm:txFillClrLst meth="repeat">
+      <a:schemeClr val="dk1"/>
+    </dgm:txFillClrLst>
+    <dgm:txEffectClrLst/>
+  </dgm:styleLbl>
+  <dgm:styleLbl name="solidFgAcc1">
+    <dgm:fillClrLst meth="repeat">
+      <a:schemeClr val="lt1"/>
+    </dgm:fillClrLst>
+    <dgm:linClrLst meth="repeat">
+      <a:schemeClr val="accent1"/>
+    </dgm:linClrLst>
+    <dgm:effectClrLst/>
+    <dgm:txLinClrLst/>
+    <dgm:txFillClrLst meth="repeat">
+      <a:schemeClr val="dk1"/>
+    </dgm:txFillClrLst>
+    <dgm:txEffectClrLst/>
+  </dgm:styleLbl>
+  <dgm:styleLbl name="solidAlignAcc1">
+    <dgm:fillClrLst meth="repeat">
+      <a:schemeClr val="lt1"/>
+    </dgm:fillClrLst>
+    <dgm:linClrLst meth="repeat">
+      <a:schemeClr val="accent1"/>
+    </dgm:linClrLst>
+    <dgm:effectClrLst/>
+    <dgm:txLinClrLst/>
+    <dgm:txFillClrLst meth="repeat">
+      <a:schemeClr val="dk1"/>
+    </dgm:txFillClrLst>
+    <dgm:txEffectClrLst/>
+  </dgm:styleLbl>
+  <dgm:styleLbl name="solidBgAcc1">
+    <dgm:fillClrLst meth="repeat">
+      <a:schemeClr val="lt1"/>
+    </dgm:fillClrLst>
+    <dgm:linClrLst meth="repeat">
+      <a:schemeClr val="accent1"/>
+    </dgm:linClrLst>
+    <dgm:effectClrLst/>
+    <dgm:txLinClrLst/>
+    <dgm:txFillClrLst meth="repeat">
+      <a:schemeClr val="dk1"/>
+    </dgm:txFillClrLst>
+    <dgm:txEffectClrLst/>
+  </dgm:styleLbl>
+  <dgm:styleLbl name="fgAccFollowNode1">
+    <dgm:fillClrLst meth="repeat">
+      <a:schemeClr val="accent1">
+        <a:alpha val="90000"/>
+        <a:tint val="40000"/>
+      </a:schemeClr>
+    </dgm:fillClrLst>
+    <dgm:linClrLst meth="repeat">
+      <a:schemeClr val="accent1">
+        <a:alpha val="90000"/>
+        <a:tint val="40000"/>
+      </a:schemeClr>
+    </dgm:linClrLst>
+    <dgm:effectClrLst/>
+    <dgm:txLinClrLst/>
+    <dgm:txFillClrLst meth="repeat">
+      <a:schemeClr val="dk1"/>
+    </dgm:txFillClrLst>
+    <dgm:txEffectClrLst/>
+  </dgm:styleLbl>
+  <dgm:styleLbl name="alignAccFollowNode1">
+    <dgm:fillClrLst meth="repeat">
+      <a:schemeClr val="accent1">
+        <a:alpha val="90000"/>
+        <a:tint val="40000"/>
+      </a:schemeClr>
+    </dgm:fillClrLst>
+    <dgm:linClrLst meth="repeat">
+      <a:schemeClr val="accent1">
+        <a:alpha val="90000"/>
+        <a:tint val="40000"/>
+      </a:schemeClr>
+    </dgm:linClrLst>
+    <dgm:effectClrLst/>
+    <dgm:txLinClrLst/>
+    <dgm:txFillClrLst meth="repeat">
+      <a:schemeClr val="dk1"/>
+    </dgm:txFillClrLst>
+    <dgm:txEffectClrLst/>
+  </dgm:styleLbl>
+  <dgm:styleLbl name="bgAccFollowNode1">
+    <dgm:fillClrLst meth="repeat">
+      <a:schemeClr val="accent1">
+        <a:alpha val="90000"/>
+        <a:tint val="40000"/>
+      </a:schemeClr>
+    </dgm:fillClrLst>
+    <dgm:linClrLst meth="repeat">
+      <a:schemeClr val="accent1">
+        <a:alpha val="90000"/>
+        <a:tint val="40000"/>
+      </a:schemeClr>
+    </dgm:linClrLst>
+    <dgm:effectClrLst/>
+    <dgm:txLinClrLst/>
+    <dgm:txFillClrLst meth="repeat">
+      <a:schemeClr val="dk1"/>
+    </dgm:txFillClrLst>
+    <dgm:txEffectClrLst/>
+  </dgm:styleLbl>
+  <dgm:styleLbl name="fgAcc0">
+    <dgm:fillClrLst meth="repeat">
+      <a:schemeClr val="lt1">
+        <a:alpha val="90000"/>
+      </a:schemeClr>
+    </dgm:fillClrLst>
+    <dgm:linClrLst meth="repeat">
+      <a:schemeClr val="accent1"/>
+    </dgm:linClrLst>
+    <dgm:effectClrLst/>
+    <dgm:txLinClrLst/>
+    <dgm:txFillClrLst meth="repeat">
+      <a:schemeClr val="dk1"/>
+    </dgm:txFillClrLst>
+    <dgm:txEffectClrLst/>
+  </dgm:styleLbl>
+  <dgm:styleLbl name="fgAcc2">
+    <dgm:fillClrLst meth="repeat">
+      <a:schemeClr val="lt1">
+        <a:alpha val="90000"/>
+      </a:schemeClr>
+    </dgm:fillClrLst>
+    <dgm:linClrLst meth="repeat">
+      <a:schemeClr val="accent1"/>
+    </dgm:linClrLst>
+    <dgm:effectClrLst/>
+    <dgm:txLinClrLst/>
+    <dgm:txFillClrLst meth="repeat">
+      <a:schemeClr val="dk1"/>
+    </dgm:txFillClrLst>
+    <dgm:txEffectClrLst/>
+  </dgm:styleLbl>
+  <dgm:styleLbl name="fgAcc3">
+    <dgm:fillClrLst meth="repeat">
+      <a:schemeClr val="lt1">
+        <a:alpha val="90000"/>
+      </a:schemeClr>
+    </dgm:fillClrLst>
+    <dgm:linClrLst meth="repeat">
+      <a:schemeClr val="accent1"/>
+    </dgm:linClrLst>
+    <dgm:effectClrLst/>
+    <dgm:txLinClrLst/>
+    <dgm:txFillClrLst meth="repeat">
+      <a:schemeClr val="dk1"/>
+    </dgm:txFillClrLst>
+    <dgm:txEffectClrLst/>
+  </dgm:styleLbl>
+  <dgm:styleLbl name="fgAcc4">
+    <dgm:fillClrLst meth="repeat">
+      <a:schemeClr val="lt1">
+        <a:alpha val="90000"/>
+      </a:schemeClr>
+    </dgm:fillClrLst>
+    <dgm:linClrLst meth="repeat">
+      <a:schemeClr val="accent1"/>
+    </dgm:linClrLst>
+    <dgm:effectClrLst/>
+    <dgm:txLinClrLst/>
+    <dgm:txFillClrLst meth="repeat">
+      <a:schemeClr val="dk1"/>
+    </dgm:txFillClrLst>
+    <dgm:txEffectClrLst/>
+  </dgm:styleLbl>
+  <dgm:styleLbl name="bgShp">
+    <dgm:fillClrLst meth="repeat">
+      <a:schemeClr val="accent1">
+        <a:tint val="40000"/>
+      </a:schemeClr>
+    </dgm:fillClrLst>
+    <dgm:linClrLst meth="repeat">
+      <a:schemeClr val="accent1"/>
+    </dgm:linClrLst>
+    <dgm:effectClrLst/>
+    <dgm:txLinClrLst/>
+    <dgm:txFillClrLst meth="repeat">
+      <a:schemeClr val="dk1"/>
+    </dgm:txFillClrLst>
+    <dgm:txEffectClrLst/>
+  </dgm:styleLbl>
+  <dgm:styleLbl name="dkBgShp">
+    <dgm:fillClrLst meth="repeat">
+      <a:schemeClr val="accent1">
+        <a:shade val="80000"/>
+      </a:schemeClr>
+    </dgm:fillClrLst>
+    <dgm:linClrLst meth="repeat">
+      <a:schemeClr val="accent1"/>
+    </dgm:linClrLst>
+    <dgm:effectClrLst/>
+    <dgm:txLinClrLst/>
+    <dgm:txFillClrLst meth="repeat">
+      <a:schemeClr val="lt1"/>
+    </dgm:txFillClrLst>
+    <dgm:txEffectClrLst/>
+  </dgm:styleLbl>
+  <dgm:styleLbl name="trBgShp">
+    <dgm:fillClrLst meth="repeat">
+      <a:schemeClr val="accent1">
+        <a:tint val="50000"/>
+        <a:alpha val="40000"/>
+      </a:schemeClr>
+    </dgm:fillClrLst>
+    <dgm:linClrLst meth="repeat">
+      <a:schemeClr val="accent1"/>
+    </dgm:linClrLst>
+    <dgm:effectClrLst/>
+    <dgm:txLinClrLst/>
+    <dgm:txFillClrLst meth="repeat">
+      <a:schemeClr val="lt1"/>
+    </dgm:txFillClrLst>
+    <dgm:txEffectClrLst/>
+  </dgm:styleLbl>
+  <dgm:styleLbl name="fgShp">
+    <dgm:fillClrLst meth="repeat">
+      <a:schemeClr val="accent1">
+        <a:tint val="60000"/>
+      </a:schemeClr>
+    </dgm:fillClrLst>
+    <dgm:linClrLst meth="repeat">
+      <a:schemeClr val="lt1"/>
+    </dgm:linClrLst>
+    <dgm:effectClrLst/>
+    <dgm:txLinClrLst/>
+    <dgm:txFillClrLst meth="repeat">
+      <a:schemeClr val="dk1"/>
+    </dgm:txFillClrLst>
+    <dgm:txEffectClrLst/>
+  </dgm:styleLbl>
+  <dgm:styleLbl name="revTx">
+    <dgm:fillClrLst meth="repeat">
+      <a:schemeClr val="lt1">
+        <a:alpha val="0"/>
+      </a:schemeClr>
+    </dgm:fillClrLst>
+    <dgm:linClrLst meth="repeat">
+      <a:schemeClr val="dk1">
+        <a:alpha val="0"/>
+      </a:schemeClr>
+    </dgm:linClrLst>
+    <dgm:effectClrLst/>
+    <dgm:txLinClrLst/>
+    <dgm:txFillClrLst meth="repeat">
+      <a:schemeClr val="tx1"/>
+    </dgm:txFillClrLst>
+    <dgm:txEffectClrLst/>
+  </dgm:styleLbl>
+</dgm:colorsDef>
+</file>
+
+<file path=ppt/diagrams/colors2.xml><?xml version="1.0" encoding="utf-8"?>
+<dgm:colorsDef xmlns:dgm="http://schemas.openxmlformats.org/drawingml/2006/diagram" xmlns:a="http://schemas.openxmlformats.org/drawingml/2006/main" uniqueId="urn:microsoft.com/office/officeart/2005/8/colors/colorful5">
+  <dgm:title val=""/>
+  <dgm:desc val=""/>
+  <dgm:catLst>
+    <dgm:cat type="colorful" pri="10500"/>
+  </dgm:catLst>
+  <dgm:styleLbl name="node0">
+    <dgm:fillClrLst meth="repeat">
+      <a:schemeClr val="accent4"/>
+    </dgm:fillClrLst>
+    <dgm:linClrLst meth="repeat">
+      <a:schemeClr val="lt1"/>
+    </dgm:linClrLst>
+    <dgm:effectClrLst/>
+    <dgm:txLinClrLst/>
+    <dgm:txFillClrLst/>
+    <dgm:txEffectClrLst/>
+  </dgm:styleLbl>
+  <dgm:styleLbl name="node1">
+    <dgm:fillClrLst>
+      <a:schemeClr val="accent5"/>
+      <a:schemeClr val="accent6"/>
+    </dgm:fillClrLst>
+    <dgm:linClrLst meth="repeat">
+      <a:schemeClr val="lt1"/>
+    </dgm:linClrLst>
+    <dgm:effectClrLst/>
+    <dgm:txLinClrLst/>
+    <dgm:txFillClrLst/>
+    <dgm:txEffectClrLst/>
+  </dgm:styleLbl>
+  <dgm:styleLbl name="alignNode1">
+    <dgm:fillClrLst>
+      <a:schemeClr val="accent5"/>
+      <a:schemeClr val="accent6"/>
+    </dgm:fillClrLst>
+    <dgm:linClrLst>
+      <a:schemeClr val="accent5"/>
+      <a:schemeClr val="accent6"/>
+    </dgm:linClrLst>
+    <dgm:effectClrLst/>
+    <dgm:txLinClrLst/>
+    <dgm:txFillClrLst/>
+    <dgm:txEffectClrLst/>
+  </dgm:styleLbl>
+  <dgm:styleLbl name="lnNode1">
+    <dgm:fillClrLst>
+      <a:schemeClr val="accent5"/>
+      <a:schemeClr val="accent6"/>
+    </dgm:fillClrLst>
+    <dgm:linClrLst meth="repeat">
+      <a:schemeClr val="lt1"/>
+    </dgm:linClrLst>
+    <dgm:effectClrLst/>
+    <dgm:txLinClrLst/>
+    <dgm:txFillClrLst/>
+    <dgm:txEffectClrLst/>
+  </dgm:styleLbl>
+  <dgm:styleLbl name="vennNode1">
+    <dgm:fillClrLst>
+      <a:schemeClr val="accent5">
+        <a:alpha val="50000"/>
+      </a:schemeClr>
+      <a:schemeClr val="accent6">
+        <a:alpha val="50000"/>
+      </a:schemeClr>
+    </dgm:fillClrLst>
+    <dgm:linClrLst meth="repeat">
+      <a:schemeClr val="lt1"/>
+    </dgm:linClrLst>
+    <dgm:effectClrLst/>
+    <dgm:txLinClrLst/>
+    <dgm:txFillClrLst/>
+    <dgm:txEffectClrLst/>
+  </dgm:styleLbl>
+  <dgm:styleLbl name="node2">
+    <dgm:fillClrLst>
+      <a:schemeClr val="accent6"/>
+    </dgm:fillClrLst>
+    <dgm:linClrLst meth="repeat">
+      <a:schemeClr val="lt1"/>
+    </dgm:linClrLst>
+    <dgm:effectClrLst/>
+    <dgm:txLinClrLst/>
+    <dgm:txFillClrLst/>
+    <dgm:txEffectClrLst/>
+  </dgm:styleLbl>
+  <dgm:styleLbl name="node3">
+    <dgm:fillClrLst>
+      <a:schemeClr val="accent1"/>
+    </dgm:fillClrLst>
+    <dgm:linClrLst meth="repeat">
+      <a:schemeClr val="lt1"/>
+    </dgm:linClrLst>
+    <dgm:effectClrLst/>
+    <dgm:txLinClrLst/>
+    <dgm:txFillClrLst/>
+    <dgm:txEffectClrLst/>
+  </dgm:styleLbl>
+  <dgm:styleLbl name="node4">
+    <dgm:fillClrLst>
+      <a:schemeClr val="accent2"/>
+    </dgm:fillClrLst>
+    <dgm:linClrLst meth="repeat">
+      <a:schemeClr val="lt1"/>
+    </dgm:linClrLst>
+    <dgm:effectClrLst/>
+    <dgm:txLinClrLst/>
+    <dgm:txFillClrLst/>
+    <dgm:txEffectClrLst/>
+  </dgm:styleLbl>
+  <dgm:styleLbl name="fgImgPlace1">
+    <dgm:fillClrLst>
+      <a:schemeClr val="accent5">
+        <a:tint val="50000"/>
+      </a:schemeClr>
+      <a:schemeClr val="accent6">
+        <a:tint val="50000"/>
+      </a:schemeClr>
+    </dgm:fillClrLst>
+    <dgm:linClrLst meth="repeat">
+      <a:schemeClr val="lt1"/>
+    </dgm:linClrLst>
+    <dgm:effectClrLst/>
+    <dgm:txLinClrLst/>
+    <dgm:txFillClrLst meth="repeat">
+      <a:schemeClr val="lt1"/>
+    </dgm:txFillClrLst>
+    <dgm:txEffectClrLst/>
+  </dgm:styleLbl>
+  <dgm:styleLbl name="alignImgPlace1">
+    <dgm:fillClrLst>
+      <a:schemeClr val="accent5">
+        <a:tint val="50000"/>
+      </a:schemeClr>
+      <a:schemeClr val="accent6">
+        <a:tint val="20000"/>
+      </a:schemeClr>
+    </dgm:fillClrLst>
+    <dgm:linClrLst meth="repeat">
+      <a:schemeClr val="lt1"/>
+    </dgm:linClrLst>
+    <dgm:effectClrLst/>
+    <dgm:txLinClrLst/>
+    <dgm:txFillClrLst meth="repeat">
+      <a:schemeClr val="lt1"/>
+    </dgm:txFillClrLst>
+    <dgm:txEffectClrLst/>
+  </dgm:styleLbl>
+  <dgm:styleLbl name="bgImgPlace1">
+    <dgm:fillClrLst>
+      <a:schemeClr val="accent5">
+        <a:tint val="50000"/>
+      </a:schemeClr>
+      <a:schemeClr val="accent6">
+        <a:tint val="20000"/>
+      </a:schemeClr>
+    </dgm:fillClrLst>
+    <dgm:linClrLst meth="repeat">
+      <a:schemeClr val="lt1"/>
+    </dgm:linClrLst>
+    <dgm:effectClrLst/>
+    <dgm:txLinClrLst/>
+    <dgm:txFillClrLst meth="repeat">
+      <a:schemeClr val="lt1"/>
+    </dgm:txFillClrLst>
+    <dgm:txEffectClrLst/>
+  </dgm:styleLbl>
+  <dgm:styleLbl name="sibTrans2D1">
+    <dgm:fillClrLst>
+      <a:schemeClr val="accent5"/>
+      <a:schemeClr val="accent6"/>
+    </dgm:fillClrLst>
+    <dgm:linClrLst meth="repeat">
+      <a:schemeClr val="lt1"/>
+    </dgm:linClrLst>
+    <dgm:effectClrLst/>
+    <dgm:txLinClrLst/>
+    <dgm:txFillClrLst/>
+    <dgm:txEffectClrLst/>
+  </dgm:styleLbl>
+  <dgm:styleLbl name="fgSibTrans2D1">
+    <dgm:fillClrLst>
+      <a:schemeClr val="accent5"/>
+      <a:schemeClr val="accent6"/>
+    </dgm:fillClrLst>
+    <dgm:linClrLst meth="repeat">
+      <a:schemeClr val="lt1"/>
+    </dgm:linClrLst>
+    <dgm:effectClrLst/>
+    <dgm:txLinClrLst/>
+    <dgm:txFillClrLst meth="repeat">
+      <a:schemeClr val="lt1"/>
+    </dgm:txFillClrLst>
+    <dgm:txEffectClrLst/>
+  </dgm:styleLbl>
+  <dgm:styleLbl name="bgSibTrans2D1">
+    <dgm:fillClrLst>
+      <a:schemeClr val="accent5"/>
+      <a:schemeClr val="accent6"/>
+    </dgm:fillClrLst>
+    <dgm:linClrLst meth="repeat">
+      <a:schemeClr val="lt1"/>
+    </dgm:linClrLst>
+    <dgm:effectClrLst/>
+    <dgm:txLinClrLst/>
+    <dgm:txFillClrLst meth="repeat">
+      <a:schemeClr val="lt1"/>
+    </dgm:txFillClrLst>
+    <dgm:txEffectClrLst/>
+  </dgm:styleLbl>
+  <dgm:styleLbl name="sibTrans1D1">
+    <dgm:fillClrLst/>
+    <dgm:linClrLst>
+      <a:schemeClr val="accent5"/>
+      <a:schemeClr val="accent6"/>
+    </dgm:linClrLst>
+    <dgm:effectClrLst/>
+    <dgm:txLinClrLst/>
+    <dgm:txFillClrLst meth="repeat">
+      <a:schemeClr val="tx1"/>
+    </dgm:txFillClrLst>
+    <dgm:txEffectClrLst/>
+  </dgm:styleLbl>
+  <dgm:styleLbl name="callout">
+    <dgm:fillClrLst meth="repeat">
+      <a:schemeClr val="accent5"/>
+    </dgm:fillClrLst>
+    <dgm:linClrLst meth="repeat">
+      <a:schemeClr val="accent5">
+        <a:tint val="50000"/>
+      </a:schemeClr>
+    </dgm:linClrLst>
+    <dgm:effectClrLst/>
+    <dgm:txLinClrLst/>
+    <dgm:txFillClrLst meth="repeat">
+      <a:schemeClr val="tx1"/>
+    </dgm:txFillClrLst>
+    <dgm:txEffectClrLst/>
+  </dgm:styleLbl>
+  <dgm:styleLbl name="asst0">
+    <dgm:fillClrLst meth="repeat">
+      <a:schemeClr val="accent5"/>
+    </dgm:fillClrLst>
+    <dgm:linClrLst meth="repeat">
+      <a:schemeClr val="lt1">
+        <a:shade val="80000"/>
+      </a:schemeClr>
+    </dgm:linClrLst>
+    <dgm:effectClrLst/>
+    <dgm:txLinClrLst/>
+    <dgm:txFillClrLst/>
+    <dgm:txEffectClrLst/>
+  </dgm:styleLbl>
+  <dgm:styleLbl name="asst1">
+    <dgm:fillClrLst meth="repeat">
+      <a:schemeClr val="accent6"/>
+    </dgm:fillClrLst>
+    <dgm:linClrLst meth="repeat">
+      <a:schemeClr val="lt1">
+        <a:shade val="80000"/>
+      </a:schemeClr>
+    </dgm:linClrLst>
+    <dgm:effectClrLst/>
+    <dgm:txLinClrLst/>
+    <dgm:txFillClrLst/>
+    <dgm:txEffectClrLst/>
+  </dgm:styleLbl>
+  <dgm:styleLbl name="asst2">
+    <dgm:fillClrLst>
+      <a:schemeClr val="accent1"/>
+    </dgm:fillClrLst>
+    <dgm:linClrLst meth="repeat">
+      <a:schemeClr val="lt1"/>
+    </dgm:linClrLst>
+    <dgm:effectClrLst/>
+    <dgm:txLinClrLst/>
+    <dgm:txFillClrLst/>
+    <dgm:txEffectClrLst/>
+  </dgm:styleLbl>
+  <dgm:styleLbl name="asst3">
+    <dgm:fillClrLst>
+      <a:schemeClr val="accent2"/>
+    </dgm:fillClrLst>
+    <dgm:linClrLst meth="repeat">
+      <a:schemeClr val="lt1"/>
+    </dgm:linClrLst>
+    <dgm:effectClrLst/>
+    <dgm:txLinClrLst/>
+    <dgm:txFillClrLst/>
+    <dgm:txEffectClrLst/>
+  </dgm:styleLbl>
+  <dgm:styleLbl name="asst4">
+    <dgm:fillClrLst>
+      <a:schemeClr val="accent3"/>
+    </dgm:fillClrLst>
+    <dgm:linClrLst meth="repeat">
+      <a:schemeClr val="lt1"/>
+    </dgm:linClrLst>
+    <dgm:effectClrLst/>
+    <dgm:txLinClrLst/>
+    <dgm:txFillClrLst/>
+    <dgm:txEffectClrLst/>
+  </dgm:styleLbl>
+  <dgm:styleLbl name="parChTrans2D1">
+    <dgm:fillClrLst meth="repeat">
+      <a:schemeClr val="accent5"/>
+    </dgm:fillClrLst>
+    <dgm:linClrLst meth="repeat">
+      <a:schemeClr val="lt1"/>
+    </dgm:linClrLst>
+    <dgm:effectClrLst/>
+    <dgm:txLinClrLst/>
+    <dgm:txFillClrLst meth="repeat">
+      <a:schemeClr val="lt1"/>
+    </dgm:txFillClrLst>
+    <dgm:txEffectClrLst/>
+  </dgm:styleLbl>
+  <dgm:styleLbl name="parChTrans2D2">
+    <dgm:fillClrLst meth="repeat">
+      <a:schemeClr val="accent6"/>
+    </dgm:fillClrLst>
+    <dgm:linClrLst meth="repeat">
+      <a:schemeClr val="lt1"/>
+    </dgm:linClrLst>
+    <dgm:effectClrLst/>
+    <dgm:txLinClrLst/>
+    <dgm:txFillClrLst/>
+    <dgm:txEffectClrLst/>
+  </dgm:styleLbl>
+  <dgm:styleLbl name="parChTrans2D3">
+    <dgm:fillClrLst meth="repeat">
+      <a:schemeClr val="accent6"/>
+    </dgm:fillClrLst>
+    <dgm:linClrLst meth="repeat">
+      <a:schemeClr val="lt1"/>
+    </dgm:linClrLst>
+    <dgm:effectClrLst/>
+    <dgm:txLinClrLst/>
+    <dgm:txFillClrLst/>
+    <dgm:txEffectClrLst/>
+  </dgm:styleLbl>
+  <dgm:styleLbl name="parChTrans2D4">
+    <dgm:fillClrLst meth="repeat">
+      <a:schemeClr val="accent1"/>
+    </dgm:fillClrLst>
+    <dgm:linClrLst meth="repeat">
+      <a:schemeClr val="lt1"/>
+    </dgm:linClrLst>
+    <dgm:effectClrLst/>
+    <dgm:txLinClrLst/>
+    <dgm:txFillClrLst meth="repeat">
+      <a:schemeClr val="lt1"/>
+    </dgm:txFillClrLst>
+    <dgm:txEffectClrLst/>
+  </dgm:styleLbl>
+  <dgm:styleLbl name="parChTrans1D1">
+    <dgm:fillClrLst meth="repeat">
+      <a:schemeClr val="accent5"/>
+    </dgm:fillClrLst>
+    <dgm:linClrLst meth="repeat">
+      <a:schemeClr val="accent5"/>
+    </dgm:linClrLst>
+    <dgm:effectClrLst/>
+    <dgm:txLinClrLst/>
+    <dgm:txFillClrLst meth="repeat">
+      <a:schemeClr val="tx1"/>
+    </dgm:txFillClrLst>
+    <dgm:txEffectClrLst/>
+  </dgm:styleLbl>
+  <dgm:styleLbl name="parChTrans1D2">
+    <dgm:fillClrLst meth="repeat">
+      <a:schemeClr val="accent6">
+        <a:tint val="90000"/>
+      </a:schemeClr>
+    </dgm:fillClrLst>
+    <dgm:linClrLst meth="repeat">
+      <a:schemeClr val="accent6"/>
+    </dgm:linClrLst>
+    <dgm:effectClrLst/>
+    <dgm:txLinClrLst/>
+    <dgm:txFillClrLst meth="repeat">
+      <a:schemeClr val="tx1"/>
+    </dgm:txFillClrLst>
+    <dgm:txEffectClrLst/>
+  </dgm:styleLbl>
+  <dgm:styleLbl name="parChTrans1D3">
+    <dgm:fillClrLst meth="repeat">
+      <a:schemeClr val="accent6">
+        <a:tint val="70000"/>
+      </a:schemeClr>
+    </dgm:fillClrLst>
+    <dgm:linClrLst meth="repeat">
+      <a:schemeClr val="accent1"/>
+    </dgm:linClrLst>
+    <dgm:effectClrLst/>
+    <dgm:txLinClrLst/>
+    <dgm:txFillClrLst meth="repeat">
+      <a:schemeClr val="tx1"/>
+    </dgm:txFillClrLst>
+    <dgm:txEffectClrLst/>
+  </dgm:styleLbl>
+  <dgm:styleLbl name="parChTrans1D4">
+    <dgm:fillClrLst meth="repeat">
+      <a:schemeClr val="accent6">
+        <a:tint val="50000"/>
+      </a:schemeClr>
+    </dgm:fillClrLst>
+    <dgm:linClrLst meth="repeat">
+      <a:schemeClr val="accent2"/>
+    </dgm:linClrLst>
+    <dgm:effectClrLst/>
+    <dgm:txLinClrLst/>
+    <dgm:txFillClrLst meth="repeat">
+      <a:schemeClr val="tx1"/>
+    </dgm:txFillClrLst>
+    <dgm:txEffectClrLst/>
+  </dgm:styleLbl>
+  <dgm:styleLbl name="fgAcc1">
+    <dgm:fillClrLst meth="repeat">
+      <a:schemeClr val="lt1">
+        <a:alpha val="90000"/>
+      </a:schemeClr>
+    </dgm:fillClrLst>
+    <dgm:linClrLst>
+      <a:schemeClr val="accent5"/>
+      <a:schemeClr val="accent6"/>
+    </dgm:linClrLst>
+    <dgm:effectClrLst/>
+    <dgm:txLinClrLst/>
+    <dgm:txFillClrLst meth="repeat">
+      <a:schemeClr val="dk1"/>
+    </dgm:txFillClrLst>
+    <dgm:txEffectClrLst/>
+  </dgm:styleLbl>
+  <dgm:styleLbl name="conFgAcc1">
+    <dgm:fillClrLst meth="repeat">
+      <a:schemeClr val="lt1">
+        <a:alpha val="90000"/>
+      </a:schemeClr>
+    </dgm:fillClrLst>
+    <dgm:linClrLst>
+      <a:schemeClr val="accent5"/>
+      <a:schemeClr val="accent6"/>
+    </dgm:linClrLst>
+    <dgm:effectClrLst/>
+    <dgm:txLinClrLst/>
+    <dgm:txFillClrLst meth="repeat">
+      <a:schemeClr val="dk1"/>
+    </dgm:txFillClrLst>
+    <dgm:txEffectClrLst/>
+  </dgm:styleLbl>
+  <dgm:styleLbl name="alignAcc1">
+    <dgm:fillClrLst meth="repeat">
+      <a:schemeClr val="lt1">
+        <a:alpha val="90000"/>
+      </a:schemeClr>
+    </dgm:fillClrLst>
+    <dgm:linClrLst>
+      <a:schemeClr val="accent5"/>
+      <a:schemeClr val="accent6"/>
+    </dgm:linClrLst>
+    <dgm:effectClrLst/>
+    <dgm:txLinClrLst/>
+    <dgm:txFillClrLst meth="repeat">
+      <a:schemeClr val="dk1"/>
+    </dgm:txFillClrLst>
+    <dgm:txEffectClrLst/>
+  </dgm:styleLbl>
+  <dgm:styleLbl name="trAlignAcc1">
+    <dgm:fillClrLst meth="repeat">
+      <a:schemeClr val="lt1">
+        <a:alpha val="40000"/>
+      </a:schemeClr>
+    </dgm:fillClrLst>
+    <dgm:linClrLst meth="repeat">
+      <a:schemeClr val="accent5"/>
+    </dgm:linClrLst>
+    <dgm:effectClrLst/>
+    <dgm:txLinClrLst/>
+    <dgm:txFillClrLst meth="repeat">
+      <a:schemeClr val="dk1"/>
+    </dgm:txFillClrLst>
+    <dgm:txEffectClrLst/>
+  </dgm:styleLbl>
+  <dgm:styleLbl name="bgAcc1">
+    <dgm:fillClrLst meth="repeat">
+      <a:schemeClr val="lt1">
+        <a:alpha val="90000"/>
+      </a:schemeClr>
+    </dgm:fillClrLst>
+    <dgm:linClrLst>
+      <a:schemeClr val="accent5"/>
+      <a:schemeClr val="accent6"/>
+    </dgm:linClrLst>
+    <dgm:effectClrLst/>
+    <dgm:txLinClrLst/>
+    <dgm:txFillClrLst meth="repeat">
+      <a:schemeClr val="dk1"/>
+    </dgm:txFillClrLst>
+    <dgm:txEffectClrLst/>
+  </dgm:styleLbl>
+  <dgm:styleLbl name="solidFgAcc1">
+    <dgm:fillClrLst meth="repeat">
+      <a:schemeClr val="lt1"/>
+    </dgm:fillClrLst>
+    <dgm:linClrLst>
+      <a:schemeClr val="accent5"/>
+      <a:schemeClr val="accent6"/>
+    </dgm:linClrLst>
+    <dgm:effectClrLst/>
+    <dgm:txLinClrLst/>
+    <dgm:txFillClrLst meth="repeat">
+      <a:schemeClr val="dk1"/>
+    </dgm:txFillClrLst>
+    <dgm:txEffectClrLst/>
+  </dgm:styleLbl>
+  <dgm:styleLbl name="solidAlignAcc1">
+    <dgm:fillClrLst meth="repeat">
+      <a:schemeClr val="lt1"/>
+    </dgm:fillClrLst>
+    <dgm:linClrLst>
+      <a:schemeClr val="accent5"/>
+      <a:schemeClr val="accent6"/>
+    </dgm:linClrLst>
+    <dgm:effectClrLst/>
+    <dgm:txLinClrLst/>
+    <dgm:txFillClrLst meth="repeat">
+      <a:schemeClr val="dk1"/>
+    </dgm:txFillClrLst>
+    <dgm:txEffectClrLst/>
+  </dgm:styleLbl>
+  <dgm:styleLbl name="solidBgAcc1">
+    <dgm:fillClrLst meth="repeat">
+      <a:schemeClr val="lt1"/>
+    </dgm:fillClrLst>
+    <dgm:linClrLst>
+      <a:schemeClr val="accent5"/>
+      <a:schemeClr val="accent6"/>
+    </dgm:linClrLst>
+    <dgm:effectClrLst/>
+    <dgm:txLinClrLst/>
+    <dgm:txFillClrLst meth="repeat">
+      <a:schemeClr val="dk1"/>
+    </dgm:txFillClrLst>
+    <dgm:txEffectClrLst/>
+  </dgm:styleLbl>
+  <dgm:styleLbl name="fgAccFollowNode1">
+    <dgm:fillClrLst>
+      <a:schemeClr val="accent5">
+        <a:tint val="40000"/>
+        <a:alpha val="90000"/>
+      </a:schemeClr>
+      <a:schemeClr val="accent6">
+        <a:tint val="40000"/>
+        <a:alpha val="90000"/>
+      </a:schemeClr>
+    </dgm:fillClrLst>
+    <dgm:linClrLst>
+      <a:schemeClr val="accent5">
+        <a:tint val="40000"/>
+        <a:alpha val="90000"/>
+      </a:schemeClr>
+      <a:schemeClr val="accent5">
+        <a:tint val="40000"/>
+        <a:alpha val="90000"/>
+      </a:schemeClr>
+    </dgm:linClrLst>
+    <dgm:effectClrLst/>
+    <dgm:txLinClrLst/>
+    <dgm:txFillClrLst meth="repeat">
+      <a:schemeClr val="dk1"/>
+    </dgm:txFillClrLst>
+    <dgm:txEffectClrLst/>
+  </dgm:styleLbl>
+  <dgm:styleLbl name="alignAccFollowNode1">
+    <dgm:fillClrLst>
+      <a:schemeClr val="accent5">
+        <a:tint val="40000"/>
+        <a:alpha val="90000"/>
+      </a:schemeClr>
+      <a:schemeClr val="accent6">
+        <a:tint val="40000"/>
+        <a:alpha val="90000"/>
+      </a:schemeClr>
+    </dgm:fillClrLst>
+    <dgm:linClrLst>
+      <a:schemeClr val="accent5">
+        <a:tint val="40000"/>
+        <a:alpha val="90000"/>
+      </a:schemeClr>
+      <a:schemeClr val="accent6">
+        <a:tint val="40000"/>
+        <a:alpha val="90000"/>
+      </a:schemeClr>
+    </dgm:linClrLst>
+    <dgm:effectClrLst/>
+    <dgm:txLinClrLst/>
+    <dgm:txFillClrLst meth="repeat">
+      <a:schemeClr val="dk1"/>
+    </dgm:txFillClrLst>
+    <dgm:txEffectClrLst/>
+  </dgm:styleLbl>
+  <dgm:styleLbl name="bgAccFollowNode1">
+    <dgm:fillClrLst>
+      <a:schemeClr val="accent5">
+        <a:tint val="40000"/>
+        <a:alpha val="90000"/>
+      </a:schemeClr>
+      <a:schemeClr val="accent6">
+        <a:tint val="40000"/>
+        <a:alpha val="90000"/>
+      </a:schemeClr>
+    </dgm:fillClrLst>
+    <dgm:linClrLst>
+      <a:schemeClr val="accent5">
+        <a:tint val="40000"/>
+        <a:alpha val="90000"/>
+      </a:schemeClr>
+      <a:schemeClr val="accent6">
+        <a:tint val="40000"/>
+        <a:alpha val="90000"/>
+      </a:schemeClr>
+    </dgm:linClrLst>
+    <dgm:effectClrLst/>
+    <dgm:txLinClrLst/>
+    <dgm:txFillClrLst meth="repeat">
+      <a:schemeClr val="dk1"/>
+    </dgm:txFillClrLst>
+    <dgm:txEffectClrLst/>
+  </dgm:styleLbl>
+  <dgm:styleLbl name="fgAcc0">
+    <dgm:fillClrLst meth="repeat">
+      <a:schemeClr val="lt1">
+        <a:alpha val="90000"/>
+      </a:schemeClr>
+    </dgm:fillClrLst>
+    <dgm:linClrLst>
+      <a:schemeClr val="accent4"/>
+    </dgm:linClrLst>
+    <dgm:effectClrLst/>
+    <dgm:txLinClrLst/>
+    <dgm:txFillClrLst meth="repeat">
+      <a:schemeClr val="dk1"/>
+    </dgm:txFillClrLst>
+    <dgm:txEffectClrLst/>
+  </dgm:styleLbl>
+  <dgm:styleLbl name="fgAcc2">
+    <dgm:fillClrLst meth="repeat">
+      <a:schemeClr val="lt1">
+        <a:alpha val="90000"/>
+      </a:schemeClr>
+    </dgm:fillClrLst>
+    <dgm:linClrLst>
+      <a:schemeClr val="accent6"/>
+    </dgm:linClrLst>
+    <dgm:effectClrLst/>
+    <dgm:txLinClrLst/>
+    <dgm:txFillClrLst meth="repeat">
+      <a:schemeClr val="dk1"/>
+    </dgm:txFillClrLst>
+    <dgm:txEffectClrLst/>
+  </dgm:styleLbl>
+  <dgm:styleLbl name="fgAcc3">
+    <dgm:fillClrLst meth="repeat">
+      <a:schemeClr val="lt1">
+        <a:alpha val="90000"/>
+      </a:schemeClr>
+    </dgm:fillClrLst>
+    <dgm:linClrLst>
+      <a:schemeClr val="accent1"/>
+    </dgm:linClrLst>
+    <dgm:effectClrLst/>
+    <dgm:txLinClrLst/>
+    <dgm:txFillClrLst meth="repeat">
+      <a:schemeClr val="dk1"/>
+    </dgm:txFillClrLst>
+    <dgm:txEffectClrLst/>
+  </dgm:styleLbl>
+  <dgm:styleLbl name="fgAcc4">
+    <dgm:fillClrLst meth="repeat">
+      <a:schemeClr val="lt1">
+        <a:alpha val="90000"/>
+      </a:schemeClr>
+    </dgm:fillClrLst>
+    <dgm:linClrLst>
+      <a:schemeClr val="accent2"/>
+    </dgm:linClrLst>
+    <dgm:effectClrLst/>
+    <dgm:txLinClrLst/>
+    <dgm:txFillClrLst meth="repeat">
+      <a:schemeClr val="dk1"/>
+    </dgm:txFillClrLst>
+    <dgm:txEffectClrLst/>
+  </dgm:styleLbl>
+  <dgm:styleLbl name="bgShp">
+    <dgm:fillClrLst meth="repeat">
+      <a:schemeClr val="accent5">
+        <a:tint val="40000"/>
+      </a:schemeClr>
+    </dgm:fillClrLst>
+    <dgm:linClrLst meth="repeat">
+      <a:schemeClr val="dk1"/>
+    </dgm:linClrLst>
+    <dgm:effectClrLst/>
+    <dgm:txLinClrLst/>
+    <dgm:txFillClrLst meth="repeat">
+      <a:schemeClr val="dk1"/>
+    </dgm:txFillClrLst>
+    <dgm:txEffectClrLst/>
+  </dgm:styleLbl>
+  <dgm:styleLbl name="dkBgShp">
+    <dgm:fillClrLst meth="repeat">
+      <a:schemeClr val="accent5">
+        <a:shade val="90000"/>
+      </a:schemeClr>
+    </dgm:fillClrLst>
+    <dgm:linClrLst meth="repeat">
+      <a:schemeClr val="dk1"/>
+    </dgm:linClrLst>
+    <dgm:effectClrLst/>
+    <dgm:txLinClrLst/>
+    <dgm:txFillClrLst meth="repeat">
+      <a:schemeClr val="lt1"/>
+    </dgm:txFillClrLst>
+    <dgm:txEffectClrLst/>
+  </dgm:styleLbl>
+  <dgm:styleLbl name="trBgShp">
+    <dgm:fillClrLst meth="repeat">
+      <a:schemeClr val="accent5">
+        <a:tint val="50000"/>
+        <a:alpha val="40000"/>
+      </a:schemeClr>
+    </dgm:fillClrLst>
+    <dgm:linClrLst meth="repeat">
+      <a:schemeClr val="accent5"/>
+    </dgm:linClrLst>
+    <dgm:effectClrLst/>
+    <dgm:txLinClrLst/>
+    <dgm:txFillClrLst meth="repeat">
+      <a:schemeClr val="lt1"/>
+    </dgm:txFillClrLst>
+    <dgm:txEffectClrLst/>
+  </dgm:styleLbl>
+  <dgm:styleLbl name="fgShp">
+    <dgm:fillClrLst meth="repeat">
+      <a:schemeClr val="accent5">
+        <a:tint val="40000"/>
+      </a:schemeClr>
+    </dgm:fillClrLst>
+    <dgm:linClrLst meth="repeat">
+      <a:schemeClr val="lt1"/>
+    </dgm:linClrLst>
+    <dgm:effectClrLst/>
+    <dgm:txLinClrLst/>
+    <dgm:txFillClrLst meth="repeat">
+      <a:schemeClr val="dk1"/>
+    </dgm:txFillClrLst>
+    <dgm:txEffectClrLst/>
+  </dgm:styleLbl>
+  <dgm:styleLbl name="revTx">
+    <dgm:fillClrLst meth="repeat">
+      <a:schemeClr val="lt1">
+        <a:alpha val="0"/>
+      </a:schemeClr>
+    </dgm:fillClrLst>
+    <dgm:linClrLst meth="repeat">
+      <a:schemeClr val="dk1">
+        <a:alpha val="0"/>
+      </a:schemeClr>
+    </dgm:linClrLst>
+    <dgm:effectClrLst/>
+    <dgm:txLinClrLst/>
+    <dgm:txFillClrLst meth="repeat">
+      <a:schemeClr val="tx1"/>
+    </dgm:txFillClrLst>
+    <dgm:txEffectClrLst/>
+  </dgm:styleLbl>
+</dgm:colorsDef>
+</file>
+
+<file path=ppt/diagrams/data1.xml><?xml version="1.0" encoding="utf-8"?>
+<dgm:dataModel xmlns:dgm="http://schemas.openxmlformats.org/drawingml/2006/diagram" xmlns:a="http://schemas.openxmlformats.org/drawingml/2006/main">
+  <dgm:ptLst>
+    <dgm:pt modelId="{B4AB89F2-3914-4BC4-9B8C-AEEEDD62BE7F}" type="doc">
+      <dgm:prSet loTypeId="urn:microsoft.com/office/officeart/2005/8/layout/process1" loCatId="process" qsTypeId="urn:microsoft.com/office/officeart/2005/8/quickstyle/simple1" qsCatId="simple" csTypeId="urn:microsoft.com/office/officeart/2005/8/colors/accent1_2" csCatId="accent1" phldr="1"/>
+      <dgm:spPr/>
+    </dgm:pt>
+    <dgm:pt modelId="{A5B84093-C96B-4162-AC8C-AC814F3AD1BA}">
+      <dgm:prSet phldrT="[Text]"/>
+      <dgm:spPr/>
+      <dgm:t>
+        <a:bodyPr/>
+        <a:lstStyle/>
+        <a:p>
+          <a:r>
+            <a:rPr lang="en-US" dirty="0" smtClean="0"/>
+            <a:t>articles.csv </a:t>
+          </a:r>
+          <a:endParaRPr lang="en-US" dirty="0"/>
+        </a:p>
+      </dgm:t>
+    </dgm:pt>
+    <dgm:pt modelId="{8404C763-E192-4035-9C97-4447D7E2BC97}" type="parTrans" cxnId="{52CFDA53-236E-4637-A580-D86F78186C84}">
+      <dgm:prSet/>
+      <dgm:spPr/>
+      <dgm:t>
+        <a:bodyPr/>
+        <a:lstStyle/>
+        <a:p>
+          <a:endParaRPr lang="en-US"/>
+        </a:p>
+      </dgm:t>
+    </dgm:pt>
+    <dgm:pt modelId="{598719D4-53FB-4C57-805C-FBCF62E12C5E}" type="sibTrans" cxnId="{52CFDA53-236E-4637-A580-D86F78186C84}">
+      <dgm:prSet/>
+      <dgm:spPr/>
+      <dgm:t>
+        <a:bodyPr/>
+        <a:lstStyle/>
+        <a:p>
+          <a:endParaRPr lang="en-US"/>
+        </a:p>
+      </dgm:t>
+    </dgm:pt>
+    <dgm:pt modelId="{007D808C-D6B1-4BC5-B9B5-29CC4427F55D}">
+      <dgm:prSet phldrT="[Text]"/>
+      <dgm:spPr/>
+      <dgm:t>
+        <a:bodyPr/>
+        <a:lstStyle/>
+        <a:p>
+          <a:r>
+            <a:rPr lang="en-US" dirty="0" err="1" smtClean="0"/>
+            <a:t>clean_text</a:t>
+          </a:r>
+          <a:r>
+            <a:rPr lang="en-US" dirty="0" smtClean="0"/>
+            <a:t>() on each abstract</a:t>
+          </a:r>
+          <a:endParaRPr lang="en-US" dirty="0"/>
+        </a:p>
+      </dgm:t>
+    </dgm:pt>
+    <dgm:pt modelId="{24D5B35F-52B8-4D56-B546-2A113720FF5A}" type="parTrans" cxnId="{0FFF4E32-D756-466C-9C0C-9BE7F07A1E7D}">
+      <dgm:prSet/>
+      <dgm:spPr/>
+      <dgm:t>
+        <a:bodyPr/>
+        <a:lstStyle/>
+        <a:p>
+          <a:endParaRPr lang="en-US"/>
+        </a:p>
+      </dgm:t>
+    </dgm:pt>
+    <dgm:pt modelId="{1773950C-C0B0-4D49-91E0-63F5A6A8BDA9}" type="sibTrans" cxnId="{0FFF4E32-D756-466C-9C0C-9BE7F07A1E7D}">
+      <dgm:prSet/>
+      <dgm:spPr/>
+      <dgm:t>
+        <a:bodyPr/>
+        <a:lstStyle/>
+        <a:p>
+          <a:endParaRPr lang="en-US"/>
+        </a:p>
+      </dgm:t>
+    </dgm:pt>
+    <dgm:pt modelId="{FF2AF683-41F5-47CF-8C50-8E2EDC0D9D93}">
+      <dgm:prSet phldrT="[Text]"/>
+      <dgm:spPr/>
+      <dgm:t>
+        <a:bodyPr/>
+        <a:lstStyle/>
+        <a:p>
+          <a:r>
+            <a:rPr lang="en-US" dirty="0" smtClean="0"/>
+            <a:t>Emit: (URL,WORD,COUNT)</a:t>
+          </a:r>
+          <a:br>
+            <a:rPr lang="en-US" dirty="0" smtClean="0"/>
+          </a:br>
+          <a:r>
+            <a:rPr lang="en-US" dirty="0" smtClean="0"/>
+            <a:t>Separated by tabs. URL is key.</a:t>
+          </a:r>
+          <a:endParaRPr lang="en-US" dirty="0"/>
+        </a:p>
+      </dgm:t>
+    </dgm:pt>
+    <dgm:pt modelId="{231DB43F-012B-491D-B957-A5B86538E501}" type="parTrans" cxnId="{0F4D80D3-4209-4D86-9910-2853425D2A00}">
+      <dgm:prSet/>
+      <dgm:spPr/>
+      <dgm:t>
+        <a:bodyPr/>
+        <a:lstStyle/>
+        <a:p>
+          <a:endParaRPr lang="en-US"/>
+        </a:p>
+      </dgm:t>
+    </dgm:pt>
+    <dgm:pt modelId="{486FA0D1-3B24-41B0-960B-D052E370D589}" type="sibTrans" cxnId="{0F4D80D3-4209-4D86-9910-2853425D2A00}">
+      <dgm:prSet/>
+      <dgm:spPr/>
+      <dgm:t>
+        <a:bodyPr/>
+        <a:lstStyle/>
+        <a:p>
+          <a:endParaRPr lang="en-US"/>
+        </a:p>
+      </dgm:t>
+    </dgm:pt>
+    <dgm:pt modelId="{740F6F24-BFD6-45CA-BBB5-CDBA27E96909}">
+      <dgm:prSet phldrT="[Text]"/>
+      <dgm:spPr/>
+      <dgm:t>
+        <a:bodyPr/>
+        <a:lstStyle/>
+        <a:p>
+          <a:r>
+            <a:rPr lang="en-US" dirty="0" smtClean="0"/>
+            <a:t>Word counting</a:t>
+          </a:r>
+          <a:endParaRPr lang="en-US" dirty="0"/>
+        </a:p>
+      </dgm:t>
+    </dgm:pt>
+    <dgm:pt modelId="{F823AFFC-D8D4-4E65-82CE-E1832D0EB6F3}" type="parTrans" cxnId="{8DEFAF52-2812-4E55-A6D8-304B3BDA3513}">
+      <dgm:prSet/>
+      <dgm:spPr/>
+      <dgm:t>
+        <a:bodyPr/>
+        <a:lstStyle/>
+        <a:p>
+          <a:endParaRPr lang="en-US"/>
+        </a:p>
+      </dgm:t>
+    </dgm:pt>
+    <dgm:pt modelId="{ABE65600-B958-4DEE-8C21-282B1E066F53}" type="sibTrans" cxnId="{8DEFAF52-2812-4E55-A6D8-304B3BDA3513}">
+      <dgm:prSet/>
+      <dgm:spPr/>
+      <dgm:t>
+        <a:bodyPr/>
+        <a:lstStyle/>
+        <a:p>
+          <a:endParaRPr lang="en-US"/>
+        </a:p>
+      </dgm:t>
+    </dgm:pt>
+    <dgm:pt modelId="{9929804A-F379-4BEC-96CA-626B73E0B4BB}" type="pres">
+      <dgm:prSet presAssocID="{B4AB89F2-3914-4BC4-9B8C-AEEEDD62BE7F}" presName="Name0" presStyleCnt="0">
+        <dgm:presLayoutVars>
+          <dgm:dir/>
+          <dgm:resizeHandles val="exact"/>
+        </dgm:presLayoutVars>
+      </dgm:prSet>
+      <dgm:spPr/>
+    </dgm:pt>
+    <dgm:pt modelId="{2CCB3FBF-61E2-4489-9A2F-FAB5D6A8765A}" type="pres">
+      <dgm:prSet presAssocID="{A5B84093-C96B-4162-AC8C-AC814F3AD1BA}" presName="node" presStyleLbl="node1" presStyleIdx="0" presStyleCnt="4">
+        <dgm:presLayoutVars>
+          <dgm:bulletEnabled val="1"/>
+        </dgm:presLayoutVars>
+      </dgm:prSet>
+      <dgm:spPr/>
+      <dgm:t>
+        <a:bodyPr/>
+        <a:lstStyle/>
+        <a:p>
+          <a:endParaRPr lang="en-US"/>
+        </a:p>
+      </dgm:t>
+    </dgm:pt>
+    <dgm:pt modelId="{C6BBAB1C-8441-4ED1-9F7B-1AE83F583C7D}" type="pres">
+      <dgm:prSet presAssocID="{598719D4-53FB-4C57-805C-FBCF62E12C5E}" presName="sibTrans" presStyleLbl="sibTrans2D1" presStyleIdx="0" presStyleCnt="3"/>
+      <dgm:spPr/>
+    </dgm:pt>
+    <dgm:pt modelId="{10D1C060-2DDC-4DB5-B36F-519BA4338E82}" type="pres">
+      <dgm:prSet presAssocID="{598719D4-53FB-4C57-805C-FBCF62E12C5E}" presName="connectorText" presStyleLbl="sibTrans2D1" presStyleIdx="0" presStyleCnt="3"/>
+      <dgm:spPr/>
+    </dgm:pt>
+    <dgm:pt modelId="{F82ABD8B-F336-419A-8ED9-2F319D067C56}" type="pres">
+      <dgm:prSet presAssocID="{007D808C-D6B1-4BC5-B9B5-29CC4427F55D}" presName="node" presStyleLbl="node1" presStyleIdx="1" presStyleCnt="4">
+        <dgm:presLayoutVars>
+          <dgm:bulletEnabled val="1"/>
+        </dgm:presLayoutVars>
+      </dgm:prSet>
+      <dgm:spPr/>
+      <dgm:t>
+        <a:bodyPr/>
+        <a:lstStyle/>
+        <a:p>
+          <a:endParaRPr lang="en-US"/>
+        </a:p>
+      </dgm:t>
+    </dgm:pt>
+    <dgm:pt modelId="{D7F30FBA-81D7-4F92-A987-120A33E90E02}" type="pres">
+      <dgm:prSet presAssocID="{1773950C-C0B0-4D49-91E0-63F5A6A8BDA9}" presName="sibTrans" presStyleLbl="sibTrans2D1" presStyleIdx="1" presStyleCnt="3"/>
+      <dgm:spPr/>
+    </dgm:pt>
+    <dgm:pt modelId="{4CB76957-40FE-4C55-B0BC-2BE9EC66F62C}" type="pres">
+      <dgm:prSet presAssocID="{1773950C-C0B0-4D49-91E0-63F5A6A8BDA9}" presName="connectorText" presStyleLbl="sibTrans2D1" presStyleIdx="1" presStyleCnt="3"/>
+      <dgm:spPr/>
+    </dgm:pt>
+    <dgm:pt modelId="{FB687F3F-0590-4628-A043-32446B5DD71C}" type="pres">
+      <dgm:prSet presAssocID="{740F6F24-BFD6-45CA-BBB5-CDBA27E96909}" presName="node" presStyleLbl="node1" presStyleIdx="2" presStyleCnt="4">
+        <dgm:presLayoutVars>
+          <dgm:bulletEnabled val="1"/>
+        </dgm:presLayoutVars>
+      </dgm:prSet>
+      <dgm:spPr/>
+    </dgm:pt>
+    <dgm:pt modelId="{2A00525E-DAFE-46B4-8A28-FB4F2E89ADA8}" type="pres">
+      <dgm:prSet presAssocID="{ABE65600-B958-4DEE-8C21-282B1E066F53}" presName="sibTrans" presStyleLbl="sibTrans2D1" presStyleIdx="2" presStyleCnt="3"/>
+      <dgm:spPr/>
+    </dgm:pt>
+    <dgm:pt modelId="{73E1E310-1E66-4F51-8FA0-40F0FF6D3D21}" type="pres">
+      <dgm:prSet presAssocID="{ABE65600-B958-4DEE-8C21-282B1E066F53}" presName="connectorText" presStyleLbl="sibTrans2D1" presStyleIdx="2" presStyleCnt="3"/>
+      <dgm:spPr/>
+    </dgm:pt>
+    <dgm:pt modelId="{2E14C3FF-DB5C-4362-B5A5-000EC0CBCE97}" type="pres">
+      <dgm:prSet presAssocID="{FF2AF683-41F5-47CF-8C50-8E2EDC0D9D93}" presName="node" presStyleLbl="node1" presStyleIdx="3" presStyleCnt="4">
+        <dgm:presLayoutVars>
+          <dgm:bulletEnabled val="1"/>
+        </dgm:presLayoutVars>
+      </dgm:prSet>
+      <dgm:spPr/>
+      <dgm:t>
+        <a:bodyPr/>
+        <a:lstStyle/>
+        <a:p>
+          <a:endParaRPr lang="en-US"/>
+        </a:p>
+      </dgm:t>
+    </dgm:pt>
+  </dgm:ptLst>
+  <dgm:cxnLst>
+    <dgm:cxn modelId="{BC73618F-25D1-44C1-A768-1C05F71E7044}" type="presOf" srcId="{FF2AF683-41F5-47CF-8C50-8E2EDC0D9D93}" destId="{2E14C3FF-DB5C-4362-B5A5-000EC0CBCE97}" srcOrd="0" destOrd="0" presId="urn:microsoft.com/office/officeart/2005/8/layout/process1"/>
+    <dgm:cxn modelId="{7D6014F7-23D1-4301-9CE7-0627EFD15E6B}" type="presOf" srcId="{1773950C-C0B0-4D49-91E0-63F5A6A8BDA9}" destId="{4CB76957-40FE-4C55-B0BC-2BE9EC66F62C}" srcOrd="1" destOrd="0" presId="urn:microsoft.com/office/officeart/2005/8/layout/process1"/>
+    <dgm:cxn modelId="{A2CFD06E-0DAA-40EF-8DB9-DC59ED0C9260}" type="presOf" srcId="{ABE65600-B958-4DEE-8C21-282B1E066F53}" destId="{2A00525E-DAFE-46B4-8A28-FB4F2E89ADA8}" srcOrd="0" destOrd="0" presId="urn:microsoft.com/office/officeart/2005/8/layout/process1"/>
+    <dgm:cxn modelId="{52CFDA53-236E-4637-A580-D86F78186C84}" srcId="{B4AB89F2-3914-4BC4-9B8C-AEEEDD62BE7F}" destId="{A5B84093-C96B-4162-AC8C-AC814F3AD1BA}" srcOrd="0" destOrd="0" parTransId="{8404C763-E192-4035-9C97-4447D7E2BC97}" sibTransId="{598719D4-53FB-4C57-805C-FBCF62E12C5E}"/>
+    <dgm:cxn modelId="{0FFF4E32-D756-466C-9C0C-9BE7F07A1E7D}" srcId="{B4AB89F2-3914-4BC4-9B8C-AEEEDD62BE7F}" destId="{007D808C-D6B1-4BC5-B9B5-29CC4427F55D}" srcOrd="1" destOrd="0" parTransId="{24D5B35F-52B8-4D56-B546-2A113720FF5A}" sibTransId="{1773950C-C0B0-4D49-91E0-63F5A6A8BDA9}"/>
+    <dgm:cxn modelId="{B2CB3F14-DA1B-4FE0-A67A-46193A3AF02F}" type="presOf" srcId="{598719D4-53FB-4C57-805C-FBCF62E12C5E}" destId="{C6BBAB1C-8441-4ED1-9F7B-1AE83F583C7D}" srcOrd="0" destOrd="0" presId="urn:microsoft.com/office/officeart/2005/8/layout/process1"/>
+    <dgm:cxn modelId="{D997F622-E1BC-44C1-8852-495E8BD17FB7}" type="presOf" srcId="{ABE65600-B958-4DEE-8C21-282B1E066F53}" destId="{73E1E310-1E66-4F51-8FA0-40F0FF6D3D21}" srcOrd="1" destOrd="0" presId="urn:microsoft.com/office/officeart/2005/8/layout/process1"/>
+    <dgm:cxn modelId="{0E8B760D-AB17-4AC7-B5C9-A46298142E9D}" type="presOf" srcId="{A5B84093-C96B-4162-AC8C-AC814F3AD1BA}" destId="{2CCB3FBF-61E2-4489-9A2F-FAB5D6A8765A}" srcOrd="0" destOrd="0" presId="urn:microsoft.com/office/officeart/2005/8/layout/process1"/>
+    <dgm:cxn modelId="{3802DB3B-DBCE-4732-A44B-7FB5B7FFDAB4}" type="presOf" srcId="{007D808C-D6B1-4BC5-B9B5-29CC4427F55D}" destId="{F82ABD8B-F336-419A-8ED9-2F319D067C56}" srcOrd="0" destOrd="0" presId="urn:microsoft.com/office/officeart/2005/8/layout/process1"/>
+    <dgm:cxn modelId="{93F72CE7-4FAE-4943-940A-AFADA97E7851}" type="presOf" srcId="{740F6F24-BFD6-45CA-BBB5-CDBA27E96909}" destId="{FB687F3F-0590-4628-A043-32446B5DD71C}" srcOrd="0" destOrd="0" presId="urn:microsoft.com/office/officeart/2005/8/layout/process1"/>
+    <dgm:cxn modelId="{2C32DC60-9392-4128-B914-AD8747838DE3}" type="presOf" srcId="{598719D4-53FB-4C57-805C-FBCF62E12C5E}" destId="{10D1C060-2DDC-4DB5-B36F-519BA4338E82}" srcOrd="1" destOrd="0" presId="urn:microsoft.com/office/officeart/2005/8/layout/process1"/>
+    <dgm:cxn modelId="{86EAE598-7E34-4AE9-835E-44E31728BD7E}" type="presOf" srcId="{B4AB89F2-3914-4BC4-9B8C-AEEEDD62BE7F}" destId="{9929804A-F379-4BEC-96CA-626B73E0B4BB}" srcOrd="0" destOrd="0" presId="urn:microsoft.com/office/officeart/2005/8/layout/process1"/>
+    <dgm:cxn modelId="{136E355B-9F1D-42E3-9393-25A62C52D6E6}" type="presOf" srcId="{1773950C-C0B0-4D49-91E0-63F5A6A8BDA9}" destId="{D7F30FBA-81D7-4F92-A987-120A33E90E02}" srcOrd="0" destOrd="0" presId="urn:microsoft.com/office/officeart/2005/8/layout/process1"/>
+    <dgm:cxn modelId="{0F4D80D3-4209-4D86-9910-2853425D2A00}" srcId="{B4AB89F2-3914-4BC4-9B8C-AEEEDD62BE7F}" destId="{FF2AF683-41F5-47CF-8C50-8E2EDC0D9D93}" srcOrd="3" destOrd="0" parTransId="{231DB43F-012B-491D-B957-A5B86538E501}" sibTransId="{486FA0D1-3B24-41B0-960B-D052E370D589}"/>
+    <dgm:cxn modelId="{8DEFAF52-2812-4E55-A6D8-304B3BDA3513}" srcId="{B4AB89F2-3914-4BC4-9B8C-AEEEDD62BE7F}" destId="{740F6F24-BFD6-45CA-BBB5-CDBA27E96909}" srcOrd="2" destOrd="0" parTransId="{F823AFFC-D8D4-4E65-82CE-E1832D0EB6F3}" sibTransId="{ABE65600-B958-4DEE-8C21-282B1E066F53}"/>
+    <dgm:cxn modelId="{48212D1A-EB1E-4ECE-AB16-0858086D378B}" type="presParOf" srcId="{9929804A-F379-4BEC-96CA-626B73E0B4BB}" destId="{2CCB3FBF-61E2-4489-9A2F-FAB5D6A8765A}" srcOrd="0" destOrd="0" presId="urn:microsoft.com/office/officeart/2005/8/layout/process1"/>
+    <dgm:cxn modelId="{92009462-1B18-4037-96B3-C2974556CABC}" type="presParOf" srcId="{9929804A-F379-4BEC-96CA-626B73E0B4BB}" destId="{C6BBAB1C-8441-4ED1-9F7B-1AE83F583C7D}" srcOrd="1" destOrd="0" presId="urn:microsoft.com/office/officeart/2005/8/layout/process1"/>
+    <dgm:cxn modelId="{1208627B-17C9-42F4-87A2-A5469026A20F}" type="presParOf" srcId="{C6BBAB1C-8441-4ED1-9F7B-1AE83F583C7D}" destId="{10D1C060-2DDC-4DB5-B36F-519BA4338E82}" srcOrd="0" destOrd="0" presId="urn:microsoft.com/office/officeart/2005/8/layout/process1"/>
+    <dgm:cxn modelId="{FDC8586E-FF31-434A-9FC3-4DD4C690CE3B}" type="presParOf" srcId="{9929804A-F379-4BEC-96CA-626B73E0B4BB}" destId="{F82ABD8B-F336-419A-8ED9-2F319D067C56}" srcOrd="2" destOrd="0" presId="urn:microsoft.com/office/officeart/2005/8/layout/process1"/>
+    <dgm:cxn modelId="{ED7DD318-17B4-4312-8EB6-EB2F2294241C}" type="presParOf" srcId="{9929804A-F379-4BEC-96CA-626B73E0B4BB}" destId="{D7F30FBA-81D7-4F92-A987-120A33E90E02}" srcOrd="3" destOrd="0" presId="urn:microsoft.com/office/officeart/2005/8/layout/process1"/>
+    <dgm:cxn modelId="{3E56E2BC-39B4-43DE-B11E-F0EA6E34F067}" type="presParOf" srcId="{D7F30FBA-81D7-4F92-A987-120A33E90E02}" destId="{4CB76957-40FE-4C55-B0BC-2BE9EC66F62C}" srcOrd="0" destOrd="0" presId="urn:microsoft.com/office/officeart/2005/8/layout/process1"/>
+    <dgm:cxn modelId="{5F966244-30C5-4063-8B3F-4B2422514B60}" type="presParOf" srcId="{9929804A-F379-4BEC-96CA-626B73E0B4BB}" destId="{FB687F3F-0590-4628-A043-32446B5DD71C}" srcOrd="4" destOrd="0" presId="urn:microsoft.com/office/officeart/2005/8/layout/process1"/>
+    <dgm:cxn modelId="{2442369B-6464-4F5F-8897-D92990D94DB9}" type="presParOf" srcId="{9929804A-F379-4BEC-96CA-626B73E0B4BB}" destId="{2A00525E-DAFE-46B4-8A28-FB4F2E89ADA8}" srcOrd="5" destOrd="0" presId="urn:microsoft.com/office/officeart/2005/8/layout/process1"/>
+    <dgm:cxn modelId="{DB8F3993-6ECD-45A1-B7CE-3A0B2B1E4CD2}" type="presParOf" srcId="{2A00525E-DAFE-46B4-8A28-FB4F2E89ADA8}" destId="{73E1E310-1E66-4F51-8FA0-40F0FF6D3D21}" srcOrd="0" destOrd="0" presId="urn:microsoft.com/office/officeart/2005/8/layout/process1"/>
+    <dgm:cxn modelId="{2CE47AB7-7719-4B40-BC36-B151812C767C}" type="presParOf" srcId="{9929804A-F379-4BEC-96CA-626B73E0B4BB}" destId="{2E14C3FF-DB5C-4362-B5A5-000EC0CBCE97}" srcOrd="6" destOrd="0" presId="urn:microsoft.com/office/officeart/2005/8/layout/process1"/>
+  </dgm:cxnLst>
+  <dgm:bg/>
+  <dgm:whole/>
+  <dgm:extLst>
+    <a:ext uri="http://schemas.microsoft.com/office/drawing/2008/diagram">
+      <dsp:dataModelExt xmlns:dsp="http://schemas.microsoft.com/office/drawing/2008/diagram" relId="rId6" minVer="http://schemas.openxmlformats.org/drawingml/2006/diagram"/>
+    </a:ext>
+  </dgm:extLst>
+</dgm:dataModel>
+</file>
+
+<file path=ppt/diagrams/data2.xml><?xml version="1.0" encoding="utf-8"?>
+<dgm:dataModel xmlns:dgm="http://schemas.openxmlformats.org/drawingml/2006/diagram" xmlns:a="http://schemas.openxmlformats.org/drawingml/2006/main">
+  <dgm:ptLst>
+    <dgm:pt modelId="{3096E159-40D3-414A-80F6-250B4D8BFD47}" type="doc">
+      <dgm:prSet loTypeId="urn:microsoft.com/office/officeart/2005/8/layout/process1" loCatId="process" qsTypeId="urn:microsoft.com/office/officeart/2005/8/quickstyle/simple1" qsCatId="simple" csTypeId="urn:microsoft.com/office/officeart/2005/8/colors/colorful5" csCatId="colorful" phldr="1"/>
+      <dgm:spPr/>
+    </dgm:pt>
+    <dgm:pt modelId="{E5702974-0ED9-4643-BAC1-110A83A02B58}">
+      <dgm:prSet phldrT="[Text]"/>
+      <dgm:spPr/>
+      <dgm:t>
+        <a:bodyPr/>
+        <a:lstStyle/>
+        <a:p>
+          <a:r>
+            <a:rPr lang="en-US" dirty="0" smtClean="0"/>
+            <a:t>Mapper output</a:t>
+          </a:r>
+          <a:endParaRPr lang="en-US" dirty="0"/>
+        </a:p>
+      </dgm:t>
+    </dgm:pt>
+    <dgm:pt modelId="{04E0E73D-15E7-4C78-AB3E-25665872F886}" type="parTrans" cxnId="{830DC654-9D76-46FE-ADBD-1E904728BC16}">
+      <dgm:prSet/>
+      <dgm:spPr/>
+      <dgm:t>
+        <a:bodyPr/>
+        <a:lstStyle/>
+        <a:p>
+          <a:endParaRPr lang="en-US"/>
+        </a:p>
+      </dgm:t>
+    </dgm:pt>
+    <dgm:pt modelId="{4BFEE441-A433-4286-B540-F49EC5C239F8}" type="sibTrans" cxnId="{830DC654-9D76-46FE-ADBD-1E904728BC16}">
+      <dgm:prSet/>
+      <dgm:spPr/>
+      <dgm:t>
+        <a:bodyPr/>
+        <a:lstStyle/>
+        <a:p>
+          <a:endParaRPr lang="en-US"/>
+        </a:p>
+      </dgm:t>
+    </dgm:pt>
+    <dgm:pt modelId="{32A4DBDD-6A40-41A5-8BFC-87F0A156C9F7}">
+      <dgm:prSet phldrT="[Text]"/>
+      <dgm:spPr/>
+      <dgm:t>
+        <a:bodyPr/>
+        <a:lstStyle/>
+        <a:p>
+          <a:r>
+            <a:rPr lang="en-US" dirty="0" err="1" smtClean="0"/>
+            <a:t>tf-idf</a:t>
+          </a:r>
+          <a:r>
+            <a:rPr lang="en-US" dirty="0" smtClean="0"/>
+            <a:t> vectors</a:t>
+          </a:r>
+          <a:endParaRPr lang="en-US" dirty="0"/>
+        </a:p>
+      </dgm:t>
+    </dgm:pt>
+    <dgm:pt modelId="{1FC39C56-D9E5-4754-B776-89D996BBB99E}" type="parTrans" cxnId="{3F0A8112-CB4C-4220-A76A-591AD6CC239B}">
+      <dgm:prSet/>
+      <dgm:spPr/>
+      <dgm:t>
+        <a:bodyPr/>
+        <a:lstStyle/>
+        <a:p>
+          <a:endParaRPr lang="en-US"/>
+        </a:p>
+      </dgm:t>
+    </dgm:pt>
+    <dgm:pt modelId="{0DFE6958-23C7-4DC3-B3CA-4064FEE42DFC}" type="sibTrans" cxnId="{3F0A8112-CB4C-4220-A76A-591AD6CC239B}">
+      <dgm:prSet/>
+      <dgm:spPr/>
+      <dgm:t>
+        <a:bodyPr/>
+        <a:lstStyle/>
+        <a:p>
+          <a:endParaRPr lang="en-US"/>
+        </a:p>
+      </dgm:t>
+    </dgm:pt>
+    <dgm:pt modelId="{5A531D99-B84E-4AF3-A437-B8448FE4E2B9}">
+      <dgm:prSet phldrT="[Text]"/>
+      <dgm:spPr/>
+      <dgm:t>
+        <a:bodyPr/>
+        <a:lstStyle/>
+        <a:p>
+          <a:r>
+            <a:rPr lang="en-US" dirty="0" smtClean="0"/>
+            <a:t>Emitted: (URL, </a:t>
+          </a:r>
+          <a:r>
+            <a:rPr lang="en-US" dirty="0" err="1" smtClean="0"/>
+            <a:t>tf-idf</a:t>
+          </a:r>
+          <a:r>
+            <a:rPr lang="en-US" dirty="0" smtClean="0"/>
+            <a:t> vector)</a:t>
+          </a:r>
+        </a:p>
+        <a:p>
+          <a:r>
+            <a:rPr lang="en-US" dirty="0" smtClean="0"/>
+            <a:t>In JSON.</a:t>
+          </a:r>
+          <a:endParaRPr lang="en-US" dirty="0"/>
+        </a:p>
+      </dgm:t>
+    </dgm:pt>
+    <dgm:pt modelId="{1D605A95-D13E-488D-ADB8-CE5AFC00AF23}" type="parTrans" cxnId="{AE8624F8-4BE8-4032-B704-C9521473D0D5}">
+      <dgm:prSet/>
+      <dgm:spPr/>
+      <dgm:t>
+        <a:bodyPr/>
+        <a:lstStyle/>
+        <a:p>
+          <a:endParaRPr lang="en-US"/>
+        </a:p>
+      </dgm:t>
+    </dgm:pt>
+    <dgm:pt modelId="{8933FFE8-EDB2-4C29-B310-A01A92F37602}" type="sibTrans" cxnId="{AE8624F8-4BE8-4032-B704-C9521473D0D5}">
+      <dgm:prSet/>
+      <dgm:spPr/>
+      <dgm:t>
+        <a:bodyPr/>
+        <a:lstStyle/>
+        <a:p>
+          <a:endParaRPr lang="en-US"/>
+        </a:p>
+      </dgm:t>
+    </dgm:pt>
+    <dgm:pt modelId="{2B3ED628-E4B6-4798-BE01-D41BCE33D47D}" type="pres">
+      <dgm:prSet presAssocID="{3096E159-40D3-414A-80F6-250B4D8BFD47}" presName="Name0" presStyleCnt="0">
+        <dgm:presLayoutVars>
+          <dgm:dir/>
+          <dgm:resizeHandles val="exact"/>
+        </dgm:presLayoutVars>
+      </dgm:prSet>
+      <dgm:spPr/>
+    </dgm:pt>
+    <dgm:pt modelId="{57822964-2392-40EC-85E4-20F152301F81}" type="pres">
+      <dgm:prSet presAssocID="{E5702974-0ED9-4643-BAC1-110A83A02B58}" presName="node" presStyleLbl="node1" presStyleIdx="0" presStyleCnt="3">
+        <dgm:presLayoutVars>
+          <dgm:bulletEnabled val="1"/>
+        </dgm:presLayoutVars>
+      </dgm:prSet>
+      <dgm:spPr/>
+    </dgm:pt>
+    <dgm:pt modelId="{6C1FC4BC-1E72-496C-A0C3-422352D72408}" type="pres">
+      <dgm:prSet presAssocID="{4BFEE441-A433-4286-B540-F49EC5C239F8}" presName="sibTrans" presStyleLbl="sibTrans2D1" presStyleIdx="0" presStyleCnt="2"/>
+      <dgm:spPr/>
+    </dgm:pt>
+    <dgm:pt modelId="{22BE713E-402A-4492-8E6F-23C36AA26DE6}" type="pres">
+      <dgm:prSet presAssocID="{4BFEE441-A433-4286-B540-F49EC5C239F8}" presName="connectorText" presStyleLbl="sibTrans2D1" presStyleIdx="0" presStyleCnt="2"/>
+      <dgm:spPr/>
+    </dgm:pt>
+    <dgm:pt modelId="{01E74070-BC89-4E6C-B7B6-2C389AC66633}" type="pres">
+      <dgm:prSet presAssocID="{32A4DBDD-6A40-41A5-8BFC-87F0A156C9F7}" presName="node" presStyleLbl="node1" presStyleIdx="1" presStyleCnt="3">
+        <dgm:presLayoutVars>
+          <dgm:bulletEnabled val="1"/>
+        </dgm:presLayoutVars>
+      </dgm:prSet>
+      <dgm:spPr/>
+      <dgm:t>
+        <a:bodyPr/>
+        <a:lstStyle/>
+        <a:p>
+          <a:endParaRPr lang="en-US"/>
+        </a:p>
+      </dgm:t>
+    </dgm:pt>
+    <dgm:pt modelId="{B640E2EA-7CD7-4A75-9991-ABAA1449AC7D}" type="pres">
+      <dgm:prSet presAssocID="{0DFE6958-23C7-4DC3-B3CA-4064FEE42DFC}" presName="sibTrans" presStyleLbl="sibTrans2D1" presStyleIdx="1" presStyleCnt="2"/>
+      <dgm:spPr/>
+    </dgm:pt>
+    <dgm:pt modelId="{7D1F9921-E645-45D0-9105-0FAFB0428E2D}" type="pres">
+      <dgm:prSet presAssocID="{0DFE6958-23C7-4DC3-B3CA-4064FEE42DFC}" presName="connectorText" presStyleLbl="sibTrans2D1" presStyleIdx="1" presStyleCnt="2"/>
+      <dgm:spPr/>
+    </dgm:pt>
+    <dgm:pt modelId="{201AA08F-03A7-47E4-BE01-E48D1FAB16DA}" type="pres">
+      <dgm:prSet presAssocID="{5A531D99-B84E-4AF3-A437-B8448FE4E2B9}" presName="node" presStyleLbl="node1" presStyleIdx="2" presStyleCnt="3">
+        <dgm:presLayoutVars>
+          <dgm:bulletEnabled val="1"/>
+        </dgm:presLayoutVars>
+      </dgm:prSet>
+      <dgm:spPr/>
+      <dgm:t>
+        <a:bodyPr/>
+        <a:lstStyle/>
+        <a:p>
+          <a:endParaRPr lang="en-US"/>
+        </a:p>
+      </dgm:t>
+    </dgm:pt>
+  </dgm:ptLst>
+  <dgm:cxnLst>
+    <dgm:cxn modelId="{E38ED4C2-44CD-4FDC-AD26-44BCE46A6958}" type="presOf" srcId="{32A4DBDD-6A40-41A5-8BFC-87F0A156C9F7}" destId="{01E74070-BC89-4E6C-B7B6-2C389AC66633}" srcOrd="0" destOrd="0" presId="urn:microsoft.com/office/officeart/2005/8/layout/process1"/>
+    <dgm:cxn modelId="{AE8624F8-4BE8-4032-B704-C9521473D0D5}" srcId="{3096E159-40D3-414A-80F6-250B4D8BFD47}" destId="{5A531D99-B84E-4AF3-A437-B8448FE4E2B9}" srcOrd="2" destOrd="0" parTransId="{1D605A95-D13E-488D-ADB8-CE5AFC00AF23}" sibTransId="{8933FFE8-EDB2-4C29-B310-A01A92F37602}"/>
+    <dgm:cxn modelId="{60E91877-EF16-4413-B98B-B86A9F10EA30}" type="presOf" srcId="{0DFE6958-23C7-4DC3-B3CA-4064FEE42DFC}" destId="{B640E2EA-7CD7-4A75-9991-ABAA1449AC7D}" srcOrd="0" destOrd="0" presId="urn:microsoft.com/office/officeart/2005/8/layout/process1"/>
+    <dgm:cxn modelId="{B534C948-4EFB-4B3B-BAEF-AC208D422F16}" type="presOf" srcId="{E5702974-0ED9-4643-BAC1-110A83A02B58}" destId="{57822964-2392-40EC-85E4-20F152301F81}" srcOrd="0" destOrd="0" presId="urn:microsoft.com/office/officeart/2005/8/layout/process1"/>
+    <dgm:cxn modelId="{85EABAA7-D7A4-4AB7-B22B-9712989B93F0}" type="presOf" srcId="{5A531D99-B84E-4AF3-A437-B8448FE4E2B9}" destId="{201AA08F-03A7-47E4-BE01-E48D1FAB16DA}" srcOrd="0" destOrd="0" presId="urn:microsoft.com/office/officeart/2005/8/layout/process1"/>
+    <dgm:cxn modelId="{830DC654-9D76-46FE-ADBD-1E904728BC16}" srcId="{3096E159-40D3-414A-80F6-250B4D8BFD47}" destId="{E5702974-0ED9-4643-BAC1-110A83A02B58}" srcOrd="0" destOrd="0" parTransId="{04E0E73D-15E7-4C78-AB3E-25665872F886}" sibTransId="{4BFEE441-A433-4286-B540-F49EC5C239F8}"/>
+    <dgm:cxn modelId="{C663987D-0204-4D51-BCB5-6781FFC544DE}" type="presOf" srcId="{0DFE6958-23C7-4DC3-B3CA-4064FEE42DFC}" destId="{7D1F9921-E645-45D0-9105-0FAFB0428E2D}" srcOrd="1" destOrd="0" presId="urn:microsoft.com/office/officeart/2005/8/layout/process1"/>
+    <dgm:cxn modelId="{3F0A8112-CB4C-4220-A76A-591AD6CC239B}" srcId="{3096E159-40D3-414A-80F6-250B4D8BFD47}" destId="{32A4DBDD-6A40-41A5-8BFC-87F0A156C9F7}" srcOrd="1" destOrd="0" parTransId="{1FC39C56-D9E5-4754-B776-89D996BBB99E}" sibTransId="{0DFE6958-23C7-4DC3-B3CA-4064FEE42DFC}"/>
+    <dgm:cxn modelId="{05F15B23-488E-4657-95E0-C5A2DDB81C8E}" type="presOf" srcId="{3096E159-40D3-414A-80F6-250B4D8BFD47}" destId="{2B3ED628-E4B6-4798-BE01-D41BCE33D47D}" srcOrd="0" destOrd="0" presId="urn:microsoft.com/office/officeart/2005/8/layout/process1"/>
+    <dgm:cxn modelId="{A50BDEDF-E043-42B0-9EAD-297975E613AD}" type="presOf" srcId="{4BFEE441-A433-4286-B540-F49EC5C239F8}" destId="{22BE713E-402A-4492-8E6F-23C36AA26DE6}" srcOrd="1" destOrd="0" presId="urn:microsoft.com/office/officeart/2005/8/layout/process1"/>
+    <dgm:cxn modelId="{ED8C808E-F974-44FB-8450-39F467C7B685}" type="presOf" srcId="{4BFEE441-A433-4286-B540-F49EC5C239F8}" destId="{6C1FC4BC-1E72-496C-A0C3-422352D72408}" srcOrd="0" destOrd="0" presId="urn:microsoft.com/office/officeart/2005/8/layout/process1"/>
+    <dgm:cxn modelId="{6EEFC292-3BE3-4245-A4FB-E2F6E9B3CDC3}" type="presParOf" srcId="{2B3ED628-E4B6-4798-BE01-D41BCE33D47D}" destId="{57822964-2392-40EC-85E4-20F152301F81}" srcOrd="0" destOrd="0" presId="urn:microsoft.com/office/officeart/2005/8/layout/process1"/>
+    <dgm:cxn modelId="{FA1863FB-7880-4EA5-87DD-976E569D67C0}" type="presParOf" srcId="{2B3ED628-E4B6-4798-BE01-D41BCE33D47D}" destId="{6C1FC4BC-1E72-496C-A0C3-422352D72408}" srcOrd="1" destOrd="0" presId="urn:microsoft.com/office/officeart/2005/8/layout/process1"/>
+    <dgm:cxn modelId="{BC55DE40-2CB0-44C7-A76A-2E9CECDFAD68}" type="presParOf" srcId="{6C1FC4BC-1E72-496C-A0C3-422352D72408}" destId="{22BE713E-402A-4492-8E6F-23C36AA26DE6}" srcOrd="0" destOrd="0" presId="urn:microsoft.com/office/officeart/2005/8/layout/process1"/>
+    <dgm:cxn modelId="{CF572A77-A54E-466A-9D60-9374D2D85906}" type="presParOf" srcId="{2B3ED628-E4B6-4798-BE01-D41BCE33D47D}" destId="{01E74070-BC89-4E6C-B7B6-2C389AC66633}" srcOrd="2" destOrd="0" presId="urn:microsoft.com/office/officeart/2005/8/layout/process1"/>
+    <dgm:cxn modelId="{4B5B3D09-8F15-4490-8600-452852A023DD}" type="presParOf" srcId="{2B3ED628-E4B6-4798-BE01-D41BCE33D47D}" destId="{B640E2EA-7CD7-4A75-9991-ABAA1449AC7D}" srcOrd="3" destOrd="0" presId="urn:microsoft.com/office/officeart/2005/8/layout/process1"/>
+    <dgm:cxn modelId="{FBC8C38B-2DBB-4317-AD0B-D1543D146C58}" type="presParOf" srcId="{B640E2EA-7CD7-4A75-9991-ABAA1449AC7D}" destId="{7D1F9921-E645-45D0-9105-0FAFB0428E2D}" srcOrd="0" destOrd="0" presId="urn:microsoft.com/office/officeart/2005/8/layout/process1"/>
+    <dgm:cxn modelId="{65FD2B57-3937-4960-8758-4450164422AF}" type="presParOf" srcId="{2B3ED628-E4B6-4798-BE01-D41BCE33D47D}" destId="{201AA08F-03A7-47E4-BE01-E48D1FAB16DA}" srcOrd="4" destOrd="0" presId="urn:microsoft.com/office/officeart/2005/8/layout/process1"/>
+  </dgm:cxnLst>
+  <dgm:bg/>
+  <dgm:whole/>
+  <dgm:extLst>
+    <a:ext uri="http://schemas.microsoft.com/office/drawing/2008/diagram">
+      <dsp:dataModelExt xmlns:dsp="http://schemas.microsoft.com/office/drawing/2008/diagram" relId="rId6" minVer="http://schemas.openxmlformats.org/drawingml/2006/diagram"/>
+    </a:ext>
+  </dgm:extLst>
+</dgm:dataModel>
+</file>
+
+<file path=ppt/diagrams/drawing1.xml><?xml version="1.0" encoding="utf-8"?>
+<dsp:drawing xmlns:dgm="http://schemas.openxmlformats.org/drawingml/2006/diagram" xmlns:dsp="http://schemas.microsoft.com/office/drawing/2008/diagram" xmlns:a="http://schemas.openxmlformats.org/drawingml/2006/main">
+  <dsp:spTree>
+    <dsp:nvGrpSpPr>
+      <dsp:cNvPr id="0" name=""/>
+      <dsp:cNvGrpSpPr/>
+    </dsp:nvGrpSpPr>
+    <dsp:grpSpPr/>
+    <dsp:sp modelId="{2CCB3FBF-61E2-4489-9A2F-FAB5D6A8765A}">
+      <dsp:nvSpPr>
+        <dsp:cNvPr id="0" name=""/>
+        <dsp:cNvSpPr/>
+      </dsp:nvSpPr>
+      <dsp:spPr>
+        <a:xfrm>
+          <a:off x="4621" y="1569532"/>
+          <a:ext cx="2020453" cy="1212272"/>
+        </a:xfrm>
+        <a:prstGeom prst="roundRect">
+          <a:avLst>
+            <a:gd name="adj" fmla="val 10000"/>
+          </a:avLst>
+        </a:prstGeom>
+        <a:solidFill>
+          <a:schemeClr val="accent1">
+            <a:hueOff val="0"/>
+            <a:satOff val="0"/>
+            <a:lumOff val="0"/>
+            <a:alphaOff val="0"/>
+          </a:schemeClr>
+        </a:solidFill>
+        <a:ln w="12700" cap="flat" cmpd="sng" algn="ctr">
+          <a:solidFill>
+            <a:schemeClr val="lt1">
+              <a:hueOff val="0"/>
+              <a:satOff val="0"/>
+              <a:lumOff val="0"/>
+              <a:alphaOff val="0"/>
+            </a:schemeClr>
+          </a:solidFill>
+          <a:prstDash val="solid"/>
+          <a:miter lim="800000"/>
+        </a:ln>
+        <a:effectLst/>
+      </dsp:spPr>
+      <dsp:style>
+        <a:lnRef idx="2">
+          <a:scrgbClr r="0" g="0" b="0"/>
+        </a:lnRef>
+        <a:fillRef idx="1">
+          <a:scrgbClr r="0" g="0" b="0"/>
+        </a:fillRef>
+        <a:effectRef idx="0">
+          <a:scrgbClr r="0" g="0" b="0"/>
+        </a:effectRef>
+        <a:fontRef idx="minor">
+          <a:schemeClr val="lt1"/>
+        </a:fontRef>
+      </dsp:style>
+      <dsp:txBody>
+        <a:bodyPr spcFirstLastPara="0" vert="horz" wrap="square" lIns="64770" tIns="64770" rIns="64770" bIns="64770" numCol="1" spcCol="1270" anchor="ctr" anchorCtr="0">
+          <a:noAutofit/>
+        </a:bodyPr>
+        <a:lstStyle/>
+        <a:p>
+          <a:pPr lvl="0" algn="ctr" defTabSz="755650">
+            <a:lnSpc>
+              <a:spcPct val="90000"/>
+            </a:lnSpc>
+            <a:spcBef>
+              <a:spcPct val="0"/>
+            </a:spcBef>
+            <a:spcAft>
+              <a:spcPct val="35000"/>
+            </a:spcAft>
+          </a:pPr>
+          <a:r>
+            <a:rPr lang="en-US" sz="1700" kern="1200" dirty="0" smtClean="0"/>
+            <a:t>articles.csv </a:t>
+          </a:r>
+          <a:endParaRPr lang="en-US" sz="1700" kern="1200" dirty="0"/>
+        </a:p>
+      </dsp:txBody>
+      <dsp:txXfrm>
+        <a:off x="40127" y="1605038"/>
+        <a:ext cx="1949441" cy="1141260"/>
+      </dsp:txXfrm>
+    </dsp:sp>
+    <dsp:sp modelId="{C6BBAB1C-8441-4ED1-9F7B-1AE83F583C7D}">
+      <dsp:nvSpPr>
+        <dsp:cNvPr id="0" name=""/>
+        <dsp:cNvSpPr/>
+      </dsp:nvSpPr>
+      <dsp:spPr>
+        <a:xfrm>
+          <a:off x="2227119" y="1925132"/>
+          <a:ext cx="428336" cy="501072"/>
+        </a:xfrm>
+        <a:prstGeom prst="rightArrow">
+          <a:avLst>
+            <a:gd name="adj1" fmla="val 60000"/>
+            <a:gd name="adj2" fmla="val 50000"/>
+          </a:avLst>
+        </a:prstGeom>
+        <a:solidFill>
+          <a:schemeClr val="accent1">
+            <a:tint val="60000"/>
+            <a:hueOff val="0"/>
+            <a:satOff val="0"/>
+            <a:lumOff val="0"/>
+            <a:alphaOff val="0"/>
+          </a:schemeClr>
+        </a:solidFill>
+        <a:ln>
+          <a:noFill/>
+        </a:ln>
+        <a:effectLst/>
+      </dsp:spPr>
+      <dsp:style>
+        <a:lnRef idx="0">
+          <a:scrgbClr r="0" g="0" b="0"/>
+        </a:lnRef>
+        <a:fillRef idx="1">
+          <a:scrgbClr r="0" g="0" b="0"/>
+        </a:fillRef>
+        <a:effectRef idx="0">
+          <a:scrgbClr r="0" g="0" b="0"/>
+        </a:effectRef>
+        <a:fontRef idx="minor">
+          <a:schemeClr val="lt1"/>
+        </a:fontRef>
+      </dsp:style>
+      <dsp:txBody>
+        <a:bodyPr spcFirstLastPara="0" vert="horz" wrap="square" lIns="0" tIns="0" rIns="0" bIns="0" numCol="1" spcCol="1270" anchor="ctr" anchorCtr="0">
+          <a:noAutofit/>
+        </a:bodyPr>
+        <a:lstStyle/>
+        <a:p>
+          <a:pPr lvl="0" algn="ctr" defTabSz="622300">
+            <a:lnSpc>
+              <a:spcPct val="90000"/>
+            </a:lnSpc>
+            <a:spcBef>
+              <a:spcPct val="0"/>
+            </a:spcBef>
+            <a:spcAft>
+              <a:spcPct val="35000"/>
+            </a:spcAft>
+          </a:pPr>
+          <a:endParaRPr lang="en-US" sz="1400" kern="1200"/>
+        </a:p>
+      </dsp:txBody>
+      <dsp:txXfrm>
+        <a:off x="2227119" y="2025346"/>
+        <a:ext cx="299835" cy="300644"/>
+      </dsp:txXfrm>
+    </dsp:sp>
+    <dsp:sp modelId="{F82ABD8B-F336-419A-8ED9-2F319D067C56}">
+      <dsp:nvSpPr>
+        <dsp:cNvPr id="0" name=""/>
+        <dsp:cNvSpPr/>
+      </dsp:nvSpPr>
+      <dsp:spPr>
+        <a:xfrm>
+          <a:off x="2833255" y="1569532"/>
+          <a:ext cx="2020453" cy="1212272"/>
+        </a:xfrm>
+        <a:prstGeom prst="roundRect">
+          <a:avLst>
+            <a:gd name="adj" fmla="val 10000"/>
+          </a:avLst>
+        </a:prstGeom>
+        <a:solidFill>
+          <a:schemeClr val="accent1">
+            <a:hueOff val="0"/>
+            <a:satOff val="0"/>
+            <a:lumOff val="0"/>
+            <a:alphaOff val="0"/>
+          </a:schemeClr>
+        </a:solidFill>
+        <a:ln w="12700" cap="flat" cmpd="sng" algn="ctr">
+          <a:solidFill>
+            <a:schemeClr val="lt1">
+              <a:hueOff val="0"/>
+              <a:satOff val="0"/>
+              <a:lumOff val="0"/>
+              <a:alphaOff val="0"/>
+            </a:schemeClr>
+          </a:solidFill>
+          <a:prstDash val="solid"/>
+          <a:miter lim="800000"/>
+        </a:ln>
+        <a:effectLst/>
+      </dsp:spPr>
+      <dsp:style>
+        <a:lnRef idx="2">
+          <a:scrgbClr r="0" g="0" b="0"/>
+        </a:lnRef>
+        <a:fillRef idx="1">
+          <a:scrgbClr r="0" g="0" b="0"/>
+        </a:fillRef>
+        <a:effectRef idx="0">
+          <a:scrgbClr r="0" g="0" b="0"/>
+        </a:effectRef>
+        <a:fontRef idx="minor">
+          <a:schemeClr val="lt1"/>
+        </a:fontRef>
+      </dsp:style>
+      <dsp:txBody>
+        <a:bodyPr spcFirstLastPara="0" vert="horz" wrap="square" lIns="64770" tIns="64770" rIns="64770" bIns="64770" numCol="1" spcCol="1270" anchor="ctr" anchorCtr="0">
+          <a:noAutofit/>
+        </a:bodyPr>
+        <a:lstStyle/>
+        <a:p>
+          <a:pPr lvl="0" algn="ctr" defTabSz="755650">
+            <a:lnSpc>
+              <a:spcPct val="90000"/>
+            </a:lnSpc>
+            <a:spcBef>
+              <a:spcPct val="0"/>
+            </a:spcBef>
+            <a:spcAft>
+              <a:spcPct val="35000"/>
+            </a:spcAft>
+          </a:pPr>
+          <a:r>
+            <a:rPr lang="en-US" sz="1700" kern="1200" dirty="0" err="1" smtClean="0"/>
+            <a:t>clean_text</a:t>
+          </a:r>
+          <a:r>
+            <a:rPr lang="en-US" sz="1700" kern="1200" dirty="0" smtClean="0"/>
+            <a:t>() on each abstract</a:t>
+          </a:r>
+          <a:endParaRPr lang="en-US" sz="1700" kern="1200" dirty="0"/>
+        </a:p>
+      </dsp:txBody>
+      <dsp:txXfrm>
+        <a:off x="2868761" y="1605038"/>
+        <a:ext cx="1949441" cy="1141260"/>
+      </dsp:txXfrm>
+    </dsp:sp>
+    <dsp:sp modelId="{D7F30FBA-81D7-4F92-A987-120A33E90E02}">
+      <dsp:nvSpPr>
+        <dsp:cNvPr id="0" name=""/>
+        <dsp:cNvSpPr/>
+      </dsp:nvSpPr>
+      <dsp:spPr>
+        <a:xfrm>
+          <a:off x="5055754" y="1925132"/>
+          <a:ext cx="428336" cy="501072"/>
+        </a:xfrm>
+        <a:prstGeom prst="rightArrow">
+          <a:avLst>
+            <a:gd name="adj1" fmla="val 60000"/>
+            <a:gd name="adj2" fmla="val 50000"/>
+          </a:avLst>
+        </a:prstGeom>
+        <a:solidFill>
+          <a:schemeClr val="accent1">
+            <a:tint val="60000"/>
+            <a:hueOff val="0"/>
+            <a:satOff val="0"/>
+            <a:lumOff val="0"/>
+            <a:alphaOff val="0"/>
+          </a:schemeClr>
+        </a:solidFill>
+        <a:ln>
+          <a:noFill/>
+        </a:ln>
+        <a:effectLst/>
+      </dsp:spPr>
+      <dsp:style>
+        <a:lnRef idx="0">
+          <a:scrgbClr r="0" g="0" b="0"/>
+        </a:lnRef>
+        <a:fillRef idx="1">
+          <a:scrgbClr r="0" g="0" b="0"/>
+        </a:fillRef>
+        <a:effectRef idx="0">
+          <a:scrgbClr r="0" g="0" b="0"/>
+        </a:effectRef>
+        <a:fontRef idx="minor">
+          <a:schemeClr val="lt1"/>
+        </a:fontRef>
+      </dsp:style>
+      <dsp:txBody>
+        <a:bodyPr spcFirstLastPara="0" vert="horz" wrap="square" lIns="0" tIns="0" rIns="0" bIns="0" numCol="1" spcCol="1270" anchor="ctr" anchorCtr="0">
+          <a:noAutofit/>
+        </a:bodyPr>
+        <a:lstStyle/>
+        <a:p>
+          <a:pPr lvl="0" algn="ctr" defTabSz="622300">
+            <a:lnSpc>
+              <a:spcPct val="90000"/>
+            </a:lnSpc>
+            <a:spcBef>
+              <a:spcPct val="0"/>
+            </a:spcBef>
+            <a:spcAft>
+              <a:spcPct val="35000"/>
+            </a:spcAft>
+          </a:pPr>
+          <a:endParaRPr lang="en-US" sz="1400" kern="1200"/>
+        </a:p>
+      </dsp:txBody>
+      <dsp:txXfrm>
+        <a:off x="5055754" y="2025346"/>
+        <a:ext cx="299835" cy="300644"/>
+      </dsp:txXfrm>
+    </dsp:sp>
+    <dsp:sp modelId="{FB687F3F-0590-4628-A043-32446B5DD71C}">
+      <dsp:nvSpPr>
+        <dsp:cNvPr id="0" name=""/>
+        <dsp:cNvSpPr/>
+      </dsp:nvSpPr>
+      <dsp:spPr>
+        <a:xfrm>
+          <a:off x="5661890" y="1569532"/>
+          <a:ext cx="2020453" cy="1212272"/>
+        </a:xfrm>
+        <a:prstGeom prst="roundRect">
+          <a:avLst>
+            <a:gd name="adj" fmla="val 10000"/>
+          </a:avLst>
+        </a:prstGeom>
+        <a:solidFill>
+          <a:schemeClr val="accent1">
+            <a:hueOff val="0"/>
+            <a:satOff val="0"/>
+            <a:lumOff val="0"/>
+            <a:alphaOff val="0"/>
+          </a:schemeClr>
+        </a:solidFill>
+        <a:ln w="12700" cap="flat" cmpd="sng" algn="ctr">
+          <a:solidFill>
+            <a:schemeClr val="lt1">
+              <a:hueOff val="0"/>
+              <a:satOff val="0"/>
+              <a:lumOff val="0"/>
+              <a:alphaOff val="0"/>
+            </a:schemeClr>
+          </a:solidFill>
+          <a:prstDash val="solid"/>
+          <a:miter lim="800000"/>
+        </a:ln>
+        <a:effectLst/>
+      </dsp:spPr>
+      <dsp:style>
+        <a:lnRef idx="2">
+          <a:scrgbClr r="0" g="0" b="0"/>
+        </a:lnRef>
+        <a:fillRef idx="1">
+          <a:scrgbClr r="0" g="0" b="0"/>
+        </a:fillRef>
+        <a:effectRef idx="0">
+          <a:scrgbClr r="0" g="0" b="0"/>
+        </a:effectRef>
+        <a:fontRef idx="minor">
+          <a:schemeClr val="lt1"/>
+        </a:fontRef>
+      </dsp:style>
+      <dsp:txBody>
+        <a:bodyPr spcFirstLastPara="0" vert="horz" wrap="square" lIns="64770" tIns="64770" rIns="64770" bIns="64770" numCol="1" spcCol="1270" anchor="ctr" anchorCtr="0">
+          <a:noAutofit/>
+        </a:bodyPr>
+        <a:lstStyle/>
+        <a:p>
+          <a:pPr lvl="0" algn="ctr" defTabSz="755650">
+            <a:lnSpc>
+              <a:spcPct val="90000"/>
+            </a:lnSpc>
+            <a:spcBef>
+              <a:spcPct val="0"/>
+            </a:spcBef>
+            <a:spcAft>
+              <a:spcPct val="35000"/>
+            </a:spcAft>
+          </a:pPr>
+          <a:r>
+            <a:rPr lang="en-US" sz="1700" kern="1200" dirty="0" smtClean="0"/>
+            <a:t>Word counting</a:t>
+          </a:r>
+          <a:endParaRPr lang="en-US" sz="1700" kern="1200" dirty="0"/>
+        </a:p>
+      </dsp:txBody>
+      <dsp:txXfrm>
+        <a:off x="5697396" y="1605038"/>
+        <a:ext cx="1949441" cy="1141260"/>
+      </dsp:txXfrm>
+    </dsp:sp>
+    <dsp:sp modelId="{2A00525E-DAFE-46B4-8A28-FB4F2E89ADA8}">
+      <dsp:nvSpPr>
+        <dsp:cNvPr id="0" name=""/>
+        <dsp:cNvSpPr/>
+      </dsp:nvSpPr>
+      <dsp:spPr>
+        <a:xfrm>
+          <a:off x="7884389" y="1925132"/>
+          <a:ext cx="428336" cy="501072"/>
+        </a:xfrm>
+        <a:prstGeom prst="rightArrow">
+          <a:avLst>
+            <a:gd name="adj1" fmla="val 60000"/>
+            <a:gd name="adj2" fmla="val 50000"/>
+          </a:avLst>
+        </a:prstGeom>
+        <a:solidFill>
+          <a:schemeClr val="accent1">
+            <a:tint val="60000"/>
+            <a:hueOff val="0"/>
+            <a:satOff val="0"/>
+            <a:lumOff val="0"/>
+            <a:alphaOff val="0"/>
+          </a:schemeClr>
+        </a:solidFill>
+        <a:ln>
+          <a:noFill/>
+        </a:ln>
+        <a:effectLst/>
+      </dsp:spPr>
+      <dsp:style>
+        <a:lnRef idx="0">
+          <a:scrgbClr r="0" g="0" b="0"/>
+        </a:lnRef>
+        <a:fillRef idx="1">
+          <a:scrgbClr r="0" g="0" b="0"/>
+        </a:fillRef>
+        <a:effectRef idx="0">
+          <a:scrgbClr r="0" g="0" b="0"/>
+        </a:effectRef>
+        <a:fontRef idx="minor">
+          <a:schemeClr val="lt1"/>
+        </a:fontRef>
+      </dsp:style>
+      <dsp:txBody>
+        <a:bodyPr spcFirstLastPara="0" vert="horz" wrap="square" lIns="0" tIns="0" rIns="0" bIns="0" numCol="1" spcCol="1270" anchor="ctr" anchorCtr="0">
+          <a:noAutofit/>
+        </a:bodyPr>
+        <a:lstStyle/>
+        <a:p>
+          <a:pPr lvl="0" algn="ctr" defTabSz="622300">
+            <a:lnSpc>
+              <a:spcPct val="90000"/>
+            </a:lnSpc>
+            <a:spcBef>
+              <a:spcPct val="0"/>
+            </a:spcBef>
+            <a:spcAft>
+              <a:spcPct val="35000"/>
+            </a:spcAft>
+          </a:pPr>
+          <a:endParaRPr lang="en-US" sz="1400" kern="1200"/>
+        </a:p>
+      </dsp:txBody>
+      <dsp:txXfrm>
+        <a:off x="7884389" y="2025346"/>
+        <a:ext cx="299835" cy="300644"/>
+      </dsp:txXfrm>
+    </dsp:sp>
+    <dsp:sp modelId="{2E14C3FF-DB5C-4362-B5A5-000EC0CBCE97}">
+      <dsp:nvSpPr>
+        <dsp:cNvPr id="0" name=""/>
+        <dsp:cNvSpPr/>
+      </dsp:nvSpPr>
+      <dsp:spPr>
+        <a:xfrm>
+          <a:off x="8490525" y="1569532"/>
+          <a:ext cx="2020453" cy="1212272"/>
+        </a:xfrm>
+        <a:prstGeom prst="roundRect">
+          <a:avLst>
+            <a:gd name="adj" fmla="val 10000"/>
+          </a:avLst>
+        </a:prstGeom>
+        <a:solidFill>
+          <a:schemeClr val="accent1">
+            <a:hueOff val="0"/>
+            <a:satOff val="0"/>
+            <a:lumOff val="0"/>
+            <a:alphaOff val="0"/>
+          </a:schemeClr>
+        </a:solidFill>
+        <a:ln w="12700" cap="flat" cmpd="sng" algn="ctr">
+          <a:solidFill>
+            <a:schemeClr val="lt1">
+              <a:hueOff val="0"/>
+              <a:satOff val="0"/>
+              <a:lumOff val="0"/>
+              <a:alphaOff val="0"/>
+            </a:schemeClr>
+          </a:solidFill>
+          <a:prstDash val="solid"/>
+          <a:miter lim="800000"/>
+        </a:ln>
+        <a:effectLst/>
+      </dsp:spPr>
+      <dsp:style>
+        <a:lnRef idx="2">
+          <a:scrgbClr r="0" g="0" b="0"/>
+        </a:lnRef>
+        <a:fillRef idx="1">
+          <a:scrgbClr r="0" g="0" b="0"/>
+        </a:fillRef>
+        <a:effectRef idx="0">
+          <a:scrgbClr r="0" g="0" b="0"/>
+        </a:effectRef>
+        <a:fontRef idx="minor">
+          <a:schemeClr val="lt1"/>
+        </a:fontRef>
+      </dsp:style>
+      <dsp:txBody>
+        <a:bodyPr spcFirstLastPara="0" vert="horz" wrap="square" lIns="64770" tIns="64770" rIns="64770" bIns="64770" numCol="1" spcCol="1270" anchor="ctr" anchorCtr="0">
+          <a:noAutofit/>
+        </a:bodyPr>
+        <a:lstStyle/>
+        <a:p>
+          <a:pPr lvl="0" algn="ctr" defTabSz="755650">
+            <a:lnSpc>
+              <a:spcPct val="90000"/>
+            </a:lnSpc>
+            <a:spcBef>
+              <a:spcPct val="0"/>
+            </a:spcBef>
+            <a:spcAft>
+              <a:spcPct val="35000"/>
+            </a:spcAft>
+          </a:pPr>
+          <a:r>
+            <a:rPr lang="en-US" sz="1700" kern="1200" dirty="0" smtClean="0"/>
+            <a:t>Emit: (URL,WORD,COUNT)</a:t>
+          </a:r>
+          <a:br>
+            <a:rPr lang="en-US" sz="1700" kern="1200" dirty="0" smtClean="0"/>
+          </a:br>
+          <a:r>
+            <a:rPr lang="en-US" sz="1700" kern="1200" dirty="0" smtClean="0"/>
+            <a:t>Separated by tabs. URL is key.</a:t>
+          </a:r>
+          <a:endParaRPr lang="en-US" sz="1700" kern="1200" dirty="0"/>
+        </a:p>
+      </dsp:txBody>
+      <dsp:txXfrm>
+        <a:off x="8526031" y="1605038"/>
+        <a:ext cx="1949441" cy="1141260"/>
+      </dsp:txXfrm>
+    </dsp:sp>
+  </dsp:spTree>
+</dsp:drawing>
+</file>
+
+<file path=ppt/diagrams/drawing2.xml><?xml version="1.0" encoding="utf-8"?>
+<dsp:drawing xmlns:dgm="http://schemas.openxmlformats.org/drawingml/2006/diagram" xmlns:dsp="http://schemas.microsoft.com/office/drawing/2008/diagram" xmlns:a="http://schemas.openxmlformats.org/drawingml/2006/main">
+  <dsp:spTree>
+    <dsp:nvGrpSpPr>
+      <dsp:cNvPr id="0" name=""/>
+      <dsp:cNvGrpSpPr/>
+    </dsp:nvGrpSpPr>
+    <dsp:grpSpPr/>
+    <dsp:sp modelId="{57822964-2392-40EC-85E4-20F152301F81}">
+      <dsp:nvSpPr>
+        <dsp:cNvPr id="0" name=""/>
+        <dsp:cNvSpPr/>
+      </dsp:nvSpPr>
+      <dsp:spPr>
+        <a:xfrm>
+          <a:off x="9242" y="1346949"/>
+          <a:ext cx="2762398" cy="1657439"/>
+        </a:xfrm>
+        <a:prstGeom prst="roundRect">
+          <a:avLst>
+            <a:gd name="adj" fmla="val 10000"/>
+          </a:avLst>
+        </a:prstGeom>
+        <a:solidFill>
+          <a:schemeClr val="accent5">
+            <a:hueOff val="0"/>
+            <a:satOff val="0"/>
+            <a:lumOff val="0"/>
+            <a:alphaOff val="0"/>
+          </a:schemeClr>
+        </a:solidFill>
+        <a:ln w="12700" cap="flat" cmpd="sng" algn="ctr">
+          <a:solidFill>
+            <a:schemeClr val="lt1">
+              <a:hueOff val="0"/>
+              <a:satOff val="0"/>
+              <a:lumOff val="0"/>
+              <a:alphaOff val="0"/>
+            </a:schemeClr>
+          </a:solidFill>
+          <a:prstDash val="solid"/>
+          <a:miter lim="800000"/>
+        </a:ln>
+        <a:effectLst/>
+      </dsp:spPr>
+      <dsp:style>
+        <a:lnRef idx="2">
+          <a:scrgbClr r="0" g="0" b="0"/>
+        </a:lnRef>
+        <a:fillRef idx="1">
+          <a:scrgbClr r="0" g="0" b="0"/>
+        </a:fillRef>
+        <a:effectRef idx="0">
+          <a:scrgbClr r="0" g="0" b="0"/>
+        </a:effectRef>
+        <a:fontRef idx="minor">
+          <a:schemeClr val="lt1"/>
+        </a:fontRef>
+      </dsp:style>
+      <dsp:txBody>
+        <a:bodyPr spcFirstLastPara="0" vert="horz" wrap="square" lIns="106680" tIns="106680" rIns="106680" bIns="106680" numCol="1" spcCol="1270" anchor="ctr" anchorCtr="0">
+          <a:noAutofit/>
+        </a:bodyPr>
+        <a:lstStyle/>
+        <a:p>
+          <a:pPr lvl="0" algn="ctr" defTabSz="1244600">
+            <a:lnSpc>
+              <a:spcPct val="90000"/>
+            </a:lnSpc>
+            <a:spcBef>
+              <a:spcPct val="0"/>
+            </a:spcBef>
+            <a:spcAft>
+              <a:spcPct val="35000"/>
+            </a:spcAft>
+          </a:pPr>
+          <a:r>
+            <a:rPr lang="en-US" sz="2800" kern="1200" dirty="0" smtClean="0"/>
+            <a:t>Mapper output</a:t>
+          </a:r>
+          <a:endParaRPr lang="en-US" sz="2800" kern="1200" dirty="0"/>
+        </a:p>
+      </dsp:txBody>
+      <dsp:txXfrm>
+        <a:off x="57787" y="1395494"/>
+        <a:ext cx="2665308" cy="1560349"/>
+      </dsp:txXfrm>
+    </dsp:sp>
+    <dsp:sp modelId="{6C1FC4BC-1E72-496C-A0C3-422352D72408}">
+      <dsp:nvSpPr>
+        <dsp:cNvPr id="0" name=""/>
+        <dsp:cNvSpPr/>
+      </dsp:nvSpPr>
+      <dsp:spPr>
+        <a:xfrm>
+          <a:off x="3047880" y="1833131"/>
+          <a:ext cx="585628" cy="685074"/>
+        </a:xfrm>
+        <a:prstGeom prst="rightArrow">
+          <a:avLst>
+            <a:gd name="adj1" fmla="val 60000"/>
+            <a:gd name="adj2" fmla="val 50000"/>
+          </a:avLst>
+        </a:prstGeom>
+        <a:solidFill>
+          <a:schemeClr val="accent5">
+            <a:hueOff val="0"/>
+            <a:satOff val="0"/>
+            <a:lumOff val="0"/>
+            <a:alphaOff val="0"/>
+          </a:schemeClr>
+        </a:solidFill>
+        <a:ln>
+          <a:noFill/>
+        </a:ln>
+        <a:effectLst/>
+      </dsp:spPr>
+      <dsp:style>
+        <a:lnRef idx="0">
+          <a:scrgbClr r="0" g="0" b="0"/>
+        </a:lnRef>
+        <a:fillRef idx="1">
+          <a:scrgbClr r="0" g="0" b="0"/>
+        </a:fillRef>
+        <a:effectRef idx="0">
+          <a:scrgbClr r="0" g="0" b="0"/>
+        </a:effectRef>
+        <a:fontRef idx="minor">
+          <a:schemeClr val="lt1"/>
+        </a:fontRef>
+      </dsp:style>
+      <dsp:txBody>
+        <a:bodyPr spcFirstLastPara="0" vert="horz" wrap="square" lIns="0" tIns="0" rIns="0" bIns="0" numCol="1" spcCol="1270" anchor="ctr" anchorCtr="0">
+          <a:noAutofit/>
+        </a:bodyPr>
+        <a:lstStyle/>
+        <a:p>
+          <a:pPr lvl="0" algn="ctr" defTabSz="1022350">
+            <a:lnSpc>
+              <a:spcPct val="90000"/>
+            </a:lnSpc>
+            <a:spcBef>
+              <a:spcPct val="0"/>
+            </a:spcBef>
+            <a:spcAft>
+              <a:spcPct val="35000"/>
+            </a:spcAft>
+          </a:pPr>
+          <a:endParaRPr lang="en-US" sz="2300" kern="1200"/>
+        </a:p>
+      </dsp:txBody>
+      <dsp:txXfrm>
+        <a:off x="3047880" y="1970146"/>
+        <a:ext cx="409940" cy="411044"/>
+      </dsp:txXfrm>
+    </dsp:sp>
+    <dsp:sp modelId="{01E74070-BC89-4E6C-B7B6-2C389AC66633}">
+      <dsp:nvSpPr>
+        <dsp:cNvPr id="0" name=""/>
+        <dsp:cNvSpPr/>
+      </dsp:nvSpPr>
+      <dsp:spPr>
+        <a:xfrm>
+          <a:off x="3876600" y="1346949"/>
+          <a:ext cx="2762398" cy="1657439"/>
+        </a:xfrm>
+        <a:prstGeom prst="roundRect">
+          <a:avLst>
+            <a:gd name="adj" fmla="val 10000"/>
+          </a:avLst>
+        </a:prstGeom>
+        <a:solidFill>
+          <a:schemeClr val="accent5">
+            <a:hueOff val="-3676672"/>
+            <a:satOff val="-5114"/>
+            <a:lumOff val="-1961"/>
+            <a:alphaOff val="0"/>
+          </a:schemeClr>
+        </a:solidFill>
+        <a:ln w="12700" cap="flat" cmpd="sng" algn="ctr">
+          <a:solidFill>
+            <a:schemeClr val="lt1">
+              <a:hueOff val="0"/>
+              <a:satOff val="0"/>
+              <a:lumOff val="0"/>
+              <a:alphaOff val="0"/>
+            </a:schemeClr>
+          </a:solidFill>
+          <a:prstDash val="solid"/>
+          <a:miter lim="800000"/>
+        </a:ln>
+        <a:effectLst/>
+      </dsp:spPr>
+      <dsp:style>
+        <a:lnRef idx="2">
+          <a:scrgbClr r="0" g="0" b="0"/>
+        </a:lnRef>
+        <a:fillRef idx="1">
+          <a:scrgbClr r="0" g="0" b="0"/>
+        </a:fillRef>
+        <a:effectRef idx="0">
+          <a:scrgbClr r="0" g="0" b="0"/>
+        </a:effectRef>
+        <a:fontRef idx="minor">
+          <a:schemeClr val="lt1"/>
+        </a:fontRef>
+      </dsp:style>
+      <dsp:txBody>
+        <a:bodyPr spcFirstLastPara="0" vert="horz" wrap="square" lIns="106680" tIns="106680" rIns="106680" bIns="106680" numCol="1" spcCol="1270" anchor="ctr" anchorCtr="0">
+          <a:noAutofit/>
+        </a:bodyPr>
+        <a:lstStyle/>
+        <a:p>
+          <a:pPr lvl="0" algn="ctr" defTabSz="1244600">
+            <a:lnSpc>
+              <a:spcPct val="90000"/>
+            </a:lnSpc>
+            <a:spcBef>
+              <a:spcPct val="0"/>
+            </a:spcBef>
+            <a:spcAft>
+              <a:spcPct val="35000"/>
+            </a:spcAft>
+          </a:pPr>
+          <a:r>
+            <a:rPr lang="en-US" sz="2800" kern="1200" dirty="0" err="1" smtClean="0"/>
+            <a:t>tf-idf</a:t>
+          </a:r>
+          <a:r>
+            <a:rPr lang="en-US" sz="2800" kern="1200" dirty="0" smtClean="0"/>
+            <a:t> vectors</a:t>
+          </a:r>
+          <a:endParaRPr lang="en-US" sz="2800" kern="1200" dirty="0"/>
+        </a:p>
+      </dsp:txBody>
+      <dsp:txXfrm>
+        <a:off x="3925145" y="1395494"/>
+        <a:ext cx="2665308" cy="1560349"/>
+      </dsp:txXfrm>
+    </dsp:sp>
+    <dsp:sp modelId="{B640E2EA-7CD7-4A75-9991-ABAA1449AC7D}">
+      <dsp:nvSpPr>
+        <dsp:cNvPr id="0" name=""/>
+        <dsp:cNvSpPr/>
+      </dsp:nvSpPr>
+      <dsp:spPr>
+        <a:xfrm>
+          <a:off x="6915239" y="1833131"/>
+          <a:ext cx="585628" cy="685074"/>
+        </a:xfrm>
+        <a:prstGeom prst="rightArrow">
+          <a:avLst>
+            <a:gd name="adj1" fmla="val 60000"/>
+            <a:gd name="adj2" fmla="val 50000"/>
+          </a:avLst>
+        </a:prstGeom>
+        <a:solidFill>
+          <a:schemeClr val="accent5">
+            <a:hueOff val="-7353344"/>
+            <a:satOff val="-10228"/>
+            <a:lumOff val="-3922"/>
+            <a:alphaOff val="0"/>
+          </a:schemeClr>
+        </a:solidFill>
+        <a:ln>
+          <a:noFill/>
+        </a:ln>
+        <a:effectLst/>
+      </dsp:spPr>
+      <dsp:style>
+        <a:lnRef idx="0">
+          <a:scrgbClr r="0" g="0" b="0"/>
+        </a:lnRef>
+        <a:fillRef idx="1">
+          <a:scrgbClr r="0" g="0" b="0"/>
+        </a:fillRef>
+        <a:effectRef idx="0">
+          <a:scrgbClr r="0" g="0" b="0"/>
+        </a:effectRef>
+        <a:fontRef idx="minor">
+          <a:schemeClr val="lt1"/>
+        </a:fontRef>
+      </dsp:style>
+      <dsp:txBody>
+        <a:bodyPr spcFirstLastPara="0" vert="horz" wrap="square" lIns="0" tIns="0" rIns="0" bIns="0" numCol="1" spcCol="1270" anchor="ctr" anchorCtr="0">
+          <a:noAutofit/>
+        </a:bodyPr>
+        <a:lstStyle/>
+        <a:p>
+          <a:pPr lvl="0" algn="ctr" defTabSz="1022350">
+            <a:lnSpc>
+              <a:spcPct val="90000"/>
+            </a:lnSpc>
+            <a:spcBef>
+              <a:spcPct val="0"/>
+            </a:spcBef>
+            <a:spcAft>
+              <a:spcPct val="35000"/>
+            </a:spcAft>
+          </a:pPr>
+          <a:endParaRPr lang="en-US" sz="2300" kern="1200"/>
+        </a:p>
+      </dsp:txBody>
+      <dsp:txXfrm>
+        <a:off x="6915239" y="1970146"/>
+        <a:ext cx="409940" cy="411044"/>
+      </dsp:txXfrm>
+    </dsp:sp>
+    <dsp:sp modelId="{201AA08F-03A7-47E4-BE01-E48D1FAB16DA}">
+      <dsp:nvSpPr>
+        <dsp:cNvPr id="0" name=""/>
+        <dsp:cNvSpPr/>
+      </dsp:nvSpPr>
+      <dsp:spPr>
+        <a:xfrm>
+          <a:off x="7743958" y="1346949"/>
+          <a:ext cx="2762398" cy="1657439"/>
+        </a:xfrm>
+        <a:prstGeom prst="roundRect">
+          <a:avLst>
+            <a:gd name="adj" fmla="val 10000"/>
+          </a:avLst>
+        </a:prstGeom>
+        <a:solidFill>
+          <a:schemeClr val="accent5">
+            <a:hueOff val="-7353344"/>
+            <a:satOff val="-10228"/>
+            <a:lumOff val="-3922"/>
+            <a:alphaOff val="0"/>
+          </a:schemeClr>
+        </a:solidFill>
+        <a:ln w="12700" cap="flat" cmpd="sng" algn="ctr">
+          <a:solidFill>
+            <a:schemeClr val="lt1">
+              <a:hueOff val="0"/>
+              <a:satOff val="0"/>
+              <a:lumOff val="0"/>
+              <a:alphaOff val="0"/>
+            </a:schemeClr>
+          </a:solidFill>
+          <a:prstDash val="solid"/>
+          <a:miter lim="800000"/>
+        </a:ln>
+        <a:effectLst/>
+      </dsp:spPr>
+      <dsp:style>
+        <a:lnRef idx="2">
+          <a:scrgbClr r="0" g="0" b="0"/>
+        </a:lnRef>
+        <a:fillRef idx="1">
+          <a:scrgbClr r="0" g="0" b="0"/>
+        </a:fillRef>
+        <a:effectRef idx="0">
+          <a:scrgbClr r="0" g="0" b="0"/>
+        </a:effectRef>
+        <a:fontRef idx="minor">
+          <a:schemeClr val="lt1"/>
+        </a:fontRef>
+      </dsp:style>
+      <dsp:txBody>
+        <a:bodyPr spcFirstLastPara="0" vert="horz" wrap="square" lIns="106680" tIns="106680" rIns="106680" bIns="106680" numCol="1" spcCol="1270" anchor="ctr" anchorCtr="0">
+          <a:noAutofit/>
+        </a:bodyPr>
+        <a:lstStyle/>
+        <a:p>
+          <a:pPr lvl="0" algn="ctr" defTabSz="1244600">
+            <a:lnSpc>
+              <a:spcPct val="90000"/>
+            </a:lnSpc>
+            <a:spcBef>
+              <a:spcPct val="0"/>
+            </a:spcBef>
+            <a:spcAft>
+              <a:spcPct val="35000"/>
+            </a:spcAft>
+          </a:pPr>
+          <a:r>
+            <a:rPr lang="en-US" sz="2800" kern="1200" dirty="0" smtClean="0"/>
+            <a:t>Emitted: (URL, </a:t>
+          </a:r>
+          <a:r>
+            <a:rPr lang="en-US" sz="2800" kern="1200" dirty="0" err="1" smtClean="0"/>
+            <a:t>tf-idf</a:t>
+          </a:r>
+          <a:r>
+            <a:rPr lang="en-US" sz="2800" kern="1200" dirty="0" smtClean="0"/>
+            <a:t> vector)</a:t>
+          </a:r>
+        </a:p>
+        <a:p>
+          <a:pPr lvl="0" algn="ctr" defTabSz="1244600">
+            <a:lnSpc>
+              <a:spcPct val="90000"/>
+            </a:lnSpc>
+            <a:spcBef>
+              <a:spcPct val="0"/>
+            </a:spcBef>
+            <a:spcAft>
+              <a:spcPct val="35000"/>
+            </a:spcAft>
+          </a:pPr>
+          <a:r>
+            <a:rPr lang="en-US" sz="2800" kern="1200" dirty="0" smtClean="0"/>
+            <a:t>In JSON.</a:t>
+          </a:r>
+          <a:endParaRPr lang="en-US" sz="2800" kern="1200" dirty="0"/>
+        </a:p>
+      </dsp:txBody>
+      <dsp:txXfrm>
+        <a:off x="7792503" y="1395494"/>
+        <a:ext cx="2665308" cy="1560349"/>
+      </dsp:txXfrm>
+    </dsp:sp>
+  </dsp:spTree>
+</dsp:drawing>
+</file>
+
+<file path=ppt/diagrams/layout1.xml><?xml version="1.0" encoding="utf-8"?>
+<dgm:layoutDef xmlns:dgm="http://schemas.openxmlformats.org/drawingml/2006/diagram" xmlns:a="http://schemas.openxmlformats.org/drawingml/2006/main" uniqueId="urn:microsoft.com/office/officeart/2005/8/layout/process1">
+  <dgm:title val=""/>
+  <dgm:desc val=""/>
+  <dgm:catLst>
+    <dgm:cat type="process" pri="1000"/>
+    <dgm:cat type="convert" pri="15000"/>
+  </dgm:catLst>
+  <dgm:sampData useDef="1">
+    <dgm:dataModel>
+      <dgm:ptLst/>
+      <dgm:bg/>
+      <dgm:whole/>
+    </dgm:dataModel>
+  </dgm:sampData>
+  <dgm:styleData>
+    <dgm:dataModel>
+      <dgm:ptLst>
+        <dgm:pt modelId="0" type="doc"/>
+        <dgm:pt modelId="1"/>
+        <dgm:pt modelId="2"/>
+      </dgm:ptLst>
+      <dgm:cxnLst>
+        <dgm:cxn modelId="3" srcId="0" destId="1" srcOrd="0" destOrd="0"/>
+        <dgm:cxn modelId="4" srcId="0" destId="2" srcOrd="1" destOrd="0"/>
+      </dgm:cxnLst>
+      <dgm:bg/>
+      <dgm:whole/>
+    </dgm:dataModel>
+  </dgm:styleData>
+  <dgm:clrData>
+    <dgm:dataModel>
+      <dgm:ptLst>
+        <dgm:pt modelId="0" type="doc"/>
+        <dgm:pt modelId="1"/>
+        <dgm:pt modelId="2"/>
+        <dgm:pt modelId="3"/>
+        <dgm:pt modelId="4"/>
+      </dgm:ptLst>
+      <dgm:cxnLst>
+        <dgm:cxn modelId="5" srcId="0" destId="1" srcOrd="0" destOrd="0"/>
+        <dgm:cxn modelId="6" srcId="0" destId="2" srcOrd="1" destOrd="0"/>
+        <dgm:cxn modelId="7" srcId="0" destId="3" srcOrd="2" destOrd="0"/>
+        <dgm:cxn modelId="8" srcId="0" destId="4" srcOrd="3" destOrd="0"/>
+      </dgm:cxnLst>
+      <dgm:bg/>
+      <dgm:whole/>
+    </dgm:dataModel>
+  </dgm:clrData>
+  <dgm:layoutNode name="Name0">
+    <dgm:varLst>
+      <dgm:dir/>
+      <dgm:resizeHandles val="exact"/>
+    </dgm:varLst>
+    <dgm:choose name="Name1">
+      <dgm:if name="Name2" func="var" arg="dir" op="equ" val="norm">
+        <dgm:alg type="lin"/>
+      </dgm:if>
+      <dgm:else name="Name3">
+        <dgm:alg type="lin">
+          <dgm:param type="linDir" val="fromR"/>
+        </dgm:alg>
+      </dgm:else>
+    </dgm:choose>
+    <dgm:shape xmlns:r="http://schemas.openxmlformats.org/officeDocument/2006/relationships" r:blip="">
+      <dgm:adjLst/>
+    </dgm:shape>
+    <dgm:presOf/>
+    <dgm:constrLst>
+      <dgm:constr type="w" for="ch" ptType="node" refType="w"/>
+      <dgm:constr type="h" for="ch" ptType="node" op="equ"/>
+      <dgm:constr type="primFontSz" for="ch" ptType="node" op="equ" val="65"/>
+      <dgm:constr type="w" for="ch" ptType="sibTrans" refType="w" refFor="ch" refPtType="node" op="equ" fact="0.4"/>
+      <dgm:constr type="h" for="ch" ptType="sibTrans" op="equ"/>
+      <dgm:constr type="primFontSz" for="des" forName="connectorText" op="equ" val="55"/>
+      <dgm:constr type="primFontSz" for="des" forName="connectorText" refType="primFontSz" refFor="ch" refPtType="node" op="lte" fact="0.8"/>
+    </dgm:constrLst>
+    <dgm:ruleLst/>
+    <dgm:forEach name="nodesForEach" axis="ch" ptType="node">
+      <dgm:layoutNode name="node">
+        <dgm:varLst>
+          <dgm:bulletEnabled val="1"/>
+        </dgm:varLst>
+        <dgm:alg type="tx"/>
+        <dgm:shape xmlns:r="http://schemas.openxmlformats.org/officeDocument/2006/relationships" type="roundRect" r:blip="">
+          <dgm:adjLst>
+            <dgm:adj idx="1" val="0.1"/>
+          </dgm:adjLst>
+        </dgm:shape>
+        <dgm:presOf axis="desOrSelf" ptType="node"/>
+        <dgm:constrLst>
+          <dgm:constr type="h" refType="w" fact="0.6"/>
+          <dgm:constr type="tMarg" refType="primFontSz" fact="0.3"/>
+          <dgm:constr type="bMarg" refType="primFontSz" fact="0.3"/>
+          <dgm:constr type="lMarg" refType="primFontSz" fact="0.3"/>
+          <dgm:constr type="rMarg" refType="primFontSz" fact="0.3"/>
+        </dgm:constrLst>
+        <dgm:ruleLst>
+          <dgm:rule type="primFontSz" val="18" fact="NaN" max="NaN"/>
+          <dgm:rule type="h" val="NaN" fact="1.5" max="NaN"/>
+          <dgm:rule type="primFontSz" val="5" fact="NaN" max="NaN"/>
+          <dgm:rule type="h" val="INF" fact="NaN" max="NaN"/>
+        </dgm:ruleLst>
+      </dgm:layoutNode>
+      <dgm:forEach name="sibTransForEach" axis="followSib" ptType="sibTrans" cnt="1">
+        <dgm:layoutNode name="sibTrans">
+          <dgm:alg type="conn">
+            <dgm:param type="begPts" val="auto"/>
+            <dgm:param type="endPts" val="auto"/>
+          </dgm:alg>
+          <dgm:shape xmlns:r="http://schemas.openxmlformats.org/officeDocument/2006/relationships" type="conn" r:blip="">
+            <dgm:adjLst/>
+          </dgm:shape>
+          <dgm:presOf axis="self"/>
+          <dgm:constrLst>
+            <dgm:constr type="h" refType="w" fact="0.62"/>
+            <dgm:constr type="connDist"/>
+            <dgm:constr type="begPad" refType="connDist" fact="0.25"/>
+            <dgm:constr type="endPad" refType="connDist" fact="0.22"/>
+          </dgm:constrLst>
+          <dgm:ruleLst/>
+          <dgm:layoutNode name="connectorText">
+            <dgm:alg type="tx">
+              <dgm:param type="autoTxRot" val="grav"/>
+            </dgm:alg>
+            <dgm:shape xmlns:r="http://schemas.openxmlformats.org/officeDocument/2006/relationships" type="conn" r:blip="" hideGeom="1">
+              <dgm:adjLst/>
+            </dgm:shape>
+            <dgm:presOf axis="self"/>
+            <dgm:constrLst>
+              <dgm:constr type="lMarg"/>
+              <dgm:constr type="rMarg"/>
+              <dgm:constr type="tMarg"/>
+              <dgm:constr type="bMarg"/>
+            </dgm:constrLst>
+            <dgm:ruleLst>
+              <dgm:rule type="primFontSz" val="5" fact="NaN" max="NaN"/>
+            </dgm:ruleLst>
+          </dgm:layoutNode>
+        </dgm:layoutNode>
+      </dgm:forEach>
+    </dgm:forEach>
+  </dgm:layoutNode>
+</dgm:layoutDef>
+</file>
+
+<file path=ppt/diagrams/layout2.xml><?xml version="1.0" encoding="utf-8"?>
+<dgm:layoutDef xmlns:dgm="http://schemas.openxmlformats.org/drawingml/2006/diagram" xmlns:a="http://schemas.openxmlformats.org/drawingml/2006/main" uniqueId="urn:microsoft.com/office/officeart/2005/8/layout/process1">
+  <dgm:title val=""/>
+  <dgm:desc val=""/>
+  <dgm:catLst>
+    <dgm:cat type="process" pri="1000"/>
+    <dgm:cat type="convert" pri="15000"/>
+  </dgm:catLst>
+  <dgm:sampData useDef="1">
+    <dgm:dataModel>
+      <dgm:ptLst/>
+      <dgm:bg/>
+      <dgm:whole/>
+    </dgm:dataModel>
+  </dgm:sampData>
+  <dgm:styleData>
+    <dgm:dataModel>
+      <dgm:ptLst>
+        <dgm:pt modelId="0" type="doc"/>
+        <dgm:pt modelId="1"/>
+        <dgm:pt modelId="2"/>
+      </dgm:ptLst>
+      <dgm:cxnLst>
+        <dgm:cxn modelId="3" srcId="0" destId="1" srcOrd="0" destOrd="0"/>
+        <dgm:cxn modelId="4" srcId="0" destId="2" srcOrd="1" destOrd="0"/>
+      </dgm:cxnLst>
+      <dgm:bg/>
+      <dgm:whole/>
+    </dgm:dataModel>
+  </dgm:styleData>
+  <dgm:clrData>
+    <dgm:dataModel>
+      <dgm:ptLst>
+        <dgm:pt modelId="0" type="doc"/>
+        <dgm:pt modelId="1"/>
+        <dgm:pt modelId="2"/>
+        <dgm:pt modelId="3"/>
+        <dgm:pt modelId="4"/>
+      </dgm:ptLst>
+      <dgm:cxnLst>
+        <dgm:cxn modelId="5" srcId="0" destId="1" srcOrd="0" destOrd="0"/>
+        <dgm:cxn modelId="6" srcId="0" destId="2" srcOrd="1" destOrd="0"/>
+        <dgm:cxn modelId="7" srcId="0" destId="3" srcOrd="2" destOrd="0"/>
+        <dgm:cxn modelId="8" srcId="0" destId="4" srcOrd="3" destOrd="0"/>
+      </dgm:cxnLst>
+      <dgm:bg/>
+      <dgm:whole/>
+    </dgm:dataModel>
+  </dgm:clrData>
+  <dgm:layoutNode name="Name0">
+    <dgm:varLst>
+      <dgm:dir/>
+      <dgm:resizeHandles val="exact"/>
+    </dgm:varLst>
+    <dgm:choose name="Name1">
+      <dgm:if name="Name2" func="var" arg="dir" op="equ" val="norm">
+        <dgm:alg type="lin"/>
+      </dgm:if>
+      <dgm:else name="Name3">
+        <dgm:alg type="lin">
+          <dgm:param type="linDir" val="fromR"/>
+        </dgm:alg>
+      </dgm:else>
+    </dgm:choose>
+    <dgm:shape xmlns:r="http://schemas.openxmlformats.org/officeDocument/2006/relationships" r:blip="">
+      <dgm:adjLst/>
+    </dgm:shape>
+    <dgm:presOf/>
+    <dgm:constrLst>
+      <dgm:constr type="w" for="ch" ptType="node" refType="w"/>
+      <dgm:constr type="h" for="ch" ptType="node" op="equ"/>
+      <dgm:constr type="primFontSz" for="ch" ptType="node" op="equ" val="65"/>
+      <dgm:constr type="w" for="ch" ptType="sibTrans" refType="w" refFor="ch" refPtType="node" op="equ" fact="0.4"/>
+      <dgm:constr type="h" for="ch" ptType="sibTrans" op="equ"/>
+      <dgm:constr type="primFontSz" for="des" forName="connectorText" op="equ" val="55"/>
+      <dgm:constr type="primFontSz" for="des" forName="connectorText" refType="primFontSz" refFor="ch" refPtType="node" op="lte" fact="0.8"/>
+    </dgm:constrLst>
+    <dgm:ruleLst/>
+    <dgm:forEach name="nodesForEach" axis="ch" ptType="node">
+      <dgm:layoutNode name="node">
+        <dgm:varLst>
+          <dgm:bulletEnabled val="1"/>
+        </dgm:varLst>
+        <dgm:alg type="tx"/>
+        <dgm:shape xmlns:r="http://schemas.openxmlformats.org/officeDocument/2006/relationships" type="roundRect" r:blip="">
+          <dgm:adjLst>
+            <dgm:adj idx="1" val="0.1"/>
+          </dgm:adjLst>
+        </dgm:shape>
+        <dgm:presOf axis="desOrSelf" ptType="node"/>
+        <dgm:constrLst>
+          <dgm:constr type="h" refType="w" fact="0.6"/>
+          <dgm:constr type="tMarg" refType="primFontSz" fact="0.3"/>
+          <dgm:constr type="bMarg" refType="primFontSz" fact="0.3"/>
+          <dgm:constr type="lMarg" refType="primFontSz" fact="0.3"/>
+          <dgm:constr type="rMarg" refType="primFontSz" fact="0.3"/>
+        </dgm:constrLst>
+        <dgm:ruleLst>
+          <dgm:rule type="primFontSz" val="18" fact="NaN" max="NaN"/>
+          <dgm:rule type="h" val="NaN" fact="1.5" max="NaN"/>
+          <dgm:rule type="primFontSz" val="5" fact="NaN" max="NaN"/>
+          <dgm:rule type="h" val="INF" fact="NaN" max="NaN"/>
+        </dgm:ruleLst>
+      </dgm:layoutNode>
+      <dgm:forEach name="sibTransForEach" axis="followSib" ptType="sibTrans" cnt="1">
+        <dgm:layoutNode name="sibTrans">
+          <dgm:alg type="conn">
+            <dgm:param type="begPts" val="auto"/>
+            <dgm:param type="endPts" val="auto"/>
+          </dgm:alg>
+          <dgm:shape xmlns:r="http://schemas.openxmlformats.org/officeDocument/2006/relationships" type="conn" r:blip="">
+            <dgm:adjLst/>
+          </dgm:shape>
+          <dgm:presOf axis="self"/>
+          <dgm:constrLst>
+            <dgm:constr type="h" refType="w" fact="0.62"/>
+            <dgm:constr type="connDist"/>
+            <dgm:constr type="begPad" refType="connDist" fact="0.25"/>
+            <dgm:constr type="endPad" refType="connDist" fact="0.22"/>
+          </dgm:constrLst>
+          <dgm:ruleLst/>
+          <dgm:layoutNode name="connectorText">
+            <dgm:alg type="tx">
+              <dgm:param type="autoTxRot" val="grav"/>
+            </dgm:alg>
+            <dgm:shape xmlns:r="http://schemas.openxmlformats.org/officeDocument/2006/relationships" type="conn" r:blip="" hideGeom="1">
+              <dgm:adjLst/>
+            </dgm:shape>
+            <dgm:presOf axis="self"/>
+            <dgm:constrLst>
+              <dgm:constr type="lMarg"/>
+              <dgm:constr type="rMarg"/>
+              <dgm:constr type="tMarg"/>
+              <dgm:constr type="bMarg"/>
+            </dgm:constrLst>
+            <dgm:ruleLst>
+              <dgm:rule type="primFontSz" val="5" fact="NaN" max="NaN"/>
+            </dgm:ruleLst>
+          </dgm:layoutNode>
+        </dgm:layoutNode>
+      </dgm:forEach>
+    </dgm:forEach>
+  </dgm:layoutNode>
+</dgm:layoutDef>
+</file>
+
+<file path=ppt/diagrams/quickStyle1.xml><?xml version="1.0" encoding="utf-8"?>
+<dgm:styleDef xmlns:dgm="http://schemas.openxmlformats.org/drawingml/2006/diagram" xmlns:a="http://schemas.openxmlformats.org/drawingml/2006/main" uniqueId="urn:microsoft.com/office/officeart/2005/8/quickstyle/simple1">
+  <dgm:title val=""/>
+  <dgm:desc val=""/>
+  <dgm:catLst>
+    <dgm:cat type="simple" pri="10100"/>
+  </dgm:catLst>
+  <dgm:scene3d>
+    <a:camera prst="orthographicFront"/>
+    <a:lightRig rig="threePt" dir="t"/>
+  </dgm:scene3d>
+  <dgm:styleLbl name="node0">
+    <dgm:scene3d>
+      <a:camera prst="orthographicFront"/>
+      <a:lightRig rig="threePt" dir="t"/>
+    </dgm:scene3d>
+    <dgm:sp3d/>
+    <dgm:txPr/>
+    <dgm:style>
+      <a:lnRef idx="2">
+        <a:scrgbClr r="0" g="0" b="0"/>
+      </a:lnRef>
+      <a:fillRef idx="1">
+        <a:scrgbClr r="0" g="0" b="0"/>
+      </a:fillRef>
+      <a:effectRef idx="0">
+        <a:scrgbClr r="0" g="0" b="0"/>
+      </a:effectRef>
+      <a:fontRef idx="minor">
+        <a:schemeClr val="lt1"/>
+      </a:fontRef>
+    </dgm:style>
+  </dgm:styleLbl>
+  <dgm:styleLbl name="lnNode1">
+    <dgm:scene3d>
+      <a:camera prst="orthographicFront"/>
+      <a:lightRig rig="threePt" dir="t"/>
+    </dgm:scene3d>
+    <dgm:sp3d/>
+    <dgm:txPr/>
+    <dgm:style>
+      <a:lnRef idx="2">
+        <a:scrgbClr r="0" g="0" b="0"/>
+      </a:lnRef>
+      <a:fillRef idx="1">
+        <a:scrgbClr r="0" g="0" b="0"/>
+      </a:fillRef>
+      <a:effectRef idx="0">
+        <a:scrgbClr r="0" g="0" b="0"/>
+      </a:effectRef>
+      <a:fontRef idx="minor">
+        <a:schemeClr val="lt1"/>
+      </a:fontRef>
+    </dgm:style>
+  </dgm:styleLbl>
+  <dgm:styleLbl name="vennNode1">
+    <dgm:scene3d>
+      <a:camera prst="orthographicFront"/>
+      <a:lightRig rig="threePt" dir="t"/>
+    </dgm:scene3d>
+    <dgm:sp3d/>
+    <dgm:txPr/>
+    <dgm:style>
+      <a:lnRef idx="2">
+        <a:scrgbClr r="0" g="0" b="0"/>
+      </a:lnRef>
+      <a:fillRef idx="1">
+        <a:scrgbClr r="0" g="0" b="0"/>
+      </a:fillRef>
+      <a:effectRef idx="0">
+        <a:scrgbClr r="0" g="0" b="0"/>
+      </a:effectRef>
+      <a:fontRef idx="minor">
+        <a:schemeClr val="tx1"/>
+      </a:fontRef>
+    </dgm:style>
+  </dgm:styleLbl>
+  <dgm:styleLbl name="alignNode1">
+    <dgm:scene3d>
+      <a:camera prst="orthographicFront"/>
+      <a:lightRig rig="threePt" dir="t"/>
+    </dgm:scene3d>
+    <dgm:sp3d/>
+    <dgm:txPr/>
+    <dgm:style>
+      <a:lnRef idx="2">
+        <a:scrgbClr r="0" g="0" b="0"/>
+      </a:lnRef>
+      <a:fillRef idx="1">
+        <a:scrgbClr r="0" g="0" b="0"/>
+      </a:fillRef>
+      <a:effectRef idx="0">
+        <a:scrgbClr r="0" g="0" b="0"/>
+      </a:effectRef>
+      <a:fontRef idx="minor">
+        <a:schemeClr val="lt1"/>
+      </a:fontRef>
+    </dgm:style>
+  </dgm:styleLbl>
+  <dgm:styleLbl name="node1">
+    <dgm:scene3d>
+      <a:camera prst="orthographicFront"/>
+      <a:lightRig rig="threePt" dir="t"/>
+    </dgm:scene3d>
+    <dgm:sp3d/>
+    <dgm:txPr/>
+    <dgm:style>
+      <a:lnRef idx="2">
+        <a:scrgbClr r="0" g="0" b="0"/>
+      </a:lnRef>
+      <a:fillRef idx="1">
+        <a:scrgbClr r="0" g="0" b="0"/>
+      </a:fillRef>
+      <a:effectRef idx="0">
+        <a:scrgbClr r="0" g="0" b="0"/>
+      </a:effectRef>
+      <a:fontRef idx="minor">
+        <a:schemeClr val="lt1"/>
+      </a:fontRef>
+    </dgm:style>
+  </dgm:styleLbl>
+  <dgm:styleLbl name="node2">
+    <dgm:scene3d>
+      <a:camera prst="orthographicFront"/>
+      <a:lightRig rig="threePt" dir="t"/>
+    </dgm:scene3d>
+    <dgm:sp3d/>
+    <dgm:txPr/>
+    <dgm:style>
+      <a:lnRef idx="2">
+        <a:scrgbClr r="0" g="0" b="0"/>
+      </a:lnRef>
+      <a:fillRef idx="1">
+        <a:scrgbClr r="0" g="0" b="0"/>
+      </a:fillRef>
+      <a:effectRef idx="0">
+        <a:scrgbClr r="0" g="0" b="0"/>
+      </a:effectRef>
+      <a:fontRef idx="minor">
+        <a:schemeClr val="lt1"/>
+      </a:fontRef>
+    </dgm:style>
+  </dgm:styleLbl>
+  <dgm:styleLbl name="node3">
+    <dgm:scene3d>
+      <a:camera prst="orthographicFront"/>
+      <a:lightRig rig="threePt" dir="t"/>
+    </dgm:scene3d>
+    <dgm:sp3d/>
+    <dgm:txPr/>
+    <dgm:style>
+      <a:lnRef idx="2">
+        <a:scrgbClr r="0" g="0" b="0"/>
+      </a:lnRef>
+      <a:fillRef idx="1">
+        <a:scrgbClr r="0" g="0" b="0"/>
+      </a:fillRef>
+      <a:effectRef idx="0">
+        <a:scrgbClr r="0" g="0" b="0"/>
+      </a:effectRef>
+      <a:fontRef idx="minor">
+        <a:schemeClr val="lt1"/>
+      </a:fontRef>
+    </dgm:style>
+  </dgm:styleLbl>
+  <dgm:styleLbl name="node4">
+    <dgm:scene3d>
+      <a:camera prst="orthographicFront"/>
+      <a:lightRig rig="threePt" dir="t"/>
+    </dgm:scene3d>
+    <dgm:sp3d/>
+    <dgm:txPr/>
+    <dgm:style>
+      <a:lnRef idx="2">
+        <a:scrgbClr r="0" g="0" b="0"/>
+      </a:lnRef>
+      <a:fillRef idx="1">
+        <a:scrgbClr r="0" g="0" b="0"/>
+      </a:fillRef>
+      <a:effectRef idx="0">
+        <a:scrgbClr r="0" g="0" b="0"/>
+      </a:effectRef>
+      <a:fontRef idx="minor">
+        <a:schemeClr val="lt1"/>
+      </a:fontRef>
+    </dgm:style>
+  </dgm:styleLbl>
+  <dgm:styleLbl name="fgImgPlace1">
+    <dgm:scene3d>
+      <a:camera prst="orthographicFront"/>
+      <a:lightRig rig="threePt" dir="t"/>
+    </dgm:scene3d>
+    <dgm:sp3d/>
+    <dgm:txPr/>
+    <dgm:style>
+      <a:lnRef idx="2">
+        <a:scrgbClr r="0" g="0" b="0"/>
+      </a:lnRef>
+      <a:fillRef idx="1">
+        <a:scrgbClr r="0" g="0" b="0"/>
+      </a:fillRef>
+      <a:effectRef idx="0">
+        <a:scrgbClr r="0" g="0" b="0"/>
+      </a:effectRef>
+      <a:fontRef idx="minor"/>
+    </dgm:style>
+  </dgm:styleLbl>
+  <dgm:styleLbl name="alignImgPlace1">
+    <dgm:scene3d>
+      <a:camera prst="orthographicFront"/>
+      <a:lightRig rig="threePt" dir="t"/>
+    </dgm:scene3d>
+    <dgm:sp3d/>
+    <dgm:txPr/>
+    <dgm:style>
+      <a:lnRef idx="2">
+        <a:scrgbClr r="0" g="0" b="0"/>
+      </a:lnRef>
+      <a:fillRef idx="1">
+        <a:scrgbClr r="0" g="0" b="0"/>
+      </a:fillRef>
+      <a:effectRef idx="0">
+        <a:scrgbClr r="0" g="0" b="0"/>
+      </a:effectRef>
+      <a:fontRef idx="minor"/>
+    </dgm:style>
+  </dgm:styleLbl>
+  <dgm:styleLbl name="bgImgPlace1">
+    <dgm:scene3d>
+      <a:camera prst="orthographicFront"/>
+      <a:lightRig rig="threePt" dir="t"/>
+    </dgm:scene3d>
+    <dgm:sp3d/>
+    <dgm:txPr/>
+    <dgm:style>
+      <a:lnRef idx="2">
+        <a:scrgbClr r="0" g="0" b="0"/>
+      </a:lnRef>
+      <a:fillRef idx="1">
+        <a:scrgbClr r="0" g="0" b="0"/>
+      </a:fillRef>
+      <a:effectRef idx="0">
+        <a:scrgbClr r="0" g="0" b="0"/>
+      </a:effectRef>
+      <a:fontRef idx="minor"/>
+    </dgm:style>
+  </dgm:styleLbl>
+  <dgm:styleLbl name="sibTrans2D1">
+    <dgm:scene3d>
+      <a:camera prst="orthographicFront"/>
+      <a:lightRig rig="threePt" dir="t"/>
+    </dgm:scene3d>
+    <dgm:sp3d/>
+    <dgm:txPr/>
+    <dgm:style>
+      <a:lnRef idx="0">
+        <a:scrgbClr r="0" g="0" b="0"/>
+      </a:lnRef>
+      <a:fillRef idx="1">
+        <a:scrgbClr r="0" g="0" b="0"/>
+      </a:fillRef>
+      <a:effectRef idx="0">
+        <a:scrgbClr r="0" g="0" b="0"/>
+      </a:effectRef>
+      <a:fontRef idx="minor">
+        <a:schemeClr val="lt1"/>
+      </a:fontRef>
+    </dgm:style>
+  </dgm:styleLbl>
+  <dgm:styleLbl name="fgSibTrans2D1">
+    <dgm:scene3d>
+      <a:camera prst="orthographicFront"/>
+      <a:lightRig rig="threePt" dir="t"/>
+    </dgm:scene3d>
+    <dgm:sp3d/>
+    <dgm:txPr/>
+    <dgm:style>
+      <a:lnRef idx="0">
+        <a:scrgbClr r="0" g="0" b="0"/>
+      </a:lnRef>
+      <a:fillRef idx="1">
+        <a:scrgbClr r="0" g="0" b="0"/>
+      </a:fillRef>
+      <a:effectRef idx="0">
+        <a:scrgbClr r="0" g="0" b="0"/>
+      </a:effectRef>
+      <a:fontRef idx="minor">
+        <a:schemeClr val="lt1"/>
+      </a:fontRef>
+    </dgm:style>
+  </dgm:styleLbl>
+  <dgm:styleLbl name="bgSibTrans2D1">
+    <dgm:scene3d>
+      <a:camera prst="orthographicFront"/>
+      <a:lightRig rig="threePt" dir="t"/>
+    </dgm:scene3d>
+    <dgm:sp3d/>
+    <dgm:txPr/>
+    <dgm:style>
+      <a:lnRef idx="0">
+        <a:scrgbClr r="0" g="0" b="0"/>
+      </a:lnRef>
+      <a:fillRef idx="1">
+        <a:scrgbClr r="0" g="0" b="0"/>
+      </a:fillRef>
+      <a:effectRef idx="0">
+        <a:scrgbClr r="0" g="0" b="0"/>
+      </a:effectRef>
+      <a:fontRef idx="minor">
+        <a:schemeClr val="lt1"/>
+      </a:fontRef>
+    </dgm:style>
+  </dgm:styleLbl>
+  <dgm:styleLbl name="sibTrans1D1">
+    <dgm:scene3d>
+      <a:camera prst="orthographicFront"/>
+      <a:lightRig rig="threePt" dir="t"/>
+    </dgm:scene3d>
+    <dgm:sp3d/>
+    <dgm:txPr/>
+    <dgm:style>
+      <a:lnRef idx="1">
+        <a:scrgbClr r="0" g="0" b="0"/>
+      </a:lnRef>
+      <a:fillRef idx="0">
+        <a:scrgbClr r="0" g="0" b="0"/>
+      </a:fillRef>
+      <a:effectRef idx="0">
+        <a:scrgbClr r="0" g="0" b="0"/>
+      </a:effectRef>
+      <a:fontRef idx="minor"/>
+    </dgm:style>
+  </dgm:styleLbl>
+  <dgm:styleLbl name="callout">
+    <dgm:scene3d>
+      <a:camera prst="orthographicFront"/>
+      <a:lightRig rig="threePt" dir="t"/>
+    </dgm:scene3d>
+    <dgm:sp3d/>
+    <dgm:txPr/>
+    <dgm:style>
+      <a:lnRef idx="2">
+        <a:scrgbClr r="0" g="0" b="0"/>
+      </a:lnRef>
+      <a:fillRef idx="1">
+        <a:scrgbClr r="0" g="0" b="0"/>
+      </a:fillRef>
+      <a:effectRef idx="0">
+        <a:scrgbClr r="0" g="0" b="0"/>
+      </a:effectRef>
+      <a:fontRef idx="minor"/>
+    </dgm:style>
+  </dgm:styleLbl>
+  <dgm:styleLbl name="asst0">
+    <dgm:scene3d>
+      <a:camera prst="orthographicFront"/>
+      <a:lightRig rig="threePt" dir="t"/>
+    </dgm:scene3d>
+    <dgm:sp3d/>
+    <dgm:txPr/>
+    <dgm:style>
+      <a:lnRef idx="2">
+        <a:scrgbClr r="0" g="0" b="0"/>
+      </a:lnRef>
+      <a:fillRef idx="1">
+        <a:scrgbClr r="0" g="0" b="0"/>
+      </a:fillRef>
+      <a:effectRef idx="0">
+        <a:scrgbClr r="0" g="0" b="0"/>
+      </a:effectRef>
+      <a:fontRef idx="minor">
+        <a:schemeClr val="lt1"/>
+      </a:fontRef>
+    </dgm:style>
+  </dgm:styleLbl>
+  <dgm:styleLbl name="asst1">
+    <dgm:scene3d>
+      <a:camera prst="orthographicFront"/>
+      <a:lightRig rig="threePt" dir="t"/>
+    </dgm:scene3d>
+    <dgm:sp3d/>
+    <dgm:txPr/>
+    <dgm:style>
+      <a:lnRef idx="2">
+        <a:scrgbClr r="0" g="0" b="0"/>
+      </a:lnRef>
+      <a:fillRef idx="1">
+        <a:scrgbClr r="0" g="0" b="0"/>
+      </a:fillRef>
+      <a:effectRef idx="0">
+        <a:scrgbClr r="0" g="0" b="0"/>
+      </a:effectRef>
+      <a:fontRef idx="minor">
+        <a:schemeClr val="lt1"/>
+      </a:fontRef>
+    </dgm:style>
+  </dgm:styleLbl>
+  <dgm:styleLbl name="asst2">
+    <dgm:scene3d>
+      <a:camera prst="orthographicFront"/>
+      <a:lightRig rig="threePt" dir="t"/>
+    </dgm:scene3d>
+    <dgm:sp3d/>
+    <dgm:txPr/>
+    <dgm:style>
+      <a:lnRef idx="2">
+        <a:scrgbClr r="0" g="0" b="0"/>
+      </a:lnRef>
+      <a:fillRef idx="1">
+        <a:scrgbClr r="0" g="0" b="0"/>
+      </a:fillRef>
+      <a:effectRef idx="0">
+        <a:scrgbClr r="0" g="0" b="0"/>
+      </a:effectRef>
+      <a:fontRef idx="minor">
+        <a:schemeClr val="lt1"/>
+      </a:fontRef>
+    </dgm:style>
+  </dgm:styleLbl>
+  <dgm:styleLbl name="asst3">
+    <dgm:scene3d>
+      <a:camera prst="orthographicFront"/>
+      <a:lightRig rig="threePt" dir="t"/>
+    </dgm:scene3d>
+    <dgm:sp3d/>
+    <dgm:txPr/>
+    <dgm:style>
+      <a:lnRef idx="2">
+        <a:scrgbClr r="0" g="0" b="0"/>
+      </a:lnRef>
+      <a:fillRef idx="1">
+        <a:scrgbClr r="0" g="0" b="0"/>
+      </a:fillRef>
+      <a:effectRef idx="0">
+        <a:scrgbClr r="0" g="0" b="0"/>
+      </a:effectRef>
+      <a:fontRef idx="minor">
+        <a:schemeClr val="lt1"/>
+      </a:fontRef>
+    </dgm:style>
+  </dgm:styleLbl>
+  <dgm:styleLbl name="asst4">
+    <dgm:scene3d>
+      <a:camera prst="orthographicFront"/>
+      <a:lightRig rig="threePt" dir="t"/>
+    </dgm:scene3d>
+    <dgm:sp3d/>
+    <dgm:txPr/>
+    <dgm:style>
+      <a:lnRef idx="2">
+        <a:scrgbClr r="0" g="0" b="0"/>
+      </a:lnRef>
+      <a:fillRef idx="1">
+        <a:scrgbClr r="0" g="0" b="0"/>
+      </a:fillRef>
+      <a:effectRef idx="0">
+        <a:scrgbClr r="0" g="0" b="0"/>
+      </a:effectRef>
+      <a:fontRef idx="minor">
+        <a:schemeClr val="lt1"/>
+      </a:fontRef>
+    </dgm:style>
+  </dgm:styleLbl>
+  <dgm:styleLbl name="parChTrans2D1">
+    <dgm:scene3d>
+      <a:camera prst="orthographicFront"/>
+      <a:lightRig rig="threePt" dir="t"/>
+    </dgm:scene3d>
+    <dgm:sp3d/>
+    <dgm:txPr/>
+    <dgm:style>
+      <a:lnRef idx="2">
+        <a:scrgbClr r="0" g="0" b="0"/>
+      </a:lnRef>
+      <a:fillRef idx="1">
+        <a:scrgbClr r="0" g="0" b="0"/>
+      </a:fillRef>
+      <a:effectRef idx="0">
+        <a:scrgbClr r="0" g="0" b="0"/>
+      </a:effectRef>
+      <a:fontRef idx="minor">
+        <a:schemeClr val="lt1"/>
+      </a:fontRef>
+    </dgm:style>
+  </dgm:styleLbl>
+  <dgm:styleLbl name="parChTrans2D2">
+    <dgm:scene3d>
+      <a:camera prst="orthographicFront"/>
+      <a:lightRig rig="threePt" dir="t"/>
+    </dgm:scene3d>
+    <dgm:sp3d/>
+    <dgm:txPr/>
+    <dgm:style>
+      <a:lnRef idx="2">
+        <a:scrgbClr r="0" g="0" b="0"/>
+      </a:lnRef>
+      <a:fillRef idx="1">
+        <a:scrgbClr r="0" g="0" b="0"/>
+      </a:fillRef>
+      <a:effectRef idx="0">
+        <a:scrgbClr r="0" g="0" b="0"/>
+      </a:effectRef>
+      <a:fontRef idx="minor">
+        <a:schemeClr val="lt1"/>
+      </a:fontRef>
+    </dgm:style>
+  </dgm:styleLbl>
+  <dgm:styleLbl name="parChTrans2D3">
+    <dgm:scene3d>
+      <a:camera prst="orthographicFront"/>
+      <a:lightRig rig="threePt" dir="t"/>
+    </dgm:scene3d>
+    <dgm:sp3d/>
+    <dgm:txPr/>
+    <dgm:style>
+      <a:lnRef idx="2">
+        <a:scrgbClr r="0" g="0" b="0"/>
+      </a:lnRef>
+      <a:fillRef idx="1">
+        <a:scrgbClr r="0" g="0" b="0"/>
+      </a:fillRef>
+      <a:effectRef idx="0">
+        <a:scrgbClr r="0" g="0" b="0"/>
+      </a:effectRef>
+      <a:fontRef idx="minor">
+        <a:schemeClr val="lt1"/>
+      </a:fontRef>
+    </dgm:style>
+  </dgm:styleLbl>
+  <dgm:styleLbl name="parChTrans2D4">
+    <dgm:scene3d>
+      <a:camera prst="orthographicFront"/>
+      <a:lightRig rig="threePt" dir="t"/>
+    </dgm:scene3d>
+    <dgm:sp3d/>
+    <dgm:txPr/>
+    <dgm:style>
+      <a:lnRef idx="2">
+        <a:scrgbClr r="0" g="0" b="0"/>
+      </a:lnRef>
+      <a:fillRef idx="1">
+        <a:scrgbClr r="0" g="0" b="0"/>
+      </a:fillRef>
+      <a:effectRef idx="0">
+        <a:scrgbClr r="0" g="0" b="0"/>
+      </a:effectRef>
+      <a:fontRef idx="minor">
+        <a:schemeClr val="lt1"/>
+      </a:fontRef>
+    </dgm:style>
+  </dgm:styleLbl>
+  <dgm:styleLbl name="parChTrans1D1">
+    <dgm:scene3d>
+      <a:camera prst="orthographicFront"/>
+      <a:lightRig rig="threePt" dir="t"/>
+    </dgm:scene3d>
+    <dgm:sp3d/>
+    <dgm:txPr/>
+    <dgm:style>
+      <a:lnRef idx="2">
+        <a:scrgbClr r="0" g="0" b="0"/>
+      </a:lnRef>
+      <a:fillRef idx="0">
+        <a:scrgbClr r="0" g="0" b="0"/>
+      </a:fillRef>
+      <a:effectRef idx="0">
+        <a:scrgbClr r="0" g="0" b="0"/>
+      </a:effectRef>
+      <a:fontRef idx="minor"/>
+    </dgm:style>
+  </dgm:styleLbl>
+  <dgm:styleLbl name="parChTrans1D2">
+    <dgm:scene3d>
+      <a:camera prst="orthographicFront"/>
+      <a:lightRig rig="threePt" dir="t"/>
+    </dgm:scene3d>
+    <dgm:sp3d/>
+    <dgm:txPr/>
+    <dgm:style>
+      <a:lnRef idx="2">
+        <a:scrgbClr r="0" g="0" b="0"/>
+      </a:lnRef>
+      <a:fillRef idx="0">
+        <a:scrgbClr r="0" g="0" b="0"/>
+      </a:fillRef>
+      <a:effectRef idx="0">
+        <a:scrgbClr r="0" g="0" b="0"/>
+      </a:effectRef>
+      <a:fontRef idx="minor"/>
+    </dgm:style>
+  </dgm:styleLbl>
+  <dgm:styleLbl name="parChTrans1D3">
+    <dgm:scene3d>
+      <a:camera prst="orthographicFront"/>
+      <a:lightRig rig="threePt" dir="t"/>
+    </dgm:scene3d>
+    <dgm:sp3d/>
+    <dgm:txPr/>
+    <dgm:style>
+      <a:lnRef idx="2">
+        <a:scrgbClr r="0" g="0" b="0"/>
+      </a:lnRef>
+      <a:fillRef idx="0">
+        <a:scrgbClr r="0" g="0" b="0"/>
+      </a:fillRef>
+      <a:effectRef idx="0">
+        <a:scrgbClr r="0" g="0" b="0"/>
+      </a:effectRef>
+      <a:fontRef idx="minor"/>
+    </dgm:style>
+  </dgm:styleLbl>
+  <dgm:styleLbl name="parChTrans1D4">
+    <dgm:scene3d>
+      <a:camera prst="orthographicFront"/>
+      <a:lightRig rig="threePt" dir="t"/>
+    </dgm:scene3d>
+    <dgm:sp3d/>
+    <dgm:txPr/>
+    <dgm:style>
+      <a:lnRef idx="2">
+        <a:scrgbClr r="0" g="0" b="0"/>
+      </a:lnRef>
+      <a:fillRef idx="0">
+        <a:scrgbClr r="0" g="0" b="0"/>
+      </a:fillRef>
+      <a:effectRef idx="0">
+        <a:scrgbClr r="0" g="0" b="0"/>
+      </a:effectRef>
+      <a:fontRef idx="minor"/>
+    </dgm:style>
+  </dgm:styleLbl>
+  <dgm:styleLbl name="fgAcc1">
+    <dgm:scene3d>
+      <a:camera prst="orthographicFront"/>
+      <a:lightRig rig="threePt" dir="t"/>
+    </dgm:scene3d>
+    <dgm:sp3d/>
+    <dgm:txPr/>
+    <dgm:style>
+      <a:lnRef idx="2">
+        <a:scrgbClr r="0" g="0" b="0"/>
+      </a:lnRef>
+      <a:fillRef idx="1">
+        <a:scrgbClr r="0" g="0" b="0"/>
+      </a:fillRef>
+      <a:effectRef idx="0">
+        <a:scrgbClr r="0" g="0" b="0"/>
+      </a:effectRef>
+      <a:fontRef idx="minor"/>
+    </dgm:style>
+  </dgm:styleLbl>
+  <dgm:styleLbl name="conFgAcc1">
+    <dgm:scene3d>
+      <a:camera prst="orthographicFront"/>
+      <a:lightRig rig="threePt" dir="t"/>
+    </dgm:scene3d>
+    <dgm:sp3d/>
+    <dgm:txPr/>
+    <dgm:style>
+      <a:lnRef idx="2">
+        <a:scrgbClr r="0" g="0" b="0"/>
+      </a:lnRef>
+      <a:fillRef idx="1">
+        <a:scrgbClr r="0" g="0" b="0"/>
+      </a:fillRef>
+      <a:effectRef idx="0">
+        <a:scrgbClr r="0" g="0" b="0"/>
+      </a:effectRef>
+      <a:fontRef idx="minor"/>
+    </dgm:style>
+  </dgm:styleLbl>
+  <dgm:styleLbl name="alignAcc1">
+    <dgm:scene3d>
+      <a:camera prst="orthographicFront"/>
+      <a:lightRig rig="threePt" dir="t"/>
+    </dgm:scene3d>
+    <dgm:sp3d/>
+    <dgm:txPr/>
+    <dgm:style>
+      <a:lnRef idx="2">
+        <a:scrgbClr r="0" g="0" b="0"/>
+      </a:lnRef>
+      <a:fillRef idx="1">
+        <a:scrgbClr r="0" g="0" b="0"/>
+      </a:fillRef>
+      <a:effectRef idx="0">
+        <a:scrgbClr r="0" g="0" b="0"/>
+      </a:effectRef>
+      <a:fontRef idx="minor"/>
+    </dgm:style>
+  </dgm:styleLbl>
+  <dgm:styleLbl name="trAlignAcc1">
+    <dgm:scene3d>
+      <a:camera prst="orthographicFront"/>
+      <a:lightRig rig="threePt" dir="t"/>
+    </dgm:scene3d>
+    <dgm:sp3d/>
+    <dgm:txPr/>
+    <dgm:style>
+      <a:lnRef idx="1">
+        <a:scrgbClr r="0" g="0" b="0"/>
+      </a:lnRef>
+      <a:fillRef idx="1">
+        <a:scrgbClr r="0" g="0" b="0"/>
+      </a:fillRef>
+      <a:effectRef idx="0">
+        <a:scrgbClr r="0" g="0" b="0"/>
+      </a:effectRef>
+      <a:fontRef idx="minor"/>
+    </dgm:style>
+  </dgm:styleLbl>
+  <dgm:styleLbl name="bgAcc1">
+    <dgm:scene3d>
+      <a:camera prst="orthographicFront"/>
+      <a:lightRig rig="threePt" dir="t"/>
+    </dgm:scene3d>
+    <dgm:sp3d/>
+    <dgm:txPr/>
+    <dgm:style>
+      <a:lnRef idx="2">
+        <a:scrgbClr r="0" g="0" b="0"/>
+      </a:lnRef>
+      <a:fillRef idx="1">
+        <a:scrgbClr r="0" g="0" b="0"/>
+      </a:fillRef>
+      <a:effectRef idx="0">
+        <a:scrgbClr r="0" g="0" b="0"/>
+      </a:effectRef>
+      <a:fontRef idx="minor"/>
+    </dgm:style>
+  </dgm:styleLbl>
+  <dgm:styleLbl name="solidFgAcc1">
+    <dgm:scene3d>
+      <a:camera prst="orthographicFront"/>
+      <a:lightRig rig="threePt" dir="t"/>
+    </dgm:scene3d>
+    <dgm:sp3d/>
+    <dgm:txPr/>
+    <dgm:style>
+      <a:lnRef idx="2">
+        <a:scrgbClr r="0" g="0" b="0"/>
+      </a:lnRef>
+      <a:fillRef idx="1">
+        <a:scrgbClr r="0" g="0" b="0"/>
+      </a:fillRef>
+      <a:effectRef idx="0">
+        <a:scrgbClr r="0" g="0" b="0"/>
+      </a:effectRef>
+      <a:fontRef idx="minor"/>
+    </dgm:style>
+  </dgm:styleLbl>
+  <dgm:styleLbl name="solidAlignAcc1">
+    <dgm:scene3d>
+      <a:camera prst="orthographicFront"/>
+      <a:lightRig rig="threePt" dir="t"/>
+    </dgm:scene3d>
+    <dgm:sp3d/>
+    <dgm:txPr/>
+    <dgm:style>
+      <a:lnRef idx="2">
+        <a:scrgbClr r="0" g="0" b="0"/>
+      </a:lnRef>
+      <a:fillRef idx="1">
+        <a:scrgbClr r="0" g="0" b="0"/>
+      </a:fillRef>
+      <a:effectRef idx="0">
+        <a:scrgbClr r="0" g="0" b="0"/>
+      </a:effectRef>
+      <a:fontRef idx="minor"/>
+    </dgm:style>
+  </dgm:styleLbl>
+  <dgm:styleLbl name="solidBgAcc1">
+    <dgm:scene3d>
+      <a:camera prst="orthographicFront"/>
+      <a:lightRig rig="threePt" dir="t"/>
+    </dgm:scene3d>
+    <dgm:sp3d/>
+    <dgm:txPr/>
+    <dgm:style>
+      <a:lnRef idx="2">
+        <a:scrgbClr r="0" g="0" b="0"/>
+      </a:lnRef>
+      <a:fillRef idx="1">
+        <a:scrgbClr r="0" g="0" b="0"/>
+      </a:fillRef>
+      <a:effectRef idx="0">
+        <a:scrgbClr r="0" g="0" b="0"/>
+      </a:effectRef>
+      <a:fontRef idx="minor"/>
+    </dgm:style>
+  </dgm:styleLbl>
+  <dgm:styleLbl name="fgAccFollowNode1">
+    <dgm:scene3d>
+      <a:camera prst="orthographicFront"/>
+      <a:lightRig rig="threePt" dir="t"/>
+    </dgm:scene3d>
+    <dgm:sp3d/>
+    <dgm:txPr/>
+    <dgm:style>
+      <a:lnRef idx="2">
+        <a:scrgbClr r="0" g="0" b="0"/>
+      </a:lnRef>
+      <a:fillRef idx="1">
+        <a:scrgbClr r="0" g="0" b="0"/>
+      </a:fillRef>
+      <a:effectRef idx="0">
+        <a:scrgbClr r="0" g="0" b="0"/>
+      </a:effectRef>
+      <a:fontRef idx="minor"/>
+    </dgm:style>
+  </dgm:styleLbl>
+  <dgm:styleLbl name="alignAccFollowNode1">
+    <dgm:scene3d>
+      <a:camera prst="orthographicFront"/>
+      <a:lightRig rig="threePt" dir="t"/>
+    </dgm:scene3d>
+    <dgm:sp3d/>
+    <dgm:txPr/>
+    <dgm:style>
+      <a:lnRef idx="2">
+        <a:scrgbClr r="0" g="0" b="0"/>
+      </a:lnRef>
+      <a:fillRef idx="1">
+        <a:scrgbClr r="0" g="0" b="0"/>
+      </a:fillRef>
+      <a:effectRef idx="0">
+        <a:scrgbClr r="0" g="0" b="0"/>
+      </a:effectRef>
+      <a:fontRef idx="minor"/>
+    </dgm:style>
+  </dgm:styleLbl>
+  <dgm:styleLbl name="bgAccFollowNode1">
+    <dgm:scene3d>
+      <a:camera prst="orthographicFront"/>
+      <a:lightRig rig="threePt" dir="t"/>
+    </dgm:scene3d>
+    <dgm:sp3d/>
+    <dgm:txPr/>
+    <dgm:style>
+      <a:lnRef idx="2">
+        <a:scrgbClr r="0" g="0" b="0"/>
+      </a:lnRef>
+      <a:fillRef idx="1">
+        <a:scrgbClr r="0" g="0" b="0"/>
+      </a:fillRef>
+      <a:effectRef idx="0">
+        <a:scrgbClr r="0" g="0" b="0"/>
+      </a:effectRef>
+      <a:fontRef idx="minor"/>
+    </dgm:style>
+  </dgm:styleLbl>
+  <dgm:styleLbl name="fgAcc0">
+    <dgm:scene3d>
+      <a:camera prst="orthographicFront"/>
+      <a:lightRig rig="threePt" dir="t"/>
+    </dgm:scene3d>
+    <dgm:sp3d/>
+    <dgm:txPr/>
+    <dgm:style>
+      <a:lnRef idx="2">
+        <a:scrgbClr r="0" g="0" b="0"/>
+      </a:lnRef>
+      <a:fillRef idx="1">
+        <a:scrgbClr r="0" g="0" b="0"/>
+      </a:fillRef>
+      <a:effectRef idx="0">
+        <a:scrgbClr r="0" g="0" b="0"/>
+      </a:effectRef>
+      <a:fontRef idx="minor"/>
+    </dgm:style>
+  </dgm:styleLbl>
+  <dgm:styleLbl name="fgAcc2">
+    <dgm:scene3d>
+      <a:camera prst="orthographicFront"/>
+      <a:lightRig rig="threePt" dir="t"/>
+    </dgm:scene3d>
+    <dgm:sp3d/>
+    <dgm:txPr/>
+    <dgm:style>
+      <a:lnRef idx="2">
+        <a:scrgbClr r="0" g="0" b="0"/>
+      </a:lnRef>
+      <a:fillRef idx="1">
+        <a:scrgbClr r="0" g="0" b="0"/>
+      </a:fillRef>
+      <a:effectRef idx="0">
+        <a:scrgbClr r="0" g="0" b="0"/>
+      </a:effectRef>
+      <a:fontRef idx="minor"/>
+    </dgm:style>
+  </dgm:styleLbl>
+  <dgm:styleLbl name="fgAcc3">
+    <dgm:scene3d>
+      <a:camera prst="orthographicFront"/>
+      <a:lightRig rig="threePt" dir="t"/>
+    </dgm:scene3d>
+    <dgm:sp3d/>
+    <dgm:txPr/>
+    <dgm:style>
+      <a:lnRef idx="2">
+        <a:scrgbClr r="0" g="0" b="0"/>
+      </a:lnRef>
+      <a:fillRef idx="1">
+        <a:scrgbClr r="0" g="0" b="0"/>
+      </a:fillRef>
+      <a:effectRef idx="0">
+        <a:scrgbClr r="0" g="0" b="0"/>
+      </a:effectRef>
+      <a:fontRef idx="minor"/>
+    </dgm:style>
+  </dgm:styleLbl>
+  <dgm:styleLbl name="fgAcc4">
+    <dgm:scene3d>
+      <a:camera prst="orthographicFront"/>
+      <a:lightRig rig="threePt" dir="t"/>
+    </dgm:scene3d>
+    <dgm:sp3d/>
+    <dgm:txPr/>
+    <dgm:style>
+      <a:lnRef idx="2">
+        <a:scrgbClr r="0" g="0" b="0"/>
+      </a:lnRef>
+      <a:fillRef idx="1">
+        <a:scrgbClr r="0" g="0" b="0"/>
+      </a:fillRef>
+      <a:effectRef idx="0">
+        <a:scrgbClr r="0" g="0" b="0"/>
+      </a:effectRef>
+      <a:fontRef idx="minor"/>
+    </dgm:style>
+  </dgm:styleLbl>
+  <dgm:styleLbl name="bgShp">
+    <dgm:scene3d>
+      <a:camera prst="orthographicFront"/>
+      <a:lightRig rig="threePt" dir="t"/>
+    </dgm:scene3d>
+    <dgm:sp3d/>
+    <dgm:txPr/>
+    <dgm:style>
+      <a:lnRef idx="0">
+        <a:scrgbClr r="0" g="0" b="0"/>
+      </a:lnRef>
+      <a:fillRef idx="1">
+        <a:scrgbClr r="0" g="0" b="0"/>
+      </a:fillRef>
+      <a:effectRef idx="0">
+        <a:scrgbClr r="0" g="0" b="0"/>
+      </a:effectRef>
+      <a:fontRef idx="minor"/>
+    </dgm:style>
+  </dgm:styleLbl>
+  <dgm:styleLbl name="dkBgShp">
+    <dgm:scene3d>
+      <a:camera prst="orthographicFront"/>
+      <a:lightRig rig="threePt" dir="t"/>
+    </dgm:scene3d>
+    <dgm:sp3d/>
+    <dgm:txPr/>
+    <dgm:style>
+      <a:lnRef idx="0">
+        <a:scrgbClr r="0" g="0" b="0"/>
+      </a:lnRef>
+      <a:fillRef idx="1">
+        <a:scrgbClr r="0" g="0" b="0"/>
+      </a:fillRef>
+      <a:effectRef idx="0">
+        <a:scrgbClr r="0" g="0" b="0"/>
+      </a:effectRef>
+      <a:fontRef idx="minor"/>
+    </dgm:style>
+  </dgm:styleLbl>
+  <dgm:styleLbl name="trBgShp">
+    <dgm:scene3d>
+      <a:camera prst="orthographicFront"/>
+      <a:lightRig rig="threePt" dir="t"/>
+    </dgm:scene3d>
+    <dgm:sp3d/>
+    <dgm:txPr/>
+    <dgm:style>
+      <a:lnRef idx="0">
+        <a:scrgbClr r="0" g="0" b="0"/>
+      </a:lnRef>
+      <a:fillRef idx="1">
+        <a:scrgbClr r="0" g="0" b="0"/>
+      </a:fillRef>
+      <a:effectRef idx="0">
+        <a:scrgbClr r="0" g="0" b="0"/>
+      </a:effectRef>
+      <a:fontRef idx="minor"/>
+    </dgm:style>
+  </dgm:styleLbl>
+  <dgm:styleLbl name="fgShp">
+    <dgm:scene3d>
+      <a:camera prst="orthographicFront"/>
+      <a:lightRig rig="threePt" dir="t"/>
+    </dgm:scene3d>
+    <dgm:sp3d/>
+    <dgm:txPr/>
+    <dgm:style>
+      <a:lnRef idx="2">
+        <a:scrgbClr r="0" g="0" b="0"/>
+      </a:lnRef>
+      <a:fillRef idx="1">
+        <a:scrgbClr r="0" g="0" b="0"/>
+      </a:fillRef>
+      <a:effectRef idx="0">
+        <a:scrgbClr r="0" g="0" b="0"/>
+      </a:effectRef>
+      <a:fontRef idx="minor"/>
+    </dgm:style>
+  </dgm:styleLbl>
+  <dgm:styleLbl name="revTx">
+    <dgm:scene3d>
+      <a:camera prst="orthographicFront"/>
+      <a:lightRig rig="threePt" dir="t"/>
+    </dgm:scene3d>
+    <dgm:sp3d/>
+    <dgm:txPr/>
+    <dgm:style>
+      <a:lnRef idx="0">
+        <a:scrgbClr r="0" g="0" b="0"/>
+      </a:lnRef>
+      <a:fillRef idx="0">
+        <a:scrgbClr r="0" g="0" b="0"/>
+      </a:fillRef>
+      <a:effectRef idx="0">
+        <a:scrgbClr r="0" g="0" b="0"/>
+      </a:effectRef>
+      <a:fontRef idx="minor"/>
+    </dgm:style>
+  </dgm:styleLbl>
+</dgm:styleDef>
+</file>
+
+<file path=ppt/diagrams/quickStyle2.xml><?xml version="1.0" encoding="utf-8"?>
+<dgm:styleDef xmlns:dgm="http://schemas.openxmlformats.org/drawingml/2006/diagram" xmlns:a="http://schemas.openxmlformats.org/drawingml/2006/main" uniqueId="urn:microsoft.com/office/officeart/2005/8/quickstyle/simple1">
+  <dgm:title val=""/>
+  <dgm:desc val=""/>
+  <dgm:catLst>
+    <dgm:cat type="simple" pri="10100"/>
+  </dgm:catLst>
+  <dgm:scene3d>
+    <a:camera prst="orthographicFront"/>
+    <a:lightRig rig="threePt" dir="t"/>
+  </dgm:scene3d>
+  <dgm:styleLbl name="node0">
+    <dgm:scene3d>
+      <a:camera prst="orthographicFront"/>
+      <a:lightRig rig="threePt" dir="t"/>
+    </dgm:scene3d>
+    <dgm:sp3d/>
+    <dgm:txPr/>
+    <dgm:style>
+      <a:lnRef idx="2">
+        <a:scrgbClr r="0" g="0" b="0"/>
+      </a:lnRef>
+      <a:fillRef idx="1">
+        <a:scrgbClr r="0" g="0" b="0"/>
+      </a:fillRef>
+      <a:effectRef idx="0">
+        <a:scrgbClr r="0" g="0" b="0"/>
+      </a:effectRef>
+      <a:fontRef idx="minor">
+        <a:schemeClr val="lt1"/>
+      </a:fontRef>
+    </dgm:style>
+  </dgm:styleLbl>
+  <dgm:styleLbl name="lnNode1">
+    <dgm:scene3d>
+      <a:camera prst="orthographicFront"/>
+      <a:lightRig rig="threePt" dir="t"/>
+    </dgm:scene3d>
+    <dgm:sp3d/>
+    <dgm:txPr/>
+    <dgm:style>
+      <a:lnRef idx="2">
+        <a:scrgbClr r="0" g="0" b="0"/>
+      </a:lnRef>
+      <a:fillRef idx="1">
+        <a:scrgbClr r="0" g="0" b="0"/>
+      </a:fillRef>
+      <a:effectRef idx="0">
+        <a:scrgbClr r="0" g="0" b="0"/>
+      </a:effectRef>
+      <a:fontRef idx="minor">
+        <a:schemeClr val="lt1"/>
+      </a:fontRef>
+    </dgm:style>
+  </dgm:styleLbl>
+  <dgm:styleLbl name="vennNode1">
+    <dgm:scene3d>
+      <a:camera prst="orthographicFront"/>
+      <a:lightRig rig="threePt" dir="t"/>
+    </dgm:scene3d>
+    <dgm:sp3d/>
+    <dgm:txPr/>
+    <dgm:style>
+      <a:lnRef idx="2">
+        <a:scrgbClr r="0" g="0" b="0"/>
+      </a:lnRef>
+      <a:fillRef idx="1">
+        <a:scrgbClr r="0" g="0" b="0"/>
+      </a:fillRef>
+      <a:effectRef idx="0">
+        <a:scrgbClr r="0" g="0" b="0"/>
+      </a:effectRef>
+      <a:fontRef idx="minor">
+        <a:schemeClr val="tx1"/>
+      </a:fontRef>
+    </dgm:style>
+  </dgm:styleLbl>
+  <dgm:styleLbl name="alignNode1">
+    <dgm:scene3d>
+      <a:camera prst="orthographicFront"/>
+      <a:lightRig rig="threePt" dir="t"/>
+    </dgm:scene3d>
+    <dgm:sp3d/>
+    <dgm:txPr/>
+    <dgm:style>
+      <a:lnRef idx="2">
+        <a:scrgbClr r="0" g="0" b="0"/>
+      </a:lnRef>
+      <a:fillRef idx="1">
+        <a:scrgbClr r="0" g="0" b="0"/>
+      </a:fillRef>
+      <a:effectRef idx="0">
+        <a:scrgbClr r="0" g="0" b="0"/>
+      </a:effectRef>
+      <a:fontRef idx="minor">
+        <a:schemeClr val="lt1"/>
+      </a:fontRef>
+    </dgm:style>
+  </dgm:styleLbl>
+  <dgm:styleLbl name="node1">
+    <dgm:scene3d>
+      <a:camera prst="orthographicFront"/>
+      <a:lightRig rig="threePt" dir="t"/>
+    </dgm:scene3d>
+    <dgm:sp3d/>
+    <dgm:txPr/>
+    <dgm:style>
+      <a:lnRef idx="2">
+        <a:scrgbClr r="0" g="0" b="0"/>
+      </a:lnRef>
+      <a:fillRef idx="1">
+        <a:scrgbClr r="0" g="0" b="0"/>
+      </a:fillRef>
+      <a:effectRef idx="0">
+        <a:scrgbClr r="0" g="0" b="0"/>
+      </a:effectRef>
+      <a:fontRef idx="minor">
+        <a:schemeClr val="lt1"/>
+      </a:fontRef>
+    </dgm:style>
+  </dgm:styleLbl>
+  <dgm:styleLbl name="node2">
+    <dgm:scene3d>
+      <a:camera prst="orthographicFront"/>
+      <a:lightRig rig="threePt" dir="t"/>
+    </dgm:scene3d>
+    <dgm:sp3d/>
+    <dgm:txPr/>
+    <dgm:style>
+      <a:lnRef idx="2">
+        <a:scrgbClr r="0" g="0" b="0"/>
+      </a:lnRef>
+      <a:fillRef idx="1">
+        <a:scrgbClr r="0" g="0" b="0"/>
+      </a:fillRef>
+      <a:effectRef idx="0">
+        <a:scrgbClr r="0" g="0" b="0"/>
+      </a:effectRef>
+      <a:fontRef idx="minor">
+        <a:schemeClr val="lt1"/>
+      </a:fontRef>
+    </dgm:style>
+  </dgm:styleLbl>
+  <dgm:styleLbl name="node3">
+    <dgm:scene3d>
+      <a:camera prst="orthographicFront"/>
+      <a:lightRig rig="threePt" dir="t"/>
+    </dgm:scene3d>
+    <dgm:sp3d/>
+    <dgm:txPr/>
+    <dgm:style>
+      <a:lnRef idx="2">
+        <a:scrgbClr r="0" g="0" b="0"/>
+      </a:lnRef>
+      <a:fillRef idx="1">
+        <a:scrgbClr r="0" g="0" b="0"/>
+      </a:fillRef>
+      <a:effectRef idx="0">
+        <a:scrgbClr r="0" g="0" b="0"/>
+      </a:effectRef>
+      <a:fontRef idx="minor">
+        <a:schemeClr val="lt1"/>
+      </a:fontRef>
+    </dgm:style>
+  </dgm:styleLbl>
+  <dgm:styleLbl name="node4">
+    <dgm:scene3d>
+      <a:camera prst="orthographicFront"/>
+      <a:lightRig rig="threePt" dir="t"/>
+    </dgm:scene3d>
+    <dgm:sp3d/>
+    <dgm:txPr/>
+    <dgm:style>
+      <a:lnRef idx="2">
+        <a:scrgbClr r="0" g="0" b="0"/>
+      </a:lnRef>
+      <a:fillRef idx="1">
+        <a:scrgbClr r="0" g="0" b="0"/>
+      </a:fillRef>
+      <a:effectRef idx="0">
+        <a:scrgbClr r="0" g="0" b="0"/>
+      </a:effectRef>
+      <a:fontRef idx="minor">
+        <a:schemeClr val="lt1"/>
+      </a:fontRef>
+    </dgm:style>
+  </dgm:styleLbl>
+  <dgm:styleLbl name="fgImgPlace1">
+    <dgm:scene3d>
+      <a:camera prst="orthographicFront"/>
+      <a:lightRig rig="threePt" dir="t"/>
+    </dgm:scene3d>
+    <dgm:sp3d/>
+    <dgm:txPr/>
+    <dgm:style>
+      <a:lnRef idx="2">
+        <a:scrgbClr r="0" g="0" b="0"/>
+      </a:lnRef>
+      <a:fillRef idx="1">
+        <a:scrgbClr r="0" g="0" b="0"/>
+      </a:fillRef>
+      <a:effectRef idx="0">
+        <a:scrgbClr r="0" g="0" b="0"/>
+      </a:effectRef>
+      <a:fontRef idx="minor"/>
+    </dgm:style>
+  </dgm:styleLbl>
+  <dgm:styleLbl name="alignImgPlace1">
+    <dgm:scene3d>
+      <a:camera prst="orthographicFront"/>
+      <a:lightRig rig="threePt" dir="t"/>
+    </dgm:scene3d>
+    <dgm:sp3d/>
+    <dgm:txPr/>
+    <dgm:style>
+      <a:lnRef idx="2">
+        <a:scrgbClr r="0" g="0" b="0"/>
+      </a:lnRef>
+      <a:fillRef idx="1">
+        <a:scrgbClr r="0" g="0" b="0"/>
+      </a:fillRef>
+      <a:effectRef idx="0">
+        <a:scrgbClr r="0" g="0" b="0"/>
+      </a:effectRef>
+      <a:fontRef idx="minor"/>
+    </dgm:style>
+  </dgm:styleLbl>
+  <dgm:styleLbl name="bgImgPlace1">
+    <dgm:scene3d>
+      <a:camera prst="orthographicFront"/>
+      <a:lightRig rig="threePt" dir="t"/>
+    </dgm:scene3d>
+    <dgm:sp3d/>
+    <dgm:txPr/>
+    <dgm:style>
+      <a:lnRef idx="2">
+        <a:scrgbClr r="0" g="0" b="0"/>
+      </a:lnRef>
+      <a:fillRef idx="1">
+        <a:scrgbClr r="0" g="0" b="0"/>
+      </a:fillRef>
+      <a:effectRef idx="0">
+        <a:scrgbClr r="0" g="0" b="0"/>
+      </a:effectRef>
+      <a:fontRef idx="minor"/>
+    </dgm:style>
+  </dgm:styleLbl>
+  <dgm:styleLbl name="sibTrans2D1">
+    <dgm:scene3d>
+      <a:camera prst="orthographicFront"/>
+      <a:lightRig rig="threePt" dir="t"/>
+    </dgm:scene3d>
+    <dgm:sp3d/>
+    <dgm:txPr/>
+    <dgm:style>
+      <a:lnRef idx="0">
+        <a:scrgbClr r="0" g="0" b="0"/>
+      </a:lnRef>
+      <a:fillRef idx="1">
+        <a:scrgbClr r="0" g="0" b="0"/>
+      </a:fillRef>
+      <a:effectRef idx="0">
+        <a:scrgbClr r="0" g="0" b="0"/>
+      </a:effectRef>
+      <a:fontRef idx="minor">
+        <a:schemeClr val="lt1"/>
+      </a:fontRef>
+    </dgm:style>
+  </dgm:styleLbl>
+  <dgm:styleLbl name="fgSibTrans2D1">
+    <dgm:scene3d>
+      <a:camera prst="orthographicFront"/>
+      <a:lightRig rig="threePt" dir="t"/>
+    </dgm:scene3d>
+    <dgm:sp3d/>
+    <dgm:txPr/>
+    <dgm:style>
+      <a:lnRef idx="0">
+        <a:scrgbClr r="0" g="0" b="0"/>
+      </a:lnRef>
+      <a:fillRef idx="1">
+        <a:scrgbClr r="0" g="0" b="0"/>
+      </a:fillRef>
+      <a:effectRef idx="0">
+        <a:scrgbClr r="0" g="0" b="0"/>
+      </a:effectRef>
+      <a:fontRef idx="minor">
+        <a:schemeClr val="lt1"/>
+      </a:fontRef>
+    </dgm:style>
+  </dgm:styleLbl>
+  <dgm:styleLbl name="bgSibTrans2D1">
+    <dgm:scene3d>
+      <a:camera prst="orthographicFront"/>
+      <a:lightRig rig="threePt" dir="t"/>
+    </dgm:scene3d>
+    <dgm:sp3d/>
+    <dgm:txPr/>
+    <dgm:style>
+      <a:lnRef idx="0">
+        <a:scrgbClr r="0" g="0" b="0"/>
+      </a:lnRef>
+      <a:fillRef idx="1">
+        <a:scrgbClr r="0" g="0" b="0"/>
+      </a:fillRef>
+      <a:effectRef idx="0">
+        <a:scrgbClr r="0" g="0" b="0"/>
+      </a:effectRef>
+      <a:fontRef idx="minor">
+        <a:schemeClr val="lt1"/>
+      </a:fontRef>
+    </dgm:style>
+  </dgm:styleLbl>
+  <dgm:styleLbl name="sibTrans1D1">
+    <dgm:scene3d>
+      <a:camera prst="orthographicFront"/>
+      <a:lightRig rig="threePt" dir="t"/>
+    </dgm:scene3d>
+    <dgm:sp3d/>
+    <dgm:txPr/>
+    <dgm:style>
+      <a:lnRef idx="1">
+        <a:scrgbClr r="0" g="0" b="0"/>
+      </a:lnRef>
+      <a:fillRef idx="0">
+        <a:scrgbClr r="0" g="0" b="0"/>
+      </a:fillRef>
+      <a:effectRef idx="0">
+        <a:scrgbClr r="0" g="0" b="0"/>
+      </a:effectRef>
+      <a:fontRef idx="minor"/>
+    </dgm:style>
+  </dgm:styleLbl>
+  <dgm:styleLbl name="callout">
+    <dgm:scene3d>
+      <a:camera prst="orthographicFront"/>
+      <a:lightRig rig="threePt" dir="t"/>
+    </dgm:scene3d>
+    <dgm:sp3d/>
+    <dgm:txPr/>
+    <dgm:style>
+      <a:lnRef idx="2">
+        <a:scrgbClr r="0" g="0" b="0"/>
+      </a:lnRef>
+      <a:fillRef idx="1">
+        <a:scrgbClr r="0" g="0" b="0"/>
+      </a:fillRef>
+      <a:effectRef idx="0">
+        <a:scrgbClr r="0" g="0" b="0"/>
+      </a:effectRef>
+      <a:fontRef idx="minor"/>
+    </dgm:style>
+  </dgm:styleLbl>
+  <dgm:styleLbl name="asst0">
+    <dgm:scene3d>
+      <a:camera prst="orthographicFront"/>
+      <a:lightRig rig="threePt" dir="t"/>
+    </dgm:scene3d>
+    <dgm:sp3d/>
+    <dgm:txPr/>
+    <dgm:style>
+      <a:lnRef idx="2">
+        <a:scrgbClr r="0" g="0" b="0"/>
+      </a:lnRef>
+      <a:fillRef idx="1">
+        <a:scrgbClr r="0" g="0" b="0"/>
+      </a:fillRef>
+      <a:effectRef idx="0">
+        <a:scrgbClr r="0" g="0" b="0"/>
+      </a:effectRef>
+      <a:fontRef idx="minor">
+        <a:schemeClr val="lt1"/>
+      </a:fontRef>
+    </dgm:style>
+  </dgm:styleLbl>
+  <dgm:styleLbl name="asst1">
+    <dgm:scene3d>
+      <a:camera prst="orthographicFront"/>
+      <a:lightRig rig="threePt" dir="t"/>
+    </dgm:scene3d>
+    <dgm:sp3d/>
+    <dgm:txPr/>
+    <dgm:style>
+      <a:lnRef idx="2">
+        <a:scrgbClr r="0" g="0" b="0"/>
+      </a:lnRef>
+      <a:fillRef idx="1">
+        <a:scrgbClr r="0" g="0" b="0"/>
+      </a:fillRef>
+      <a:effectRef idx="0">
+        <a:scrgbClr r="0" g="0" b="0"/>
+      </a:effectRef>
+      <a:fontRef idx="minor">
+        <a:schemeClr val="lt1"/>
+      </a:fontRef>
+    </dgm:style>
+  </dgm:styleLbl>
+  <dgm:styleLbl name="asst2">
+    <dgm:scene3d>
+      <a:camera prst="orthographicFront"/>
+      <a:lightRig rig="threePt" dir="t"/>
+    </dgm:scene3d>
+    <dgm:sp3d/>
+    <dgm:txPr/>
+    <dgm:style>
+      <a:lnRef idx="2">
+        <a:scrgbClr r="0" g="0" b="0"/>
+      </a:lnRef>
+      <a:fillRef idx="1">
+        <a:scrgbClr r="0" g="0" b="0"/>
+      </a:fillRef>
+      <a:effectRef idx="0">
+        <a:scrgbClr r="0" g="0" b="0"/>
+      </a:effectRef>
+      <a:fontRef idx="minor">
+        <a:schemeClr val="lt1"/>
+      </a:fontRef>
+    </dgm:style>
+  </dgm:styleLbl>
+  <dgm:styleLbl name="asst3">
+    <dgm:scene3d>
+      <a:camera prst="orthographicFront"/>
+      <a:lightRig rig="threePt" dir="t"/>
+    </dgm:scene3d>
+    <dgm:sp3d/>
+    <dgm:txPr/>
+    <dgm:style>
+      <a:lnRef idx="2">
+        <a:scrgbClr r="0" g="0" b="0"/>
+      </a:lnRef>
+      <a:fillRef idx="1">
+        <a:scrgbClr r="0" g="0" b="0"/>
+      </a:fillRef>
+      <a:effectRef idx="0">
+        <a:scrgbClr r="0" g="0" b="0"/>
+      </a:effectRef>
+      <a:fontRef idx="minor">
+        <a:schemeClr val="lt1"/>
+      </a:fontRef>
+    </dgm:style>
+  </dgm:styleLbl>
+  <dgm:styleLbl name="asst4">
+    <dgm:scene3d>
+      <a:camera prst="orthographicFront"/>
+      <a:lightRig rig="threePt" dir="t"/>
+    </dgm:scene3d>
+    <dgm:sp3d/>
+    <dgm:txPr/>
+    <dgm:style>
+      <a:lnRef idx="2">
+        <a:scrgbClr r="0" g="0" b="0"/>
+      </a:lnRef>
+      <a:fillRef idx="1">
+        <a:scrgbClr r="0" g="0" b="0"/>
+      </a:fillRef>
+      <a:effectRef idx="0">
+        <a:scrgbClr r="0" g="0" b="0"/>
+      </a:effectRef>
+      <a:fontRef idx="minor">
+        <a:schemeClr val="lt1"/>
+      </a:fontRef>
+    </dgm:style>
+  </dgm:styleLbl>
+  <dgm:styleLbl name="parChTrans2D1">
+    <dgm:scene3d>
+      <a:camera prst="orthographicFront"/>
+      <a:lightRig rig="threePt" dir="t"/>
+    </dgm:scene3d>
+    <dgm:sp3d/>
+    <dgm:txPr/>
+    <dgm:style>
+      <a:lnRef idx="2">
+        <a:scrgbClr r="0" g="0" b="0"/>
+      </a:lnRef>
+      <a:fillRef idx="1">
+        <a:scrgbClr r="0" g="0" b="0"/>
+      </a:fillRef>
+      <a:effectRef idx="0">
+        <a:scrgbClr r="0" g="0" b="0"/>
+      </a:effectRef>
+      <a:fontRef idx="minor">
+        <a:schemeClr val="lt1"/>
+      </a:fontRef>
+    </dgm:style>
+  </dgm:styleLbl>
+  <dgm:styleLbl name="parChTrans2D2">
+    <dgm:scene3d>
+      <a:camera prst="orthographicFront"/>
+      <a:lightRig rig="threePt" dir="t"/>
+    </dgm:scene3d>
+    <dgm:sp3d/>
+    <dgm:txPr/>
+    <dgm:style>
+      <a:lnRef idx="2">
+        <a:scrgbClr r="0" g="0" b="0"/>
+      </a:lnRef>
+      <a:fillRef idx="1">
+        <a:scrgbClr r="0" g="0" b="0"/>
+      </a:fillRef>
+      <a:effectRef idx="0">
+        <a:scrgbClr r="0" g="0" b="0"/>
+      </a:effectRef>
+      <a:fontRef idx="minor">
+        <a:schemeClr val="lt1"/>
+      </a:fontRef>
+    </dgm:style>
+  </dgm:styleLbl>
+  <dgm:styleLbl name="parChTrans2D3">
+    <dgm:scene3d>
+      <a:camera prst="orthographicFront"/>
+      <a:lightRig rig="threePt" dir="t"/>
+    </dgm:scene3d>
+    <dgm:sp3d/>
+    <dgm:txPr/>
+    <dgm:style>
+      <a:lnRef idx="2">
+        <a:scrgbClr r="0" g="0" b="0"/>
+      </a:lnRef>
+      <a:fillRef idx="1">
+        <a:scrgbClr r="0" g="0" b="0"/>
+      </a:fillRef>
+      <a:effectRef idx="0">
+        <a:scrgbClr r="0" g="0" b="0"/>
+      </a:effectRef>
+      <a:fontRef idx="minor">
+        <a:schemeClr val="lt1"/>
+      </a:fontRef>
+    </dgm:style>
+  </dgm:styleLbl>
+  <dgm:styleLbl name="parChTrans2D4">
+    <dgm:scene3d>
+      <a:camera prst="orthographicFront"/>
+      <a:lightRig rig="threePt" dir="t"/>
+    </dgm:scene3d>
+    <dgm:sp3d/>
+    <dgm:txPr/>
+    <dgm:style>
+      <a:lnRef idx="2">
+        <a:scrgbClr r="0" g="0" b="0"/>
+      </a:lnRef>
+      <a:fillRef idx="1">
+        <a:scrgbClr r="0" g="0" b="0"/>
+      </a:fillRef>
+      <a:effectRef idx="0">
+        <a:scrgbClr r="0" g="0" b="0"/>
+      </a:effectRef>
+      <a:fontRef idx="minor">
+        <a:schemeClr val="lt1"/>
+      </a:fontRef>
+    </dgm:style>
+  </dgm:styleLbl>
+  <dgm:styleLbl name="parChTrans1D1">
+    <dgm:scene3d>
+      <a:camera prst="orthographicFront"/>
+      <a:lightRig rig="threePt" dir="t"/>
+    </dgm:scene3d>
+    <dgm:sp3d/>
+    <dgm:txPr/>
+    <dgm:style>
+      <a:lnRef idx="2">
+        <a:scrgbClr r="0" g="0" b="0"/>
+      </a:lnRef>
+      <a:fillRef idx="0">
+        <a:scrgbClr r="0" g="0" b="0"/>
+      </a:fillRef>
+      <a:effectRef idx="0">
+        <a:scrgbClr r="0" g="0" b="0"/>
+      </a:effectRef>
+      <a:fontRef idx="minor"/>
+    </dgm:style>
+  </dgm:styleLbl>
+  <dgm:styleLbl name="parChTrans1D2">
+    <dgm:scene3d>
+      <a:camera prst="orthographicFront"/>
+      <a:lightRig rig="threePt" dir="t"/>
+    </dgm:scene3d>
+    <dgm:sp3d/>
+    <dgm:txPr/>
+    <dgm:style>
+      <a:lnRef idx="2">
+        <a:scrgbClr r="0" g="0" b="0"/>
+      </a:lnRef>
+      <a:fillRef idx="0">
+        <a:scrgbClr r="0" g="0" b="0"/>
+      </a:fillRef>
+      <a:effectRef idx="0">
+        <a:scrgbClr r="0" g="0" b="0"/>
+      </a:effectRef>
+      <a:fontRef idx="minor"/>
+    </dgm:style>
+  </dgm:styleLbl>
+  <dgm:styleLbl name="parChTrans1D3">
+    <dgm:scene3d>
+      <a:camera prst="orthographicFront"/>
+      <a:lightRig rig="threePt" dir="t"/>
+    </dgm:scene3d>
+    <dgm:sp3d/>
+    <dgm:txPr/>
+    <dgm:style>
+      <a:lnRef idx="2">
+        <a:scrgbClr r="0" g="0" b="0"/>
+      </a:lnRef>
+      <a:fillRef idx="0">
+        <a:scrgbClr r="0" g="0" b="0"/>
+      </a:fillRef>
+      <a:effectRef idx="0">
+        <a:scrgbClr r="0" g="0" b="0"/>
+      </a:effectRef>
+      <a:fontRef idx="minor"/>
+    </dgm:style>
+  </dgm:styleLbl>
+  <dgm:styleLbl name="parChTrans1D4">
+    <dgm:scene3d>
+      <a:camera prst="orthographicFront"/>
+      <a:lightRig rig="threePt" dir="t"/>
+    </dgm:scene3d>
+    <dgm:sp3d/>
+    <dgm:txPr/>
+    <dgm:style>
+      <a:lnRef idx="2">
+        <a:scrgbClr r="0" g="0" b="0"/>
+      </a:lnRef>
+      <a:fillRef idx="0">
+        <a:scrgbClr r="0" g="0" b="0"/>
+      </a:fillRef>
+      <a:effectRef idx="0">
+        <a:scrgbClr r="0" g="0" b="0"/>
+      </a:effectRef>
+      <a:fontRef idx="minor"/>
+    </dgm:style>
+  </dgm:styleLbl>
+  <dgm:styleLbl name="fgAcc1">
+    <dgm:scene3d>
+      <a:camera prst="orthographicFront"/>
+      <a:lightRig rig="threePt" dir="t"/>
+    </dgm:scene3d>
+    <dgm:sp3d/>
+    <dgm:txPr/>
+    <dgm:style>
+      <a:lnRef idx="2">
+        <a:scrgbClr r="0" g="0" b="0"/>
+      </a:lnRef>
+      <a:fillRef idx="1">
+        <a:scrgbClr r="0" g="0" b="0"/>
+      </a:fillRef>
+      <a:effectRef idx="0">
+        <a:scrgbClr r="0" g="0" b="0"/>
+      </a:effectRef>
+      <a:fontRef idx="minor"/>
+    </dgm:style>
+  </dgm:styleLbl>
+  <dgm:styleLbl name="conFgAcc1">
+    <dgm:scene3d>
+      <a:camera prst="orthographicFront"/>
+      <a:lightRig rig="threePt" dir="t"/>
+    </dgm:scene3d>
+    <dgm:sp3d/>
+    <dgm:txPr/>
+    <dgm:style>
+      <a:lnRef idx="2">
+        <a:scrgbClr r="0" g="0" b="0"/>
+      </a:lnRef>
+      <a:fillRef idx="1">
+        <a:scrgbClr r="0" g="0" b="0"/>
+      </a:fillRef>
+      <a:effectRef idx="0">
+        <a:scrgbClr r="0" g="0" b="0"/>
+      </a:effectRef>
+      <a:fontRef idx="minor"/>
+    </dgm:style>
+  </dgm:styleLbl>
+  <dgm:styleLbl name="alignAcc1">
+    <dgm:scene3d>
+      <a:camera prst="orthographicFront"/>
+      <a:lightRig rig="threePt" dir="t"/>
+    </dgm:scene3d>
+    <dgm:sp3d/>
+    <dgm:txPr/>
+    <dgm:style>
+      <a:lnRef idx="2">
+        <a:scrgbClr r="0" g="0" b="0"/>
+      </a:lnRef>
+      <a:fillRef idx="1">
+        <a:scrgbClr r="0" g="0" b="0"/>
+      </a:fillRef>
+      <a:effectRef idx="0">
+        <a:scrgbClr r="0" g="0" b="0"/>
+      </a:effectRef>
+      <a:fontRef idx="minor"/>
+    </dgm:style>
+  </dgm:styleLbl>
+  <dgm:styleLbl name="trAlignAcc1">
+    <dgm:scene3d>
+      <a:camera prst="orthographicFront"/>
+      <a:lightRig rig="threePt" dir="t"/>
+    </dgm:scene3d>
+    <dgm:sp3d/>
+    <dgm:txPr/>
+    <dgm:style>
+      <a:lnRef idx="1">
+        <a:scrgbClr r="0" g="0" b="0"/>
+      </a:lnRef>
+      <a:fillRef idx="1">
+        <a:scrgbClr r="0" g="0" b="0"/>
+      </a:fillRef>
+      <a:effectRef idx="0">
+        <a:scrgbClr r="0" g="0" b="0"/>
+      </a:effectRef>
+      <a:fontRef idx="minor"/>
+    </dgm:style>
+  </dgm:styleLbl>
+  <dgm:styleLbl name="bgAcc1">
+    <dgm:scene3d>
+      <a:camera prst="orthographicFront"/>
+      <a:lightRig rig="threePt" dir="t"/>
+    </dgm:scene3d>
+    <dgm:sp3d/>
+    <dgm:txPr/>
+    <dgm:style>
+      <a:lnRef idx="2">
+        <a:scrgbClr r="0" g="0" b="0"/>
+      </a:lnRef>
+      <a:fillRef idx="1">
+        <a:scrgbClr r="0" g="0" b="0"/>
+      </a:fillRef>
+      <a:effectRef idx="0">
+        <a:scrgbClr r="0" g="0" b="0"/>
+      </a:effectRef>
+      <a:fontRef idx="minor"/>
+    </dgm:style>
+  </dgm:styleLbl>
+  <dgm:styleLbl name="solidFgAcc1">
+    <dgm:scene3d>
+      <a:camera prst="orthographicFront"/>
+      <a:lightRig rig="threePt" dir="t"/>
+    </dgm:scene3d>
+    <dgm:sp3d/>
+    <dgm:txPr/>
+    <dgm:style>
+      <a:lnRef idx="2">
+        <a:scrgbClr r="0" g="0" b="0"/>
+      </a:lnRef>
+      <a:fillRef idx="1">
+        <a:scrgbClr r="0" g="0" b="0"/>
+      </a:fillRef>
+      <a:effectRef idx="0">
+        <a:scrgbClr r="0" g="0" b="0"/>
+      </a:effectRef>
+      <a:fontRef idx="minor"/>
+    </dgm:style>
+  </dgm:styleLbl>
+  <dgm:styleLbl name="solidAlignAcc1">
+    <dgm:scene3d>
+      <a:camera prst="orthographicFront"/>
+      <a:lightRig rig="threePt" dir="t"/>
+    </dgm:scene3d>
+    <dgm:sp3d/>
+    <dgm:txPr/>
+    <dgm:style>
+      <a:lnRef idx="2">
+        <a:scrgbClr r="0" g="0" b="0"/>
+      </a:lnRef>
+      <a:fillRef idx="1">
+        <a:scrgbClr r="0" g="0" b="0"/>
+      </a:fillRef>
+      <a:effectRef idx="0">
+        <a:scrgbClr r="0" g="0" b="0"/>
+      </a:effectRef>
+      <a:fontRef idx="minor"/>
+    </dgm:style>
+  </dgm:styleLbl>
+  <dgm:styleLbl name="solidBgAcc1">
+    <dgm:scene3d>
+      <a:camera prst="orthographicFront"/>
+      <a:lightRig rig="threePt" dir="t"/>
+    </dgm:scene3d>
+    <dgm:sp3d/>
+    <dgm:txPr/>
+    <dgm:style>
+      <a:lnRef idx="2">
+        <a:scrgbClr r="0" g="0" b="0"/>
+      </a:lnRef>
+      <a:fillRef idx="1">
+        <a:scrgbClr r="0" g="0" b="0"/>
+      </a:fillRef>
+      <a:effectRef idx="0">
+        <a:scrgbClr r="0" g="0" b="0"/>
+      </a:effectRef>
+      <a:fontRef idx="minor"/>
+    </dgm:style>
+  </dgm:styleLbl>
+  <dgm:styleLbl name="fgAccFollowNode1">
+    <dgm:scene3d>
+      <a:camera prst="orthographicFront"/>
+      <a:lightRig rig="threePt" dir="t"/>
+    </dgm:scene3d>
+    <dgm:sp3d/>
+    <dgm:txPr/>
+    <dgm:style>
+      <a:lnRef idx="2">
+        <a:scrgbClr r="0" g="0" b="0"/>
+      </a:lnRef>
+      <a:fillRef idx="1">
+        <a:scrgbClr r="0" g="0" b="0"/>
+      </a:fillRef>
+      <a:effectRef idx="0">
+        <a:scrgbClr r="0" g="0" b="0"/>
+      </a:effectRef>
+      <a:fontRef idx="minor"/>
+    </dgm:style>
+  </dgm:styleLbl>
+  <dgm:styleLbl name="alignAccFollowNode1">
+    <dgm:scene3d>
+      <a:camera prst="orthographicFront"/>
+      <a:lightRig rig="threePt" dir="t"/>
+    </dgm:scene3d>
+    <dgm:sp3d/>
+    <dgm:txPr/>
+    <dgm:style>
+      <a:lnRef idx="2">
+        <a:scrgbClr r="0" g="0" b="0"/>
+      </a:lnRef>
+      <a:fillRef idx="1">
+        <a:scrgbClr r="0" g="0" b="0"/>
+      </a:fillRef>
+      <a:effectRef idx="0">
+        <a:scrgbClr r="0" g="0" b="0"/>
+      </a:effectRef>
+      <a:fontRef idx="minor"/>
+    </dgm:style>
+  </dgm:styleLbl>
+  <dgm:styleLbl name="bgAccFollowNode1">
+    <dgm:scene3d>
+      <a:camera prst="orthographicFront"/>
+      <a:lightRig rig="threePt" dir="t"/>
+    </dgm:scene3d>
+    <dgm:sp3d/>
+    <dgm:txPr/>
+    <dgm:style>
+      <a:lnRef idx="2">
+        <a:scrgbClr r="0" g="0" b="0"/>
+      </a:lnRef>
+      <a:fillRef idx="1">
+        <a:scrgbClr r="0" g="0" b="0"/>
+      </a:fillRef>
+      <a:effectRef idx="0">
+        <a:scrgbClr r="0" g="0" b="0"/>
+      </a:effectRef>
+      <a:fontRef idx="minor"/>
+    </dgm:style>
+  </dgm:styleLbl>
+  <dgm:styleLbl name="fgAcc0">
+    <dgm:scene3d>
+      <a:camera prst="orthographicFront"/>
+      <a:lightRig rig="threePt" dir="t"/>
+    </dgm:scene3d>
+    <dgm:sp3d/>
+    <dgm:txPr/>
+    <dgm:style>
+      <a:lnRef idx="2">
+        <a:scrgbClr r="0" g="0" b="0"/>
+      </a:lnRef>
+      <a:fillRef idx="1">
+        <a:scrgbClr r="0" g="0" b="0"/>
+      </a:fillRef>
+      <a:effectRef idx="0">
+        <a:scrgbClr r="0" g="0" b="0"/>
+      </a:effectRef>
+      <a:fontRef idx="minor"/>
+    </dgm:style>
+  </dgm:styleLbl>
+  <dgm:styleLbl name="fgAcc2">
+    <dgm:scene3d>
+      <a:camera prst="orthographicFront"/>
+      <a:lightRig rig="threePt" dir="t"/>
+    </dgm:scene3d>
+    <dgm:sp3d/>
+    <dgm:txPr/>
+    <dgm:style>
+      <a:lnRef idx="2">
+        <a:scrgbClr r="0" g="0" b="0"/>
+      </a:lnRef>
+      <a:fillRef idx="1">
+        <a:scrgbClr r="0" g="0" b="0"/>
+      </a:fillRef>
+      <a:effectRef idx="0">
+        <a:scrgbClr r="0" g="0" b="0"/>
+      </a:effectRef>
+      <a:fontRef idx="minor"/>
+    </dgm:style>
+  </dgm:styleLbl>
+  <dgm:styleLbl name="fgAcc3">
+    <dgm:scene3d>
+      <a:camera prst="orthographicFront"/>
+      <a:lightRig rig="threePt" dir="t"/>
+    </dgm:scene3d>
+    <dgm:sp3d/>
+    <dgm:txPr/>
+    <dgm:style>
+      <a:lnRef idx="2">
+        <a:scrgbClr r="0" g="0" b="0"/>
+      </a:lnRef>
+      <a:fillRef idx="1">
+        <a:scrgbClr r="0" g="0" b="0"/>
+      </a:fillRef>
+      <a:effectRef idx="0">
+        <a:scrgbClr r="0" g="0" b="0"/>
+      </a:effectRef>
+      <a:fontRef idx="minor"/>
+    </dgm:style>
+  </dgm:styleLbl>
+  <dgm:styleLbl name="fgAcc4">
+    <dgm:scene3d>
+      <a:camera prst="orthographicFront"/>
+      <a:lightRig rig="threePt" dir="t"/>
+    </dgm:scene3d>
+    <dgm:sp3d/>
+    <dgm:txPr/>
+    <dgm:style>
+      <a:lnRef idx="2">
+        <a:scrgbClr r="0" g="0" b="0"/>
+      </a:lnRef>
+      <a:fillRef idx="1">
+        <a:scrgbClr r="0" g="0" b="0"/>
+      </a:fillRef>
+      <a:effectRef idx="0">
+        <a:scrgbClr r="0" g="0" b="0"/>
+      </a:effectRef>
+      <a:fontRef idx="minor"/>
+    </dgm:style>
+  </dgm:styleLbl>
+  <dgm:styleLbl name="bgShp">
+    <dgm:scene3d>
+      <a:camera prst="orthographicFront"/>
+      <a:lightRig rig="threePt" dir="t"/>
+    </dgm:scene3d>
+    <dgm:sp3d/>
+    <dgm:txPr/>
+    <dgm:style>
+      <a:lnRef idx="0">
+        <a:scrgbClr r="0" g="0" b="0"/>
+      </a:lnRef>
+      <a:fillRef idx="1">
+        <a:scrgbClr r="0" g="0" b="0"/>
+      </a:fillRef>
+      <a:effectRef idx="0">
+        <a:scrgbClr r="0" g="0" b="0"/>
+      </a:effectRef>
+      <a:fontRef idx="minor"/>
+    </dgm:style>
+  </dgm:styleLbl>
+  <dgm:styleLbl name="dkBgShp">
+    <dgm:scene3d>
+      <a:camera prst="orthographicFront"/>
+      <a:lightRig rig="threePt" dir="t"/>
+    </dgm:scene3d>
+    <dgm:sp3d/>
+    <dgm:txPr/>
+    <dgm:style>
+      <a:lnRef idx="0">
+        <a:scrgbClr r="0" g="0" b="0"/>
+      </a:lnRef>
+      <a:fillRef idx="1">
+        <a:scrgbClr r="0" g="0" b="0"/>
+      </a:fillRef>
+      <a:effectRef idx="0">
+        <a:scrgbClr r="0" g="0" b="0"/>
+      </a:effectRef>
+      <a:fontRef idx="minor"/>
+    </dgm:style>
+  </dgm:styleLbl>
+  <dgm:styleLbl name="trBgShp">
+    <dgm:scene3d>
+      <a:camera prst="orthographicFront"/>
+      <a:lightRig rig="threePt" dir="t"/>
+    </dgm:scene3d>
+    <dgm:sp3d/>
+    <dgm:txPr/>
+    <dgm:style>
+      <a:lnRef idx="0">
+        <a:scrgbClr r="0" g="0" b="0"/>
+      </a:lnRef>
+      <a:fillRef idx="1">
+        <a:scrgbClr r="0" g="0" b="0"/>
+      </a:fillRef>
+      <a:effectRef idx="0">
+        <a:scrgbClr r="0" g="0" b="0"/>
+      </a:effectRef>
+      <a:fontRef idx="minor"/>
+    </dgm:style>
+  </dgm:styleLbl>
+  <dgm:styleLbl name="fgShp">
+    <dgm:scene3d>
+      <a:camera prst="orthographicFront"/>
+      <a:lightRig rig="threePt" dir="t"/>
+    </dgm:scene3d>
+    <dgm:sp3d/>
+    <dgm:txPr/>
+    <dgm:style>
+      <a:lnRef idx="2">
+        <a:scrgbClr r="0" g="0" b="0"/>
+      </a:lnRef>
+      <a:fillRef idx="1">
+        <a:scrgbClr r="0" g="0" b="0"/>
+      </a:fillRef>
+      <a:effectRef idx="0">
+        <a:scrgbClr r="0" g="0" b="0"/>
+      </a:effectRef>
+      <a:fontRef idx="minor"/>
+    </dgm:style>
+  </dgm:styleLbl>
+  <dgm:styleLbl name="revTx">
+    <dgm:scene3d>
+      <a:camera prst="orthographicFront"/>
+      <a:lightRig rig="threePt" dir="t"/>
+    </dgm:scene3d>
+    <dgm:sp3d/>
+    <dgm:txPr/>
+    <dgm:style>
+      <a:lnRef idx="0">
+        <a:scrgbClr r="0" g="0" b="0"/>
+      </a:lnRef>
+      <a:fillRef idx="0">
+        <a:scrgbClr r="0" g="0" b="0"/>
+      </a:fillRef>
+      <a:effectRef idx="0">
+        <a:scrgbClr r="0" g="0" b="0"/>
+      </a:effectRef>
+      <a:fontRef idx="minor"/>
+    </dgm:style>
+  </dgm:styleLbl>
+</dgm:styleDef>
 </file>
 
 <file path=ppt/slideLayouts/slideLayout1.xml><?xml version="1.0" encoding="utf-8"?>
@@ -246,7 +5631,7 @@
           <a:p>
             <a:fld id="{A93A7B6C-FFAE-4713-B2F5-BEB258B08390}" type="datetimeFigureOut">
               <a:rPr lang="en-US" smtClean="0"/>
-              <a:t>10/5/2014</a:t>
+              <a:t>10/11/2014</a:t>
             </a:fld>
             <a:endParaRPr lang="en-US"/>
           </a:p>
@@ -416,7 +5801,7 @@
           <a:p>
             <a:fld id="{A93A7B6C-FFAE-4713-B2F5-BEB258B08390}" type="datetimeFigureOut">
               <a:rPr lang="en-US" smtClean="0"/>
-              <a:t>10/5/2014</a:t>
+              <a:t>10/11/2014</a:t>
             </a:fld>
             <a:endParaRPr lang="en-US"/>
           </a:p>
@@ -596,7 +5981,7 @@
           <a:p>
             <a:fld id="{A93A7B6C-FFAE-4713-B2F5-BEB258B08390}" type="datetimeFigureOut">
               <a:rPr lang="en-US" smtClean="0"/>
-              <a:t>10/5/2014</a:t>
+              <a:t>10/11/2014</a:t>
             </a:fld>
             <a:endParaRPr lang="en-US"/>
           </a:p>
@@ -766,7 +6151,7 @@
           <a:p>
             <a:fld id="{A93A7B6C-FFAE-4713-B2F5-BEB258B08390}" type="datetimeFigureOut">
               <a:rPr lang="en-US" smtClean="0"/>
-              <a:t>10/5/2014</a:t>
+              <a:t>10/11/2014</a:t>
             </a:fld>
             <a:endParaRPr lang="en-US"/>
           </a:p>
@@ -1012,7 +6397,7 @@
           <a:p>
             <a:fld id="{A93A7B6C-FFAE-4713-B2F5-BEB258B08390}" type="datetimeFigureOut">
               <a:rPr lang="en-US" smtClean="0"/>
-              <a:t>10/5/2014</a:t>
+              <a:t>10/11/2014</a:t>
             </a:fld>
             <a:endParaRPr lang="en-US"/>
           </a:p>
@@ -1244,7 +6629,7 @@
           <a:p>
             <a:fld id="{A93A7B6C-FFAE-4713-B2F5-BEB258B08390}" type="datetimeFigureOut">
               <a:rPr lang="en-US" smtClean="0"/>
-              <a:t>10/5/2014</a:t>
+              <a:t>10/11/2014</a:t>
             </a:fld>
             <a:endParaRPr lang="en-US"/>
           </a:p>
@@ -1611,7 +6996,7 @@
           <a:p>
             <a:fld id="{A93A7B6C-FFAE-4713-B2F5-BEB258B08390}" type="datetimeFigureOut">
               <a:rPr lang="en-US" smtClean="0"/>
-              <a:t>10/5/2014</a:t>
+              <a:t>10/11/2014</a:t>
             </a:fld>
             <a:endParaRPr lang="en-US"/>
           </a:p>
@@ -1729,7 +7114,7 @@
           <a:p>
             <a:fld id="{A93A7B6C-FFAE-4713-B2F5-BEB258B08390}" type="datetimeFigureOut">
               <a:rPr lang="en-US" smtClean="0"/>
-              <a:t>10/5/2014</a:t>
+              <a:t>10/11/2014</a:t>
             </a:fld>
             <a:endParaRPr lang="en-US"/>
           </a:p>
@@ -1824,7 +7209,7 @@
           <a:p>
             <a:fld id="{A93A7B6C-FFAE-4713-B2F5-BEB258B08390}" type="datetimeFigureOut">
               <a:rPr lang="en-US" smtClean="0"/>
-              <a:t>10/5/2014</a:t>
+              <a:t>10/11/2014</a:t>
             </a:fld>
             <a:endParaRPr lang="en-US"/>
           </a:p>
@@ -2101,7 +7486,7 @@
           <a:p>
             <a:fld id="{A93A7B6C-FFAE-4713-B2F5-BEB258B08390}" type="datetimeFigureOut">
               <a:rPr lang="en-US" smtClean="0"/>
-              <a:t>10/5/2014</a:t>
+              <a:t>10/11/2014</a:t>
             </a:fld>
             <a:endParaRPr lang="en-US"/>
           </a:p>
@@ -2354,7 +7739,7 @@
           <a:p>
             <a:fld id="{A93A7B6C-FFAE-4713-B2F5-BEB258B08390}" type="datetimeFigureOut">
               <a:rPr lang="en-US" smtClean="0"/>
-              <a:t>10/5/2014</a:t>
+              <a:t>10/11/2014</a:t>
             </a:fld>
             <a:endParaRPr lang="en-US"/>
           </a:p>
@@ -2567,7 +7952,7 @@
           <a:p>
             <a:fld id="{A93A7B6C-FFAE-4713-B2F5-BEB258B08390}" type="datetimeFigureOut">
               <a:rPr lang="en-US" smtClean="0"/>
-              <a:t>10/5/2014</a:t>
+              <a:t>10/11/2014</a:t>
             </a:fld>
             <a:endParaRPr lang="en-US"/>
           </a:p>
@@ -3014,7 +8399,27 @@
           <a:p>
             <a:r>
               <a:rPr lang="en-US" dirty="0" smtClean="0"/>
-              <a:t>By: Lucas Nunno</a:t>
+              <a:t>By: Lucas </a:t>
+            </a:r>
+            <a:r>
+              <a:rPr lang="en-US" dirty="0" smtClean="0"/>
+              <a:t>Nunno (</a:t>
+            </a:r>
+            <a:r>
+              <a:rPr lang="en-US" dirty="0" smtClean="0">
+                <a:hlinkClick r:id="rId2"/>
+              </a:rPr>
+              <a:t>lnunno@cs.un</a:t>
+            </a:r>
+            <a:r>
+              <a:rPr lang="en-US" dirty="0" smtClean="0">
+                <a:hlinkClick r:id="rId2"/>
+              </a:rPr>
+              <a:t>m.edu</a:t>
+            </a:r>
+            <a:r>
+              <a:rPr lang="en-US" dirty="0" smtClean="0"/>
+              <a:t>)</a:t>
             </a:r>
             <a:endParaRPr lang="en-US" dirty="0"/>
           </a:p>
@@ -3030,6 +8435,415 @@
   <p:clrMapOvr>
     <a:masterClrMapping/>
   </p:clrMapOvr>
+  <p:timing>
+    <p:tnLst>
+      <p:par>
+        <p:cTn id="1" dur="indefinite" restart="never" nodeType="tmRoot"/>
+      </p:par>
+    </p:tnLst>
+  </p:timing>
+</p:sld>
+</file>
+
+<file path=ppt/slides/slide10.xml><?xml version="1.0" encoding="utf-8"?>
+<p:sld xmlns:a="http://schemas.openxmlformats.org/drawingml/2006/main" xmlns:r="http://schemas.openxmlformats.org/officeDocument/2006/relationships" xmlns:p="http://schemas.openxmlformats.org/presentationml/2006/main">
+  <p:cSld>
+    <p:spTree>
+      <p:nvGrpSpPr>
+        <p:cNvPr id="1" name=""/>
+        <p:cNvGrpSpPr/>
+        <p:nvPr/>
+      </p:nvGrpSpPr>
+      <p:grpSpPr>
+        <a:xfrm>
+          <a:off x="0" y="0"/>
+          <a:ext cx="0" cy="0"/>
+          <a:chOff x="0" y="0"/>
+          <a:chExt cx="0" cy="0"/>
+        </a:xfrm>
+      </p:grpSpPr>
+      <p:sp>
+        <p:nvSpPr>
+          <p:cNvPr id="2" name="Title 1"/>
+          <p:cNvSpPr>
+            <a:spLocks noGrp="1"/>
+          </p:cNvSpPr>
+          <p:nvPr>
+            <p:ph type="title"/>
+          </p:nvPr>
+        </p:nvSpPr>
+        <p:spPr/>
+        <p:txBody>
+          <a:bodyPr>
+            <a:normAutofit/>
+          </a:bodyPr>
+          <a:lstStyle/>
+          <a:p>
+            <a:r>
+              <a:rPr lang="en-US" sz="5400" dirty="0" smtClean="0"/>
+              <a:t>Part 3: Clustering and Visualization</a:t>
+            </a:r>
+            <a:endParaRPr lang="en-US" sz="5400" dirty="0"/>
+          </a:p>
+        </p:txBody>
+      </p:sp>
+      <p:sp>
+        <p:nvSpPr>
+          <p:cNvPr id="3" name="Text Placeholder 2"/>
+          <p:cNvSpPr>
+            <a:spLocks noGrp="1"/>
+          </p:cNvSpPr>
+          <p:nvPr>
+            <p:ph type="body" idx="1"/>
+          </p:nvPr>
+        </p:nvSpPr>
+        <p:spPr/>
+        <p:txBody>
+          <a:bodyPr/>
+          <a:lstStyle/>
+          <a:p>
+            <a:endParaRPr lang="en-US"/>
+          </a:p>
+        </p:txBody>
+      </p:sp>
+    </p:spTree>
+    <p:extLst>
+      <p:ext uri="{BB962C8B-B14F-4D97-AF65-F5344CB8AC3E}">
+        <p14:creationId xmlns:p14="http://schemas.microsoft.com/office/powerpoint/2010/main" val="2253944103"/>
+      </p:ext>
+    </p:extLst>
+  </p:cSld>
+  <p:clrMapOvr>
+    <a:masterClrMapping/>
+  </p:clrMapOvr>
+  <p:timing>
+    <p:tnLst>
+      <p:par>
+        <p:cTn id="1" dur="indefinite" restart="never" nodeType="tmRoot"/>
+      </p:par>
+    </p:tnLst>
+  </p:timing>
+</p:sld>
+</file>
+
+<file path=ppt/slides/slide11.xml><?xml version="1.0" encoding="utf-8"?>
+<p:sld xmlns:a="http://schemas.openxmlformats.org/drawingml/2006/main" xmlns:r="http://schemas.openxmlformats.org/officeDocument/2006/relationships" xmlns:p="http://schemas.openxmlformats.org/presentationml/2006/main">
+  <p:cSld>
+    <p:spTree>
+      <p:nvGrpSpPr>
+        <p:cNvPr id="1" name=""/>
+        <p:cNvGrpSpPr/>
+        <p:nvPr/>
+      </p:nvGrpSpPr>
+      <p:grpSpPr>
+        <a:xfrm>
+          <a:off x="0" y="0"/>
+          <a:ext cx="0" cy="0"/>
+          <a:chOff x="0" y="0"/>
+          <a:chExt cx="0" cy="0"/>
+        </a:xfrm>
+      </p:grpSpPr>
+      <p:sp>
+        <p:nvSpPr>
+          <p:cNvPr id="4" name="Title 3"/>
+          <p:cNvSpPr>
+            <a:spLocks noGrp="1"/>
+          </p:cNvSpPr>
+          <p:nvPr>
+            <p:ph type="title"/>
+          </p:nvPr>
+        </p:nvSpPr>
+        <p:spPr/>
+        <p:txBody>
+          <a:bodyPr/>
+          <a:lstStyle/>
+          <a:p>
+            <a:r>
+              <a:rPr lang="en-US" dirty="0" smtClean="0"/>
+              <a:t>Clustering</a:t>
+            </a:r>
+            <a:endParaRPr lang="en-US" dirty="0"/>
+          </a:p>
+        </p:txBody>
+      </p:sp>
+      <p:sp>
+        <p:nvSpPr>
+          <p:cNvPr id="5" name="Content Placeholder 4"/>
+          <p:cNvSpPr>
+            <a:spLocks noGrp="1"/>
+          </p:cNvSpPr>
+          <p:nvPr>
+            <p:ph idx="1"/>
+          </p:nvPr>
+        </p:nvSpPr>
+        <p:spPr/>
+        <p:txBody>
+          <a:bodyPr/>
+          <a:lstStyle/>
+          <a:p>
+            <a:endParaRPr lang="en-US"/>
+          </a:p>
+        </p:txBody>
+      </p:sp>
+    </p:spTree>
+    <p:extLst>
+      <p:ext uri="{BB962C8B-B14F-4D97-AF65-F5344CB8AC3E}">
+        <p14:creationId xmlns:p14="http://schemas.microsoft.com/office/powerpoint/2010/main" val="527337046"/>
+      </p:ext>
+    </p:extLst>
+  </p:cSld>
+  <p:clrMapOvr>
+    <a:masterClrMapping/>
+  </p:clrMapOvr>
+  <p:timing>
+    <p:tnLst>
+      <p:par>
+        <p:cTn id="1" dur="indefinite" restart="never" nodeType="tmRoot"/>
+      </p:par>
+    </p:tnLst>
+  </p:timing>
+</p:sld>
+</file>
+
+<file path=ppt/slides/slide12.xml><?xml version="1.0" encoding="utf-8"?>
+<p:sld xmlns:a="http://schemas.openxmlformats.org/drawingml/2006/main" xmlns:r="http://schemas.openxmlformats.org/officeDocument/2006/relationships" xmlns:p="http://schemas.openxmlformats.org/presentationml/2006/main">
+  <p:cSld>
+    <p:spTree>
+      <p:nvGrpSpPr>
+        <p:cNvPr id="1" name=""/>
+        <p:cNvGrpSpPr/>
+        <p:nvPr/>
+      </p:nvGrpSpPr>
+      <p:grpSpPr>
+        <a:xfrm>
+          <a:off x="0" y="0"/>
+          <a:ext cx="0" cy="0"/>
+          <a:chOff x="0" y="0"/>
+          <a:chExt cx="0" cy="0"/>
+        </a:xfrm>
+      </p:grpSpPr>
+      <p:sp>
+        <p:nvSpPr>
+          <p:cNvPr id="2" name="Title 1"/>
+          <p:cNvSpPr>
+            <a:spLocks noGrp="1"/>
+          </p:cNvSpPr>
+          <p:nvPr>
+            <p:ph type="title"/>
+          </p:nvPr>
+        </p:nvSpPr>
+        <p:spPr/>
+        <p:txBody>
+          <a:bodyPr/>
+          <a:lstStyle/>
+          <a:p>
+            <a:r>
+              <a:rPr lang="en-US" dirty="0" smtClean="0"/>
+              <a:t>Visualization</a:t>
+            </a:r>
+            <a:endParaRPr lang="en-US" dirty="0"/>
+          </a:p>
+        </p:txBody>
+      </p:sp>
+      <p:sp>
+        <p:nvSpPr>
+          <p:cNvPr id="3" name="Content Placeholder 2"/>
+          <p:cNvSpPr>
+            <a:spLocks noGrp="1"/>
+          </p:cNvSpPr>
+          <p:nvPr>
+            <p:ph idx="1"/>
+          </p:nvPr>
+        </p:nvSpPr>
+        <p:spPr/>
+        <p:txBody>
+          <a:bodyPr/>
+          <a:lstStyle/>
+          <a:p>
+            <a:endParaRPr lang="en-US"/>
+          </a:p>
+        </p:txBody>
+      </p:sp>
+    </p:spTree>
+    <p:extLst>
+      <p:ext uri="{BB962C8B-B14F-4D97-AF65-F5344CB8AC3E}">
+        <p14:creationId xmlns:p14="http://schemas.microsoft.com/office/powerpoint/2010/main" val="2850804523"/>
+      </p:ext>
+    </p:extLst>
+  </p:cSld>
+  <p:clrMapOvr>
+    <a:masterClrMapping/>
+  </p:clrMapOvr>
+  <p:timing>
+    <p:tnLst>
+      <p:par>
+        <p:cTn id="1" dur="indefinite" restart="never" nodeType="tmRoot"/>
+      </p:par>
+    </p:tnLst>
+  </p:timing>
+</p:sld>
+</file>
+
+<file path=ppt/slides/slide13.xml><?xml version="1.0" encoding="utf-8"?>
+<p:sld xmlns:a="http://schemas.openxmlformats.org/drawingml/2006/main" xmlns:r="http://schemas.openxmlformats.org/officeDocument/2006/relationships" xmlns:p="http://schemas.openxmlformats.org/presentationml/2006/main">
+  <p:cSld>
+    <p:spTree>
+      <p:nvGrpSpPr>
+        <p:cNvPr id="1" name=""/>
+        <p:cNvGrpSpPr/>
+        <p:nvPr/>
+      </p:nvGrpSpPr>
+      <p:grpSpPr>
+        <a:xfrm>
+          <a:off x="0" y="0"/>
+          <a:ext cx="0" cy="0"/>
+          <a:chOff x="0" y="0"/>
+          <a:chExt cx="0" cy="0"/>
+        </a:xfrm>
+      </p:grpSpPr>
+      <p:sp>
+        <p:nvSpPr>
+          <p:cNvPr id="2" name="Title 1"/>
+          <p:cNvSpPr>
+            <a:spLocks noGrp="1"/>
+          </p:cNvSpPr>
+          <p:nvPr>
+            <p:ph type="ctrTitle"/>
+          </p:nvPr>
+        </p:nvSpPr>
+        <p:spPr/>
+        <p:txBody>
+          <a:bodyPr>
+            <a:normAutofit/>
+          </a:bodyPr>
+          <a:lstStyle/>
+          <a:p>
+            <a:r>
+              <a:rPr lang="en-US" dirty="0" smtClean="0"/>
+              <a:t/>
+            </a:r>
+            <a:br>
+              <a:rPr lang="en-US" dirty="0" smtClean="0"/>
+            </a:br>
+            <a:r>
+              <a:rPr lang="en-US" dirty="0" smtClean="0"/>
+              <a:t>Thank you.</a:t>
+            </a:r>
+            <a:endParaRPr lang="en-US" dirty="0"/>
+          </a:p>
+        </p:txBody>
+      </p:sp>
+      <p:sp>
+        <p:nvSpPr>
+          <p:cNvPr id="7" name="Subtitle 6"/>
+          <p:cNvSpPr>
+            <a:spLocks noGrp="1"/>
+          </p:cNvSpPr>
+          <p:nvPr>
+            <p:ph type="subTitle" idx="1"/>
+          </p:nvPr>
+        </p:nvSpPr>
+        <p:spPr/>
+        <p:txBody>
+          <a:bodyPr/>
+          <a:lstStyle/>
+          <a:p>
+            <a:r>
+              <a:rPr lang="en-US" dirty="0"/>
+              <a:t>Check out the source on </a:t>
+            </a:r>
+            <a:r>
+              <a:rPr lang="en-US" dirty="0" err="1" smtClean="0"/>
+              <a:t>Github</a:t>
+            </a:r>
+            <a:r>
+              <a:rPr lang="en-US" dirty="0" smtClean="0"/>
+              <a:t>: </a:t>
+            </a:r>
+            <a:r>
+              <a:rPr lang="en-US" dirty="0" smtClean="0">
+                <a:hlinkClick r:id="rId2"/>
+              </a:rPr>
+              <a:t>https</a:t>
+            </a:r>
+            <a:r>
+              <a:rPr lang="en-US" dirty="0">
+                <a:hlinkClick r:id="rId2"/>
+              </a:rPr>
+              <a:t>://</a:t>
+            </a:r>
+            <a:r>
+              <a:rPr lang="en-US" dirty="0" smtClean="0">
+                <a:hlinkClick r:id="rId2"/>
+              </a:rPr>
+              <a:t>github.com/lnunno/big-data-nyt-tf-idf</a:t>
+            </a:r>
+            <a:r>
+              <a:rPr lang="en-US" dirty="0" smtClean="0"/>
+              <a:t> </a:t>
+            </a:r>
+            <a:endParaRPr lang="en-US" dirty="0"/>
+          </a:p>
+        </p:txBody>
+      </p:sp>
+      <p:pic>
+        <p:nvPicPr>
+          <p:cNvPr id="2050" name="Picture 2" descr="https://assets-cdn.github.com/images/modules/logos_page/Octocat.png"/>
+          <p:cNvPicPr>
+            <a:picLocks noChangeAspect="1" noChangeArrowheads="1"/>
+          </p:cNvPicPr>
+          <p:nvPr/>
+        </p:nvPicPr>
+        <p:blipFill>
+          <a:blip r:embed="rId3" cstate="print">
+            <a:extLst>
+              <a:ext uri="{28A0092B-C50C-407E-A947-70E740481C1C}">
+                <a14:useLocalDpi xmlns:a14="http://schemas.microsoft.com/office/drawing/2010/main" val="0"/>
+              </a:ext>
+            </a:extLst>
+          </a:blip>
+          <a:srcRect/>
+          <a:stretch>
+            <a:fillRect/>
+          </a:stretch>
+        </p:blipFill>
+        <p:spPr bwMode="auto">
+          <a:xfrm>
+            <a:off x="5028891" y="4655060"/>
+            <a:ext cx="2134217" cy="1774068"/>
+          </a:xfrm>
+          <a:prstGeom prst="rect">
+            <a:avLst/>
+          </a:prstGeom>
+          <a:noFill/>
+          <a:extLst>
+            <a:ext uri="{909E8E84-426E-40DD-AFC4-6F175D3DCCD1}">
+              <a14:hiddenFill xmlns:a14="http://schemas.microsoft.com/office/drawing/2010/main">
+                <a:solidFill>
+                  <a:srgbClr val="FFFFFF"/>
+                </a:solidFill>
+              </a14:hiddenFill>
+            </a:ext>
+          </a:extLst>
+        </p:spPr>
+      </p:pic>
+    </p:spTree>
+    <p:extLst>
+      <p:ext uri="{BB962C8B-B14F-4D97-AF65-F5344CB8AC3E}">
+        <p14:creationId xmlns:p14="http://schemas.microsoft.com/office/powerpoint/2010/main" val="3759193945"/>
+      </p:ext>
+    </p:extLst>
+  </p:cSld>
+  <p:clrMapOvr>
+    <a:masterClrMapping/>
+  </p:clrMapOvr>
+  <p:timing>
+    <p:tnLst>
+      <p:par>
+        <p:cTn id="1" dur="indefinite" restart="never" nodeType="tmRoot"/>
+      </p:par>
+    </p:tnLst>
+  </p:timing>
 </p:sld>
 </file>
 
@@ -3102,6 +8916,13 @@
   <p:clrMapOvr>
     <a:masterClrMapping/>
   </p:clrMapOvr>
+  <p:timing>
+    <p:tnLst>
+      <p:par>
+        <p:cTn id="1" dur="indefinite" restart="never" nodeType="tmRoot"/>
+      </p:par>
+    </p:tnLst>
+  </p:timing>
 </p:sld>
 </file>
 
@@ -3246,6 +9067,13 @@
   <p:clrMapOvr>
     <a:masterClrMapping/>
   </p:clrMapOvr>
+  <p:timing>
+    <p:tnLst>
+      <p:par>
+        <p:cTn id="1" dur="indefinite" restart="never" nodeType="tmRoot"/>
+      </p:par>
+    </p:tnLst>
+  </p:timing>
 </p:sld>
 </file>
 
@@ -3322,6 +9150,13 @@
   <p:clrMapOvr>
     <a:masterClrMapping/>
   </p:clrMapOvr>
+  <p:timing>
+    <p:tnLst>
+      <p:par>
+        <p:cTn id="1" dur="indefinite" restart="never" nodeType="tmRoot"/>
+      </p:par>
+    </p:tnLst>
+  </p:timing>
 </p:sld>
 </file>
 
@@ -3409,7 +9244,7 @@
             <a:pPr lvl="2"/>
             <a:r>
               <a:rPr lang="en-US" dirty="0" smtClean="0"/>
-              <a:t>Simple regex substitution:  </a:t>
+              <a:t>Simple regex substitution: </a:t>
             </a:r>
           </a:p>
           <a:p>
@@ -3504,7 +9339,17 @@
                 <a:effectLst/>
                 <a:latin typeface="Consolas" panose="020B0609020204030204" pitchFamily="49" charset="0"/>
               </a:rPr>
-              <a:t>r'[,.;&amp;#!\-\'"\(\)\|0-9]'</a:t>
+              <a:t>r</a:t>
+            </a:r>
+            <a:r>
+              <a:rPr lang="en-US" b="0" i="0" dirty="0" smtClean="0">
+                <a:solidFill>
+                  <a:srgbClr val="DF5000"/>
+                </a:solidFill>
+                <a:effectLst/>
+                <a:latin typeface="Consolas" panose="020B0609020204030204" pitchFamily="49" charset="0"/>
+              </a:rPr>
+              <a:t>'[^a-z\s]'</a:t>
             </a:r>
             <a:r>
               <a:rPr lang="en-US" b="0" i="0" dirty="0" smtClean="0">
@@ -3520,6 +9365,7 @@
               <a:rPr lang="en-US" dirty="0" smtClean="0"/>
               <a:t> </a:t>
             </a:r>
+            <a:endParaRPr lang="en-US" dirty="0" smtClean="0"/>
           </a:p>
           <a:p>
             <a:pPr marL="914400" lvl="1" indent="-457200">
@@ -3612,10 +9458,154 @@
   <p:clrMapOvr>
     <a:masterClrMapping/>
   </p:clrMapOvr>
+  <p:timing>
+    <p:tnLst>
+      <p:par>
+        <p:cTn id="1" dur="indefinite" restart="never" nodeType="tmRoot"/>
+      </p:par>
+    </p:tnLst>
+  </p:timing>
 </p:sld>
 </file>
 
 <file path=ppt/slides/slide6.xml><?xml version="1.0" encoding="utf-8"?>
+<p:sld xmlns:a="http://schemas.openxmlformats.org/drawingml/2006/main" xmlns:r="http://schemas.openxmlformats.org/officeDocument/2006/relationships" xmlns:p="http://schemas.openxmlformats.org/presentationml/2006/main">
+  <p:cSld>
+    <p:spTree>
+      <p:nvGrpSpPr>
+        <p:cNvPr id="1" name=""/>
+        <p:cNvGrpSpPr/>
+        <p:nvPr/>
+      </p:nvGrpSpPr>
+      <p:grpSpPr>
+        <a:xfrm>
+          <a:off x="0" y="0"/>
+          <a:ext cx="0" cy="0"/>
+          <a:chOff x="0" y="0"/>
+          <a:chExt cx="0" cy="0"/>
+        </a:xfrm>
+      </p:grpSpPr>
+      <p:sp>
+        <p:nvSpPr>
+          <p:cNvPr id="5" name="Rectangle 4"/>
+          <p:cNvSpPr/>
+          <p:nvPr/>
+        </p:nvSpPr>
+        <p:spPr>
+          <a:xfrm>
+            <a:off x="3554233" y="2433099"/>
+            <a:ext cx="5104737" cy="3108960"/>
+          </a:xfrm>
+          <a:prstGeom prst="rect">
+            <a:avLst/>
+          </a:prstGeom>
+        </p:spPr>
+        <p:style>
+          <a:lnRef idx="2">
+            <a:schemeClr val="accent2">
+              <a:shade val="50000"/>
+            </a:schemeClr>
+          </a:lnRef>
+          <a:fillRef idx="1">
+            <a:schemeClr val="accent2"/>
+          </a:fillRef>
+          <a:effectRef idx="0">
+            <a:schemeClr val="accent2"/>
+          </a:effectRef>
+          <a:fontRef idx="minor">
+            <a:schemeClr val="lt1"/>
+          </a:fontRef>
+        </p:style>
+        <p:txBody>
+          <a:bodyPr rtlCol="0" anchor="t"/>
+          <a:lstStyle/>
+          <a:p>
+            <a:pPr algn="ctr"/>
+            <a:r>
+              <a:rPr lang="en-US" dirty="0" smtClean="0"/>
+              <a:t> </a:t>
+            </a:r>
+            <a:r>
+              <a:rPr lang="en-US" sz="4400" dirty="0" smtClean="0"/>
+              <a:t>Hadoop mapper</a:t>
+            </a:r>
+            <a:r>
+              <a:rPr lang="en-US" dirty="0" smtClean="0"/>
+              <a:t>   </a:t>
+            </a:r>
+            <a:endParaRPr lang="en-US" dirty="0"/>
+          </a:p>
+        </p:txBody>
+      </p:sp>
+      <p:graphicFrame>
+        <p:nvGraphicFramePr>
+          <p:cNvPr id="4" name="Content Placeholder 3"/>
+          <p:cNvGraphicFramePr>
+            <a:graphicFrameLocks noGrp="1"/>
+          </p:cNvGraphicFramePr>
+          <p:nvPr>
+            <p:ph idx="1"/>
+            <p:extLst>
+              <p:ext uri="{D42A27DB-BD31-4B8C-83A1-F6EECF244321}">
+                <p14:modId xmlns:p14="http://schemas.microsoft.com/office/powerpoint/2010/main" val="3396940088"/>
+              </p:ext>
+            </p:extLst>
+          </p:nvPr>
+        </p:nvGraphicFramePr>
+        <p:xfrm>
+          <a:off x="838200" y="1825625"/>
+          <a:ext cx="10515600" cy="4351338"/>
+        </p:xfrm>
+        <a:graphic>
+          <a:graphicData uri="http://schemas.openxmlformats.org/drawingml/2006/diagram">
+            <dgm:relIds xmlns:dgm="http://schemas.openxmlformats.org/drawingml/2006/diagram" xmlns:r="http://schemas.openxmlformats.org/officeDocument/2006/relationships" r:dm="rId2" r:lo="rId3" r:qs="rId4" r:cs="rId5"/>
+          </a:graphicData>
+        </a:graphic>
+      </p:graphicFrame>
+      <p:sp>
+        <p:nvSpPr>
+          <p:cNvPr id="2" name="Title 1"/>
+          <p:cNvSpPr>
+            <a:spLocks noGrp="1"/>
+          </p:cNvSpPr>
+          <p:nvPr>
+            <p:ph type="title"/>
+          </p:nvPr>
+        </p:nvSpPr>
+        <p:spPr/>
+        <p:txBody>
+          <a:bodyPr/>
+          <a:lstStyle/>
+          <a:p>
+            <a:r>
+              <a:rPr lang="en-US" dirty="0" smtClean="0"/>
+              <a:t>How is this parallelized in Hadoop?</a:t>
+            </a:r>
+            <a:endParaRPr lang="en-US" dirty="0"/>
+          </a:p>
+        </p:txBody>
+      </p:sp>
+    </p:spTree>
+    <p:extLst>
+      <p:ext uri="{BB962C8B-B14F-4D97-AF65-F5344CB8AC3E}">
+        <p14:creationId xmlns:p14="http://schemas.microsoft.com/office/powerpoint/2010/main" val="2005497109"/>
+      </p:ext>
+    </p:extLst>
+  </p:cSld>
+  <p:clrMapOvr>
+    <a:masterClrMapping/>
+  </p:clrMapOvr>
+  <p:timing>
+    <p:tnLst>
+      <p:par>
+        <p:cTn id="1" dur="indefinite" restart="never" nodeType="tmRoot"/>
+      </p:par>
+    </p:tnLst>
+  </p:timing>
+</p:sld>
+</file>
+
+<file path=ppt/slides/slide7.xml><?xml version="1.0" encoding="utf-8"?>
 <p:sld xmlns:a="http://schemas.openxmlformats.org/drawingml/2006/main" xmlns:r="http://schemas.openxmlformats.org/officeDocument/2006/relationships" xmlns:p="http://schemas.openxmlformats.org/presentationml/2006/main">
   <p:cSld>
     <p:spTree>
@@ -3674,10 +9664,129 @@
           <a:bodyPr/>
           <a:lstStyle/>
           <a:p>
+            <a:r>
+              <a:rPr lang="en-US" dirty="0" smtClean="0"/>
+              <a:t>Dictionary is constructed of each document, the words it contains, and the frequencies of these words – this is all provided from the mapper.</a:t>
+            </a:r>
+          </a:p>
+          <a:p>
+            <a:r>
+              <a:rPr lang="en-US" dirty="0" smtClean="0"/>
+              <a:t>Frequency matrix is constructed for all documents.</a:t>
+            </a:r>
+          </a:p>
+          <a:p>
+            <a:pPr lvl="1"/>
+            <a:r>
+              <a:rPr lang="en-US" dirty="0" smtClean="0"/>
+              <a:t>Items without entries are filled with zeroes.</a:t>
+            </a:r>
+          </a:p>
+          <a:p>
+            <a:r>
+              <a:rPr lang="en-US" dirty="0" smtClean="0"/>
+              <a:t>Augmented (normalized) frequency matrix is calculated. </a:t>
+            </a:r>
+            <a:endParaRPr lang="en-US" dirty="0"/>
+          </a:p>
+          <a:p>
+            <a:pPr lvl="1"/>
+            <a:r>
+              <a:rPr lang="en-US" dirty="0" smtClean="0"/>
+              <a:t>This removes the bias for longer documents.</a:t>
+            </a:r>
+          </a:p>
+          <a:p>
             <a:endParaRPr lang="en-US" dirty="0" smtClean="0"/>
           </a:p>
         </p:txBody>
       </p:sp>
+      <p:pic>
+        <p:nvPicPr>
+          <p:cNvPr id="1026" name="Picture 2" descr="http://pandas.pydata.org/_static/pandas_logo.png"/>
+          <p:cNvPicPr>
+            <a:picLocks noChangeAspect="1" noChangeArrowheads="1"/>
+          </p:cNvPicPr>
+          <p:nvPr/>
+        </p:nvPicPr>
+        <p:blipFill>
+          <a:blip r:embed="rId2">
+            <a:extLst>
+              <a:ext uri="{28A0092B-C50C-407E-A947-70E740481C1C}">
+                <a14:useLocalDpi xmlns:a14="http://schemas.microsoft.com/office/drawing/2010/main" val="0"/>
+              </a:ext>
+            </a:extLst>
+          </a:blip>
+          <a:srcRect/>
+          <a:stretch>
+            <a:fillRect/>
+          </a:stretch>
+        </p:blipFill>
+        <p:spPr bwMode="auto">
+          <a:xfrm>
+            <a:off x="6334125" y="365125"/>
+            <a:ext cx="5857875" cy="1190625"/>
+          </a:xfrm>
+          <a:prstGeom prst="rect">
+            <a:avLst/>
+          </a:prstGeom>
+          <a:noFill/>
+          <a:extLst>
+            <a:ext uri="{909E8E84-426E-40DD-AFC4-6F175D3DCCD1}">
+              <a14:hiddenFill xmlns:a14="http://schemas.microsoft.com/office/drawing/2010/main">
+                <a:solidFill>
+                  <a:srgbClr val="FFFFFF"/>
+                </a:solidFill>
+              </a14:hiddenFill>
+            </a:ext>
+          </a:extLst>
+        </p:spPr>
+      </p:pic>
+      <p:pic>
+        <p:nvPicPr>
+          <p:cNvPr id="1030" name="Picture 6" descr="augmented frequency"/>
+          <p:cNvPicPr>
+            <a:picLocks noChangeAspect="1" noChangeArrowheads="1"/>
+          </p:cNvPicPr>
+          <p:nvPr/>
+        </p:nvPicPr>
+        <p:blipFill>
+          <a:blip r:embed="rId3">
+            <a:extLst>
+              <a:ext uri="{28A0092B-C50C-407E-A947-70E740481C1C}">
+                <a14:useLocalDpi xmlns:a14="http://schemas.microsoft.com/office/drawing/2010/main" val="0"/>
+              </a:ext>
+            </a:extLst>
+          </a:blip>
+          <a:srcRect/>
+          <a:stretch>
+            <a:fillRect/>
+          </a:stretch>
+        </p:blipFill>
+        <p:spPr bwMode="auto">
+          <a:xfrm>
+            <a:off x="7256591" y="4482841"/>
+            <a:ext cx="4300004" cy="665807"/>
+          </a:xfrm>
+          <a:prstGeom prst="rect">
+            <a:avLst/>
+          </a:prstGeom>
+        </p:spPr>
+        <p:style>
+          <a:lnRef idx="2">
+            <a:schemeClr val="accent2"/>
+          </a:lnRef>
+          <a:fillRef idx="1">
+            <a:schemeClr val="lt1"/>
+          </a:fillRef>
+          <a:effectRef idx="0">
+            <a:schemeClr val="accent2"/>
+          </a:effectRef>
+          <a:fontRef idx="minor">
+            <a:schemeClr val="dk1"/>
+          </a:fontRef>
+        </p:style>
+      </p:pic>
     </p:spTree>
     <p:extLst>
       <p:ext uri="{BB962C8B-B14F-4D97-AF65-F5344CB8AC3E}">
@@ -3688,80 +9797,13 @@
   <p:clrMapOvr>
     <a:masterClrMapping/>
   </p:clrMapOvr>
-</p:sld>
-</file>
-
-<file path=ppt/slides/slide7.xml><?xml version="1.0" encoding="utf-8"?>
-<p:sld xmlns:a="http://schemas.openxmlformats.org/drawingml/2006/main" xmlns:r="http://schemas.openxmlformats.org/officeDocument/2006/relationships" xmlns:p="http://schemas.openxmlformats.org/presentationml/2006/main">
-  <p:cSld>
-    <p:spTree>
-      <p:nvGrpSpPr>
-        <p:cNvPr id="1" name=""/>
-        <p:cNvGrpSpPr/>
-        <p:nvPr/>
-      </p:nvGrpSpPr>
-      <p:grpSpPr>
-        <a:xfrm>
-          <a:off x="0" y="0"/>
-          <a:ext cx="0" cy="0"/>
-          <a:chOff x="0" y="0"/>
-          <a:chExt cx="0" cy="0"/>
-        </a:xfrm>
-      </p:grpSpPr>
-      <p:sp>
-        <p:nvSpPr>
-          <p:cNvPr id="2" name="Title 1"/>
-          <p:cNvSpPr>
-            <a:spLocks noGrp="1"/>
-          </p:cNvSpPr>
-          <p:nvPr>
-            <p:ph type="title"/>
-          </p:nvPr>
-        </p:nvSpPr>
-        <p:spPr/>
-        <p:txBody>
-          <a:bodyPr>
-            <a:normAutofit/>
-          </a:bodyPr>
-          <a:lstStyle/>
-          <a:p>
-            <a:r>
-              <a:rPr lang="en-US" sz="5400" dirty="0" smtClean="0"/>
-              <a:t>Part 3: Clustering and Visualization</a:t>
-            </a:r>
-            <a:endParaRPr lang="en-US" sz="5400" dirty="0"/>
-          </a:p>
-        </p:txBody>
-      </p:sp>
-      <p:sp>
-        <p:nvSpPr>
-          <p:cNvPr id="3" name="Text Placeholder 2"/>
-          <p:cNvSpPr>
-            <a:spLocks noGrp="1"/>
-          </p:cNvSpPr>
-          <p:nvPr>
-            <p:ph type="body" idx="1"/>
-          </p:nvPr>
-        </p:nvSpPr>
-        <p:spPr/>
-        <p:txBody>
-          <a:bodyPr/>
-          <a:lstStyle/>
-          <a:p>
-            <a:endParaRPr lang="en-US"/>
-          </a:p>
-        </p:txBody>
-      </p:sp>
-    </p:spTree>
-    <p:extLst>
-      <p:ext uri="{BB962C8B-B14F-4D97-AF65-F5344CB8AC3E}">
-        <p14:creationId xmlns:p14="http://schemas.microsoft.com/office/powerpoint/2010/main" val="2253944103"/>
-      </p:ext>
-    </p:extLst>
-  </p:cSld>
-  <p:clrMapOvr>
-    <a:masterClrMapping/>
-  </p:clrMapOvr>
+  <p:timing>
+    <p:tnLst>
+      <p:par>
+        <p:cTn id="1" dur="indefinite" restart="never" nodeType="tmRoot"/>
+      </p:par>
+    </p:tnLst>
+  </p:timing>
 </p:sld>
 </file>
 
@@ -3798,8 +9840,12 @@
           <a:lstStyle/>
           <a:p>
             <a:r>
+              <a:rPr lang="en-US" dirty="0" err="1" smtClean="0"/>
+              <a:t>tf-idf</a:t>
+            </a:r>
+            <a:r>
               <a:rPr lang="en-US" dirty="0" smtClean="0"/>
-              <a:t>Clustering</a:t>
+              <a:t> (contd.) </a:t>
             </a:r>
             <a:endParaRPr lang="en-US" dirty="0"/>
           </a:p>
@@ -3820,20 +9866,155 @@
           <a:bodyPr/>
           <a:lstStyle/>
           <a:p>
-            <a:endParaRPr lang="en-US"/>
+            <a:r>
+              <a:rPr lang="en-US" dirty="0" smtClean="0"/>
+              <a:t>Document frequency vector is calculated by counting the number of non-zero items on each row.</a:t>
+            </a:r>
+          </a:p>
+          <a:p>
+            <a:r>
+              <a:rPr lang="en-US" dirty="0" smtClean="0"/>
+              <a:t>From these data structures we can calculate the inverse document frequency (</a:t>
+            </a:r>
+            <a:r>
+              <a:rPr lang="en-US" dirty="0" err="1" smtClean="0"/>
+              <a:t>idf</a:t>
+            </a:r>
+            <a:r>
+              <a:rPr lang="en-US" dirty="0" smtClean="0"/>
+              <a:t>) vector.</a:t>
+            </a:r>
+          </a:p>
+          <a:p>
+            <a:r>
+              <a:rPr lang="en-US" dirty="0" smtClean="0"/>
+              <a:t>From this, we multiply the normalized frequency matrix with the </a:t>
+            </a:r>
+            <a:r>
+              <a:rPr lang="en-US" dirty="0" err="1" smtClean="0"/>
+              <a:t>idf</a:t>
+            </a:r>
+            <a:r>
+              <a:rPr lang="en-US" dirty="0" smtClean="0"/>
+              <a:t> vector to calculate the </a:t>
+            </a:r>
+            <a:r>
+              <a:rPr lang="en-US" dirty="0" err="1" smtClean="0"/>
+              <a:t>tf-idf</a:t>
+            </a:r>
+            <a:r>
+              <a:rPr lang="en-US" dirty="0" smtClean="0"/>
+              <a:t> matrix.</a:t>
+            </a:r>
+          </a:p>
+          <a:p>
+            <a:endParaRPr lang="en-US" dirty="0" smtClean="0"/>
           </a:p>
         </p:txBody>
       </p:sp>
+      <p:pic>
+        <p:nvPicPr>
+          <p:cNvPr id="1026" name="Picture 2" descr="http://pandas.pydata.org/_static/pandas_logo.png"/>
+          <p:cNvPicPr>
+            <a:picLocks noChangeAspect="1" noChangeArrowheads="1"/>
+          </p:cNvPicPr>
+          <p:nvPr/>
+        </p:nvPicPr>
+        <p:blipFill>
+          <a:blip r:embed="rId2">
+            <a:extLst>
+              <a:ext uri="{28A0092B-C50C-407E-A947-70E740481C1C}">
+                <a14:useLocalDpi xmlns:a14="http://schemas.microsoft.com/office/drawing/2010/main" val="0"/>
+              </a:ext>
+            </a:extLst>
+          </a:blip>
+          <a:srcRect/>
+          <a:stretch>
+            <a:fillRect/>
+          </a:stretch>
+        </p:blipFill>
+        <p:spPr bwMode="auto">
+          <a:xfrm>
+            <a:off x="6334125" y="365125"/>
+            <a:ext cx="5857875" cy="1190625"/>
+          </a:xfrm>
+          <a:prstGeom prst="rect">
+            <a:avLst/>
+          </a:prstGeom>
+          <a:noFill/>
+          <a:extLst>
+            <a:ext uri="{909E8E84-426E-40DD-AFC4-6F175D3DCCD1}">
+              <a14:hiddenFill xmlns:a14="http://schemas.microsoft.com/office/drawing/2010/main">
+                <a:solidFill>
+                  <a:srgbClr val="FFFFFF"/>
+                </a:solidFill>
+              </a14:hiddenFill>
+            </a:ext>
+          </a:extLst>
+        </p:spPr>
+      </p:pic>
+      <p:pic>
+        <p:nvPicPr>
+          <p:cNvPr id="3074" name="Picture 2" descr="tf-idf"/>
+          <p:cNvPicPr>
+            <a:picLocks noChangeAspect="1" noChangeArrowheads="1"/>
+          </p:cNvPicPr>
+          <p:nvPr/>
+        </p:nvPicPr>
+        <p:blipFill>
+          <a:blip r:embed="rId3">
+            <a:extLst>
+              <a:ext uri="{28A0092B-C50C-407E-A947-70E740481C1C}">
+                <a14:useLocalDpi xmlns:a14="http://schemas.microsoft.com/office/drawing/2010/main" val="0"/>
+              </a:ext>
+            </a:extLst>
+          </a:blip>
+          <a:srcRect/>
+          <a:stretch>
+            <a:fillRect/>
+          </a:stretch>
+        </p:blipFill>
+        <p:spPr bwMode="auto">
+          <a:xfrm>
+            <a:off x="4650131" y="3164488"/>
+            <a:ext cx="2994583" cy="512086"/>
+          </a:xfrm>
+          <a:prstGeom prst="rect">
+            <a:avLst/>
+          </a:prstGeom>
+        </p:spPr>
+        <p:style>
+          <a:lnRef idx="2">
+            <a:schemeClr val="accent2"/>
+          </a:lnRef>
+          <a:fillRef idx="1">
+            <a:schemeClr val="lt1"/>
+          </a:fillRef>
+          <a:effectRef idx="0">
+            <a:schemeClr val="accent2"/>
+          </a:effectRef>
+          <a:fontRef idx="minor">
+            <a:schemeClr val="dk1"/>
+          </a:fontRef>
+        </p:style>
+      </p:pic>
     </p:spTree>
     <p:extLst>
       <p:ext uri="{BB962C8B-B14F-4D97-AF65-F5344CB8AC3E}">
-        <p14:creationId xmlns:p14="http://schemas.microsoft.com/office/powerpoint/2010/main" val="527337046"/>
+        <p14:creationId xmlns:p14="http://schemas.microsoft.com/office/powerpoint/2010/main" val="1353182651"/>
       </p:ext>
     </p:extLst>
   </p:cSld>
   <p:clrMapOvr>
     <a:masterClrMapping/>
   </p:clrMapOvr>
+  <p:timing>
+    <p:tnLst>
+      <p:par>
+        <p:cTn id="1" dur="indefinite" restart="never" nodeType="tmRoot"/>
+      </p:par>
+    </p:tnLst>
+  </p:timing>
 </p:sld>
 </file>
 
@@ -3856,6 +10037,53 @@
       </p:grpSpPr>
       <p:sp>
         <p:nvSpPr>
+          <p:cNvPr id="5" name="Rectangle 4"/>
+          <p:cNvSpPr/>
+          <p:nvPr/>
+        </p:nvSpPr>
+        <p:spPr>
+          <a:xfrm>
+            <a:off x="4497858" y="2356022"/>
+            <a:ext cx="3196283" cy="3476367"/>
+          </a:xfrm>
+          <a:prstGeom prst="rect">
+            <a:avLst/>
+          </a:prstGeom>
+          <a:solidFill>
+            <a:schemeClr val="accent6"/>
+          </a:solidFill>
+        </p:spPr>
+        <p:style>
+          <a:lnRef idx="2">
+            <a:schemeClr val="accent1">
+              <a:shade val="50000"/>
+            </a:schemeClr>
+          </a:lnRef>
+          <a:fillRef idx="1">
+            <a:schemeClr val="accent1"/>
+          </a:fillRef>
+          <a:effectRef idx="0">
+            <a:schemeClr val="accent1"/>
+          </a:effectRef>
+          <a:fontRef idx="minor">
+            <a:schemeClr val="lt1"/>
+          </a:fontRef>
+        </p:style>
+        <p:txBody>
+          <a:bodyPr rtlCol="0" anchor="t"/>
+          <a:lstStyle/>
+          <a:p>
+            <a:pPr algn="ctr"/>
+            <a:r>
+              <a:rPr lang="en-US" sz="2800" dirty="0" smtClean="0"/>
+              <a:t>Hadoop reducer</a:t>
+            </a:r>
+            <a:endParaRPr lang="en-US" sz="2800" dirty="0"/>
+          </a:p>
+        </p:txBody>
+      </p:sp>
+      <p:sp>
+        <p:nvSpPr>
           <p:cNvPr id="2" name="Title 1"/>
           <p:cNvSpPr>
             <a:spLocks noGrp="1"/>
@@ -3871,41 +10099,54 @@
           <a:p>
             <a:r>
               <a:rPr lang="en-US" dirty="0" smtClean="0"/>
-              <a:t>Visualization</a:t>
+              <a:t>How is this parallelized in Hadoop?</a:t>
             </a:r>
             <a:endParaRPr lang="en-US" dirty="0"/>
           </a:p>
         </p:txBody>
       </p:sp>
-      <p:sp>
-        <p:nvSpPr>
-          <p:cNvPr id="3" name="Content Placeholder 2"/>
-          <p:cNvSpPr>
-            <a:spLocks noGrp="1"/>
-          </p:cNvSpPr>
+      <p:graphicFrame>
+        <p:nvGraphicFramePr>
+          <p:cNvPr id="4" name="Content Placeholder 3"/>
+          <p:cNvGraphicFramePr>
+            <a:graphicFrameLocks noGrp="1"/>
+          </p:cNvGraphicFramePr>
           <p:nvPr>
             <p:ph idx="1"/>
+            <p:extLst>
+              <p:ext uri="{D42A27DB-BD31-4B8C-83A1-F6EECF244321}">
+                <p14:modId xmlns:p14="http://schemas.microsoft.com/office/powerpoint/2010/main" val="4141724312"/>
+              </p:ext>
+            </p:extLst>
           </p:nvPr>
-        </p:nvSpPr>
-        <p:spPr/>
-        <p:txBody>
-          <a:bodyPr/>
-          <a:lstStyle/>
-          <a:p>
-            <a:endParaRPr lang="en-US"/>
-          </a:p>
-        </p:txBody>
-      </p:sp>
+        </p:nvGraphicFramePr>
+        <p:xfrm>
+          <a:off x="838200" y="1825625"/>
+          <a:ext cx="10515600" cy="4351338"/>
+        </p:xfrm>
+        <a:graphic>
+          <a:graphicData uri="http://schemas.openxmlformats.org/drawingml/2006/diagram">
+            <dgm:relIds xmlns:dgm="http://schemas.openxmlformats.org/drawingml/2006/diagram" xmlns:r="http://schemas.openxmlformats.org/officeDocument/2006/relationships" r:dm="rId2" r:lo="rId3" r:qs="rId4" r:cs="rId5"/>
+          </a:graphicData>
+        </a:graphic>
+      </p:graphicFrame>
     </p:spTree>
     <p:extLst>
       <p:ext uri="{BB962C8B-B14F-4D97-AF65-F5344CB8AC3E}">
-        <p14:creationId xmlns:p14="http://schemas.microsoft.com/office/powerpoint/2010/main" val="2850804523"/>
+        <p14:creationId xmlns:p14="http://schemas.microsoft.com/office/powerpoint/2010/main" val="1095346935"/>
       </p:ext>
     </p:extLst>
   </p:cSld>
   <p:clrMapOvr>
     <a:masterClrMapping/>
   </p:clrMapOvr>
+  <p:timing>
+    <p:tnLst>
+      <p:par>
+        <p:cTn id="1" dur="indefinite" restart="never" nodeType="tmRoot"/>
+      </p:par>
+    </p:tnLst>
+  </p:timing>
 </p:sld>
 </file>
 

--- a/docs/presentation.pptx
+++ b/docs/presentation.pptx
@@ -10,14 +10,20 @@
     <p:sldId id="257" r:id="rId4"/>
     <p:sldId id="263" r:id="rId5"/>
     <p:sldId id="258" r:id="rId6"/>
-    <p:sldId id="265" r:id="rId7"/>
-    <p:sldId id="261" r:id="rId8"/>
-    <p:sldId id="268" r:id="rId9"/>
-    <p:sldId id="266" r:id="rId10"/>
-    <p:sldId id="264" r:id="rId11"/>
-    <p:sldId id="259" r:id="rId12"/>
-    <p:sldId id="260" r:id="rId13"/>
-    <p:sldId id="267" r:id="rId14"/>
+    <p:sldId id="269" r:id="rId7"/>
+    <p:sldId id="265" r:id="rId8"/>
+    <p:sldId id="261" r:id="rId9"/>
+    <p:sldId id="270" r:id="rId10"/>
+    <p:sldId id="268" r:id="rId11"/>
+    <p:sldId id="266" r:id="rId12"/>
+    <p:sldId id="264" r:id="rId13"/>
+    <p:sldId id="259" r:id="rId14"/>
+    <p:sldId id="271" r:id="rId15"/>
+    <p:sldId id="272" r:id="rId16"/>
+    <p:sldId id="273" r:id="rId17"/>
+    <p:sldId id="274" r:id="rId18"/>
+    <p:sldId id="260" r:id="rId19"/>
+    <p:sldId id="267" r:id="rId20"/>
   </p:sldIdLst>
   <p:sldSz cx="12192000" cy="6858000"/>
   <p:notesSz cx="6858000" cy="9144000"/>
@@ -872,6 +878,788 @@
 </file>
 
 <file path=ppt/diagrams/colors2.xml><?xml version="1.0" encoding="utf-8"?>
+<dgm:colorsDef xmlns:dgm="http://schemas.openxmlformats.org/drawingml/2006/diagram" xmlns:a="http://schemas.openxmlformats.org/drawingml/2006/main" uniqueId="urn:microsoft.com/office/officeart/2005/8/colors/colorful5">
+  <dgm:title val=""/>
+  <dgm:desc val=""/>
+  <dgm:catLst>
+    <dgm:cat type="colorful" pri="10500"/>
+  </dgm:catLst>
+  <dgm:styleLbl name="node0">
+    <dgm:fillClrLst meth="repeat">
+      <a:schemeClr val="accent4"/>
+    </dgm:fillClrLst>
+    <dgm:linClrLst meth="repeat">
+      <a:schemeClr val="lt1"/>
+    </dgm:linClrLst>
+    <dgm:effectClrLst/>
+    <dgm:txLinClrLst/>
+    <dgm:txFillClrLst/>
+    <dgm:txEffectClrLst/>
+  </dgm:styleLbl>
+  <dgm:styleLbl name="node1">
+    <dgm:fillClrLst>
+      <a:schemeClr val="accent5"/>
+      <a:schemeClr val="accent6"/>
+    </dgm:fillClrLst>
+    <dgm:linClrLst meth="repeat">
+      <a:schemeClr val="lt1"/>
+    </dgm:linClrLst>
+    <dgm:effectClrLst/>
+    <dgm:txLinClrLst/>
+    <dgm:txFillClrLst/>
+    <dgm:txEffectClrLst/>
+  </dgm:styleLbl>
+  <dgm:styleLbl name="alignNode1">
+    <dgm:fillClrLst>
+      <a:schemeClr val="accent5"/>
+      <a:schemeClr val="accent6"/>
+    </dgm:fillClrLst>
+    <dgm:linClrLst>
+      <a:schemeClr val="accent5"/>
+      <a:schemeClr val="accent6"/>
+    </dgm:linClrLst>
+    <dgm:effectClrLst/>
+    <dgm:txLinClrLst/>
+    <dgm:txFillClrLst/>
+    <dgm:txEffectClrLst/>
+  </dgm:styleLbl>
+  <dgm:styleLbl name="lnNode1">
+    <dgm:fillClrLst>
+      <a:schemeClr val="accent5"/>
+      <a:schemeClr val="accent6"/>
+    </dgm:fillClrLst>
+    <dgm:linClrLst meth="repeat">
+      <a:schemeClr val="lt1"/>
+    </dgm:linClrLst>
+    <dgm:effectClrLst/>
+    <dgm:txLinClrLst/>
+    <dgm:txFillClrLst/>
+    <dgm:txEffectClrLst/>
+  </dgm:styleLbl>
+  <dgm:styleLbl name="vennNode1">
+    <dgm:fillClrLst>
+      <a:schemeClr val="accent5">
+        <a:alpha val="50000"/>
+      </a:schemeClr>
+      <a:schemeClr val="accent6">
+        <a:alpha val="50000"/>
+      </a:schemeClr>
+    </dgm:fillClrLst>
+    <dgm:linClrLst meth="repeat">
+      <a:schemeClr val="lt1"/>
+    </dgm:linClrLst>
+    <dgm:effectClrLst/>
+    <dgm:txLinClrLst/>
+    <dgm:txFillClrLst/>
+    <dgm:txEffectClrLst/>
+  </dgm:styleLbl>
+  <dgm:styleLbl name="node2">
+    <dgm:fillClrLst>
+      <a:schemeClr val="accent6"/>
+    </dgm:fillClrLst>
+    <dgm:linClrLst meth="repeat">
+      <a:schemeClr val="lt1"/>
+    </dgm:linClrLst>
+    <dgm:effectClrLst/>
+    <dgm:txLinClrLst/>
+    <dgm:txFillClrLst/>
+    <dgm:txEffectClrLst/>
+  </dgm:styleLbl>
+  <dgm:styleLbl name="node3">
+    <dgm:fillClrLst>
+      <a:schemeClr val="accent1"/>
+    </dgm:fillClrLst>
+    <dgm:linClrLst meth="repeat">
+      <a:schemeClr val="lt1"/>
+    </dgm:linClrLst>
+    <dgm:effectClrLst/>
+    <dgm:txLinClrLst/>
+    <dgm:txFillClrLst/>
+    <dgm:txEffectClrLst/>
+  </dgm:styleLbl>
+  <dgm:styleLbl name="node4">
+    <dgm:fillClrLst>
+      <a:schemeClr val="accent2"/>
+    </dgm:fillClrLst>
+    <dgm:linClrLst meth="repeat">
+      <a:schemeClr val="lt1"/>
+    </dgm:linClrLst>
+    <dgm:effectClrLst/>
+    <dgm:txLinClrLst/>
+    <dgm:txFillClrLst/>
+    <dgm:txEffectClrLst/>
+  </dgm:styleLbl>
+  <dgm:styleLbl name="fgImgPlace1">
+    <dgm:fillClrLst>
+      <a:schemeClr val="accent5">
+        <a:tint val="50000"/>
+      </a:schemeClr>
+      <a:schemeClr val="accent6">
+        <a:tint val="50000"/>
+      </a:schemeClr>
+    </dgm:fillClrLst>
+    <dgm:linClrLst meth="repeat">
+      <a:schemeClr val="lt1"/>
+    </dgm:linClrLst>
+    <dgm:effectClrLst/>
+    <dgm:txLinClrLst/>
+    <dgm:txFillClrLst meth="repeat">
+      <a:schemeClr val="lt1"/>
+    </dgm:txFillClrLst>
+    <dgm:txEffectClrLst/>
+  </dgm:styleLbl>
+  <dgm:styleLbl name="alignImgPlace1">
+    <dgm:fillClrLst>
+      <a:schemeClr val="accent5">
+        <a:tint val="50000"/>
+      </a:schemeClr>
+      <a:schemeClr val="accent6">
+        <a:tint val="20000"/>
+      </a:schemeClr>
+    </dgm:fillClrLst>
+    <dgm:linClrLst meth="repeat">
+      <a:schemeClr val="lt1"/>
+    </dgm:linClrLst>
+    <dgm:effectClrLst/>
+    <dgm:txLinClrLst/>
+    <dgm:txFillClrLst meth="repeat">
+      <a:schemeClr val="lt1"/>
+    </dgm:txFillClrLst>
+    <dgm:txEffectClrLst/>
+  </dgm:styleLbl>
+  <dgm:styleLbl name="bgImgPlace1">
+    <dgm:fillClrLst>
+      <a:schemeClr val="accent5">
+        <a:tint val="50000"/>
+      </a:schemeClr>
+      <a:schemeClr val="accent6">
+        <a:tint val="20000"/>
+      </a:schemeClr>
+    </dgm:fillClrLst>
+    <dgm:linClrLst meth="repeat">
+      <a:schemeClr val="lt1"/>
+    </dgm:linClrLst>
+    <dgm:effectClrLst/>
+    <dgm:txLinClrLst/>
+    <dgm:txFillClrLst meth="repeat">
+      <a:schemeClr val="lt1"/>
+    </dgm:txFillClrLst>
+    <dgm:txEffectClrLst/>
+  </dgm:styleLbl>
+  <dgm:styleLbl name="sibTrans2D1">
+    <dgm:fillClrLst>
+      <a:schemeClr val="accent5"/>
+      <a:schemeClr val="accent6"/>
+    </dgm:fillClrLst>
+    <dgm:linClrLst meth="repeat">
+      <a:schemeClr val="lt1"/>
+    </dgm:linClrLst>
+    <dgm:effectClrLst/>
+    <dgm:txLinClrLst/>
+    <dgm:txFillClrLst/>
+    <dgm:txEffectClrLst/>
+  </dgm:styleLbl>
+  <dgm:styleLbl name="fgSibTrans2D1">
+    <dgm:fillClrLst>
+      <a:schemeClr val="accent5"/>
+      <a:schemeClr val="accent6"/>
+    </dgm:fillClrLst>
+    <dgm:linClrLst meth="repeat">
+      <a:schemeClr val="lt1"/>
+    </dgm:linClrLst>
+    <dgm:effectClrLst/>
+    <dgm:txLinClrLst/>
+    <dgm:txFillClrLst meth="repeat">
+      <a:schemeClr val="lt1"/>
+    </dgm:txFillClrLst>
+    <dgm:txEffectClrLst/>
+  </dgm:styleLbl>
+  <dgm:styleLbl name="bgSibTrans2D1">
+    <dgm:fillClrLst>
+      <a:schemeClr val="accent5"/>
+      <a:schemeClr val="accent6"/>
+    </dgm:fillClrLst>
+    <dgm:linClrLst meth="repeat">
+      <a:schemeClr val="lt1"/>
+    </dgm:linClrLst>
+    <dgm:effectClrLst/>
+    <dgm:txLinClrLst/>
+    <dgm:txFillClrLst meth="repeat">
+      <a:schemeClr val="lt1"/>
+    </dgm:txFillClrLst>
+    <dgm:txEffectClrLst/>
+  </dgm:styleLbl>
+  <dgm:styleLbl name="sibTrans1D1">
+    <dgm:fillClrLst/>
+    <dgm:linClrLst>
+      <a:schemeClr val="accent5"/>
+      <a:schemeClr val="accent6"/>
+    </dgm:linClrLst>
+    <dgm:effectClrLst/>
+    <dgm:txLinClrLst/>
+    <dgm:txFillClrLst meth="repeat">
+      <a:schemeClr val="tx1"/>
+    </dgm:txFillClrLst>
+    <dgm:txEffectClrLst/>
+  </dgm:styleLbl>
+  <dgm:styleLbl name="callout">
+    <dgm:fillClrLst meth="repeat">
+      <a:schemeClr val="accent5"/>
+    </dgm:fillClrLst>
+    <dgm:linClrLst meth="repeat">
+      <a:schemeClr val="accent5">
+        <a:tint val="50000"/>
+      </a:schemeClr>
+    </dgm:linClrLst>
+    <dgm:effectClrLst/>
+    <dgm:txLinClrLst/>
+    <dgm:txFillClrLst meth="repeat">
+      <a:schemeClr val="tx1"/>
+    </dgm:txFillClrLst>
+    <dgm:txEffectClrLst/>
+  </dgm:styleLbl>
+  <dgm:styleLbl name="asst0">
+    <dgm:fillClrLst meth="repeat">
+      <a:schemeClr val="accent5"/>
+    </dgm:fillClrLst>
+    <dgm:linClrLst meth="repeat">
+      <a:schemeClr val="lt1">
+        <a:shade val="80000"/>
+      </a:schemeClr>
+    </dgm:linClrLst>
+    <dgm:effectClrLst/>
+    <dgm:txLinClrLst/>
+    <dgm:txFillClrLst/>
+    <dgm:txEffectClrLst/>
+  </dgm:styleLbl>
+  <dgm:styleLbl name="asst1">
+    <dgm:fillClrLst meth="repeat">
+      <a:schemeClr val="accent6"/>
+    </dgm:fillClrLst>
+    <dgm:linClrLst meth="repeat">
+      <a:schemeClr val="lt1">
+        <a:shade val="80000"/>
+      </a:schemeClr>
+    </dgm:linClrLst>
+    <dgm:effectClrLst/>
+    <dgm:txLinClrLst/>
+    <dgm:txFillClrLst/>
+    <dgm:txEffectClrLst/>
+  </dgm:styleLbl>
+  <dgm:styleLbl name="asst2">
+    <dgm:fillClrLst>
+      <a:schemeClr val="accent1"/>
+    </dgm:fillClrLst>
+    <dgm:linClrLst meth="repeat">
+      <a:schemeClr val="lt1"/>
+    </dgm:linClrLst>
+    <dgm:effectClrLst/>
+    <dgm:txLinClrLst/>
+    <dgm:txFillClrLst/>
+    <dgm:txEffectClrLst/>
+  </dgm:styleLbl>
+  <dgm:styleLbl name="asst3">
+    <dgm:fillClrLst>
+      <a:schemeClr val="accent2"/>
+    </dgm:fillClrLst>
+    <dgm:linClrLst meth="repeat">
+      <a:schemeClr val="lt1"/>
+    </dgm:linClrLst>
+    <dgm:effectClrLst/>
+    <dgm:txLinClrLst/>
+    <dgm:txFillClrLst/>
+    <dgm:txEffectClrLst/>
+  </dgm:styleLbl>
+  <dgm:styleLbl name="asst4">
+    <dgm:fillClrLst>
+      <a:schemeClr val="accent3"/>
+    </dgm:fillClrLst>
+    <dgm:linClrLst meth="repeat">
+      <a:schemeClr val="lt1"/>
+    </dgm:linClrLst>
+    <dgm:effectClrLst/>
+    <dgm:txLinClrLst/>
+    <dgm:txFillClrLst/>
+    <dgm:txEffectClrLst/>
+  </dgm:styleLbl>
+  <dgm:styleLbl name="parChTrans2D1">
+    <dgm:fillClrLst meth="repeat">
+      <a:schemeClr val="accent5"/>
+    </dgm:fillClrLst>
+    <dgm:linClrLst meth="repeat">
+      <a:schemeClr val="lt1"/>
+    </dgm:linClrLst>
+    <dgm:effectClrLst/>
+    <dgm:txLinClrLst/>
+    <dgm:txFillClrLst meth="repeat">
+      <a:schemeClr val="lt1"/>
+    </dgm:txFillClrLst>
+    <dgm:txEffectClrLst/>
+  </dgm:styleLbl>
+  <dgm:styleLbl name="parChTrans2D2">
+    <dgm:fillClrLst meth="repeat">
+      <a:schemeClr val="accent6"/>
+    </dgm:fillClrLst>
+    <dgm:linClrLst meth="repeat">
+      <a:schemeClr val="lt1"/>
+    </dgm:linClrLst>
+    <dgm:effectClrLst/>
+    <dgm:txLinClrLst/>
+    <dgm:txFillClrLst/>
+    <dgm:txEffectClrLst/>
+  </dgm:styleLbl>
+  <dgm:styleLbl name="parChTrans2D3">
+    <dgm:fillClrLst meth="repeat">
+      <a:schemeClr val="accent6"/>
+    </dgm:fillClrLst>
+    <dgm:linClrLst meth="repeat">
+      <a:schemeClr val="lt1"/>
+    </dgm:linClrLst>
+    <dgm:effectClrLst/>
+    <dgm:txLinClrLst/>
+    <dgm:txFillClrLst/>
+    <dgm:txEffectClrLst/>
+  </dgm:styleLbl>
+  <dgm:styleLbl name="parChTrans2D4">
+    <dgm:fillClrLst meth="repeat">
+      <a:schemeClr val="accent1"/>
+    </dgm:fillClrLst>
+    <dgm:linClrLst meth="repeat">
+      <a:schemeClr val="lt1"/>
+    </dgm:linClrLst>
+    <dgm:effectClrLst/>
+    <dgm:txLinClrLst/>
+    <dgm:txFillClrLst meth="repeat">
+      <a:schemeClr val="lt1"/>
+    </dgm:txFillClrLst>
+    <dgm:txEffectClrLst/>
+  </dgm:styleLbl>
+  <dgm:styleLbl name="parChTrans1D1">
+    <dgm:fillClrLst meth="repeat">
+      <a:schemeClr val="accent5"/>
+    </dgm:fillClrLst>
+    <dgm:linClrLst meth="repeat">
+      <a:schemeClr val="accent5"/>
+    </dgm:linClrLst>
+    <dgm:effectClrLst/>
+    <dgm:txLinClrLst/>
+    <dgm:txFillClrLst meth="repeat">
+      <a:schemeClr val="tx1"/>
+    </dgm:txFillClrLst>
+    <dgm:txEffectClrLst/>
+  </dgm:styleLbl>
+  <dgm:styleLbl name="parChTrans1D2">
+    <dgm:fillClrLst meth="repeat">
+      <a:schemeClr val="accent6">
+        <a:tint val="90000"/>
+      </a:schemeClr>
+    </dgm:fillClrLst>
+    <dgm:linClrLst meth="repeat">
+      <a:schemeClr val="accent6"/>
+    </dgm:linClrLst>
+    <dgm:effectClrLst/>
+    <dgm:txLinClrLst/>
+    <dgm:txFillClrLst meth="repeat">
+      <a:schemeClr val="tx1"/>
+    </dgm:txFillClrLst>
+    <dgm:txEffectClrLst/>
+  </dgm:styleLbl>
+  <dgm:styleLbl name="parChTrans1D3">
+    <dgm:fillClrLst meth="repeat">
+      <a:schemeClr val="accent6">
+        <a:tint val="70000"/>
+      </a:schemeClr>
+    </dgm:fillClrLst>
+    <dgm:linClrLst meth="repeat">
+      <a:schemeClr val="accent1"/>
+    </dgm:linClrLst>
+    <dgm:effectClrLst/>
+    <dgm:txLinClrLst/>
+    <dgm:txFillClrLst meth="repeat">
+      <a:schemeClr val="tx1"/>
+    </dgm:txFillClrLst>
+    <dgm:txEffectClrLst/>
+  </dgm:styleLbl>
+  <dgm:styleLbl name="parChTrans1D4">
+    <dgm:fillClrLst meth="repeat">
+      <a:schemeClr val="accent6">
+        <a:tint val="50000"/>
+      </a:schemeClr>
+    </dgm:fillClrLst>
+    <dgm:linClrLst meth="repeat">
+      <a:schemeClr val="accent2"/>
+    </dgm:linClrLst>
+    <dgm:effectClrLst/>
+    <dgm:txLinClrLst/>
+    <dgm:txFillClrLst meth="repeat">
+      <a:schemeClr val="tx1"/>
+    </dgm:txFillClrLst>
+    <dgm:txEffectClrLst/>
+  </dgm:styleLbl>
+  <dgm:styleLbl name="fgAcc1">
+    <dgm:fillClrLst meth="repeat">
+      <a:schemeClr val="lt1">
+        <a:alpha val="90000"/>
+      </a:schemeClr>
+    </dgm:fillClrLst>
+    <dgm:linClrLst>
+      <a:schemeClr val="accent5"/>
+      <a:schemeClr val="accent6"/>
+    </dgm:linClrLst>
+    <dgm:effectClrLst/>
+    <dgm:txLinClrLst/>
+    <dgm:txFillClrLst meth="repeat">
+      <a:schemeClr val="dk1"/>
+    </dgm:txFillClrLst>
+    <dgm:txEffectClrLst/>
+  </dgm:styleLbl>
+  <dgm:styleLbl name="conFgAcc1">
+    <dgm:fillClrLst meth="repeat">
+      <a:schemeClr val="lt1">
+        <a:alpha val="90000"/>
+      </a:schemeClr>
+    </dgm:fillClrLst>
+    <dgm:linClrLst>
+      <a:schemeClr val="accent5"/>
+      <a:schemeClr val="accent6"/>
+    </dgm:linClrLst>
+    <dgm:effectClrLst/>
+    <dgm:txLinClrLst/>
+    <dgm:txFillClrLst meth="repeat">
+      <a:schemeClr val="dk1"/>
+    </dgm:txFillClrLst>
+    <dgm:txEffectClrLst/>
+  </dgm:styleLbl>
+  <dgm:styleLbl name="alignAcc1">
+    <dgm:fillClrLst meth="repeat">
+      <a:schemeClr val="lt1">
+        <a:alpha val="90000"/>
+      </a:schemeClr>
+    </dgm:fillClrLst>
+    <dgm:linClrLst>
+      <a:schemeClr val="accent5"/>
+      <a:schemeClr val="accent6"/>
+    </dgm:linClrLst>
+    <dgm:effectClrLst/>
+    <dgm:txLinClrLst/>
+    <dgm:txFillClrLst meth="repeat">
+      <a:schemeClr val="dk1"/>
+    </dgm:txFillClrLst>
+    <dgm:txEffectClrLst/>
+  </dgm:styleLbl>
+  <dgm:styleLbl name="trAlignAcc1">
+    <dgm:fillClrLst meth="repeat">
+      <a:schemeClr val="lt1">
+        <a:alpha val="40000"/>
+      </a:schemeClr>
+    </dgm:fillClrLst>
+    <dgm:linClrLst meth="repeat">
+      <a:schemeClr val="accent5"/>
+    </dgm:linClrLst>
+    <dgm:effectClrLst/>
+    <dgm:txLinClrLst/>
+    <dgm:txFillClrLst meth="repeat">
+      <a:schemeClr val="dk1"/>
+    </dgm:txFillClrLst>
+    <dgm:txEffectClrLst/>
+  </dgm:styleLbl>
+  <dgm:styleLbl name="bgAcc1">
+    <dgm:fillClrLst meth="repeat">
+      <a:schemeClr val="lt1">
+        <a:alpha val="90000"/>
+      </a:schemeClr>
+    </dgm:fillClrLst>
+    <dgm:linClrLst>
+      <a:schemeClr val="accent5"/>
+      <a:schemeClr val="accent6"/>
+    </dgm:linClrLst>
+    <dgm:effectClrLst/>
+    <dgm:txLinClrLst/>
+    <dgm:txFillClrLst meth="repeat">
+      <a:schemeClr val="dk1"/>
+    </dgm:txFillClrLst>
+    <dgm:txEffectClrLst/>
+  </dgm:styleLbl>
+  <dgm:styleLbl name="solidFgAcc1">
+    <dgm:fillClrLst meth="repeat">
+      <a:schemeClr val="lt1"/>
+    </dgm:fillClrLst>
+    <dgm:linClrLst>
+      <a:schemeClr val="accent5"/>
+      <a:schemeClr val="accent6"/>
+    </dgm:linClrLst>
+    <dgm:effectClrLst/>
+    <dgm:txLinClrLst/>
+    <dgm:txFillClrLst meth="repeat">
+      <a:schemeClr val="dk1"/>
+    </dgm:txFillClrLst>
+    <dgm:txEffectClrLst/>
+  </dgm:styleLbl>
+  <dgm:styleLbl name="solidAlignAcc1">
+    <dgm:fillClrLst meth="repeat">
+      <a:schemeClr val="lt1"/>
+    </dgm:fillClrLst>
+    <dgm:linClrLst>
+      <a:schemeClr val="accent5"/>
+      <a:schemeClr val="accent6"/>
+    </dgm:linClrLst>
+    <dgm:effectClrLst/>
+    <dgm:txLinClrLst/>
+    <dgm:txFillClrLst meth="repeat">
+      <a:schemeClr val="dk1"/>
+    </dgm:txFillClrLst>
+    <dgm:txEffectClrLst/>
+  </dgm:styleLbl>
+  <dgm:styleLbl name="solidBgAcc1">
+    <dgm:fillClrLst meth="repeat">
+      <a:schemeClr val="lt1"/>
+    </dgm:fillClrLst>
+    <dgm:linClrLst>
+      <a:schemeClr val="accent5"/>
+      <a:schemeClr val="accent6"/>
+    </dgm:linClrLst>
+    <dgm:effectClrLst/>
+    <dgm:txLinClrLst/>
+    <dgm:txFillClrLst meth="repeat">
+      <a:schemeClr val="dk1"/>
+    </dgm:txFillClrLst>
+    <dgm:txEffectClrLst/>
+  </dgm:styleLbl>
+  <dgm:styleLbl name="fgAccFollowNode1">
+    <dgm:fillClrLst>
+      <a:schemeClr val="accent5">
+        <a:tint val="40000"/>
+        <a:alpha val="90000"/>
+      </a:schemeClr>
+      <a:schemeClr val="accent6">
+        <a:tint val="40000"/>
+        <a:alpha val="90000"/>
+      </a:schemeClr>
+    </dgm:fillClrLst>
+    <dgm:linClrLst>
+      <a:schemeClr val="accent5">
+        <a:tint val="40000"/>
+        <a:alpha val="90000"/>
+      </a:schemeClr>
+      <a:schemeClr val="accent5">
+        <a:tint val="40000"/>
+        <a:alpha val="90000"/>
+      </a:schemeClr>
+    </dgm:linClrLst>
+    <dgm:effectClrLst/>
+    <dgm:txLinClrLst/>
+    <dgm:txFillClrLst meth="repeat">
+      <a:schemeClr val="dk1"/>
+    </dgm:txFillClrLst>
+    <dgm:txEffectClrLst/>
+  </dgm:styleLbl>
+  <dgm:styleLbl name="alignAccFollowNode1">
+    <dgm:fillClrLst>
+      <a:schemeClr val="accent5">
+        <a:tint val="40000"/>
+        <a:alpha val="90000"/>
+      </a:schemeClr>
+      <a:schemeClr val="accent6">
+        <a:tint val="40000"/>
+        <a:alpha val="90000"/>
+      </a:schemeClr>
+    </dgm:fillClrLst>
+    <dgm:linClrLst>
+      <a:schemeClr val="accent5">
+        <a:tint val="40000"/>
+        <a:alpha val="90000"/>
+      </a:schemeClr>
+      <a:schemeClr val="accent6">
+        <a:tint val="40000"/>
+        <a:alpha val="90000"/>
+      </a:schemeClr>
+    </dgm:linClrLst>
+    <dgm:effectClrLst/>
+    <dgm:txLinClrLst/>
+    <dgm:txFillClrLst meth="repeat">
+      <a:schemeClr val="dk1"/>
+    </dgm:txFillClrLst>
+    <dgm:txEffectClrLst/>
+  </dgm:styleLbl>
+  <dgm:styleLbl name="bgAccFollowNode1">
+    <dgm:fillClrLst>
+      <a:schemeClr val="accent5">
+        <a:tint val="40000"/>
+        <a:alpha val="90000"/>
+      </a:schemeClr>
+      <a:schemeClr val="accent6">
+        <a:tint val="40000"/>
+        <a:alpha val="90000"/>
+      </a:schemeClr>
+    </dgm:fillClrLst>
+    <dgm:linClrLst>
+      <a:schemeClr val="accent5">
+        <a:tint val="40000"/>
+        <a:alpha val="90000"/>
+      </a:schemeClr>
+      <a:schemeClr val="accent6">
+        <a:tint val="40000"/>
+        <a:alpha val="90000"/>
+      </a:schemeClr>
+    </dgm:linClrLst>
+    <dgm:effectClrLst/>
+    <dgm:txLinClrLst/>
+    <dgm:txFillClrLst meth="repeat">
+      <a:schemeClr val="dk1"/>
+    </dgm:txFillClrLst>
+    <dgm:txEffectClrLst/>
+  </dgm:styleLbl>
+  <dgm:styleLbl name="fgAcc0">
+    <dgm:fillClrLst meth="repeat">
+      <a:schemeClr val="lt1">
+        <a:alpha val="90000"/>
+      </a:schemeClr>
+    </dgm:fillClrLst>
+    <dgm:linClrLst>
+      <a:schemeClr val="accent4"/>
+    </dgm:linClrLst>
+    <dgm:effectClrLst/>
+    <dgm:txLinClrLst/>
+    <dgm:txFillClrLst meth="repeat">
+      <a:schemeClr val="dk1"/>
+    </dgm:txFillClrLst>
+    <dgm:txEffectClrLst/>
+  </dgm:styleLbl>
+  <dgm:styleLbl name="fgAcc2">
+    <dgm:fillClrLst meth="repeat">
+      <a:schemeClr val="lt1">
+        <a:alpha val="90000"/>
+      </a:schemeClr>
+    </dgm:fillClrLst>
+    <dgm:linClrLst>
+      <a:schemeClr val="accent6"/>
+    </dgm:linClrLst>
+    <dgm:effectClrLst/>
+    <dgm:txLinClrLst/>
+    <dgm:txFillClrLst meth="repeat">
+      <a:schemeClr val="dk1"/>
+    </dgm:txFillClrLst>
+    <dgm:txEffectClrLst/>
+  </dgm:styleLbl>
+  <dgm:styleLbl name="fgAcc3">
+    <dgm:fillClrLst meth="repeat">
+      <a:schemeClr val="lt1">
+        <a:alpha val="90000"/>
+      </a:schemeClr>
+    </dgm:fillClrLst>
+    <dgm:linClrLst>
+      <a:schemeClr val="accent1"/>
+    </dgm:linClrLst>
+    <dgm:effectClrLst/>
+    <dgm:txLinClrLst/>
+    <dgm:txFillClrLst meth="repeat">
+      <a:schemeClr val="dk1"/>
+    </dgm:txFillClrLst>
+    <dgm:txEffectClrLst/>
+  </dgm:styleLbl>
+  <dgm:styleLbl name="fgAcc4">
+    <dgm:fillClrLst meth="repeat">
+      <a:schemeClr val="lt1">
+        <a:alpha val="90000"/>
+      </a:schemeClr>
+    </dgm:fillClrLst>
+    <dgm:linClrLst>
+      <a:schemeClr val="accent2"/>
+    </dgm:linClrLst>
+    <dgm:effectClrLst/>
+    <dgm:txLinClrLst/>
+    <dgm:txFillClrLst meth="repeat">
+      <a:schemeClr val="dk1"/>
+    </dgm:txFillClrLst>
+    <dgm:txEffectClrLst/>
+  </dgm:styleLbl>
+  <dgm:styleLbl name="bgShp">
+    <dgm:fillClrLst meth="repeat">
+      <a:schemeClr val="accent5">
+        <a:tint val="40000"/>
+      </a:schemeClr>
+    </dgm:fillClrLst>
+    <dgm:linClrLst meth="repeat">
+      <a:schemeClr val="dk1"/>
+    </dgm:linClrLst>
+    <dgm:effectClrLst/>
+    <dgm:txLinClrLst/>
+    <dgm:txFillClrLst meth="repeat">
+      <a:schemeClr val="dk1"/>
+    </dgm:txFillClrLst>
+    <dgm:txEffectClrLst/>
+  </dgm:styleLbl>
+  <dgm:styleLbl name="dkBgShp">
+    <dgm:fillClrLst meth="repeat">
+      <a:schemeClr val="accent5">
+        <a:shade val="90000"/>
+      </a:schemeClr>
+    </dgm:fillClrLst>
+    <dgm:linClrLst meth="repeat">
+      <a:schemeClr val="dk1"/>
+    </dgm:linClrLst>
+    <dgm:effectClrLst/>
+    <dgm:txLinClrLst/>
+    <dgm:txFillClrLst meth="repeat">
+      <a:schemeClr val="lt1"/>
+    </dgm:txFillClrLst>
+    <dgm:txEffectClrLst/>
+  </dgm:styleLbl>
+  <dgm:styleLbl name="trBgShp">
+    <dgm:fillClrLst meth="repeat">
+      <a:schemeClr val="accent5">
+        <a:tint val="50000"/>
+        <a:alpha val="40000"/>
+      </a:schemeClr>
+    </dgm:fillClrLst>
+    <dgm:linClrLst meth="repeat">
+      <a:schemeClr val="accent5"/>
+    </dgm:linClrLst>
+    <dgm:effectClrLst/>
+    <dgm:txLinClrLst/>
+    <dgm:txFillClrLst meth="repeat">
+      <a:schemeClr val="lt1"/>
+    </dgm:txFillClrLst>
+    <dgm:txEffectClrLst/>
+  </dgm:styleLbl>
+  <dgm:styleLbl name="fgShp">
+    <dgm:fillClrLst meth="repeat">
+      <a:schemeClr val="accent5">
+        <a:tint val="40000"/>
+      </a:schemeClr>
+    </dgm:fillClrLst>
+    <dgm:linClrLst meth="repeat">
+      <a:schemeClr val="lt1"/>
+    </dgm:linClrLst>
+    <dgm:effectClrLst/>
+    <dgm:txLinClrLst/>
+    <dgm:txFillClrLst meth="repeat">
+      <a:schemeClr val="dk1"/>
+    </dgm:txFillClrLst>
+    <dgm:txEffectClrLst/>
+  </dgm:styleLbl>
+  <dgm:styleLbl name="revTx">
+    <dgm:fillClrLst meth="repeat">
+      <a:schemeClr val="lt1">
+        <a:alpha val="0"/>
+      </a:schemeClr>
+    </dgm:fillClrLst>
+    <dgm:linClrLst meth="repeat">
+      <a:schemeClr val="dk1">
+        <a:alpha val="0"/>
+      </a:schemeClr>
+    </dgm:linClrLst>
+    <dgm:effectClrLst/>
+    <dgm:txLinClrLst/>
+    <dgm:txFillClrLst meth="repeat">
+      <a:schemeClr val="tx1"/>
+    </dgm:txFillClrLst>
+    <dgm:txEffectClrLst/>
+  </dgm:styleLbl>
+</dgm:colorsDef>
+</file>
+
+<file path=ppt/diagrams/colors3.xml><?xml version="1.0" encoding="utf-8"?>
 <dgm:colorsDef xmlns:dgm="http://schemas.openxmlformats.org/drawingml/2006/diagram" xmlns:a="http://schemas.openxmlformats.org/drawingml/2006/main" uniqueId="urn:microsoft.com/office/officeart/2005/8/colors/colorful5">
   <dgm:title val=""/>
   <dgm:desc val=""/>
@@ -1846,10 +2634,24 @@
     <dgm:pt modelId="{C6BBAB1C-8441-4ED1-9F7B-1AE83F583C7D}" type="pres">
       <dgm:prSet presAssocID="{598719D4-53FB-4C57-805C-FBCF62E12C5E}" presName="sibTrans" presStyleLbl="sibTrans2D1" presStyleIdx="0" presStyleCnt="3"/>
       <dgm:spPr/>
+      <dgm:t>
+        <a:bodyPr/>
+        <a:lstStyle/>
+        <a:p>
+          <a:endParaRPr lang="en-US"/>
+        </a:p>
+      </dgm:t>
     </dgm:pt>
     <dgm:pt modelId="{10D1C060-2DDC-4DB5-B36F-519BA4338E82}" type="pres">
       <dgm:prSet presAssocID="{598719D4-53FB-4C57-805C-FBCF62E12C5E}" presName="connectorText" presStyleLbl="sibTrans2D1" presStyleIdx="0" presStyleCnt="3"/>
       <dgm:spPr/>
+      <dgm:t>
+        <a:bodyPr/>
+        <a:lstStyle/>
+        <a:p>
+          <a:endParaRPr lang="en-US"/>
+        </a:p>
+      </dgm:t>
     </dgm:pt>
     <dgm:pt modelId="{F82ABD8B-F336-419A-8ED9-2F319D067C56}" type="pres">
       <dgm:prSet presAssocID="{007D808C-D6B1-4BC5-B9B5-29CC4427F55D}" presName="node" presStyleLbl="node1" presStyleIdx="1" presStyleCnt="4">
@@ -1869,10 +2671,24 @@
     <dgm:pt modelId="{D7F30FBA-81D7-4F92-A987-120A33E90E02}" type="pres">
       <dgm:prSet presAssocID="{1773950C-C0B0-4D49-91E0-63F5A6A8BDA9}" presName="sibTrans" presStyleLbl="sibTrans2D1" presStyleIdx="1" presStyleCnt="3"/>
       <dgm:spPr/>
+      <dgm:t>
+        <a:bodyPr/>
+        <a:lstStyle/>
+        <a:p>
+          <a:endParaRPr lang="en-US"/>
+        </a:p>
+      </dgm:t>
     </dgm:pt>
     <dgm:pt modelId="{4CB76957-40FE-4C55-B0BC-2BE9EC66F62C}" type="pres">
       <dgm:prSet presAssocID="{1773950C-C0B0-4D49-91E0-63F5A6A8BDA9}" presName="connectorText" presStyleLbl="sibTrans2D1" presStyleIdx="1" presStyleCnt="3"/>
       <dgm:spPr/>
+      <dgm:t>
+        <a:bodyPr/>
+        <a:lstStyle/>
+        <a:p>
+          <a:endParaRPr lang="en-US"/>
+        </a:p>
+      </dgm:t>
     </dgm:pt>
     <dgm:pt modelId="{FB687F3F-0590-4628-A043-32446B5DD71C}" type="pres">
       <dgm:prSet presAssocID="{740F6F24-BFD6-45CA-BBB5-CDBA27E96909}" presName="node" presStyleLbl="node1" presStyleIdx="2" presStyleCnt="4">
@@ -1881,14 +2697,35 @@
         </dgm:presLayoutVars>
       </dgm:prSet>
       <dgm:spPr/>
+      <dgm:t>
+        <a:bodyPr/>
+        <a:lstStyle/>
+        <a:p>
+          <a:endParaRPr lang="en-US"/>
+        </a:p>
+      </dgm:t>
     </dgm:pt>
     <dgm:pt modelId="{2A00525E-DAFE-46B4-8A28-FB4F2E89ADA8}" type="pres">
       <dgm:prSet presAssocID="{ABE65600-B958-4DEE-8C21-282B1E066F53}" presName="sibTrans" presStyleLbl="sibTrans2D1" presStyleIdx="2" presStyleCnt="3"/>
       <dgm:spPr/>
+      <dgm:t>
+        <a:bodyPr/>
+        <a:lstStyle/>
+        <a:p>
+          <a:endParaRPr lang="en-US"/>
+        </a:p>
+      </dgm:t>
     </dgm:pt>
     <dgm:pt modelId="{73E1E310-1E66-4F51-8FA0-40F0FF6D3D21}" type="pres">
       <dgm:prSet presAssocID="{ABE65600-B958-4DEE-8C21-282B1E066F53}" presName="connectorText" presStyleLbl="sibTrans2D1" presStyleIdx="2" presStyleCnt="3"/>
       <dgm:spPr/>
+      <dgm:t>
+        <a:bodyPr/>
+        <a:lstStyle/>
+        <a:p>
+          <a:endParaRPr lang="en-US"/>
+        </a:p>
+      </dgm:t>
     </dgm:pt>
     <dgm:pt modelId="{2E14C3FF-DB5C-4362-B5A5-000EC0CBCE97}" type="pres">
       <dgm:prSet presAssocID="{FF2AF683-41F5-47CF-8C50-8E2EDC0D9D93}" presName="node" presStyleLbl="node1" presStyleIdx="3" presStyleCnt="4">
@@ -1907,21 +2744,21 @@
     </dgm:pt>
   </dgm:ptLst>
   <dgm:cxnLst>
-    <dgm:cxn modelId="{BC73618F-25D1-44C1-A768-1C05F71E7044}" type="presOf" srcId="{FF2AF683-41F5-47CF-8C50-8E2EDC0D9D93}" destId="{2E14C3FF-DB5C-4362-B5A5-000EC0CBCE97}" srcOrd="0" destOrd="0" presId="urn:microsoft.com/office/officeart/2005/8/layout/process1"/>
-    <dgm:cxn modelId="{7D6014F7-23D1-4301-9CE7-0627EFD15E6B}" type="presOf" srcId="{1773950C-C0B0-4D49-91E0-63F5A6A8BDA9}" destId="{4CB76957-40FE-4C55-B0BC-2BE9EC66F62C}" srcOrd="1" destOrd="0" presId="urn:microsoft.com/office/officeart/2005/8/layout/process1"/>
     <dgm:cxn modelId="{A2CFD06E-0DAA-40EF-8DB9-DC59ED0C9260}" type="presOf" srcId="{ABE65600-B958-4DEE-8C21-282B1E066F53}" destId="{2A00525E-DAFE-46B4-8A28-FB4F2E89ADA8}" srcOrd="0" destOrd="0" presId="urn:microsoft.com/office/officeart/2005/8/layout/process1"/>
-    <dgm:cxn modelId="{52CFDA53-236E-4637-A580-D86F78186C84}" srcId="{B4AB89F2-3914-4BC4-9B8C-AEEEDD62BE7F}" destId="{A5B84093-C96B-4162-AC8C-AC814F3AD1BA}" srcOrd="0" destOrd="0" parTransId="{8404C763-E192-4035-9C97-4447D7E2BC97}" sibTransId="{598719D4-53FB-4C57-805C-FBCF62E12C5E}"/>
-    <dgm:cxn modelId="{0FFF4E32-D756-466C-9C0C-9BE7F07A1E7D}" srcId="{B4AB89F2-3914-4BC4-9B8C-AEEEDD62BE7F}" destId="{007D808C-D6B1-4BC5-B9B5-29CC4427F55D}" srcOrd="1" destOrd="0" parTransId="{24D5B35F-52B8-4D56-B546-2A113720FF5A}" sibTransId="{1773950C-C0B0-4D49-91E0-63F5A6A8BDA9}"/>
-    <dgm:cxn modelId="{B2CB3F14-DA1B-4FE0-A67A-46193A3AF02F}" type="presOf" srcId="{598719D4-53FB-4C57-805C-FBCF62E12C5E}" destId="{C6BBAB1C-8441-4ED1-9F7B-1AE83F583C7D}" srcOrd="0" destOrd="0" presId="urn:microsoft.com/office/officeart/2005/8/layout/process1"/>
     <dgm:cxn modelId="{D997F622-E1BC-44C1-8852-495E8BD17FB7}" type="presOf" srcId="{ABE65600-B958-4DEE-8C21-282B1E066F53}" destId="{73E1E310-1E66-4F51-8FA0-40F0FF6D3D21}" srcOrd="1" destOrd="0" presId="urn:microsoft.com/office/officeart/2005/8/layout/process1"/>
     <dgm:cxn modelId="{0E8B760D-AB17-4AC7-B5C9-A46298142E9D}" type="presOf" srcId="{A5B84093-C96B-4162-AC8C-AC814F3AD1BA}" destId="{2CCB3FBF-61E2-4489-9A2F-FAB5D6A8765A}" srcOrd="0" destOrd="0" presId="urn:microsoft.com/office/officeart/2005/8/layout/process1"/>
+    <dgm:cxn modelId="{B2CB3F14-DA1B-4FE0-A67A-46193A3AF02F}" type="presOf" srcId="{598719D4-53FB-4C57-805C-FBCF62E12C5E}" destId="{C6BBAB1C-8441-4ED1-9F7B-1AE83F583C7D}" srcOrd="0" destOrd="0" presId="urn:microsoft.com/office/officeart/2005/8/layout/process1"/>
+    <dgm:cxn modelId="{0F4D80D3-4209-4D86-9910-2853425D2A00}" srcId="{B4AB89F2-3914-4BC4-9B8C-AEEEDD62BE7F}" destId="{FF2AF683-41F5-47CF-8C50-8E2EDC0D9D93}" srcOrd="3" destOrd="0" parTransId="{231DB43F-012B-491D-B957-A5B86538E501}" sibTransId="{486FA0D1-3B24-41B0-960B-D052E370D589}"/>
+    <dgm:cxn modelId="{136E355B-9F1D-42E3-9393-25A62C52D6E6}" type="presOf" srcId="{1773950C-C0B0-4D49-91E0-63F5A6A8BDA9}" destId="{D7F30FBA-81D7-4F92-A987-120A33E90E02}" srcOrd="0" destOrd="0" presId="urn:microsoft.com/office/officeart/2005/8/layout/process1"/>
+    <dgm:cxn modelId="{0FFF4E32-D756-466C-9C0C-9BE7F07A1E7D}" srcId="{B4AB89F2-3914-4BC4-9B8C-AEEEDD62BE7F}" destId="{007D808C-D6B1-4BC5-B9B5-29CC4427F55D}" srcOrd="1" destOrd="0" parTransId="{24D5B35F-52B8-4D56-B546-2A113720FF5A}" sibTransId="{1773950C-C0B0-4D49-91E0-63F5A6A8BDA9}"/>
+    <dgm:cxn modelId="{2C32DC60-9392-4128-B914-AD8747838DE3}" type="presOf" srcId="{598719D4-53FB-4C57-805C-FBCF62E12C5E}" destId="{10D1C060-2DDC-4DB5-B36F-519BA4338E82}" srcOrd="1" destOrd="0" presId="urn:microsoft.com/office/officeart/2005/8/layout/process1"/>
+    <dgm:cxn modelId="{7D6014F7-23D1-4301-9CE7-0627EFD15E6B}" type="presOf" srcId="{1773950C-C0B0-4D49-91E0-63F5A6A8BDA9}" destId="{4CB76957-40FE-4C55-B0BC-2BE9EC66F62C}" srcOrd="1" destOrd="0" presId="urn:microsoft.com/office/officeart/2005/8/layout/process1"/>
+    <dgm:cxn modelId="{BC73618F-25D1-44C1-A768-1C05F71E7044}" type="presOf" srcId="{FF2AF683-41F5-47CF-8C50-8E2EDC0D9D93}" destId="{2E14C3FF-DB5C-4362-B5A5-000EC0CBCE97}" srcOrd="0" destOrd="0" presId="urn:microsoft.com/office/officeart/2005/8/layout/process1"/>
+    <dgm:cxn modelId="{86EAE598-7E34-4AE9-835E-44E31728BD7E}" type="presOf" srcId="{B4AB89F2-3914-4BC4-9B8C-AEEEDD62BE7F}" destId="{9929804A-F379-4BEC-96CA-626B73E0B4BB}" srcOrd="0" destOrd="0" presId="urn:microsoft.com/office/officeart/2005/8/layout/process1"/>
+    <dgm:cxn modelId="{8DEFAF52-2812-4E55-A6D8-304B3BDA3513}" srcId="{B4AB89F2-3914-4BC4-9B8C-AEEEDD62BE7F}" destId="{740F6F24-BFD6-45CA-BBB5-CDBA27E96909}" srcOrd="2" destOrd="0" parTransId="{F823AFFC-D8D4-4E65-82CE-E1832D0EB6F3}" sibTransId="{ABE65600-B958-4DEE-8C21-282B1E066F53}"/>
+    <dgm:cxn modelId="{52CFDA53-236E-4637-A580-D86F78186C84}" srcId="{B4AB89F2-3914-4BC4-9B8C-AEEEDD62BE7F}" destId="{A5B84093-C96B-4162-AC8C-AC814F3AD1BA}" srcOrd="0" destOrd="0" parTransId="{8404C763-E192-4035-9C97-4447D7E2BC97}" sibTransId="{598719D4-53FB-4C57-805C-FBCF62E12C5E}"/>
     <dgm:cxn modelId="{3802DB3B-DBCE-4732-A44B-7FB5B7FFDAB4}" type="presOf" srcId="{007D808C-D6B1-4BC5-B9B5-29CC4427F55D}" destId="{F82ABD8B-F336-419A-8ED9-2F319D067C56}" srcOrd="0" destOrd="0" presId="urn:microsoft.com/office/officeart/2005/8/layout/process1"/>
     <dgm:cxn modelId="{93F72CE7-4FAE-4943-940A-AFADA97E7851}" type="presOf" srcId="{740F6F24-BFD6-45CA-BBB5-CDBA27E96909}" destId="{FB687F3F-0590-4628-A043-32446B5DD71C}" srcOrd="0" destOrd="0" presId="urn:microsoft.com/office/officeart/2005/8/layout/process1"/>
-    <dgm:cxn modelId="{2C32DC60-9392-4128-B914-AD8747838DE3}" type="presOf" srcId="{598719D4-53FB-4C57-805C-FBCF62E12C5E}" destId="{10D1C060-2DDC-4DB5-B36F-519BA4338E82}" srcOrd="1" destOrd="0" presId="urn:microsoft.com/office/officeart/2005/8/layout/process1"/>
-    <dgm:cxn modelId="{86EAE598-7E34-4AE9-835E-44E31728BD7E}" type="presOf" srcId="{B4AB89F2-3914-4BC4-9B8C-AEEEDD62BE7F}" destId="{9929804A-F379-4BEC-96CA-626B73E0B4BB}" srcOrd="0" destOrd="0" presId="urn:microsoft.com/office/officeart/2005/8/layout/process1"/>
-    <dgm:cxn modelId="{136E355B-9F1D-42E3-9393-25A62C52D6E6}" type="presOf" srcId="{1773950C-C0B0-4D49-91E0-63F5A6A8BDA9}" destId="{D7F30FBA-81D7-4F92-A987-120A33E90E02}" srcOrd="0" destOrd="0" presId="urn:microsoft.com/office/officeart/2005/8/layout/process1"/>
-    <dgm:cxn modelId="{0F4D80D3-4209-4D86-9910-2853425D2A00}" srcId="{B4AB89F2-3914-4BC4-9B8C-AEEEDD62BE7F}" destId="{FF2AF683-41F5-47CF-8C50-8E2EDC0D9D93}" srcOrd="3" destOrd="0" parTransId="{231DB43F-012B-491D-B957-A5B86538E501}" sibTransId="{486FA0D1-3B24-41B0-960B-D052E370D589}"/>
-    <dgm:cxn modelId="{8DEFAF52-2812-4E55-A6D8-304B3BDA3513}" srcId="{B4AB89F2-3914-4BC4-9B8C-AEEEDD62BE7F}" destId="{740F6F24-BFD6-45CA-BBB5-CDBA27E96909}" srcOrd="2" destOrd="0" parTransId="{F823AFFC-D8D4-4E65-82CE-E1832D0EB6F3}" sibTransId="{ABE65600-B958-4DEE-8C21-282B1E066F53}"/>
     <dgm:cxn modelId="{48212D1A-EB1E-4ECE-AB16-0858086D378B}" type="presParOf" srcId="{9929804A-F379-4BEC-96CA-626B73E0B4BB}" destId="{2CCB3FBF-61E2-4489-9A2F-FAB5D6A8765A}" srcOrd="0" destOrd="0" presId="urn:microsoft.com/office/officeart/2005/8/layout/process1"/>
     <dgm:cxn modelId="{92009462-1B18-4037-96B3-C2974556CABC}" type="presParOf" srcId="{9929804A-F379-4BEC-96CA-626B73E0B4BB}" destId="{C6BBAB1C-8441-4ED1-9F7B-1AE83F583C7D}" srcOrd="1" destOrd="0" presId="urn:microsoft.com/office/officeart/2005/8/layout/process1"/>
     <dgm:cxn modelId="{1208627B-17C9-42F4-87A2-A5469026A20F}" type="presParOf" srcId="{C6BBAB1C-8441-4ED1-9F7B-1AE83F583C7D}" destId="{10D1C060-2DDC-4DB5-B36F-519BA4338E82}" srcOrd="0" destOrd="0" presId="urn:microsoft.com/office/officeart/2005/8/layout/process1"/>
@@ -1946,6 +2783,334 @@
 <file path=ppt/diagrams/data2.xml><?xml version="1.0" encoding="utf-8"?>
 <dgm:dataModel xmlns:dgm="http://schemas.openxmlformats.org/drawingml/2006/diagram" xmlns:a="http://schemas.openxmlformats.org/drawingml/2006/main">
   <dgm:ptLst>
+    <dgm:pt modelId="{B4AB89F2-3914-4BC4-9B8C-AEEEDD62BE7F}" type="doc">
+      <dgm:prSet loTypeId="urn:microsoft.com/office/officeart/2005/8/layout/process1" loCatId="process" qsTypeId="urn:microsoft.com/office/officeart/2005/8/quickstyle/simple1" qsCatId="simple" csTypeId="urn:microsoft.com/office/officeart/2005/8/colors/colorful5" csCatId="colorful" phldr="1"/>
+      <dgm:spPr/>
+    </dgm:pt>
+    <dgm:pt modelId="{A5B84093-C96B-4162-AC8C-AC814F3AD1BA}">
+      <dgm:prSet phldrT="[Text]"/>
+      <dgm:spPr/>
+      <dgm:t>
+        <a:bodyPr/>
+        <a:lstStyle/>
+        <a:p>
+          <a:r>
+            <a:rPr lang="en-US" dirty="0" smtClean="0"/>
+            <a:t>(URL,WORD,COUNT)  From previous mapper</a:t>
+          </a:r>
+          <a:endParaRPr lang="en-US" dirty="0"/>
+        </a:p>
+      </dgm:t>
+    </dgm:pt>
+    <dgm:pt modelId="{8404C763-E192-4035-9C97-4447D7E2BC97}" type="parTrans" cxnId="{52CFDA53-236E-4637-A580-D86F78186C84}">
+      <dgm:prSet/>
+      <dgm:spPr/>
+      <dgm:t>
+        <a:bodyPr/>
+        <a:lstStyle/>
+        <a:p>
+          <a:endParaRPr lang="en-US"/>
+        </a:p>
+      </dgm:t>
+    </dgm:pt>
+    <dgm:pt modelId="{598719D4-53FB-4C57-805C-FBCF62E12C5E}" type="sibTrans" cxnId="{52CFDA53-236E-4637-A580-D86F78186C84}">
+      <dgm:prSet/>
+      <dgm:spPr/>
+      <dgm:t>
+        <a:bodyPr/>
+        <a:lstStyle/>
+        <a:p>
+          <a:endParaRPr lang="en-US"/>
+        </a:p>
+      </dgm:t>
+    </dgm:pt>
+    <dgm:pt modelId="{007D808C-D6B1-4BC5-B9B5-29CC4427F55D}">
+      <dgm:prSet phldrT="[Text]"/>
+      <dgm:spPr/>
+      <dgm:t>
+        <a:bodyPr/>
+        <a:lstStyle/>
+        <a:p>
+          <a:r>
+            <a:rPr lang="en-US" dirty="0" smtClean="0"/>
+            <a:t>Count how many documents each word appears in.</a:t>
+          </a:r>
+          <a:endParaRPr lang="en-US" dirty="0"/>
+        </a:p>
+      </dgm:t>
+    </dgm:pt>
+    <dgm:pt modelId="{24D5B35F-52B8-4D56-B546-2A113720FF5A}" type="parTrans" cxnId="{0FFF4E32-D756-466C-9C0C-9BE7F07A1E7D}">
+      <dgm:prSet/>
+      <dgm:spPr/>
+      <dgm:t>
+        <a:bodyPr/>
+        <a:lstStyle/>
+        <a:p>
+          <a:endParaRPr lang="en-US"/>
+        </a:p>
+      </dgm:t>
+    </dgm:pt>
+    <dgm:pt modelId="{1773950C-C0B0-4D49-91E0-63F5A6A8BDA9}" type="sibTrans" cxnId="{0FFF4E32-D756-466C-9C0C-9BE7F07A1E7D}">
+      <dgm:prSet/>
+      <dgm:spPr/>
+      <dgm:t>
+        <a:bodyPr/>
+        <a:lstStyle/>
+        <a:p>
+          <a:endParaRPr lang="en-US"/>
+        </a:p>
+      </dgm:t>
+    </dgm:pt>
+    <dgm:pt modelId="{FF2AF683-41F5-47CF-8C50-8E2EDC0D9D93}">
+      <dgm:prSet phldrT="[Text]"/>
+      <dgm:spPr/>
+      <dgm:t>
+        <a:bodyPr/>
+        <a:lstStyle/>
+        <a:p>
+          <a:r>
+            <a:rPr lang="en-US" dirty="0" err="1" smtClean="0"/>
+            <a:t>doc_freq.json</a:t>
+          </a:r>
+          <a:endParaRPr lang="en-US" dirty="0"/>
+        </a:p>
+      </dgm:t>
+    </dgm:pt>
+    <dgm:pt modelId="{231DB43F-012B-491D-B957-A5B86538E501}" type="parTrans" cxnId="{0F4D80D3-4209-4D86-9910-2853425D2A00}">
+      <dgm:prSet/>
+      <dgm:spPr/>
+      <dgm:t>
+        <a:bodyPr/>
+        <a:lstStyle/>
+        <a:p>
+          <a:endParaRPr lang="en-US"/>
+        </a:p>
+      </dgm:t>
+    </dgm:pt>
+    <dgm:pt modelId="{486FA0D1-3B24-41B0-960B-D052E370D589}" type="sibTrans" cxnId="{0F4D80D3-4209-4D86-9910-2853425D2A00}">
+      <dgm:prSet/>
+      <dgm:spPr/>
+      <dgm:t>
+        <a:bodyPr/>
+        <a:lstStyle/>
+        <a:p>
+          <a:endParaRPr lang="en-US"/>
+        </a:p>
+      </dgm:t>
+    </dgm:pt>
+    <dgm:pt modelId="{740F6F24-BFD6-45CA-BBB5-CDBA27E96909}">
+      <dgm:prSet phldrT="[Text]"/>
+      <dgm:spPr/>
+      <dgm:t>
+        <a:bodyPr/>
+        <a:lstStyle/>
+        <a:p>
+          <a:r>
+            <a:rPr lang="en-US" dirty="0" smtClean="0"/>
+            <a:t>Count the total number of words (N)</a:t>
+          </a:r>
+          <a:endParaRPr lang="en-US" dirty="0"/>
+        </a:p>
+      </dgm:t>
+    </dgm:pt>
+    <dgm:pt modelId="{F823AFFC-D8D4-4E65-82CE-E1832D0EB6F3}" type="parTrans" cxnId="{8DEFAF52-2812-4E55-A6D8-304B3BDA3513}">
+      <dgm:prSet/>
+      <dgm:spPr/>
+      <dgm:t>
+        <a:bodyPr/>
+        <a:lstStyle/>
+        <a:p>
+          <a:endParaRPr lang="en-US"/>
+        </a:p>
+      </dgm:t>
+    </dgm:pt>
+    <dgm:pt modelId="{ABE65600-B958-4DEE-8C21-282B1E066F53}" type="sibTrans" cxnId="{8DEFAF52-2812-4E55-A6D8-304B3BDA3513}">
+      <dgm:prSet/>
+      <dgm:spPr/>
+      <dgm:t>
+        <a:bodyPr/>
+        <a:lstStyle/>
+        <a:p>
+          <a:endParaRPr lang="en-US"/>
+        </a:p>
+      </dgm:t>
+    </dgm:pt>
+    <dgm:pt modelId="{9929804A-F379-4BEC-96CA-626B73E0B4BB}" type="pres">
+      <dgm:prSet presAssocID="{B4AB89F2-3914-4BC4-9B8C-AEEEDD62BE7F}" presName="Name0" presStyleCnt="0">
+        <dgm:presLayoutVars>
+          <dgm:dir/>
+          <dgm:resizeHandles val="exact"/>
+        </dgm:presLayoutVars>
+      </dgm:prSet>
+      <dgm:spPr/>
+    </dgm:pt>
+    <dgm:pt modelId="{2CCB3FBF-61E2-4489-9A2F-FAB5D6A8765A}" type="pres">
+      <dgm:prSet presAssocID="{A5B84093-C96B-4162-AC8C-AC814F3AD1BA}" presName="node" presStyleLbl="node1" presStyleIdx="0" presStyleCnt="4">
+        <dgm:presLayoutVars>
+          <dgm:bulletEnabled val="1"/>
+        </dgm:presLayoutVars>
+      </dgm:prSet>
+      <dgm:spPr/>
+      <dgm:t>
+        <a:bodyPr/>
+        <a:lstStyle/>
+        <a:p>
+          <a:endParaRPr lang="en-US"/>
+        </a:p>
+      </dgm:t>
+    </dgm:pt>
+    <dgm:pt modelId="{C6BBAB1C-8441-4ED1-9F7B-1AE83F583C7D}" type="pres">
+      <dgm:prSet presAssocID="{598719D4-53FB-4C57-805C-FBCF62E12C5E}" presName="sibTrans" presStyleLbl="sibTrans2D1" presStyleIdx="0" presStyleCnt="3"/>
+      <dgm:spPr/>
+      <dgm:t>
+        <a:bodyPr/>
+        <a:lstStyle/>
+        <a:p>
+          <a:endParaRPr lang="en-US"/>
+        </a:p>
+      </dgm:t>
+    </dgm:pt>
+    <dgm:pt modelId="{10D1C060-2DDC-4DB5-B36F-519BA4338E82}" type="pres">
+      <dgm:prSet presAssocID="{598719D4-53FB-4C57-805C-FBCF62E12C5E}" presName="connectorText" presStyleLbl="sibTrans2D1" presStyleIdx="0" presStyleCnt="3"/>
+      <dgm:spPr/>
+      <dgm:t>
+        <a:bodyPr/>
+        <a:lstStyle/>
+        <a:p>
+          <a:endParaRPr lang="en-US"/>
+        </a:p>
+      </dgm:t>
+    </dgm:pt>
+    <dgm:pt modelId="{F82ABD8B-F336-419A-8ED9-2F319D067C56}" type="pres">
+      <dgm:prSet presAssocID="{007D808C-D6B1-4BC5-B9B5-29CC4427F55D}" presName="node" presStyleLbl="node1" presStyleIdx="1" presStyleCnt="4">
+        <dgm:presLayoutVars>
+          <dgm:bulletEnabled val="1"/>
+        </dgm:presLayoutVars>
+      </dgm:prSet>
+      <dgm:spPr/>
+      <dgm:t>
+        <a:bodyPr/>
+        <a:lstStyle/>
+        <a:p>
+          <a:endParaRPr lang="en-US"/>
+        </a:p>
+      </dgm:t>
+    </dgm:pt>
+    <dgm:pt modelId="{D7F30FBA-81D7-4F92-A987-120A33E90E02}" type="pres">
+      <dgm:prSet presAssocID="{1773950C-C0B0-4D49-91E0-63F5A6A8BDA9}" presName="sibTrans" presStyleLbl="sibTrans2D1" presStyleIdx="1" presStyleCnt="3"/>
+      <dgm:spPr/>
+      <dgm:t>
+        <a:bodyPr/>
+        <a:lstStyle/>
+        <a:p>
+          <a:endParaRPr lang="en-US"/>
+        </a:p>
+      </dgm:t>
+    </dgm:pt>
+    <dgm:pt modelId="{4CB76957-40FE-4C55-B0BC-2BE9EC66F62C}" type="pres">
+      <dgm:prSet presAssocID="{1773950C-C0B0-4D49-91E0-63F5A6A8BDA9}" presName="connectorText" presStyleLbl="sibTrans2D1" presStyleIdx="1" presStyleCnt="3"/>
+      <dgm:spPr/>
+      <dgm:t>
+        <a:bodyPr/>
+        <a:lstStyle/>
+        <a:p>
+          <a:endParaRPr lang="en-US"/>
+        </a:p>
+      </dgm:t>
+    </dgm:pt>
+    <dgm:pt modelId="{FB687F3F-0590-4628-A043-32446B5DD71C}" type="pres">
+      <dgm:prSet presAssocID="{740F6F24-BFD6-45CA-BBB5-CDBA27E96909}" presName="node" presStyleLbl="node1" presStyleIdx="2" presStyleCnt="4">
+        <dgm:presLayoutVars>
+          <dgm:bulletEnabled val="1"/>
+        </dgm:presLayoutVars>
+      </dgm:prSet>
+      <dgm:spPr/>
+      <dgm:t>
+        <a:bodyPr/>
+        <a:lstStyle/>
+        <a:p>
+          <a:endParaRPr lang="en-US"/>
+        </a:p>
+      </dgm:t>
+    </dgm:pt>
+    <dgm:pt modelId="{2A00525E-DAFE-46B4-8A28-FB4F2E89ADA8}" type="pres">
+      <dgm:prSet presAssocID="{ABE65600-B958-4DEE-8C21-282B1E066F53}" presName="sibTrans" presStyleLbl="sibTrans2D1" presStyleIdx="2" presStyleCnt="3"/>
+      <dgm:spPr/>
+      <dgm:t>
+        <a:bodyPr/>
+        <a:lstStyle/>
+        <a:p>
+          <a:endParaRPr lang="en-US"/>
+        </a:p>
+      </dgm:t>
+    </dgm:pt>
+    <dgm:pt modelId="{73E1E310-1E66-4F51-8FA0-40F0FF6D3D21}" type="pres">
+      <dgm:prSet presAssocID="{ABE65600-B958-4DEE-8C21-282B1E066F53}" presName="connectorText" presStyleLbl="sibTrans2D1" presStyleIdx="2" presStyleCnt="3"/>
+      <dgm:spPr/>
+      <dgm:t>
+        <a:bodyPr/>
+        <a:lstStyle/>
+        <a:p>
+          <a:endParaRPr lang="en-US"/>
+        </a:p>
+      </dgm:t>
+    </dgm:pt>
+    <dgm:pt modelId="{2E14C3FF-DB5C-4362-B5A5-000EC0CBCE97}" type="pres">
+      <dgm:prSet presAssocID="{FF2AF683-41F5-47CF-8C50-8E2EDC0D9D93}" presName="node" presStyleLbl="node1" presStyleIdx="3" presStyleCnt="4">
+        <dgm:presLayoutVars>
+          <dgm:bulletEnabled val="1"/>
+        </dgm:presLayoutVars>
+      </dgm:prSet>
+      <dgm:spPr/>
+      <dgm:t>
+        <a:bodyPr/>
+        <a:lstStyle/>
+        <a:p>
+          <a:endParaRPr lang="en-US"/>
+        </a:p>
+      </dgm:t>
+    </dgm:pt>
+  </dgm:ptLst>
+  <dgm:cxnLst>
+    <dgm:cxn modelId="{B49E04D6-B9B3-46B5-B3E5-0292145B7BD0}" type="presOf" srcId="{598719D4-53FB-4C57-805C-FBCF62E12C5E}" destId="{C6BBAB1C-8441-4ED1-9F7B-1AE83F583C7D}" srcOrd="0" destOrd="0" presId="urn:microsoft.com/office/officeart/2005/8/layout/process1"/>
+    <dgm:cxn modelId="{CFA4DC70-64D9-4A53-81E1-0874A094CBE3}" type="presOf" srcId="{A5B84093-C96B-4162-AC8C-AC814F3AD1BA}" destId="{2CCB3FBF-61E2-4489-9A2F-FAB5D6A8765A}" srcOrd="0" destOrd="0" presId="urn:microsoft.com/office/officeart/2005/8/layout/process1"/>
+    <dgm:cxn modelId="{72E807B1-186A-4E29-8C67-2CB534FB9E9C}" type="presOf" srcId="{FF2AF683-41F5-47CF-8C50-8E2EDC0D9D93}" destId="{2E14C3FF-DB5C-4362-B5A5-000EC0CBCE97}" srcOrd="0" destOrd="0" presId="urn:microsoft.com/office/officeart/2005/8/layout/process1"/>
+    <dgm:cxn modelId="{DF4FB3F6-E1EF-41EA-B31B-3BFFE1FBAEBF}" type="presOf" srcId="{1773950C-C0B0-4D49-91E0-63F5A6A8BDA9}" destId="{D7F30FBA-81D7-4F92-A987-120A33E90E02}" srcOrd="0" destOrd="0" presId="urn:microsoft.com/office/officeart/2005/8/layout/process1"/>
+    <dgm:cxn modelId="{0F4D80D3-4209-4D86-9910-2853425D2A00}" srcId="{B4AB89F2-3914-4BC4-9B8C-AEEEDD62BE7F}" destId="{FF2AF683-41F5-47CF-8C50-8E2EDC0D9D93}" srcOrd="3" destOrd="0" parTransId="{231DB43F-012B-491D-B957-A5B86538E501}" sibTransId="{486FA0D1-3B24-41B0-960B-D052E370D589}"/>
+    <dgm:cxn modelId="{EE358B8B-162E-48A4-99DC-D55A8443945A}" type="presOf" srcId="{B4AB89F2-3914-4BC4-9B8C-AEEEDD62BE7F}" destId="{9929804A-F379-4BEC-96CA-626B73E0B4BB}" srcOrd="0" destOrd="0" presId="urn:microsoft.com/office/officeart/2005/8/layout/process1"/>
+    <dgm:cxn modelId="{0FFF4E32-D756-466C-9C0C-9BE7F07A1E7D}" srcId="{B4AB89F2-3914-4BC4-9B8C-AEEEDD62BE7F}" destId="{007D808C-D6B1-4BC5-B9B5-29CC4427F55D}" srcOrd="1" destOrd="0" parTransId="{24D5B35F-52B8-4D56-B546-2A113720FF5A}" sibTransId="{1773950C-C0B0-4D49-91E0-63F5A6A8BDA9}"/>
+    <dgm:cxn modelId="{5A8F0D42-027A-4C11-B5C4-D7BD72207ECD}" type="presOf" srcId="{740F6F24-BFD6-45CA-BBB5-CDBA27E96909}" destId="{FB687F3F-0590-4628-A043-32446B5DD71C}" srcOrd="0" destOrd="0" presId="urn:microsoft.com/office/officeart/2005/8/layout/process1"/>
+    <dgm:cxn modelId="{19ED2705-73E4-4028-83AD-34B376617935}" type="presOf" srcId="{ABE65600-B958-4DEE-8C21-282B1E066F53}" destId="{73E1E310-1E66-4F51-8FA0-40F0FF6D3D21}" srcOrd="1" destOrd="0" presId="urn:microsoft.com/office/officeart/2005/8/layout/process1"/>
+    <dgm:cxn modelId="{2813AD69-B199-4887-9B6A-5FB3B1E989C0}" type="presOf" srcId="{598719D4-53FB-4C57-805C-FBCF62E12C5E}" destId="{10D1C060-2DDC-4DB5-B36F-519BA4338E82}" srcOrd="1" destOrd="0" presId="urn:microsoft.com/office/officeart/2005/8/layout/process1"/>
+    <dgm:cxn modelId="{5A3F9CD2-7CD3-4A1E-8615-85F7C3C87A3A}" type="presOf" srcId="{007D808C-D6B1-4BC5-B9B5-29CC4427F55D}" destId="{F82ABD8B-F336-419A-8ED9-2F319D067C56}" srcOrd="0" destOrd="0" presId="urn:microsoft.com/office/officeart/2005/8/layout/process1"/>
+    <dgm:cxn modelId="{8DEFAF52-2812-4E55-A6D8-304B3BDA3513}" srcId="{B4AB89F2-3914-4BC4-9B8C-AEEEDD62BE7F}" destId="{740F6F24-BFD6-45CA-BBB5-CDBA27E96909}" srcOrd="2" destOrd="0" parTransId="{F823AFFC-D8D4-4E65-82CE-E1832D0EB6F3}" sibTransId="{ABE65600-B958-4DEE-8C21-282B1E066F53}"/>
+    <dgm:cxn modelId="{52CFDA53-236E-4637-A580-D86F78186C84}" srcId="{B4AB89F2-3914-4BC4-9B8C-AEEEDD62BE7F}" destId="{A5B84093-C96B-4162-AC8C-AC814F3AD1BA}" srcOrd="0" destOrd="0" parTransId="{8404C763-E192-4035-9C97-4447D7E2BC97}" sibTransId="{598719D4-53FB-4C57-805C-FBCF62E12C5E}"/>
+    <dgm:cxn modelId="{9668756B-9ED2-4557-BC99-319C377DE486}" type="presOf" srcId="{1773950C-C0B0-4D49-91E0-63F5A6A8BDA9}" destId="{4CB76957-40FE-4C55-B0BC-2BE9EC66F62C}" srcOrd="1" destOrd="0" presId="urn:microsoft.com/office/officeart/2005/8/layout/process1"/>
+    <dgm:cxn modelId="{BFA4B7C8-103B-4210-9D98-D386EDECA68F}" type="presOf" srcId="{ABE65600-B958-4DEE-8C21-282B1E066F53}" destId="{2A00525E-DAFE-46B4-8A28-FB4F2E89ADA8}" srcOrd="0" destOrd="0" presId="urn:microsoft.com/office/officeart/2005/8/layout/process1"/>
+    <dgm:cxn modelId="{9189C0D8-A408-4110-972D-655DF164A4BF}" type="presParOf" srcId="{9929804A-F379-4BEC-96CA-626B73E0B4BB}" destId="{2CCB3FBF-61E2-4489-9A2F-FAB5D6A8765A}" srcOrd="0" destOrd="0" presId="urn:microsoft.com/office/officeart/2005/8/layout/process1"/>
+    <dgm:cxn modelId="{E890371B-14A5-42EE-8499-9B7ADB0966D7}" type="presParOf" srcId="{9929804A-F379-4BEC-96CA-626B73E0B4BB}" destId="{C6BBAB1C-8441-4ED1-9F7B-1AE83F583C7D}" srcOrd="1" destOrd="0" presId="urn:microsoft.com/office/officeart/2005/8/layout/process1"/>
+    <dgm:cxn modelId="{A4A5238E-46F7-4A02-BEEC-3153D2929699}" type="presParOf" srcId="{C6BBAB1C-8441-4ED1-9F7B-1AE83F583C7D}" destId="{10D1C060-2DDC-4DB5-B36F-519BA4338E82}" srcOrd="0" destOrd="0" presId="urn:microsoft.com/office/officeart/2005/8/layout/process1"/>
+    <dgm:cxn modelId="{2F074A84-5B01-4A9C-872F-3B43D8FC4F5D}" type="presParOf" srcId="{9929804A-F379-4BEC-96CA-626B73E0B4BB}" destId="{F82ABD8B-F336-419A-8ED9-2F319D067C56}" srcOrd="2" destOrd="0" presId="urn:microsoft.com/office/officeart/2005/8/layout/process1"/>
+    <dgm:cxn modelId="{32E68AEE-8DEF-4BB6-AFC4-167C04263714}" type="presParOf" srcId="{9929804A-F379-4BEC-96CA-626B73E0B4BB}" destId="{D7F30FBA-81D7-4F92-A987-120A33E90E02}" srcOrd="3" destOrd="0" presId="urn:microsoft.com/office/officeart/2005/8/layout/process1"/>
+    <dgm:cxn modelId="{8BB4455B-103A-4579-899D-08A303D15030}" type="presParOf" srcId="{D7F30FBA-81D7-4F92-A987-120A33E90E02}" destId="{4CB76957-40FE-4C55-B0BC-2BE9EC66F62C}" srcOrd="0" destOrd="0" presId="urn:microsoft.com/office/officeart/2005/8/layout/process1"/>
+    <dgm:cxn modelId="{86531D94-BAA7-48B6-BC89-1421028C0D0B}" type="presParOf" srcId="{9929804A-F379-4BEC-96CA-626B73E0B4BB}" destId="{FB687F3F-0590-4628-A043-32446B5DD71C}" srcOrd="4" destOrd="0" presId="urn:microsoft.com/office/officeart/2005/8/layout/process1"/>
+    <dgm:cxn modelId="{217CDAA5-11E3-4789-A4FD-4665020FDC76}" type="presParOf" srcId="{9929804A-F379-4BEC-96CA-626B73E0B4BB}" destId="{2A00525E-DAFE-46B4-8A28-FB4F2E89ADA8}" srcOrd="5" destOrd="0" presId="urn:microsoft.com/office/officeart/2005/8/layout/process1"/>
+    <dgm:cxn modelId="{B2C79A28-6BFC-4F1C-9778-629553EC38F4}" type="presParOf" srcId="{2A00525E-DAFE-46B4-8A28-FB4F2E89ADA8}" destId="{73E1E310-1E66-4F51-8FA0-40F0FF6D3D21}" srcOrd="0" destOrd="0" presId="urn:microsoft.com/office/officeart/2005/8/layout/process1"/>
+    <dgm:cxn modelId="{A53F25E6-A6DF-49DC-BAEB-37D80E954831}" type="presParOf" srcId="{9929804A-F379-4BEC-96CA-626B73E0B4BB}" destId="{2E14C3FF-DB5C-4362-B5A5-000EC0CBCE97}" srcOrd="6" destOrd="0" presId="urn:microsoft.com/office/officeart/2005/8/layout/process1"/>
+  </dgm:cxnLst>
+  <dgm:bg/>
+  <dgm:whole/>
+  <dgm:extLst>
+    <a:ext uri="http://schemas.microsoft.com/office/drawing/2008/diagram">
+      <dsp:dataModelExt xmlns:dsp="http://schemas.microsoft.com/office/drawing/2008/diagram" relId="rId6" minVer="http://schemas.openxmlformats.org/drawingml/2006/diagram"/>
+    </a:ext>
+  </dgm:extLst>
+</dgm:dataModel>
+</file>
+
+<file path=ppt/diagrams/data3.xml><?xml version="1.0" encoding="utf-8"?>
+<dgm:dataModel xmlns:dgm="http://schemas.openxmlformats.org/drawingml/2006/diagram" xmlns:a="http://schemas.openxmlformats.org/drawingml/2006/main">
+  <dgm:ptLst>
     <dgm:pt modelId="{3096E159-40D3-414A-80F6-250B4D8BFD47}" type="doc">
       <dgm:prSet loTypeId="urn:microsoft.com/office/officeart/2005/8/layout/process1" loCatId="process" qsTypeId="urn:microsoft.com/office/officeart/2005/8/quickstyle/simple1" qsCatId="simple" csTypeId="urn:microsoft.com/office/officeart/2005/8/colors/colorful5" csCatId="colorful" phldr="1"/>
       <dgm:spPr/>
@@ -1959,7 +3124,7 @@
         <a:p>
           <a:r>
             <a:rPr lang="en-US" dirty="0" smtClean="0"/>
-            <a:t>Mapper output</a:t>
+            <a:t>(URL,WORD,COUNT)</a:t>
           </a:r>
           <a:endParaRPr lang="en-US" dirty="0"/>
         </a:p>
@@ -2095,14 +3260,35 @@
         </dgm:presLayoutVars>
       </dgm:prSet>
       <dgm:spPr/>
+      <dgm:t>
+        <a:bodyPr/>
+        <a:lstStyle/>
+        <a:p>
+          <a:endParaRPr lang="en-US"/>
+        </a:p>
+      </dgm:t>
     </dgm:pt>
     <dgm:pt modelId="{6C1FC4BC-1E72-496C-A0C3-422352D72408}" type="pres">
       <dgm:prSet presAssocID="{4BFEE441-A433-4286-B540-F49EC5C239F8}" presName="sibTrans" presStyleLbl="sibTrans2D1" presStyleIdx="0" presStyleCnt="2"/>
       <dgm:spPr/>
+      <dgm:t>
+        <a:bodyPr/>
+        <a:lstStyle/>
+        <a:p>
+          <a:endParaRPr lang="en-US"/>
+        </a:p>
+      </dgm:t>
     </dgm:pt>
     <dgm:pt modelId="{22BE713E-402A-4492-8E6F-23C36AA26DE6}" type="pres">
       <dgm:prSet presAssocID="{4BFEE441-A433-4286-B540-F49EC5C239F8}" presName="connectorText" presStyleLbl="sibTrans2D1" presStyleIdx="0" presStyleCnt="2"/>
       <dgm:spPr/>
+      <dgm:t>
+        <a:bodyPr/>
+        <a:lstStyle/>
+        <a:p>
+          <a:endParaRPr lang="en-US"/>
+        </a:p>
+      </dgm:t>
     </dgm:pt>
     <dgm:pt modelId="{01E74070-BC89-4E6C-B7B6-2C389AC66633}" type="pres">
       <dgm:prSet presAssocID="{32A4DBDD-6A40-41A5-8BFC-87F0A156C9F7}" presName="node" presStyleLbl="node1" presStyleIdx="1" presStyleCnt="3">
@@ -2122,10 +3308,24 @@
     <dgm:pt modelId="{B640E2EA-7CD7-4A75-9991-ABAA1449AC7D}" type="pres">
       <dgm:prSet presAssocID="{0DFE6958-23C7-4DC3-B3CA-4064FEE42DFC}" presName="sibTrans" presStyleLbl="sibTrans2D1" presStyleIdx="1" presStyleCnt="2"/>
       <dgm:spPr/>
+      <dgm:t>
+        <a:bodyPr/>
+        <a:lstStyle/>
+        <a:p>
+          <a:endParaRPr lang="en-US"/>
+        </a:p>
+      </dgm:t>
     </dgm:pt>
     <dgm:pt modelId="{7D1F9921-E645-45D0-9105-0FAFB0428E2D}" type="pres">
       <dgm:prSet presAssocID="{0DFE6958-23C7-4DC3-B3CA-4064FEE42DFC}" presName="connectorText" presStyleLbl="sibTrans2D1" presStyleIdx="1" presStyleCnt="2"/>
       <dgm:spPr/>
+      <dgm:t>
+        <a:bodyPr/>
+        <a:lstStyle/>
+        <a:p>
+          <a:endParaRPr lang="en-US"/>
+        </a:p>
+      </dgm:t>
     </dgm:pt>
     <dgm:pt modelId="{201AA08F-03A7-47E4-BE01-E48D1FAB16DA}" type="pres">
       <dgm:prSet presAssocID="{5A531D99-B84E-4AF3-A437-B8448FE4E2B9}" presName="node" presStyleLbl="node1" presStyleIdx="2" presStyleCnt="3">
@@ -2144,17 +3344,17 @@
     </dgm:pt>
   </dgm:ptLst>
   <dgm:cxnLst>
-    <dgm:cxn modelId="{E38ED4C2-44CD-4FDC-AD26-44BCE46A6958}" type="presOf" srcId="{32A4DBDD-6A40-41A5-8BFC-87F0A156C9F7}" destId="{01E74070-BC89-4E6C-B7B6-2C389AC66633}" srcOrd="0" destOrd="0" presId="urn:microsoft.com/office/officeart/2005/8/layout/process1"/>
-    <dgm:cxn modelId="{AE8624F8-4BE8-4032-B704-C9521473D0D5}" srcId="{3096E159-40D3-414A-80F6-250B4D8BFD47}" destId="{5A531D99-B84E-4AF3-A437-B8448FE4E2B9}" srcOrd="2" destOrd="0" parTransId="{1D605A95-D13E-488D-ADB8-CE5AFC00AF23}" sibTransId="{8933FFE8-EDB2-4C29-B310-A01A92F37602}"/>
-    <dgm:cxn modelId="{60E91877-EF16-4413-B98B-B86A9F10EA30}" type="presOf" srcId="{0DFE6958-23C7-4DC3-B3CA-4064FEE42DFC}" destId="{B640E2EA-7CD7-4A75-9991-ABAA1449AC7D}" srcOrd="0" destOrd="0" presId="urn:microsoft.com/office/officeart/2005/8/layout/process1"/>
-    <dgm:cxn modelId="{B534C948-4EFB-4B3B-BAEF-AC208D422F16}" type="presOf" srcId="{E5702974-0ED9-4643-BAC1-110A83A02B58}" destId="{57822964-2392-40EC-85E4-20F152301F81}" srcOrd="0" destOrd="0" presId="urn:microsoft.com/office/officeart/2005/8/layout/process1"/>
     <dgm:cxn modelId="{85EABAA7-D7A4-4AB7-B22B-9712989B93F0}" type="presOf" srcId="{5A531D99-B84E-4AF3-A437-B8448FE4E2B9}" destId="{201AA08F-03A7-47E4-BE01-E48D1FAB16DA}" srcOrd="0" destOrd="0" presId="urn:microsoft.com/office/officeart/2005/8/layout/process1"/>
     <dgm:cxn modelId="{830DC654-9D76-46FE-ADBD-1E904728BC16}" srcId="{3096E159-40D3-414A-80F6-250B4D8BFD47}" destId="{E5702974-0ED9-4643-BAC1-110A83A02B58}" srcOrd="0" destOrd="0" parTransId="{04E0E73D-15E7-4C78-AB3E-25665872F886}" sibTransId="{4BFEE441-A433-4286-B540-F49EC5C239F8}"/>
+    <dgm:cxn modelId="{B534C948-4EFB-4B3B-BAEF-AC208D422F16}" type="presOf" srcId="{E5702974-0ED9-4643-BAC1-110A83A02B58}" destId="{57822964-2392-40EC-85E4-20F152301F81}" srcOrd="0" destOrd="0" presId="urn:microsoft.com/office/officeart/2005/8/layout/process1"/>
+    <dgm:cxn modelId="{E38ED4C2-44CD-4FDC-AD26-44BCE46A6958}" type="presOf" srcId="{32A4DBDD-6A40-41A5-8BFC-87F0A156C9F7}" destId="{01E74070-BC89-4E6C-B7B6-2C389AC66633}" srcOrd="0" destOrd="0" presId="urn:microsoft.com/office/officeart/2005/8/layout/process1"/>
+    <dgm:cxn modelId="{60E91877-EF16-4413-B98B-B86A9F10EA30}" type="presOf" srcId="{0DFE6958-23C7-4DC3-B3CA-4064FEE42DFC}" destId="{B640E2EA-7CD7-4A75-9991-ABAA1449AC7D}" srcOrd="0" destOrd="0" presId="urn:microsoft.com/office/officeart/2005/8/layout/process1"/>
+    <dgm:cxn modelId="{AE8624F8-4BE8-4032-B704-C9521473D0D5}" srcId="{3096E159-40D3-414A-80F6-250B4D8BFD47}" destId="{5A531D99-B84E-4AF3-A437-B8448FE4E2B9}" srcOrd="2" destOrd="0" parTransId="{1D605A95-D13E-488D-ADB8-CE5AFC00AF23}" sibTransId="{8933FFE8-EDB2-4C29-B310-A01A92F37602}"/>
+    <dgm:cxn modelId="{ED8C808E-F974-44FB-8450-39F467C7B685}" type="presOf" srcId="{4BFEE441-A433-4286-B540-F49EC5C239F8}" destId="{6C1FC4BC-1E72-496C-A0C3-422352D72408}" srcOrd="0" destOrd="0" presId="urn:microsoft.com/office/officeart/2005/8/layout/process1"/>
+    <dgm:cxn modelId="{05F15B23-488E-4657-95E0-C5A2DDB81C8E}" type="presOf" srcId="{3096E159-40D3-414A-80F6-250B4D8BFD47}" destId="{2B3ED628-E4B6-4798-BE01-D41BCE33D47D}" srcOrd="0" destOrd="0" presId="urn:microsoft.com/office/officeart/2005/8/layout/process1"/>
+    <dgm:cxn modelId="{A50BDEDF-E043-42B0-9EAD-297975E613AD}" type="presOf" srcId="{4BFEE441-A433-4286-B540-F49EC5C239F8}" destId="{22BE713E-402A-4492-8E6F-23C36AA26DE6}" srcOrd="1" destOrd="0" presId="urn:microsoft.com/office/officeart/2005/8/layout/process1"/>
     <dgm:cxn modelId="{C663987D-0204-4D51-BCB5-6781FFC544DE}" type="presOf" srcId="{0DFE6958-23C7-4DC3-B3CA-4064FEE42DFC}" destId="{7D1F9921-E645-45D0-9105-0FAFB0428E2D}" srcOrd="1" destOrd="0" presId="urn:microsoft.com/office/officeart/2005/8/layout/process1"/>
     <dgm:cxn modelId="{3F0A8112-CB4C-4220-A76A-591AD6CC239B}" srcId="{3096E159-40D3-414A-80F6-250B4D8BFD47}" destId="{32A4DBDD-6A40-41A5-8BFC-87F0A156C9F7}" srcOrd="1" destOrd="0" parTransId="{1FC39C56-D9E5-4754-B776-89D996BBB99E}" sibTransId="{0DFE6958-23C7-4DC3-B3CA-4064FEE42DFC}"/>
-    <dgm:cxn modelId="{05F15B23-488E-4657-95E0-C5A2DDB81C8E}" type="presOf" srcId="{3096E159-40D3-414A-80F6-250B4D8BFD47}" destId="{2B3ED628-E4B6-4798-BE01-D41BCE33D47D}" srcOrd="0" destOrd="0" presId="urn:microsoft.com/office/officeart/2005/8/layout/process1"/>
-    <dgm:cxn modelId="{A50BDEDF-E043-42B0-9EAD-297975E613AD}" type="presOf" srcId="{4BFEE441-A433-4286-B540-F49EC5C239F8}" destId="{22BE713E-402A-4492-8E6F-23C36AA26DE6}" srcOrd="1" destOrd="0" presId="urn:microsoft.com/office/officeart/2005/8/layout/process1"/>
-    <dgm:cxn modelId="{ED8C808E-F974-44FB-8450-39F467C7B685}" type="presOf" srcId="{4BFEE441-A433-4286-B540-F49EC5C239F8}" destId="{6C1FC4BC-1E72-496C-A0C3-422352D72408}" srcOrd="0" destOrd="0" presId="urn:microsoft.com/office/officeart/2005/8/layout/process1"/>
     <dgm:cxn modelId="{6EEFC292-3BE3-4245-A4FB-E2F6E9B3CDC3}" type="presParOf" srcId="{2B3ED628-E4B6-4798-BE01-D41BCE33D47D}" destId="{57822964-2392-40EC-85E4-20F152301F81}" srcOrd="0" destOrd="0" presId="urn:microsoft.com/office/officeart/2005/8/layout/process1"/>
     <dgm:cxn modelId="{FA1863FB-7880-4EA5-87DD-976E569D67C0}" type="presParOf" srcId="{2B3ED628-E4B6-4798-BE01-D41BCE33D47D}" destId="{6C1FC4BC-1E72-496C-A0C3-422352D72408}" srcOrd="1" destOrd="0" presId="urn:microsoft.com/office/officeart/2005/8/layout/process1"/>
     <dgm:cxn modelId="{BC55DE40-2CB0-44C7-A76A-2E9CECDFAD68}" type="presParOf" srcId="{6C1FC4BC-1E72-496C-A0C3-422352D72408}" destId="{22BE713E-402A-4492-8E6F-23C36AA26DE6}" srcOrd="0" destOrd="0" presId="urn:microsoft.com/office/officeart/2005/8/layout/process1"/>
@@ -2731,6 +3931,542 @@
       <dsp:cNvGrpSpPr/>
     </dsp:nvGrpSpPr>
     <dsp:grpSpPr/>
+    <dsp:sp modelId="{2CCB3FBF-61E2-4489-9A2F-FAB5D6A8765A}">
+      <dsp:nvSpPr>
+        <dsp:cNvPr id="0" name=""/>
+        <dsp:cNvSpPr/>
+      </dsp:nvSpPr>
+      <dsp:spPr>
+        <a:xfrm>
+          <a:off x="4621" y="1569532"/>
+          <a:ext cx="2020453" cy="1212272"/>
+        </a:xfrm>
+        <a:prstGeom prst="roundRect">
+          <a:avLst>
+            <a:gd name="adj" fmla="val 10000"/>
+          </a:avLst>
+        </a:prstGeom>
+        <a:solidFill>
+          <a:schemeClr val="accent5">
+            <a:hueOff val="0"/>
+            <a:satOff val="0"/>
+            <a:lumOff val="0"/>
+            <a:alphaOff val="0"/>
+          </a:schemeClr>
+        </a:solidFill>
+        <a:ln w="12700" cap="flat" cmpd="sng" algn="ctr">
+          <a:solidFill>
+            <a:schemeClr val="lt1">
+              <a:hueOff val="0"/>
+              <a:satOff val="0"/>
+              <a:lumOff val="0"/>
+              <a:alphaOff val="0"/>
+            </a:schemeClr>
+          </a:solidFill>
+          <a:prstDash val="solid"/>
+          <a:miter lim="800000"/>
+        </a:ln>
+        <a:effectLst/>
+      </dsp:spPr>
+      <dsp:style>
+        <a:lnRef idx="2">
+          <a:scrgbClr r="0" g="0" b="0"/>
+        </a:lnRef>
+        <a:fillRef idx="1">
+          <a:scrgbClr r="0" g="0" b="0"/>
+        </a:fillRef>
+        <a:effectRef idx="0">
+          <a:scrgbClr r="0" g="0" b="0"/>
+        </a:effectRef>
+        <a:fontRef idx="minor">
+          <a:schemeClr val="lt1"/>
+        </a:fontRef>
+      </dsp:style>
+      <dsp:txBody>
+        <a:bodyPr spcFirstLastPara="0" vert="horz" wrap="square" lIns="64770" tIns="64770" rIns="64770" bIns="64770" numCol="1" spcCol="1270" anchor="ctr" anchorCtr="0">
+          <a:noAutofit/>
+        </a:bodyPr>
+        <a:lstStyle/>
+        <a:p>
+          <a:pPr lvl="0" algn="ctr" defTabSz="755650">
+            <a:lnSpc>
+              <a:spcPct val="90000"/>
+            </a:lnSpc>
+            <a:spcBef>
+              <a:spcPct val="0"/>
+            </a:spcBef>
+            <a:spcAft>
+              <a:spcPct val="35000"/>
+            </a:spcAft>
+          </a:pPr>
+          <a:r>
+            <a:rPr lang="en-US" sz="1700" kern="1200" dirty="0" smtClean="0"/>
+            <a:t>(URL,WORD,COUNT)  From previous mapper</a:t>
+          </a:r>
+          <a:endParaRPr lang="en-US" sz="1700" kern="1200" dirty="0"/>
+        </a:p>
+      </dsp:txBody>
+      <dsp:txXfrm>
+        <a:off x="40127" y="1605038"/>
+        <a:ext cx="1949441" cy="1141260"/>
+      </dsp:txXfrm>
+    </dsp:sp>
+    <dsp:sp modelId="{C6BBAB1C-8441-4ED1-9F7B-1AE83F583C7D}">
+      <dsp:nvSpPr>
+        <dsp:cNvPr id="0" name=""/>
+        <dsp:cNvSpPr/>
+      </dsp:nvSpPr>
+      <dsp:spPr>
+        <a:xfrm>
+          <a:off x="2227119" y="1925132"/>
+          <a:ext cx="428336" cy="501072"/>
+        </a:xfrm>
+        <a:prstGeom prst="rightArrow">
+          <a:avLst>
+            <a:gd name="adj1" fmla="val 60000"/>
+            <a:gd name="adj2" fmla="val 50000"/>
+          </a:avLst>
+        </a:prstGeom>
+        <a:solidFill>
+          <a:schemeClr val="accent5">
+            <a:hueOff val="0"/>
+            <a:satOff val="0"/>
+            <a:lumOff val="0"/>
+            <a:alphaOff val="0"/>
+          </a:schemeClr>
+        </a:solidFill>
+        <a:ln>
+          <a:noFill/>
+        </a:ln>
+        <a:effectLst/>
+      </dsp:spPr>
+      <dsp:style>
+        <a:lnRef idx="0">
+          <a:scrgbClr r="0" g="0" b="0"/>
+        </a:lnRef>
+        <a:fillRef idx="1">
+          <a:scrgbClr r="0" g="0" b="0"/>
+        </a:fillRef>
+        <a:effectRef idx="0">
+          <a:scrgbClr r="0" g="0" b="0"/>
+        </a:effectRef>
+        <a:fontRef idx="minor">
+          <a:schemeClr val="lt1"/>
+        </a:fontRef>
+      </dsp:style>
+      <dsp:txBody>
+        <a:bodyPr spcFirstLastPara="0" vert="horz" wrap="square" lIns="0" tIns="0" rIns="0" bIns="0" numCol="1" spcCol="1270" anchor="ctr" anchorCtr="0">
+          <a:noAutofit/>
+        </a:bodyPr>
+        <a:lstStyle/>
+        <a:p>
+          <a:pPr lvl="0" algn="ctr" defTabSz="622300">
+            <a:lnSpc>
+              <a:spcPct val="90000"/>
+            </a:lnSpc>
+            <a:spcBef>
+              <a:spcPct val="0"/>
+            </a:spcBef>
+            <a:spcAft>
+              <a:spcPct val="35000"/>
+            </a:spcAft>
+          </a:pPr>
+          <a:endParaRPr lang="en-US" sz="1400" kern="1200"/>
+        </a:p>
+      </dsp:txBody>
+      <dsp:txXfrm>
+        <a:off x="2227119" y="2025346"/>
+        <a:ext cx="299835" cy="300644"/>
+      </dsp:txXfrm>
+    </dsp:sp>
+    <dsp:sp modelId="{F82ABD8B-F336-419A-8ED9-2F319D067C56}">
+      <dsp:nvSpPr>
+        <dsp:cNvPr id="0" name=""/>
+        <dsp:cNvSpPr/>
+      </dsp:nvSpPr>
+      <dsp:spPr>
+        <a:xfrm>
+          <a:off x="2833255" y="1569532"/>
+          <a:ext cx="2020453" cy="1212272"/>
+        </a:xfrm>
+        <a:prstGeom prst="roundRect">
+          <a:avLst>
+            <a:gd name="adj" fmla="val 10000"/>
+          </a:avLst>
+        </a:prstGeom>
+        <a:solidFill>
+          <a:schemeClr val="accent5">
+            <a:hueOff val="-2451115"/>
+            <a:satOff val="-3409"/>
+            <a:lumOff val="-1307"/>
+            <a:alphaOff val="0"/>
+          </a:schemeClr>
+        </a:solidFill>
+        <a:ln w="12700" cap="flat" cmpd="sng" algn="ctr">
+          <a:solidFill>
+            <a:schemeClr val="lt1">
+              <a:hueOff val="0"/>
+              <a:satOff val="0"/>
+              <a:lumOff val="0"/>
+              <a:alphaOff val="0"/>
+            </a:schemeClr>
+          </a:solidFill>
+          <a:prstDash val="solid"/>
+          <a:miter lim="800000"/>
+        </a:ln>
+        <a:effectLst/>
+      </dsp:spPr>
+      <dsp:style>
+        <a:lnRef idx="2">
+          <a:scrgbClr r="0" g="0" b="0"/>
+        </a:lnRef>
+        <a:fillRef idx="1">
+          <a:scrgbClr r="0" g="0" b="0"/>
+        </a:fillRef>
+        <a:effectRef idx="0">
+          <a:scrgbClr r="0" g="0" b="0"/>
+        </a:effectRef>
+        <a:fontRef idx="minor">
+          <a:schemeClr val="lt1"/>
+        </a:fontRef>
+      </dsp:style>
+      <dsp:txBody>
+        <a:bodyPr spcFirstLastPara="0" vert="horz" wrap="square" lIns="64770" tIns="64770" rIns="64770" bIns="64770" numCol="1" spcCol="1270" anchor="ctr" anchorCtr="0">
+          <a:noAutofit/>
+        </a:bodyPr>
+        <a:lstStyle/>
+        <a:p>
+          <a:pPr lvl="0" algn="ctr" defTabSz="755650">
+            <a:lnSpc>
+              <a:spcPct val="90000"/>
+            </a:lnSpc>
+            <a:spcBef>
+              <a:spcPct val="0"/>
+            </a:spcBef>
+            <a:spcAft>
+              <a:spcPct val="35000"/>
+            </a:spcAft>
+          </a:pPr>
+          <a:r>
+            <a:rPr lang="en-US" sz="1700" kern="1200" dirty="0" smtClean="0"/>
+            <a:t>Count how many documents each word appears in.</a:t>
+          </a:r>
+          <a:endParaRPr lang="en-US" sz="1700" kern="1200" dirty="0"/>
+        </a:p>
+      </dsp:txBody>
+      <dsp:txXfrm>
+        <a:off x="2868761" y="1605038"/>
+        <a:ext cx="1949441" cy="1141260"/>
+      </dsp:txXfrm>
+    </dsp:sp>
+    <dsp:sp modelId="{D7F30FBA-81D7-4F92-A987-120A33E90E02}">
+      <dsp:nvSpPr>
+        <dsp:cNvPr id="0" name=""/>
+        <dsp:cNvSpPr/>
+      </dsp:nvSpPr>
+      <dsp:spPr>
+        <a:xfrm>
+          <a:off x="5055754" y="1925132"/>
+          <a:ext cx="428336" cy="501072"/>
+        </a:xfrm>
+        <a:prstGeom prst="rightArrow">
+          <a:avLst>
+            <a:gd name="adj1" fmla="val 60000"/>
+            <a:gd name="adj2" fmla="val 50000"/>
+          </a:avLst>
+        </a:prstGeom>
+        <a:solidFill>
+          <a:schemeClr val="accent5">
+            <a:hueOff val="-3676672"/>
+            <a:satOff val="-5114"/>
+            <a:lumOff val="-1961"/>
+            <a:alphaOff val="0"/>
+          </a:schemeClr>
+        </a:solidFill>
+        <a:ln>
+          <a:noFill/>
+        </a:ln>
+        <a:effectLst/>
+      </dsp:spPr>
+      <dsp:style>
+        <a:lnRef idx="0">
+          <a:scrgbClr r="0" g="0" b="0"/>
+        </a:lnRef>
+        <a:fillRef idx="1">
+          <a:scrgbClr r="0" g="0" b="0"/>
+        </a:fillRef>
+        <a:effectRef idx="0">
+          <a:scrgbClr r="0" g="0" b="0"/>
+        </a:effectRef>
+        <a:fontRef idx="minor">
+          <a:schemeClr val="lt1"/>
+        </a:fontRef>
+      </dsp:style>
+      <dsp:txBody>
+        <a:bodyPr spcFirstLastPara="0" vert="horz" wrap="square" lIns="0" tIns="0" rIns="0" bIns="0" numCol="1" spcCol="1270" anchor="ctr" anchorCtr="0">
+          <a:noAutofit/>
+        </a:bodyPr>
+        <a:lstStyle/>
+        <a:p>
+          <a:pPr lvl="0" algn="ctr" defTabSz="622300">
+            <a:lnSpc>
+              <a:spcPct val="90000"/>
+            </a:lnSpc>
+            <a:spcBef>
+              <a:spcPct val="0"/>
+            </a:spcBef>
+            <a:spcAft>
+              <a:spcPct val="35000"/>
+            </a:spcAft>
+          </a:pPr>
+          <a:endParaRPr lang="en-US" sz="1400" kern="1200"/>
+        </a:p>
+      </dsp:txBody>
+      <dsp:txXfrm>
+        <a:off x="5055754" y="2025346"/>
+        <a:ext cx="299835" cy="300644"/>
+      </dsp:txXfrm>
+    </dsp:sp>
+    <dsp:sp modelId="{FB687F3F-0590-4628-A043-32446B5DD71C}">
+      <dsp:nvSpPr>
+        <dsp:cNvPr id="0" name=""/>
+        <dsp:cNvSpPr/>
+      </dsp:nvSpPr>
+      <dsp:spPr>
+        <a:xfrm>
+          <a:off x="5661890" y="1569532"/>
+          <a:ext cx="2020453" cy="1212272"/>
+        </a:xfrm>
+        <a:prstGeom prst="roundRect">
+          <a:avLst>
+            <a:gd name="adj" fmla="val 10000"/>
+          </a:avLst>
+        </a:prstGeom>
+        <a:solidFill>
+          <a:schemeClr val="accent5">
+            <a:hueOff val="-4902230"/>
+            <a:satOff val="-6819"/>
+            <a:lumOff val="-2615"/>
+            <a:alphaOff val="0"/>
+          </a:schemeClr>
+        </a:solidFill>
+        <a:ln w="12700" cap="flat" cmpd="sng" algn="ctr">
+          <a:solidFill>
+            <a:schemeClr val="lt1">
+              <a:hueOff val="0"/>
+              <a:satOff val="0"/>
+              <a:lumOff val="0"/>
+              <a:alphaOff val="0"/>
+            </a:schemeClr>
+          </a:solidFill>
+          <a:prstDash val="solid"/>
+          <a:miter lim="800000"/>
+        </a:ln>
+        <a:effectLst/>
+      </dsp:spPr>
+      <dsp:style>
+        <a:lnRef idx="2">
+          <a:scrgbClr r="0" g="0" b="0"/>
+        </a:lnRef>
+        <a:fillRef idx="1">
+          <a:scrgbClr r="0" g="0" b="0"/>
+        </a:fillRef>
+        <a:effectRef idx="0">
+          <a:scrgbClr r="0" g="0" b="0"/>
+        </a:effectRef>
+        <a:fontRef idx="minor">
+          <a:schemeClr val="lt1"/>
+        </a:fontRef>
+      </dsp:style>
+      <dsp:txBody>
+        <a:bodyPr spcFirstLastPara="0" vert="horz" wrap="square" lIns="64770" tIns="64770" rIns="64770" bIns="64770" numCol="1" spcCol="1270" anchor="ctr" anchorCtr="0">
+          <a:noAutofit/>
+        </a:bodyPr>
+        <a:lstStyle/>
+        <a:p>
+          <a:pPr lvl="0" algn="ctr" defTabSz="755650">
+            <a:lnSpc>
+              <a:spcPct val="90000"/>
+            </a:lnSpc>
+            <a:spcBef>
+              <a:spcPct val="0"/>
+            </a:spcBef>
+            <a:spcAft>
+              <a:spcPct val="35000"/>
+            </a:spcAft>
+          </a:pPr>
+          <a:r>
+            <a:rPr lang="en-US" sz="1700" kern="1200" dirty="0" smtClean="0"/>
+            <a:t>Count the total number of words (N)</a:t>
+          </a:r>
+          <a:endParaRPr lang="en-US" sz="1700" kern="1200" dirty="0"/>
+        </a:p>
+      </dsp:txBody>
+      <dsp:txXfrm>
+        <a:off x="5697396" y="1605038"/>
+        <a:ext cx="1949441" cy="1141260"/>
+      </dsp:txXfrm>
+    </dsp:sp>
+    <dsp:sp modelId="{2A00525E-DAFE-46B4-8A28-FB4F2E89ADA8}">
+      <dsp:nvSpPr>
+        <dsp:cNvPr id="0" name=""/>
+        <dsp:cNvSpPr/>
+      </dsp:nvSpPr>
+      <dsp:spPr>
+        <a:xfrm>
+          <a:off x="7884389" y="1925132"/>
+          <a:ext cx="428336" cy="501072"/>
+        </a:xfrm>
+        <a:prstGeom prst="rightArrow">
+          <a:avLst>
+            <a:gd name="adj1" fmla="val 60000"/>
+            <a:gd name="adj2" fmla="val 50000"/>
+          </a:avLst>
+        </a:prstGeom>
+        <a:solidFill>
+          <a:schemeClr val="accent5">
+            <a:hueOff val="-7353344"/>
+            <a:satOff val="-10228"/>
+            <a:lumOff val="-3922"/>
+            <a:alphaOff val="0"/>
+          </a:schemeClr>
+        </a:solidFill>
+        <a:ln>
+          <a:noFill/>
+        </a:ln>
+        <a:effectLst/>
+      </dsp:spPr>
+      <dsp:style>
+        <a:lnRef idx="0">
+          <a:scrgbClr r="0" g="0" b="0"/>
+        </a:lnRef>
+        <a:fillRef idx="1">
+          <a:scrgbClr r="0" g="0" b="0"/>
+        </a:fillRef>
+        <a:effectRef idx="0">
+          <a:scrgbClr r="0" g="0" b="0"/>
+        </a:effectRef>
+        <a:fontRef idx="minor">
+          <a:schemeClr val="lt1"/>
+        </a:fontRef>
+      </dsp:style>
+      <dsp:txBody>
+        <a:bodyPr spcFirstLastPara="0" vert="horz" wrap="square" lIns="0" tIns="0" rIns="0" bIns="0" numCol="1" spcCol="1270" anchor="ctr" anchorCtr="0">
+          <a:noAutofit/>
+        </a:bodyPr>
+        <a:lstStyle/>
+        <a:p>
+          <a:pPr lvl="0" algn="ctr" defTabSz="622300">
+            <a:lnSpc>
+              <a:spcPct val="90000"/>
+            </a:lnSpc>
+            <a:spcBef>
+              <a:spcPct val="0"/>
+            </a:spcBef>
+            <a:spcAft>
+              <a:spcPct val="35000"/>
+            </a:spcAft>
+          </a:pPr>
+          <a:endParaRPr lang="en-US" sz="1400" kern="1200"/>
+        </a:p>
+      </dsp:txBody>
+      <dsp:txXfrm>
+        <a:off x="7884389" y="2025346"/>
+        <a:ext cx="299835" cy="300644"/>
+      </dsp:txXfrm>
+    </dsp:sp>
+    <dsp:sp modelId="{2E14C3FF-DB5C-4362-B5A5-000EC0CBCE97}">
+      <dsp:nvSpPr>
+        <dsp:cNvPr id="0" name=""/>
+        <dsp:cNvSpPr/>
+      </dsp:nvSpPr>
+      <dsp:spPr>
+        <a:xfrm>
+          <a:off x="8490525" y="1569532"/>
+          <a:ext cx="2020453" cy="1212272"/>
+        </a:xfrm>
+        <a:prstGeom prst="roundRect">
+          <a:avLst>
+            <a:gd name="adj" fmla="val 10000"/>
+          </a:avLst>
+        </a:prstGeom>
+        <a:solidFill>
+          <a:schemeClr val="accent5">
+            <a:hueOff val="-7353344"/>
+            <a:satOff val="-10228"/>
+            <a:lumOff val="-3922"/>
+            <a:alphaOff val="0"/>
+          </a:schemeClr>
+        </a:solidFill>
+        <a:ln w="12700" cap="flat" cmpd="sng" algn="ctr">
+          <a:solidFill>
+            <a:schemeClr val="lt1">
+              <a:hueOff val="0"/>
+              <a:satOff val="0"/>
+              <a:lumOff val="0"/>
+              <a:alphaOff val="0"/>
+            </a:schemeClr>
+          </a:solidFill>
+          <a:prstDash val="solid"/>
+          <a:miter lim="800000"/>
+        </a:ln>
+        <a:effectLst/>
+      </dsp:spPr>
+      <dsp:style>
+        <a:lnRef idx="2">
+          <a:scrgbClr r="0" g="0" b="0"/>
+        </a:lnRef>
+        <a:fillRef idx="1">
+          <a:scrgbClr r="0" g="0" b="0"/>
+        </a:fillRef>
+        <a:effectRef idx="0">
+          <a:scrgbClr r="0" g="0" b="0"/>
+        </a:effectRef>
+        <a:fontRef idx="minor">
+          <a:schemeClr val="lt1"/>
+        </a:fontRef>
+      </dsp:style>
+      <dsp:txBody>
+        <a:bodyPr spcFirstLastPara="0" vert="horz" wrap="square" lIns="64770" tIns="64770" rIns="64770" bIns="64770" numCol="1" spcCol="1270" anchor="ctr" anchorCtr="0">
+          <a:noAutofit/>
+        </a:bodyPr>
+        <a:lstStyle/>
+        <a:p>
+          <a:pPr lvl="0" algn="ctr" defTabSz="755650">
+            <a:lnSpc>
+              <a:spcPct val="90000"/>
+            </a:lnSpc>
+            <a:spcBef>
+              <a:spcPct val="0"/>
+            </a:spcBef>
+            <a:spcAft>
+              <a:spcPct val="35000"/>
+            </a:spcAft>
+          </a:pPr>
+          <a:r>
+            <a:rPr lang="en-US" sz="1700" kern="1200" dirty="0" err="1" smtClean="0"/>
+            <a:t>doc_freq.json</a:t>
+          </a:r>
+          <a:endParaRPr lang="en-US" sz="1700" kern="1200" dirty="0"/>
+        </a:p>
+      </dsp:txBody>
+      <dsp:txXfrm>
+        <a:off x="8526031" y="1605038"/>
+        <a:ext cx="1949441" cy="1141260"/>
+      </dsp:txXfrm>
+    </dsp:sp>
+  </dsp:spTree>
+</dsp:drawing>
+</file>
+
+<file path=ppt/diagrams/drawing3.xml><?xml version="1.0" encoding="utf-8"?>
+<dsp:drawing xmlns:dgm="http://schemas.openxmlformats.org/drawingml/2006/diagram" xmlns:dsp="http://schemas.microsoft.com/office/drawing/2008/diagram" xmlns:a="http://schemas.openxmlformats.org/drawingml/2006/main">
+  <dsp:spTree>
+    <dsp:nvGrpSpPr>
+      <dsp:cNvPr id="0" name=""/>
+      <dsp:cNvGrpSpPr/>
+    </dsp:nvGrpSpPr>
+    <dsp:grpSpPr/>
     <dsp:sp modelId="{57822964-2392-40EC-85E4-20F152301F81}">
       <dsp:nvSpPr>
         <dsp:cNvPr id="0" name=""/>
@@ -2783,12 +4519,12 @@
         </a:fontRef>
       </dsp:style>
       <dsp:txBody>
-        <a:bodyPr spcFirstLastPara="0" vert="horz" wrap="square" lIns="106680" tIns="106680" rIns="106680" bIns="106680" numCol="1" spcCol="1270" anchor="ctr" anchorCtr="0">
+        <a:bodyPr spcFirstLastPara="0" vert="horz" wrap="square" lIns="87630" tIns="87630" rIns="87630" bIns="87630" numCol="1" spcCol="1270" anchor="ctr" anchorCtr="0">
           <a:noAutofit/>
         </a:bodyPr>
         <a:lstStyle/>
         <a:p>
-          <a:pPr lvl="0" algn="ctr" defTabSz="1244600">
+          <a:pPr lvl="0" algn="ctr" defTabSz="1022350">
             <a:lnSpc>
               <a:spcPct val="90000"/>
             </a:lnSpc>
@@ -2800,10 +4536,10 @@
             </a:spcAft>
           </a:pPr>
           <a:r>
-            <a:rPr lang="en-US" sz="2800" kern="1200" dirty="0" smtClean="0"/>
-            <a:t>Mapper output</a:t>
+            <a:rPr lang="en-US" sz="2300" kern="1200" dirty="0" smtClean="0"/>
+            <a:t>(URL,WORD,COUNT)</a:t>
           </a:r>
-          <a:endParaRPr lang="en-US" sz="2800" kern="1200" dirty="0"/>
+          <a:endParaRPr lang="en-US" sz="2300" kern="1200" dirty="0"/>
         </a:p>
       </dsp:txBody>
       <dsp:txXfrm>
@@ -2860,7 +4596,7 @@
         </a:bodyPr>
         <a:lstStyle/>
         <a:p>
-          <a:pPr lvl="0" algn="ctr" defTabSz="1022350">
+          <a:pPr lvl="0" algn="ctr" defTabSz="844550">
             <a:lnSpc>
               <a:spcPct val="90000"/>
             </a:lnSpc>
@@ -2871,7 +4607,7 @@
               <a:spcPct val="35000"/>
             </a:spcAft>
           </a:pPr>
-          <a:endParaRPr lang="en-US" sz="2300" kern="1200"/>
+          <a:endParaRPr lang="en-US" sz="1900" kern="1200"/>
         </a:p>
       </dsp:txBody>
       <dsp:txXfrm>
@@ -2931,12 +4667,12 @@
         </a:fontRef>
       </dsp:style>
       <dsp:txBody>
-        <a:bodyPr spcFirstLastPara="0" vert="horz" wrap="square" lIns="106680" tIns="106680" rIns="106680" bIns="106680" numCol="1" spcCol="1270" anchor="ctr" anchorCtr="0">
+        <a:bodyPr spcFirstLastPara="0" vert="horz" wrap="square" lIns="87630" tIns="87630" rIns="87630" bIns="87630" numCol="1" spcCol="1270" anchor="ctr" anchorCtr="0">
           <a:noAutofit/>
         </a:bodyPr>
         <a:lstStyle/>
         <a:p>
-          <a:pPr lvl="0" algn="ctr" defTabSz="1244600">
+          <a:pPr lvl="0" algn="ctr" defTabSz="1022350">
             <a:lnSpc>
               <a:spcPct val="90000"/>
             </a:lnSpc>
@@ -2948,14 +4684,14 @@
             </a:spcAft>
           </a:pPr>
           <a:r>
-            <a:rPr lang="en-US" sz="2800" kern="1200" dirty="0" err="1" smtClean="0"/>
+            <a:rPr lang="en-US" sz="2300" kern="1200" dirty="0" err="1" smtClean="0"/>
             <a:t>tf-idf</a:t>
           </a:r>
           <a:r>
-            <a:rPr lang="en-US" sz="2800" kern="1200" dirty="0" smtClean="0"/>
+            <a:rPr lang="en-US" sz="2300" kern="1200" dirty="0" smtClean="0"/>
             <a:t> vectors</a:t>
           </a:r>
-          <a:endParaRPr lang="en-US" sz="2800" kern="1200" dirty="0"/>
+          <a:endParaRPr lang="en-US" sz="2300" kern="1200" dirty="0"/>
         </a:p>
       </dsp:txBody>
       <dsp:txXfrm>
@@ -3012,7 +4748,7 @@
         </a:bodyPr>
         <a:lstStyle/>
         <a:p>
-          <a:pPr lvl="0" algn="ctr" defTabSz="1022350">
+          <a:pPr lvl="0" algn="ctr" defTabSz="844550">
             <a:lnSpc>
               <a:spcPct val="90000"/>
             </a:lnSpc>
@@ -3023,7 +4759,7 @@
               <a:spcPct val="35000"/>
             </a:spcAft>
           </a:pPr>
-          <a:endParaRPr lang="en-US" sz="2300" kern="1200"/>
+          <a:endParaRPr lang="en-US" sz="1900" kern="1200"/>
         </a:p>
       </dsp:txBody>
       <dsp:txXfrm>
@@ -3083,12 +4819,12 @@
         </a:fontRef>
       </dsp:style>
       <dsp:txBody>
-        <a:bodyPr spcFirstLastPara="0" vert="horz" wrap="square" lIns="106680" tIns="106680" rIns="106680" bIns="106680" numCol="1" spcCol="1270" anchor="ctr" anchorCtr="0">
+        <a:bodyPr spcFirstLastPara="0" vert="horz" wrap="square" lIns="87630" tIns="87630" rIns="87630" bIns="87630" numCol="1" spcCol="1270" anchor="ctr" anchorCtr="0">
           <a:noAutofit/>
         </a:bodyPr>
         <a:lstStyle/>
         <a:p>
-          <a:pPr lvl="0" algn="ctr" defTabSz="1244600">
+          <a:pPr lvl="0" algn="ctr" defTabSz="1022350">
             <a:lnSpc>
               <a:spcPct val="90000"/>
             </a:lnSpc>
@@ -3100,20 +4836,20 @@
             </a:spcAft>
           </a:pPr>
           <a:r>
-            <a:rPr lang="en-US" sz="2800" kern="1200" dirty="0" smtClean="0"/>
+            <a:rPr lang="en-US" sz="2300" kern="1200" dirty="0" smtClean="0"/>
             <a:t>Emitted: (URL, </a:t>
           </a:r>
           <a:r>
-            <a:rPr lang="en-US" sz="2800" kern="1200" dirty="0" err="1" smtClean="0"/>
+            <a:rPr lang="en-US" sz="2300" kern="1200" dirty="0" err="1" smtClean="0"/>
             <a:t>tf-idf</a:t>
           </a:r>
           <a:r>
-            <a:rPr lang="en-US" sz="2800" kern="1200" dirty="0" smtClean="0"/>
+            <a:rPr lang="en-US" sz="2300" kern="1200" dirty="0" smtClean="0"/>
             <a:t> vector)</a:t>
           </a:r>
         </a:p>
         <a:p>
-          <a:pPr lvl="0" algn="ctr" defTabSz="1244600">
+          <a:pPr lvl="0" algn="ctr" defTabSz="1022350">
             <a:lnSpc>
               <a:spcPct val="90000"/>
             </a:lnSpc>
@@ -3125,10 +4861,10 @@
             </a:spcAft>
           </a:pPr>
           <a:r>
-            <a:rPr lang="en-US" sz="2800" kern="1200" dirty="0" smtClean="0"/>
+            <a:rPr lang="en-US" sz="2300" kern="1200" dirty="0" smtClean="0"/>
             <a:t>In JSON.</a:t>
           </a:r>
-          <a:endParaRPr lang="en-US" sz="2800" kern="1200" dirty="0"/>
+          <a:endParaRPr lang="en-US" sz="2300" kern="1200" dirty="0"/>
         </a:p>
       </dsp:txBody>
       <dsp:txXfrm>
@@ -3432,6 +5168,152 @@
 </dgm:layoutDef>
 </file>
 
+<file path=ppt/diagrams/layout3.xml><?xml version="1.0" encoding="utf-8"?>
+<dgm:layoutDef xmlns:dgm="http://schemas.openxmlformats.org/drawingml/2006/diagram" xmlns:a="http://schemas.openxmlformats.org/drawingml/2006/main" uniqueId="urn:microsoft.com/office/officeart/2005/8/layout/process1">
+  <dgm:title val=""/>
+  <dgm:desc val=""/>
+  <dgm:catLst>
+    <dgm:cat type="process" pri="1000"/>
+    <dgm:cat type="convert" pri="15000"/>
+  </dgm:catLst>
+  <dgm:sampData useDef="1">
+    <dgm:dataModel>
+      <dgm:ptLst/>
+      <dgm:bg/>
+      <dgm:whole/>
+    </dgm:dataModel>
+  </dgm:sampData>
+  <dgm:styleData>
+    <dgm:dataModel>
+      <dgm:ptLst>
+        <dgm:pt modelId="0" type="doc"/>
+        <dgm:pt modelId="1"/>
+        <dgm:pt modelId="2"/>
+      </dgm:ptLst>
+      <dgm:cxnLst>
+        <dgm:cxn modelId="3" srcId="0" destId="1" srcOrd="0" destOrd="0"/>
+        <dgm:cxn modelId="4" srcId="0" destId="2" srcOrd="1" destOrd="0"/>
+      </dgm:cxnLst>
+      <dgm:bg/>
+      <dgm:whole/>
+    </dgm:dataModel>
+  </dgm:styleData>
+  <dgm:clrData>
+    <dgm:dataModel>
+      <dgm:ptLst>
+        <dgm:pt modelId="0" type="doc"/>
+        <dgm:pt modelId="1"/>
+        <dgm:pt modelId="2"/>
+        <dgm:pt modelId="3"/>
+        <dgm:pt modelId="4"/>
+      </dgm:ptLst>
+      <dgm:cxnLst>
+        <dgm:cxn modelId="5" srcId="0" destId="1" srcOrd="0" destOrd="0"/>
+        <dgm:cxn modelId="6" srcId="0" destId="2" srcOrd="1" destOrd="0"/>
+        <dgm:cxn modelId="7" srcId="0" destId="3" srcOrd="2" destOrd="0"/>
+        <dgm:cxn modelId="8" srcId="0" destId="4" srcOrd="3" destOrd="0"/>
+      </dgm:cxnLst>
+      <dgm:bg/>
+      <dgm:whole/>
+    </dgm:dataModel>
+  </dgm:clrData>
+  <dgm:layoutNode name="Name0">
+    <dgm:varLst>
+      <dgm:dir/>
+      <dgm:resizeHandles val="exact"/>
+    </dgm:varLst>
+    <dgm:choose name="Name1">
+      <dgm:if name="Name2" func="var" arg="dir" op="equ" val="norm">
+        <dgm:alg type="lin"/>
+      </dgm:if>
+      <dgm:else name="Name3">
+        <dgm:alg type="lin">
+          <dgm:param type="linDir" val="fromR"/>
+        </dgm:alg>
+      </dgm:else>
+    </dgm:choose>
+    <dgm:shape xmlns:r="http://schemas.openxmlformats.org/officeDocument/2006/relationships" r:blip="">
+      <dgm:adjLst/>
+    </dgm:shape>
+    <dgm:presOf/>
+    <dgm:constrLst>
+      <dgm:constr type="w" for="ch" ptType="node" refType="w"/>
+      <dgm:constr type="h" for="ch" ptType="node" op="equ"/>
+      <dgm:constr type="primFontSz" for="ch" ptType="node" op="equ" val="65"/>
+      <dgm:constr type="w" for="ch" ptType="sibTrans" refType="w" refFor="ch" refPtType="node" op="equ" fact="0.4"/>
+      <dgm:constr type="h" for="ch" ptType="sibTrans" op="equ"/>
+      <dgm:constr type="primFontSz" for="des" forName="connectorText" op="equ" val="55"/>
+      <dgm:constr type="primFontSz" for="des" forName="connectorText" refType="primFontSz" refFor="ch" refPtType="node" op="lte" fact="0.8"/>
+    </dgm:constrLst>
+    <dgm:ruleLst/>
+    <dgm:forEach name="nodesForEach" axis="ch" ptType="node">
+      <dgm:layoutNode name="node">
+        <dgm:varLst>
+          <dgm:bulletEnabled val="1"/>
+        </dgm:varLst>
+        <dgm:alg type="tx"/>
+        <dgm:shape xmlns:r="http://schemas.openxmlformats.org/officeDocument/2006/relationships" type="roundRect" r:blip="">
+          <dgm:adjLst>
+            <dgm:adj idx="1" val="0.1"/>
+          </dgm:adjLst>
+        </dgm:shape>
+        <dgm:presOf axis="desOrSelf" ptType="node"/>
+        <dgm:constrLst>
+          <dgm:constr type="h" refType="w" fact="0.6"/>
+          <dgm:constr type="tMarg" refType="primFontSz" fact="0.3"/>
+          <dgm:constr type="bMarg" refType="primFontSz" fact="0.3"/>
+          <dgm:constr type="lMarg" refType="primFontSz" fact="0.3"/>
+          <dgm:constr type="rMarg" refType="primFontSz" fact="0.3"/>
+        </dgm:constrLst>
+        <dgm:ruleLst>
+          <dgm:rule type="primFontSz" val="18" fact="NaN" max="NaN"/>
+          <dgm:rule type="h" val="NaN" fact="1.5" max="NaN"/>
+          <dgm:rule type="primFontSz" val="5" fact="NaN" max="NaN"/>
+          <dgm:rule type="h" val="INF" fact="NaN" max="NaN"/>
+        </dgm:ruleLst>
+      </dgm:layoutNode>
+      <dgm:forEach name="sibTransForEach" axis="followSib" ptType="sibTrans" cnt="1">
+        <dgm:layoutNode name="sibTrans">
+          <dgm:alg type="conn">
+            <dgm:param type="begPts" val="auto"/>
+            <dgm:param type="endPts" val="auto"/>
+          </dgm:alg>
+          <dgm:shape xmlns:r="http://schemas.openxmlformats.org/officeDocument/2006/relationships" type="conn" r:blip="">
+            <dgm:adjLst/>
+          </dgm:shape>
+          <dgm:presOf axis="self"/>
+          <dgm:constrLst>
+            <dgm:constr type="h" refType="w" fact="0.62"/>
+            <dgm:constr type="connDist"/>
+            <dgm:constr type="begPad" refType="connDist" fact="0.25"/>
+            <dgm:constr type="endPad" refType="connDist" fact="0.22"/>
+          </dgm:constrLst>
+          <dgm:ruleLst/>
+          <dgm:layoutNode name="connectorText">
+            <dgm:alg type="tx">
+              <dgm:param type="autoTxRot" val="grav"/>
+            </dgm:alg>
+            <dgm:shape xmlns:r="http://schemas.openxmlformats.org/officeDocument/2006/relationships" type="conn" r:blip="" hideGeom="1">
+              <dgm:adjLst/>
+            </dgm:shape>
+            <dgm:presOf axis="self"/>
+            <dgm:constrLst>
+              <dgm:constr type="lMarg"/>
+              <dgm:constr type="rMarg"/>
+              <dgm:constr type="tMarg"/>
+              <dgm:constr type="bMarg"/>
+            </dgm:constrLst>
+            <dgm:ruleLst>
+              <dgm:rule type="primFontSz" val="5" fact="NaN" max="NaN"/>
+            </dgm:ruleLst>
+          </dgm:layoutNode>
+        </dgm:layoutNode>
+      </dgm:forEach>
+    </dgm:forEach>
+  </dgm:layoutNode>
+</dgm:layoutDef>
+</file>
+
 <file path=ppt/diagrams/quickStyle1.xml><?xml version="1.0" encoding="utf-8"?>
 <dgm:styleDef xmlns:dgm="http://schemas.openxmlformats.org/drawingml/2006/diagram" xmlns:a="http://schemas.openxmlformats.org/drawingml/2006/main" uniqueId="urn:microsoft.com/office/officeart/2005/8/quickstyle/simple1">
   <dgm:title val=""/>
@@ -4467,6 +6349,1040 @@
 </file>
 
 <file path=ppt/diagrams/quickStyle2.xml><?xml version="1.0" encoding="utf-8"?>
+<dgm:styleDef xmlns:dgm="http://schemas.openxmlformats.org/drawingml/2006/diagram" xmlns:a="http://schemas.openxmlformats.org/drawingml/2006/main" uniqueId="urn:microsoft.com/office/officeart/2005/8/quickstyle/simple1">
+  <dgm:title val=""/>
+  <dgm:desc val=""/>
+  <dgm:catLst>
+    <dgm:cat type="simple" pri="10100"/>
+  </dgm:catLst>
+  <dgm:scene3d>
+    <a:camera prst="orthographicFront"/>
+    <a:lightRig rig="threePt" dir="t"/>
+  </dgm:scene3d>
+  <dgm:styleLbl name="node0">
+    <dgm:scene3d>
+      <a:camera prst="orthographicFront"/>
+      <a:lightRig rig="threePt" dir="t"/>
+    </dgm:scene3d>
+    <dgm:sp3d/>
+    <dgm:txPr/>
+    <dgm:style>
+      <a:lnRef idx="2">
+        <a:scrgbClr r="0" g="0" b="0"/>
+      </a:lnRef>
+      <a:fillRef idx="1">
+        <a:scrgbClr r="0" g="0" b="0"/>
+      </a:fillRef>
+      <a:effectRef idx="0">
+        <a:scrgbClr r="0" g="0" b="0"/>
+      </a:effectRef>
+      <a:fontRef idx="minor">
+        <a:schemeClr val="lt1"/>
+      </a:fontRef>
+    </dgm:style>
+  </dgm:styleLbl>
+  <dgm:styleLbl name="lnNode1">
+    <dgm:scene3d>
+      <a:camera prst="orthographicFront"/>
+      <a:lightRig rig="threePt" dir="t"/>
+    </dgm:scene3d>
+    <dgm:sp3d/>
+    <dgm:txPr/>
+    <dgm:style>
+      <a:lnRef idx="2">
+        <a:scrgbClr r="0" g="0" b="0"/>
+      </a:lnRef>
+      <a:fillRef idx="1">
+        <a:scrgbClr r="0" g="0" b="0"/>
+      </a:fillRef>
+      <a:effectRef idx="0">
+        <a:scrgbClr r="0" g="0" b="0"/>
+      </a:effectRef>
+      <a:fontRef idx="minor">
+        <a:schemeClr val="lt1"/>
+      </a:fontRef>
+    </dgm:style>
+  </dgm:styleLbl>
+  <dgm:styleLbl name="vennNode1">
+    <dgm:scene3d>
+      <a:camera prst="orthographicFront"/>
+      <a:lightRig rig="threePt" dir="t"/>
+    </dgm:scene3d>
+    <dgm:sp3d/>
+    <dgm:txPr/>
+    <dgm:style>
+      <a:lnRef idx="2">
+        <a:scrgbClr r="0" g="0" b="0"/>
+      </a:lnRef>
+      <a:fillRef idx="1">
+        <a:scrgbClr r="0" g="0" b="0"/>
+      </a:fillRef>
+      <a:effectRef idx="0">
+        <a:scrgbClr r="0" g="0" b="0"/>
+      </a:effectRef>
+      <a:fontRef idx="minor">
+        <a:schemeClr val="tx1"/>
+      </a:fontRef>
+    </dgm:style>
+  </dgm:styleLbl>
+  <dgm:styleLbl name="alignNode1">
+    <dgm:scene3d>
+      <a:camera prst="orthographicFront"/>
+      <a:lightRig rig="threePt" dir="t"/>
+    </dgm:scene3d>
+    <dgm:sp3d/>
+    <dgm:txPr/>
+    <dgm:style>
+      <a:lnRef idx="2">
+        <a:scrgbClr r="0" g="0" b="0"/>
+      </a:lnRef>
+      <a:fillRef idx="1">
+        <a:scrgbClr r="0" g="0" b="0"/>
+      </a:fillRef>
+      <a:effectRef idx="0">
+        <a:scrgbClr r="0" g="0" b="0"/>
+      </a:effectRef>
+      <a:fontRef idx="minor">
+        <a:schemeClr val="lt1"/>
+      </a:fontRef>
+    </dgm:style>
+  </dgm:styleLbl>
+  <dgm:styleLbl name="node1">
+    <dgm:scene3d>
+      <a:camera prst="orthographicFront"/>
+      <a:lightRig rig="threePt" dir="t"/>
+    </dgm:scene3d>
+    <dgm:sp3d/>
+    <dgm:txPr/>
+    <dgm:style>
+      <a:lnRef idx="2">
+        <a:scrgbClr r="0" g="0" b="0"/>
+      </a:lnRef>
+      <a:fillRef idx="1">
+        <a:scrgbClr r="0" g="0" b="0"/>
+      </a:fillRef>
+      <a:effectRef idx="0">
+        <a:scrgbClr r="0" g="0" b="0"/>
+      </a:effectRef>
+      <a:fontRef idx="minor">
+        <a:schemeClr val="lt1"/>
+      </a:fontRef>
+    </dgm:style>
+  </dgm:styleLbl>
+  <dgm:styleLbl name="node2">
+    <dgm:scene3d>
+      <a:camera prst="orthographicFront"/>
+      <a:lightRig rig="threePt" dir="t"/>
+    </dgm:scene3d>
+    <dgm:sp3d/>
+    <dgm:txPr/>
+    <dgm:style>
+      <a:lnRef idx="2">
+        <a:scrgbClr r="0" g="0" b="0"/>
+      </a:lnRef>
+      <a:fillRef idx="1">
+        <a:scrgbClr r="0" g="0" b="0"/>
+      </a:fillRef>
+      <a:effectRef idx="0">
+        <a:scrgbClr r="0" g="0" b="0"/>
+      </a:effectRef>
+      <a:fontRef idx="minor">
+        <a:schemeClr val="lt1"/>
+      </a:fontRef>
+    </dgm:style>
+  </dgm:styleLbl>
+  <dgm:styleLbl name="node3">
+    <dgm:scene3d>
+      <a:camera prst="orthographicFront"/>
+      <a:lightRig rig="threePt" dir="t"/>
+    </dgm:scene3d>
+    <dgm:sp3d/>
+    <dgm:txPr/>
+    <dgm:style>
+      <a:lnRef idx="2">
+        <a:scrgbClr r="0" g="0" b="0"/>
+      </a:lnRef>
+      <a:fillRef idx="1">
+        <a:scrgbClr r="0" g="0" b="0"/>
+      </a:fillRef>
+      <a:effectRef idx="0">
+        <a:scrgbClr r="0" g="0" b="0"/>
+      </a:effectRef>
+      <a:fontRef idx="minor">
+        <a:schemeClr val="lt1"/>
+      </a:fontRef>
+    </dgm:style>
+  </dgm:styleLbl>
+  <dgm:styleLbl name="node4">
+    <dgm:scene3d>
+      <a:camera prst="orthographicFront"/>
+      <a:lightRig rig="threePt" dir="t"/>
+    </dgm:scene3d>
+    <dgm:sp3d/>
+    <dgm:txPr/>
+    <dgm:style>
+      <a:lnRef idx="2">
+        <a:scrgbClr r="0" g="0" b="0"/>
+      </a:lnRef>
+      <a:fillRef idx="1">
+        <a:scrgbClr r="0" g="0" b="0"/>
+      </a:fillRef>
+      <a:effectRef idx="0">
+        <a:scrgbClr r="0" g="0" b="0"/>
+      </a:effectRef>
+      <a:fontRef idx="minor">
+        <a:schemeClr val="lt1"/>
+      </a:fontRef>
+    </dgm:style>
+  </dgm:styleLbl>
+  <dgm:styleLbl name="fgImgPlace1">
+    <dgm:scene3d>
+      <a:camera prst="orthographicFront"/>
+      <a:lightRig rig="threePt" dir="t"/>
+    </dgm:scene3d>
+    <dgm:sp3d/>
+    <dgm:txPr/>
+    <dgm:style>
+      <a:lnRef idx="2">
+        <a:scrgbClr r="0" g="0" b="0"/>
+      </a:lnRef>
+      <a:fillRef idx="1">
+        <a:scrgbClr r="0" g="0" b="0"/>
+      </a:fillRef>
+      <a:effectRef idx="0">
+        <a:scrgbClr r="0" g="0" b="0"/>
+      </a:effectRef>
+      <a:fontRef idx="minor"/>
+    </dgm:style>
+  </dgm:styleLbl>
+  <dgm:styleLbl name="alignImgPlace1">
+    <dgm:scene3d>
+      <a:camera prst="orthographicFront"/>
+      <a:lightRig rig="threePt" dir="t"/>
+    </dgm:scene3d>
+    <dgm:sp3d/>
+    <dgm:txPr/>
+    <dgm:style>
+      <a:lnRef idx="2">
+        <a:scrgbClr r="0" g="0" b="0"/>
+      </a:lnRef>
+      <a:fillRef idx="1">
+        <a:scrgbClr r="0" g="0" b="0"/>
+      </a:fillRef>
+      <a:effectRef idx="0">
+        <a:scrgbClr r="0" g="0" b="0"/>
+      </a:effectRef>
+      <a:fontRef idx="minor"/>
+    </dgm:style>
+  </dgm:styleLbl>
+  <dgm:styleLbl name="bgImgPlace1">
+    <dgm:scene3d>
+      <a:camera prst="orthographicFront"/>
+      <a:lightRig rig="threePt" dir="t"/>
+    </dgm:scene3d>
+    <dgm:sp3d/>
+    <dgm:txPr/>
+    <dgm:style>
+      <a:lnRef idx="2">
+        <a:scrgbClr r="0" g="0" b="0"/>
+      </a:lnRef>
+      <a:fillRef idx="1">
+        <a:scrgbClr r="0" g="0" b="0"/>
+      </a:fillRef>
+      <a:effectRef idx="0">
+        <a:scrgbClr r="0" g="0" b="0"/>
+      </a:effectRef>
+      <a:fontRef idx="minor"/>
+    </dgm:style>
+  </dgm:styleLbl>
+  <dgm:styleLbl name="sibTrans2D1">
+    <dgm:scene3d>
+      <a:camera prst="orthographicFront"/>
+      <a:lightRig rig="threePt" dir="t"/>
+    </dgm:scene3d>
+    <dgm:sp3d/>
+    <dgm:txPr/>
+    <dgm:style>
+      <a:lnRef idx="0">
+        <a:scrgbClr r="0" g="0" b="0"/>
+      </a:lnRef>
+      <a:fillRef idx="1">
+        <a:scrgbClr r="0" g="0" b="0"/>
+      </a:fillRef>
+      <a:effectRef idx="0">
+        <a:scrgbClr r="0" g="0" b="0"/>
+      </a:effectRef>
+      <a:fontRef idx="minor">
+        <a:schemeClr val="lt1"/>
+      </a:fontRef>
+    </dgm:style>
+  </dgm:styleLbl>
+  <dgm:styleLbl name="fgSibTrans2D1">
+    <dgm:scene3d>
+      <a:camera prst="orthographicFront"/>
+      <a:lightRig rig="threePt" dir="t"/>
+    </dgm:scene3d>
+    <dgm:sp3d/>
+    <dgm:txPr/>
+    <dgm:style>
+      <a:lnRef idx="0">
+        <a:scrgbClr r="0" g="0" b="0"/>
+      </a:lnRef>
+      <a:fillRef idx="1">
+        <a:scrgbClr r="0" g="0" b="0"/>
+      </a:fillRef>
+      <a:effectRef idx="0">
+        <a:scrgbClr r="0" g="0" b="0"/>
+      </a:effectRef>
+      <a:fontRef idx="minor">
+        <a:schemeClr val="lt1"/>
+      </a:fontRef>
+    </dgm:style>
+  </dgm:styleLbl>
+  <dgm:styleLbl name="bgSibTrans2D1">
+    <dgm:scene3d>
+      <a:camera prst="orthographicFront"/>
+      <a:lightRig rig="threePt" dir="t"/>
+    </dgm:scene3d>
+    <dgm:sp3d/>
+    <dgm:txPr/>
+    <dgm:style>
+      <a:lnRef idx="0">
+        <a:scrgbClr r="0" g="0" b="0"/>
+      </a:lnRef>
+      <a:fillRef idx="1">
+        <a:scrgbClr r="0" g="0" b="0"/>
+      </a:fillRef>
+      <a:effectRef idx="0">
+        <a:scrgbClr r="0" g="0" b="0"/>
+      </a:effectRef>
+      <a:fontRef idx="minor">
+        <a:schemeClr val="lt1"/>
+      </a:fontRef>
+    </dgm:style>
+  </dgm:styleLbl>
+  <dgm:styleLbl name="sibTrans1D1">
+    <dgm:scene3d>
+      <a:camera prst="orthographicFront"/>
+      <a:lightRig rig="threePt" dir="t"/>
+    </dgm:scene3d>
+    <dgm:sp3d/>
+    <dgm:txPr/>
+    <dgm:style>
+      <a:lnRef idx="1">
+        <a:scrgbClr r="0" g="0" b="0"/>
+      </a:lnRef>
+      <a:fillRef idx="0">
+        <a:scrgbClr r="0" g="0" b="0"/>
+      </a:fillRef>
+      <a:effectRef idx="0">
+        <a:scrgbClr r="0" g="0" b="0"/>
+      </a:effectRef>
+      <a:fontRef idx="minor"/>
+    </dgm:style>
+  </dgm:styleLbl>
+  <dgm:styleLbl name="callout">
+    <dgm:scene3d>
+      <a:camera prst="orthographicFront"/>
+      <a:lightRig rig="threePt" dir="t"/>
+    </dgm:scene3d>
+    <dgm:sp3d/>
+    <dgm:txPr/>
+    <dgm:style>
+      <a:lnRef idx="2">
+        <a:scrgbClr r="0" g="0" b="0"/>
+      </a:lnRef>
+      <a:fillRef idx="1">
+        <a:scrgbClr r="0" g="0" b="0"/>
+      </a:fillRef>
+      <a:effectRef idx="0">
+        <a:scrgbClr r="0" g="0" b="0"/>
+      </a:effectRef>
+      <a:fontRef idx="minor"/>
+    </dgm:style>
+  </dgm:styleLbl>
+  <dgm:styleLbl name="asst0">
+    <dgm:scene3d>
+      <a:camera prst="orthographicFront"/>
+      <a:lightRig rig="threePt" dir="t"/>
+    </dgm:scene3d>
+    <dgm:sp3d/>
+    <dgm:txPr/>
+    <dgm:style>
+      <a:lnRef idx="2">
+        <a:scrgbClr r="0" g="0" b="0"/>
+      </a:lnRef>
+      <a:fillRef idx="1">
+        <a:scrgbClr r="0" g="0" b="0"/>
+      </a:fillRef>
+      <a:effectRef idx="0">
+        <a:scrgbClr r="0" g="0" b="0"/>
+      </a:effectRef>
+      <a:fontRef idx="minor">
+        <a:schemeClr val="lt1"/>
+      </a:fontRef>
+    </dgm:style>
+  </dgm:styleLbl>
+  <dgm:styleLbl name="asst1">
+    <dgm:scene3d>
+      <a:camera prst="orthographicFront"/>
+      <a:lightRig rig="threePt" dir="t"/>
+    </dgm:scene3d>
+    <dgm:sp3d/>
+    <dgm:txPr/>
+    <dgm:style>
+      <a:lnRef idx="2">
+        <a:scrgbClr r="0" g="0" b="0"/>
+      </a:lnRef>
+      <a:fillRef idx="1">
+        <a:scrgbClr r="0" g="0" b="0"/>
+      </a:fillRef>
+      <a:effectRef idx="0">
+        <a:scrgbClr r="0" g="0" b="0"/>
+      </a:effectRef>
+      <a:fontRef idx="minor">
+        <a:schemeClr val="lt1"/>
+      </a:fontRef>
+    </dgm:style>
+  </dgm:styleLbl>
+  <dgm:styleLbl name="asst2">
+    <dgm:scene3d>
+      <a:camera prst="orthographicFront"/>
+      <a:lightRig rig="threePt" dir="t"/>
+    </dgm:scene3d>
+    <dgm:sp3d/>
+    <dgm:txPr/>
+    <dgm:style>
+      <a:lnRef idx="2">
+        <a:scrgbClr r="0" g="0" b="0"/>
+      </a:lnRef>
+      <a:fillRef idx="1">
+        <a:scrgbClr r="0" g="0" b="0"/>
+      </a:fillRef>
+      <a:effectRef idx="0">
+        <a:scrgbClr r="0" g="0" b="0"/>
+      </a:effectRef>
+      <a:fontRef idx="minor">
+        <a:schemeClr val="lt1"/>
+      </a:fontRef>
+    </dgm:style>
+  </dgm:styleLbl>
+  <dgm:styleLbl name="asst3">
+    <dgm:scene3d>
+      <a:camera prst="orthographicFront"/>
+      <a:lightRig rig="threePt" dir="t"/>
+    </dgm:scene3d>
+    <dgm:sp3d/>
+    <dgm:txPr/>
+    <dgm:style>
+      <a:lnRef idx="2">
+        <a:scrgbClr r="0" g="0" b="0"/>
+      </a:lnRef>
+      <a:fillRef idx="1">
+        <a:scrgbClr r="0" g="0" b="0"/>
+      </a:fillRef>
+      <a:effectRef idx="0">
+        <a:scrgbClr r="0" g="0" b="0"/>
+      </a:effectRef>
+      <a:fontRef idx="minor">
+        <a:schemeClr val="lt1"/>
+      </a:fontRef>
+    </dgm:style>
+  </dgm:styleLbl>
+  <dgm:styleLbl name="asst4">
+    <dgm:scene3d>
+      <a:camera prst="orthographicFront"/>
+      <a:lightRig rig="threePt" dir="t"/>
+    </dgm:scene3d>
+    <dgm:sp3d/>
+    <dgm:txPr/>
+    <dgm:style>
+      <a:lnRef idx="2">
+        <a:scrgbClr r="0" g="0" b="0"/>
+      </a:lnRef>
+      <a:fillRef idx="1">
+        <a:scrgbClr r="0" g="0" b="0"/>
+      </a:fillRef>
+      <a:effectRef idx="0">
+        <a:scrgbClr r="0" g="0" b="0"/>
+      </a:effectRef>
+      <a:fontRef idx="minor">
+        <a:schemeClr val="lt1"/>
+      </a:fontRef>
+    </dgm:style>
+  </dgm:styleLbl>
+  <dgm:styleLbl name="parChTrans2D1">
+    <dgm:scene3d>
+      <a:camera prst="orthographicFront"/>
+      <a:lightRig rig="threePt" dir="t"/>
+    </dgm:scene3d>
+    <dgm:sp3d/>
+    <dgm:txPr/>
+    <dgm:style>
+      <a:lnRef idx="2">
+        <a:scrgbClr r="0" g="0" b="0"/>
+      </a:lnRef>
+      <a:fillRef idx="1">
+        <a:scrgbClr r="0" g="0" b="0"/>
+      </a:fillRef>
+      <a:effectRef idx="0">
+        <a:scrgbClr r="0" g="0" b="0"/>
+      </a:effectRef>
+      <a:fontRef idx="minor">
+        <a:schemeClr val="lt1"/>
+      </a:fontRef>
+    </dgm:style>
+  </dgm:styleLbl>
+  <dgm:styleLbl name="parChTrans2D2">
+    <dgm:scene3d>
+      <a:camera prst="orthographicFront"/>
+      <a:lightRig rig="threePt" dir="t"/>
+    </dgm:scene3d>
+    <dgm:sp3d/>
+    <dgm:txPr/>
+    <dgm:style>
+      <a:lnRef idx="2">
+        <a:scrgbClr r="0" g="0" b="0"/>
+      </a:lnRef>
+      <a:fillRef idx="1">
+        <a:scrgbClr r="0" g="0" b="0"/>
+      </a:fillRef>
+      <a:effectRef idx="0">
+        <a:scrgbClr r="0" g="0" b="0"/>
+      </a:effectRef>
+      <a:fontRef idx="minor">
+        <a:schemeClr val="lt1"/>
+      </a:fontRef>
+    </dgm:style>
+  </dgm:styleLbl>
+  <dgm:styleLbl name="parChTrans2D3">
+    <dgm:scene3d>
+      <a:camera prst="orthographicFront"/>
+      <a:lightRig rig="threePt" dir="t"/>
+    </dgm:scene3d>
+    <dgm:sp3d/>
+    <dgm:txPr/>
+    <dgm:style>
+      <a:lnRef idx="2">
+        <a:scrgbClr r="0" g="0" b="0"/>
+      </a:lnRef>
+      <a:fillRef idx="1">
+        <a:scrgbClr r="0" g="0" b="0"/>
+      </a:fillRef>
+      <a:effectRef idx="0">
+        <a:scrgbClr r="0" g="0" b="0"/>
+      </a:effectRef>
+      <a:fontRef idx="minor">
+        <a:schemeClr val="lt1"/>
+      </a:fontRef>
+    </dgm:style>
+  </dgm:styleLbl>
+  <dgm:styleLbl name="parChTrans2D4">
+    <dgm:scene3d>
+      <a:camera prst="orthographicFront"/>
+      <a:lightRig rig="threePt" dir="t"/>
+    </dgm:scene3d>
+    <dgm:sp3d/>
+    <dgm:txPr/>
+    <dgm:style>
+      <a:lnRef idx="2">
+        <a:scrgbClr r="0" g="0" b="0"/>
+      </a:lnRef>
+      <a:fillRef idx="1">
+        <a:scrgbClr r="0" g="0" b="0"/>
+      </a:fillRef>
+      <a:effectRef idx="0">
+        <a:scrgbClr r="0" g="0" b="0"/>
+      </a:effectRef>
+      <a:fontRef idx="minor">
+        <a:schemeClr val="lt1"/>
+      </a:fontRef>
+    </dgm:style>
+  </dgm:styleLbl>
+  <dgm:styleLbl name="parChTrans1D1">
+    <dgm:scene3d>
+      <a:camera prst="orthographicFront"/>
+      <a:lightRig rig="threePt" dir="t"/>
+    </dgm:scene3d>
+    <dgm:sp3d/>
+    <dgm:txPr/>
+    <dgm:style>
+      <a:lnRef idx="2">
+        <a:scrgbClr r="0" g="0" b="0"/>
+      </a:lnRef>
+      <a:fillRef idx="0">
+        <a:scrgbClr r="0" g="0" b="0"/>
+      </a:fillRef>
+      <a:effectRef idx="0">
+        <a:scrgbClr r="0" g="0" b="0"/>
+      </a:effectRef>
+      <a:fontRef idx="minor"/>
+    </dgm:style>
+  </dgm:styleLbl>
+  <dgm:styleLbl name="parChTrans1D2">
+    <dgm:scene3d>
+      <a:camera prst="orthographicFront"/>
+      <a:lightRig rig="threePt" dir="t"/>
+    </dgm:scene3d>
+    <dgm:sp3d/>
+    <dgm:txPr/>
+    <dgm:style>
+      <a:lnRef idx="2">
+        <a:scrgbClr r="0" g="0" b="0"/>
+      </a:lnRef>
+      <a:fillRef idx="0">
+        <a:scrgbClr r="0" g="0" b="0"/>
+      </a:fillRef>
+      <a:effectRef idx="0">
+        <a:scrgbClr r="0" g="0" b="0"/>
+      </a:effectRef>
+      <a:fontRef idx="minor"/>
+    </dgm:style>
+  </dgm:styleLbl>
+  <dgm:styleLbl name="parChTrans1D3">
+    <dgm:scene3d>
+      <a:camera prst="orthographicFront"/>
+      <a:lightRig rig="threePt" dir="t"/>
+    </dgm:scene3d>
+    <dgm:sp3d/>
+    <dgm:txPr/>
+    <dgm:style>
+      <a:lnRef idx="2">
+        <a:scrgbClr r="0" g="0" b="0"/>
+      </a:lnRef>
+      <a:fillRef idx="0">
+        <a:scrgbClr r="0" g="0" b="0"/>
+      </a:fillRef>
+      <a:effectRef idx="0">
+        <a:scrgbClr r="0" g="0" b="0"/>
+      </a:effectRef>
+      <a:fontRef idx="minor"/>
+    </dgm:style>
+  </dgm:styleLbl>
+  <dgm:styleLbl name="parChTrans1D4">
+    <dgm:scene3d>
+      <a:camera prst="orthographicFront"/>
+      <a:lightRig rig="threePt" dir="t"/>
+    </dgm:scene3d>
+    <dgm:sp3d/>
+    <dgm:txPr/>
+    <dgm:style>
+      <a:lnRef idx="2">
+        <a:scrgbClr r="0" g="0" b="0"/>
+      </a:lnRef>
+      <a:fillRef idx="0">
+        <a:scrgbClr r="0" g="0" b="0"/>
+      </a:fillRef>
+      <a:effectRef idx="0">
+        <a:scrgbClr r="0" g="0" b="0"/>
+      </a:effectRef>
+      <a:fontRef idx="minor"/>
+    </dgm:style>
+  </dgm:styleLbl>
+  <dgm:styleLbl name="fgAcc1">
+    <dgm:scene3d>
+      <a:camera prst="orthographicFront"/>
+      <a:lightRig rig="threePt" dir="t"/>
+    </dgm:scene3d>
+    <dgm:sp3d/>
+    <dgm:txPr/>
+    <dgm:style>
+      <a:lnRef idx="2">
+        <a:scrgbClr r="0" g="0" b="0"/>
+      </a:lnRef>
+      <a:fillRef idx="1">
+        <a:scrgbClr r="0" g="0" b="0"/>
+      </a:fillRef>
+      <a:effectRef idx="0">
+        <a:scrgbClr r="0" g="0" b="0"/>
+      </a:effectRef>
+      <a:fontRef idx="minor"/>
+    </dgm:style>
+  </dgm:styleLbl>
+  <dgm:styleLbl name="conFgAcc1">
+    <dgm:scene3d>
+      <a:camera prst="orthographicFront"/>
+      <a:lightRig rig="threePt" dir="t"/>
+    </dgm:scene3d>
+    <dgm:sp3d/>
+    <dgm:txPr/>
+    <dgm:style>
+      <a:lnRef idx="2">
+        <a:scrgbClr r="0" g="0" b="0"/>
+      </a:lnRef>
+      <a:fillRef idx="1">
+        <a:scrgbClr r="0" g="0" b="0"/>
+      </a:fillRef>
+      <a:effectRef idx="0">
+        <a:scrgbClr r="0" g="0" b="0"/>
+      </a:effectRef>
+      <a:fontRef idx="minor"/>
+    </dgm:style>
+  </dgm:styleLbl>
+  <dgm:styleLbl name="alignAcc1">
+    <dgm:scene3d>
+      <a:camera prst="orthographicFront"/>
+      <a:lightRig rig="threePt" dir="t"/>
+    </dgm:scene3d>
+    <dgm:sp3d/>
+    <dgm:txPr/>
+    <dgm:style>
+      <a:lnRef idx="2">
+        <a:scrgbClr r="0" g="0" b="0"/>
+      </a:lnRef>
+      <a:fillRef idx="1">
+        <a:scrgbClr r="0" g="0" b="0"/>
+      </a:fillRef>
+      <a:effectRef idx="0">
+        <a:scrgbClr r="0" g="0" b="0"/>
+      </a:effectRef>
+      <a:fontRef idx="minor"/>
+    </dgm:style>
+  </dgm:styleLbl>
+  <dgm:styleLbl name="trAlignAcc1">
+    <dgm:scene3d>
+      <a:camera prst="orthographicFront"/>
+      <a:lightRig rig="threePt" dir="t"/>
+    </dgm:scene3d>
+    <dgm:sp3d/>
+    <dgm:txPr/>
+    <dgm:style>
+      <a:lnRef idx="1">
+        <a:scrgbClr r="0" g="0" b="0"/>
+      </a:lnRef>
+      <a:fillRef idx="1">
+        <a:scrgbClr r="0" g="0" b="0"/>
+      </a:fillRef>
+      <a:effectRef idx="0">
+        <a:scrgbClr r="0" g="0" b="0"/>
+      </a:effectRef>
+      <a:fontRef idx="minor"/>
+    </dgm:style>
+  </dgm:styleLbl>
+  <dgm:styleLbl name="bgAcc1">
+    <dgm:scene3d>
+      <a:camera prst="orthographicFront"/>
+      <a:lightRig rig="threePt" dir="t"/>
+    </dgm:scene3d>
+    <dgm:sp3d/>
+    <dgm:txPr/>
+    <dgm:style>
+      <a:lnRef idx="2">
+        <a:scrgbClr r="0" g="0" b="0"/>
+      </a:lnRef>
+      <a:fillRef idx="1">
+        <a:scrgbClr r="0" g="0" b="0"/>
+      </a:fillRef>
+      <a:effectRef idx="0">
+        <a:scrgbClr r="0" g="0" b="0"/>
+      </a:effectRef>
+      <a:fontRef idx="minor"/>
+    </dgm:style>
+  </dgm:styleLbl>
+  <dgm:styleLbl name="solidFgAcc1">
+    <dgm:scene3d>
+      <a:camera prst="orthographicFront"/>
+      <a:lightRig rig="threePt" dir="t"/>
+    </dgm:scene3d>
+    <dgm:sp3d/>
+    <dgm:txPr/>
+    <dgm:style>
+      <a:lnRef idx="2">
+        <a:scrgbClr r="0" g="0" b="0"/>
+      </a:lnRef>
+      <a:fillRef idx="1">
+        <a:scrgbClr r="0" g="0" b="0"/>
+      </a:fillRef>
+      <a:effectRef idx="0">
+        <a:scrgbClr r="0" g="0" b="0"/>
+      </a:effectRef>
+      <a:fontRef idx="minor"/>
+    </dgm:style>
+  </dgm:styleLbl>
+  <dgm:styleLbl name="solidAlignAcc1">
+    <dgm:scene3d>
+      <a:camera prst="orthographicFront"/>
+      <a:lightRig rig="threePt" dir="t"/>
+    </dgm:scene3d>
+    <dgm:sp3d/>
+    <dgm:txPr/>
+    <dgm:style>
+      <a:lnRef idx="2">
+        <a:scrgbClr r="0" g="0" b="0"/>
+      </a:lnRef>
+      <a:fillRef idx="1">
+        <a:scrgbClr r="0" g="0" b="0"/>
+      </a:fillRef>
+      <a:effectRef idx="0">
+        <a:scrgbClr r="0" g="0" b="0"/>
+      </a:effectRef>
+      <a:fontRef idx="minor"/>
+    </dgm:style>
+  </dgm:styleLbl>
+  <dgm:styleLbl name="solidBgAcc1">
+    <dgm:scene3d>
+      <a:camera prst="orthographicFront"/>
+      <a:lightRig rig="threePt" dir="t"/>
+    </dgm:scene3d>
+    <dgm:sp3d/>
+    <dgm:txPr/>
+    <dgm:style>
+      <a:lnRef idx="2">
+        <a:scrgbClr r="0" g="0" b="0"/>
+      </a:lnRef>
+      <a:fillRef idx="1">
+        <a:scrgbClr r="0" g="0" b="0"/>
+      </a:fillRef>
+      <a:effectRef idx="0">
+        <a:scrgbClr r="0" g="0" b="0"/>
+      </a:effectRef>
+      <a:fontRef idx="minor"/>
+    </dgm:style>
+  </dgm:styleLbl>
+  <dgm:styleLbl name="fgAccFollowNode1">
+    <dgm:scene3d>
+      <a:camera prst="orthographicFront"/>
+      <a:lightRig rig="threePt" dir="t"/>
+    </dgm:scene3d>
+    <dgm:sp3d/>
+    <dgm:txPr/>
+    <dgm:style>
+      <a:lnRef idx="2">
+        <a:scrgbClr r="0" g="0" b="0"/>
+      </a:lnRef>
+      <a:fillRef idx="1">
+        <a:scrgbClr r="0" g="0" b="0"/>
+      </a:fillRef>
+      <a:effectRef idx="0">
+        <a:scrgbClr r="0" g="0" b="0"/>
+      </a:effectRef>
+      <a:fontRef idx="minor"/>
+    </dgm:style>
+  </dgm:styleLbl>
+  <dgm:styleLbl name="alignAccFollowNode1">
+    <dgm:scene3d>
+      <a:camera prst="orthographicFront"/>
+      <a:lightRig rig="threePt" dir="t"/>
+    </dgm:scene3d>
+    <dgm:sp3d/>
+    <dgm:txPr/>
+    <dgm:style>
+      <a:lnRef idx="2">
+        <a:scrgbClr r="0" g="0" b="0"/>
+      </a:lnRef>
+      <a:fillRef idx="1">
+        <a:scrgbClr r="0" g="0" b="0"/>
+      </a:fillRef>
+      <a:effectRef idx="0">
+        <a:scrgbClr r="0" g="0" b="0"/>
+      </a:effectRef>
+      <a:fontRef idx="minor"/>
+    </dgm:style>
+  </dgm:styleLbl>
+  <dgm:styleLbl name="bgAccFollowNode1">
+    <dgm:scene3d>
+      <a:camera prst="orthographicFront"/>
+      <a:lightRig rig="threePt" dir="t"/>
+    </dgm:scene3d>
+    <dgm:sp3d/>
+    <dgm:txPr/>
+    <dgm:style>
+      <a:lnRef idx="2">
+        <a:scrgbClr r="0" g="0" b="0"/>
+      </a:lnRef>
+      <a:fillRef idx="1">
+        <a:scrgbClr r="0" g="0" b="0"/>
+      </a:fillRef>
+      <a:effectRef idx="0">
+        <a:scrgbClr r="0" g="0" b="0"/>
+      </a:effectRef>
+      <a:fontRef idx="minor"/>
+    </dgm:style>
+  </dgm:styleLbl>
+  <dgm:styleLbl name="fgAcc0">
+    <dgm:scene3d>
+      <a:camera prst="orthographicFront"/>
+      <a:lightRig rig="threePt" dir="t"/>
+    </dgm:scene3d>
+    <dgm:sp3d/>
+    <dgm:txPr/>
+    <dgm:style>
+      <a:lnRef idx="2">
+        <a:scrgbClr r="0" g="0" b="0"/>
+      </a:lnRef>
+      <a:fillRef idx="1">
+        <a:scrgbClr r="0" g="0" b="0"/>
+      </a:fillRef>
+      <a:effectRef idx="0">
+        <a:scrgbClr r="0" g="0" b="0"/>
+      </a:effectRef>
+      <a:fontRef idx="minor"/>
+    </dgm:style>
+  </dgm:styleLbl>
+  <dgm:styleLbl name="fgAcc2">
+    <dgm:scene3d>
+      <a:camera prst="orthographicFront"/>
+      <a:lightRig rig="threePt" dir="t"/>
+    </dgm:scene3d>
+    <dgm:sp3d/>
+    <dgm:txPr/>
+    <dgm:style>
+      <a:lnRef idx="2">
+        <a:scrgbClr r="0" g="0" b="0"/>
+      </a:lnRef>
+      <a:fillRef idx="1">
+        <a:scrgbClr r="0" g="0" b="0"/>
+      </a:fillRef>
+      <a:effectRef idx="0">
+        <a:scrgbClr r="0" g="0" b="0"/>
+      </a:effectRef>
+      <a:fontRef idx="minor"/>
+    </dgm:style>
+  </dgm:styleLbl>
+  <dgm:styleLbl name="fgAcc3">
+    <dgm:scene3d>
+      <a:camera prst="orthographicFront"/>
+      <a:lightRig rig="threePt" dir="t"/>
+    </dgm:scene3d>
+    <dgm:sp3d/>
+    <dgm:txPr/>
+    <dgm:style>
+      <a:lnRef idx="2">
+        <a:scrgbClr r="0" g="0" b="0"/>
+      </a:lnRef>
+      <a:fillRef idx="1">
+        <a:scrgbClr r="0" g="0" b="0"/>
+      </a:fillRef>
+      <a:effectRef idx="0">
+        <a:scrgbClr r="0" g="0" b="0"/>
+      </a:effectRef>
+      <a:fontRef idx="minor"/>
+    </dgm:style>
+  </dgm:styleLbl>
+  <dgm:styleLbl name="fgAcc4">
+    <dgm:scene3d>
+      <a:camera prst="orthographicFront"/>
+      <a:lightRig rig="threePt" dir="t"/>
+    </dgm:scene3d>
+    <dgm:sp3d/>
+    <dgm:txPr/>
+    <dgm:style>
+      <a:lnRef idx="2">
+        <a:scrgbClr r="0" g="0" b="0"/>
+      </a:lnRef>
+      <a:fillRef idx="1">
+        <a:scrgbClr r="0" g="0" b="0"/>
+      </a:fillRef>
+      <a:effectRef idx="0">
+        <a:scrgbClr r="0" g="0" b="0"/>
+      </a:effectRef>
+      <a:fontRef idx="minor"/>
+    </dgm:style>
+  </dgm:styleLbl>
+  <dgm:styleLbl name="bgShp">
+    <dgm:scene3d>
+      <a:camera prst="orthographicFront"/>
+      <a:lightRig rig="threePt" dir="t"/>
+    </dgm:scene3d>
+    <dgm:sp3d/>
+    <dgm:txPr/>
+    <dgm:style>
+      <a:lnRef idx="0">
+        <a:scrgbClr r="0" g="0" b="0"/>
+      </a:lnRef>
+      <a:fillRef idx="1">
+        <a:scrgbClr r="0" g="0" b="0"/>
+      </a:fillRef>
+      <a:effectRef idx="0">
+        <a:scrgbClr r="0" g="0" b="0"/>
+      </a:effectRef>
+      <a:fontRef idx="minor"/>
+    </dgm:style>
+  </dgm:styleLbl>
+  <dgm:styleLbl name="dkBgShp">
+    <dgm:scene3d>
+      <a:camera prst="orthographicFront"/>
+      <a:lightRig rig="threePt" dir="t"/>
+    </dgm:scene3d>
+    <dgm:sp3d/>
+    <dgm:txPr/>
+    <dgm:style>
+      <a:lnRef idx="0">
+        <a:scrgbClr r="0" g="0" b="0"/>
+      </a:lnRef>
+      <a:fillRef idx="1">
+        <a:scrgbClr r="0" g="0" b="0"/>
+      </a:fillRef>
+      <a:effectRef idx="0">
+        <a:scrgbClr r="0" g="0" b="0"/>
+      </a:effectRef>
+      <a:fontRef idx="minor"/>
+    </dgm:style>
+  </dgm:styleLbl>
+  <dgm:styleLbl name="trBgShp">
+    <dgm:scene3d>
+      <a:camera prst="orthographicFront"/>
+      <a:lightRig rig="threePt" dir="t"/>
+    </dgm:scene3d>
+    <dgm:sp3d/>
+    <dgm:txPr/>
+    <dgm:style>
+      <a:lnRef idx="0">
+        <a:scrgbClr r="0" g="0" b="0"/>
+      </a:lnRef>
+      <a:fillRef idx="1">
+        <a:scrgbClr r="0" g="0" b="0"/>
+      </a:fillRef>
+      <a:effectRef idx="0">
+        <a:scrgbClr r="0" g="0" b="0"/>
+      </a:effectRef>
+      <a:fontRef idx="minor"/>
+    </dgm:style>
+  </dgm:styleLbl>
+  <dgm:styleLbl name="fgShp">
+    <dgm:scene3d>
+      <a:camera prst="orthographicFront"/>
+      <a:lightRig rig="threePt" dir="t"/>
+    </dgm:scene3d>
+    <dgm:sp3d/>
+    <dgm:txPr/>
+    <dgm:style>
+      <a:lnRef idx="2">
+        <a:scrgbClr r="0" g="0" b="0"/>
+      </a:lnRef>
+      <a:fillRef idx="1">
+        <a:scrgbClr r="0" g="0" b="0"/>
+      </a:fillRef>
+      <a:effectRef idx="0">
+        <a:scrgbClr r="0" g="0" b="0"/>
+      </a:effectRef>
+      <a:fontRef idx="minor"/>
+    </dgm:style>
+  </dgm:styleLbl>
+  <dgm:styleLbl name="revTx">
+    <dgm:scene3d>
+      <a:camera prst="orthographicFront"/>
+      <a:lightRig rig="threePt" dir="t"/>
+    </dgm:scene3d>
+    <dgm:sp3d/>
+    <dgm:txPr/>
+    <dgm:style>
+      <a:lnRef idx="0">
+        <a:scrgbClr r="0" g="0" b="0"/>
+      </a:lnRef>
+      <a:fillRef idx="0">
+        <a:scrgbClr r="0" g="0" b="0"/>
+      </a:fillRef>
+      <a:effectRef idx="0">
+        <a:scrgbClr r="0" g="0" b="0"/>
+      </a:effectRef>
+      <a:fontRef idx="minor"/>
+    </dgm:style>
+  </dgm:styleLbl>
+</dgm:styleDef>
+</file>
+
+<file path=ppt/diagrams/quickStyle3.xml><?xml version="1.0" encoding="utf-8"?>
 <dgm:styleDef xmlns:dgm="http://schemas.openxmlformats.org/drawingml/2006/diagram" xmlns:a="http://schemas.openxmlformats.org/drawingml/2006/main" uniqueId="urn:microsoft.com/office/officeart/2005/8/quickstyle/simple1">
   <dgm:title val=""/>
   <dgm:desc val=""/>
@@ -5631,7 +8547,7 @@
           <a:p>
             <a:fld id="{A93A7B6C-FFAE-4713-B2F5-BEB258B08390}" type="datetimeFigureOut">
               <a:rPr lang="en-US" smtClean="0"/>
-              <a:t>10/11/2014</a:t>
+              <a:t>10/18/2014</a:t>
             </a:fld>
             <a:endParaRPr lang="en-US"/>
           </a:p>
@@ -5801,7 +8717,7 @@
           <a:p>
             <a:fld id="{A93A7B6C-FFAE-4713-B2F5-BEB258B08390}" type="datetimeFigureOut">
               <a:rPr lang="en-US" smtClean="0"/>
-              <a:t>10/11/2014</a:t>
+              <a:t>10/18/2014</a:t>
             </a:fld>
             <a:endParaRPr lang="en-US"/>
           </a:p>
@@ -5981,7 +8897,7 @@
           <a:p>
             <a:fld id="{A93A7B6C-FFAE-4713-B2F5-BEB258B08390}" type="datetimeFigureOut">
               <a:rPr lang="en-US" smtClean="0"/>
-              <a:t>10/11/2014</a:t>
+              <a:t>10/18/2014</a:t>
             </a:fld>
             <a:endParaRPr lang="en-US"/>
           </a:p>
@@ -6151,7 +9067,7 @@
           <a:p>
             <a:fld id="{A93A7B6C-FFAE-4713-B2F5-BEB258B08390}" type="datetimeFigureOut">
               <a:rPr lang="en-US" smtClean="0"/>
-              <a:t>10/11/2014</a:t>
+              <a:t>10/18/2014</a:t>
             </a:fld>
             <a:endParaRPr lang="en-US"/>
           </a:p>
@@ -6397,7 +9313,7 @@
           <a:p>
             <a:fld id="{A93A7B6C-FFAE-4713-B2F5-BEB258B08390}" type="datetimeFigureOut">
               <a:rPr lang="en-US" smtClean="0"/>
-              <a:t>10/11/2014</a:t>
+              <a:t>10/18/2014</a:t>
             </a:fld>
             <a:endParaRPr lang="en-US"/>
           </a:p>
@@ -6629,7 +9545,7 @@
           <a:p>
             <a:fld id="{A93A7B6C-FFAE-4713-B2F5-BEB258B08390}" type="datetimeFigureOut">
               <a:rPr lang="en-US" smtClean="0"/>
-              <a:t>10/11/2014</a:t>
+              <a:t>10/18/2014</a:t>
             </a:fld>
             <a:endParaRPr lang="en-US"/>
           </a:p>
@@ -6996,7 +9912,7 @@
           <a:p>
             <a:fld id="{A93A7B6C-FFAE-4713-B2F5-BEB258B08390}" type="datetimeFigureOut">
               <a:rPr lang="en-US" smtClean="0"/>
-              <a:t>10/11/2014</a:t>
+              <a:t>10/18/2014</a:t>
             </a:fld>
             <a:endParaRPr lang="en-US"/>
           </a:p>
@@ -7114,7 +10030,7 @@
           <a:p>
             <a:fld id="{A93A7B6C-FFAE-4713-B2F5-BEB258B08390}" type="datetimeFigureOut">
               <a:rPr lang="en-US" smtClean="0"/>
-              <a:t>10/11/2014</a:t>
+              <a:t>10/18/2014</a:t>
             </a:fld>
             <a:endParaRPr lang="en-US"/>
           </a:p>
@@ -7209,7 +10125,7 @@
           <a:p>
             <a:fld id="{A93A7B6C-FFAE-4713-B2F5-BEB258B08390}" type="datetimeFigureOut">
               <a:rPr lang="en-US" smtClean="0"/>
-              <a:t>10/11/2014</a:t>
+              <a:t>10/18/2014</a:t>
             </a:fld>
             <a:endParaRPr lang="en-US"/>
           </a:p>
@@ -7486,7 +10402,7 @@
           <a:p>
             <a:fld id="{A93A7B6C-FFAE-4713-B2F5-BEB258B08390}" type="datetimeFigureOut">
               <a:rPr lang="en-US" smtClean="0"/>
-              <a:t>10/11/2014</a:t>
+              <a:t>10/18/2014</a:t>
             </a:fld>
             <a:endParaRPr lang="en-US"/>
           </a:p>
@@ -7739,7 +10655,7 @@
           <a:p>
             <a:fld id="{A93A7B6C-FFAE-4713-B2F5-BEB258B08390}" type="datetimeFigureOut">
               <a:rPr lang="en-US" smtClean="0"/>
-              <a:t>10/11/2014</a:t>
+              <a:t>10/18/2014</a:t>
             </a:fld>
             <a:endParaRPr lang="en-US"/>
           </a:p>
@@ -7952,7 +10868,7 @@
           <a:p>
             <a:fld id="{A93A7B6C-FFAE-4713-B2F5-BEB258B08390}" type="datetimeFigureOut">
               <a:rPr lang="en-US" smtClean="0"/>
-              <a:t>10/11/2014</a:t>
+              <a:t>10/18/2014</a:t>
             </a:fld>
             <a:endParaRPr lang="en-US"/>
           </a:p>
@@ -8399,23 +11315,13 @@
           <a:p>
             <a:r>
               <a:rPr lang="en-US" dirty="0" smtClean="0"/>
-              <a:t>By: Lucas </a:t>
-            </a:r>
-            <a:r>
-              <a:rPr lang="en-US" dirty="0" smtClean="0"/>
-              <a:t>Nunno (</a:t>
+              <a:t>By: Lucas Nunno (</a:t>
             </a:r>
             <a:r>
               <a:rPr lang="en-US" dirty="0" smtClean="0">
                 <a:hlinkClick r:id="rId2"/>
               </a:rPr>
-              <a:t>lnunno@cs.un</a:t>
-            </a:r>
-            <a:r>
-              <a:rPr lang="en-US" dirty="0" smtClean="0">
-                <a:hlinkClick r:id="rId2"/>
-              </a:rPr>
-              <a:t>m.edu</a:t>
+              <a:t>lnunno@cs.unm.edu</a:t>
             </a:r>
             <a:r>
               <a:rPr lang="en-US" dirty="0" smtClean="0"/>
@@ -8464,7 +11370,7 @@
       </p:grpSpPr>
       <p:sp>
         <p:nvSpPr>
-          <p:cNvPr id="2" name="Title 1"/>
+          <p:cNvPr id="4" name="Title 3"/>
           <p:cNvSpPr>
             <a:spLocks noGrp="1"/>
           </p:cNvSpPr>
@@ -8474,27 +11380,33 @@
         </p:nvSpPr>
         <p:spPr/>
         <p:txBody>
-          <a:bodyPr>
-            <a:normAutofit/>
-          </a:bodyPr>
+          <a:bodyPr/>
           <a:lstStyle/>
           <a:p>
             <a:r>
-              <a:rPr lang="en-US" sz="5400" dirty="0" smtClean="0"/>
-              <a:t>Part 3: Clustering and Visualization</a:t>
-            </a:r>
-            <a:endParaRPr lang="en-US" sz="5400" dirty="0"/>
+              <a:rPr lang="en-US" dirty="0" err="1" smtClean="0"/>
+              <a:t>df</a:t>
+            </a:r>
+            <a:r>
+              <a:rPr lang="en-US" dirty="0" smtClean="0"/>
+              <a:t> and </a:t>
+            </a:r>
+            <a:r>
+              <a:rPr lang="en-US" dirty="0" err="1" smtClean="0"/>
+              <a:t>tf-idf</a:t>
+            </a:r>
+            <a:endParaRPr lang="en-US" dirty="0"/>
           </a:p>
         </p:txBody>
       </p:sp>
       <p:sp>
         <p:nvSpPr>
-          <p:cNvPr id="3" name="Text Placeholder 2"/>
+          <p:cNvPr id="5" name="Content Placeholder 4"/>
           <p:cNvSpPr>
             <a:spLocks noGrp="1"/>
           </p:cNvSpPr>
           <p:nvPr>
-            <p:ph type="body" idx="1"/>
+            <p:ph idx="1"/>
           </p:nvPr>
         </p:nvSpPr>
         <p:spPr/>
@@ -8502,14 +11414,187 @@
           <a:bodyPr/>
           <a:lstStyle/>
           <a:p>
-            <a:endParaRPr lang="en-US"/>
+            <a:r>
+              <a:rPr lang="en-US" dirty="0" smtClean="0"/>
+              <a:t>Document frequency vector is calculated </a:t>
+            </a:r>
+            <a:r>
+              <a:rPr lang="en-US" dirty="0" smtClean="0"/>
+              <a:t>in a reducer by </a:t>
+            </a:r>
+            <a:r>
+              <a:rPr lang="en-US" dirty="0" smtClean="0"/>
+              <a:t>counting the number of </a:t>
+            </a:r>
+            <a:r>
+              <a:rPr lang="en-US" dirty="0" smtClean="0"/>
+              <a:t>unique documents that each term appears in.</a:t>
+            </a:r>
+            <a:endParaRPr lang="en-US" dirty="0" smtClean="0"/>
+          </a:p>
+          <a:p>
+            <a:r>
+              <a:rPr lang="en-US" dirty="0"/>
+              <a:t>We then multiply each normalized term frequency vector with the </a:t>
+            </a:r>
+            <a:r>
+              <a:rPr lang="en-US" dirty="0" err="1"/>
+              <a:t>idf</a:t>
+            </a:r>
+            <a:r>
+              <a:rPr lang="en-US" dirty="0"/>
+              <a:t> vector to calculate each document’s </a:t>
+            </a:r>
+            <a:r>
+              <a:rPr lang="en-US" dirty="0" err="1"/>
+              <a:t>tf-idf</a:t>
+            </a:r>
+            <a:r>
+              <a:rPr lang="en-US" dirty="0"/>
+              <a:t> vector</a:t>
+            </a:r>
+            <a:r>
+              <a:rPr lang="en-US" dirty="0" smtClean="0"/>
+              <a:t>.</a:t>
+            </a:r>
+          </a:p>
+          <a:p>
+            <a:pPr lvl="1"/>
+            <a:r>
+              <a:rPr lang="en-US" dirty="0" smtClean="0"/>
+              <a:t>A special implementation detail is that we remove all nonzero entries and only output the information where the </a:t>
+            </a:r>
+            <a:r>
+              <a:rPr lang="en-US" dirty="0" err="1" smtClean="0"/>
+              <a:t>tf-idf</a:t>
+            </a:r>
+            <a:r>
+              <a:rPr lang="en-US" dirty="0" smtClean="0"/>
+              <a:t> score is zero. This saves a massive amount of space and time. Every </a:t>
+            </a:r>
+            <a:r>
+              <a:rPr lang="en-US" dirty="0" err="1" smtClean="0"/>
+              <a:t>tf-idf</a:t>
+            </a:r>
+            <a:r>
+              <a:rPr lang="en-US" dirty="0" smtClean="0"/>
+              <a:t> vector is very sparse.</a:t>
+            </a:r>
+            <a:endParaRPr lang="en-US" dirty="0"/>
+          </a:p>
+          <a:p>
+            <a:r>
+              <a:rPr lang="en-US" dirty="0" smtClean="0"/>
+              <a:t>From </a:t>
+            </a:r>
+            <a:r>
+              <a:rPr lang="en-US" dirty="0" smtClean="0"/>
+              <a:t>these data structures we can calculate the inverse document frequency (</a:t>
+            </a:r>
+            <a:r>
+              <a:rPr lang="en-US" dirty="0" err="1" smtClean="0"/>
+              <a:t>idf</a:t>
+            </a:r>
+            <a:r>
+              <a:rPr lang="en-US" dirty="0" smtClean="0"/>
+              <a:t>) vector.</a:t>
+            </a:r>
+          </a:p>
+          <a:p>
+            <a:endParaRPr lang="en-US" dirty="0" smtClean="0"/>
           </a:p>
         </p:txBody>
       </p:sp>
+      <p:pic>
+        <p:nvPicPr>
+          <p:cNvPr id="1026" name="Picture 2" descr="http://pandas.pydata.org/_static/pandas_logo.png"/>
+          <p:cNvPicPr>
+            <a:picLocks noChangeAspect="1" noChangeArrowheads="1"/>
+          </p:cNvPicPr>
+          <p:nvPr/>
+        </p:nvPicPr>
+        <p:blipFill>
+          <a:blip r:embed="rId2">
+            <a:extLst>
+              <a:ext uri="{28A0092B-C50C-407E-A947-70E740481C1C}">
+                <a14:useLocalDpi xmlns:a14="http://schemas.microsoft.com/office/drawing/2010/main" val="0"/>
+              </a:ext>
+            </a:extLst>
+          </a:blip>
+          <a:srcRect/>
+          <a:stretch>
+            <a:fillRect/>
+          </a:stretch>
+        </p:blipFill>
+        <p:spPr bwMode="auto">
+          <a:xfrm>
+            <a:off x="6334125" y="365125"/>
+            <a:ext cx="5857875" cy="1190625"/>
+          </a:xfrm>
+          <a:prstGeom prst="rect">
+            <a:avLst/>
+          </a:prstGeom>
+          <a:noFill/>
+          <a:extLst>
+            <a:ext uri="{909E8E84-426E-40DD-AFC4-6F175D3DCCD1}">
+              <a14:hiddenFill xmlns:a14="http://schemas.microsoft.com/office/drawing/2010/main">
+                <a:solidFill>
+                  <a:srgbClr val="FFFFFF"/>
+                </a:solidFill>
+              </a14:hiddenFill>
+            </a:ext>
+          </a:extLst>
+        </p:spPr>
+      </p:pic>
+      <p:pic>
+        <p:nvPicPr>
+          <p:cNvPr id="3074" name="Picture 2" descr="tf-idf"/>
+          <p:cNvPicPr>
+            <a:picLocks noChangeAspect="1" noChangeArrowheads="1"/>
+          </p:cNvPicPr>
+          <p:nvPr/>
+        </p:nvPicPr>
+        <p:blipFill>
+          <a:blip r:embed="rId3">
+            <a:extLst>
+              <a:ext uri="{28A0092B-C50C-407E-A947-70E740481C1C}">
+                <a14:useLocalDpi xmlns:a14="http://schemas.microsoft.com/office/drawing/2010/main" val="0"/>
+              </a:ext>
+            </a:extLst>
+          </a:blip>
+          <a:srcRect/>
+          <a:stretch>
+            <a:fillRect/>
+          </a:stretch>
+        </p:blipFill>
+        <p:spPr bwMode="auto">
+          <a:xfrm>
+            <a:off x="8359217" y="5402139"/>
+            <a:ext cx="2994583" cy="512086"/>
+          </a:xfrm>
+          <a:prstGeom prst="rect">
+            <a:avLst/>
+          </a:prstGeom>
+        </p:spPr>
+        <p:style>
+          <a:lnRef idx="2">
+            <a:schemeClr val="accent2"/>
+          </a:lnRef>
+          <a:fillRef idx="1">
+            <a:schemeClr val="lt1"/>
+          </a:fillRef>
+          <a:effectRef idx="0">
+            <a:schemeClr val="accent2"/>
+          </a:effectRef>
+          <a:fontRef idx="minor">
+            <a:schemeClr val="dk1"/>
+          </a:fontRef>
+        </p:style>
+      </p:pic>
     </p:spTree>
     <p:extLst>
       <p:ext uri="{BB962C8B-B14F-4D97-AF65-F5344CB8AC3E}">
-        <p14:creationId xmlns:p14="http://schemas.microsoft.com/office/powerpoint/2010/main" val="2253944103"/>
+        <p14:creationId xmlns:p14="http://schemas.microsoft.com/office/powerpoint/2010/main" val="1353182651"/>
       </p:ext>
     </p:extLst>
   </p:cSld>
@@ -8545,7 +11630,80 @@
       </p:grpSpPr>
       <p:sp>
         <p:nvSpPr>
-          <p:cNvPr id="4" name="Title 3"/>
+          <p:cNvPr id="5" name="Rectangle 4"/>
+          <p:cNvSpPr/>
+          <p:nvPr/>
+        </p:nvSpPr>
+        <p:spPr>
+          <a:xfrm>
+            <a:off x="4497858" y="2356022"/>
+            <a:ext cx="3196283" cy="3476367"/>
+          </a:xfrm>
+          <a:prstGeom prst="rect">
+            <a:avLst/>
+          </a:prstGeom>
+        </p:spPr>
+        <p:style>
+          <a:lnRef idx="2">
+            <a:schemeClr val="accent2">
+              <a:shade val="50000"/>
+            </a:schemeClr>
+          </a:lnRef>
+          <a:fillRef idx="1">
+            <a:schemeClr val="accent2"/>
+          </a:fillRef>
+          <a:effectRef idx="0">
+            <a:schemeClr val="accent2"/>
+          </a:effectRef>
+          <a:fontRef idx="minor">
+            <a:schemeClr val="lt1"/>
+          </a:fontRef>
+        </p:style>
+        <p:txBody>
+          <a:bodyPr rtlCol="0" anchor="t"/>
+          <a:lstStyle/>
+          <a:p>
+            <a:pPr algn="ctr"/>
+            <a:r>
+              <a:rPr lang="en-US" sz="2800" dirty="0" smtClean="0"/>
+              <a:t>Hadoop </a:t>
+            </a:r>
+            <a:r>
+              <a:rPr lang="en-US" sz="2800" dirty="0" smtClean="0"/>
+              <a:t>mapper</a:t>
+            </a:r>
+            <a:endParaRPr lang="en-US" sz="2800" dirty="0"/>
+          </a:p>
+        </p:txBody>
+      </p:sp>
+      <p:graphicFrame>
+        <p:nvGraphicFramePr>
+          <p:cNvPr id="4" name="Content Placeholder 3"/>
+          <p:cNvGraphicFramePr>
+            <a:graphicFrameLocks noGrp="1"/>
+          </p:cNvGraphicFramePr>
+          <p:nvPr>
+            <p:ph idx="1"/>
+            <p:extLst>
+              <p:ext uri="{D42A27DB-BD31-4B8C-83A1-F6EECF244321}">
+                <p14:modId xmlns:p14="http://schemas.microsoft.com/office/powerpoint/2010/main" val="3533750305"/>
+              </p:ext>
+            </p:extLst>
+          </p:nvPr>
+        </p:nvGraphicFramePr>
+        <p:xfrm>
+          <a:off x="838200" y="1825625"/>
+          <a:ext cx="10515600" cy="4351338"/>
+        </p:xfrm>
+        <a:graphic>
+          <a:graphicData uri="http://schemas.openxmlformats.org/drawingml/2006/diagram">
+            <dgm:relIds xmlns:dgm="http://schemas.openxmlformats.org/drawingml/2006/diagram" xmlns:r="http://schemas.openxmlformats.org/officeDocument/2006/relationships" r:dm="rId2" r:lo="rId3" r:qs="rId4" r:cs="rId5"/>
+          </a:graphicData>
+        </a:graphic>
+      </p:graphicFrame>
+      <p:sp>
+        <p:nvSpPr>
+          <p:cNvPr id="2" name="Title 1"/>
           <p:cNvSpPr>
             <a:spLocks noGrp="1"/>
           </p:cNvSpPr>
@@ -8560,35 +11718,191 @@
           <a:p>
             <a:r>
               <a:rPr lang="en-US" dirty="0" smtClean="0"/>
-              <a:t>Clustering</a:t>
+              <a:t>How is this parallelized in Hadoop</a:t>
+            </a:r>
+            <a:r>
+              <a:rPr lang="en-US" dirty="0" smtClean="0"/>
+              <a:t>?</a:t>
             </a:r>
             <a:endParaRPr lang="en-US" dirty="0"/>
           </a:p>
         </p:txBody>
       </p:sp>
+      <p:grpSp>
+        <p:nvGrpSpPr>
+          <p:cNvPr id="6" name="Group 5"/>
+          <p:cNvGrpSpPr/>
+          <p:nvPr/>
+        </p:nvGrpSpPr>
+        <p:grpSpPr>
+          <a:xfrm>
+            <a:off x="5087554" y="4922939"/>
+            <a:ext cx="2016890" cy="818834"/>
+            <a:chOff x="9242" y="1346949"/>
+            <a:chExt cx="2762398" cy="1657439"/>
+          </a:xfrm>
+        </p:grpSpPr>
+        <p:sp>
+          <p:nvSpPr>
+            <p:cNvPr id="7" name="Rounded Rectangle 6"/>
+            <p:cNvSpPr/>
+            <p:nvPr/>
+          </p:nvSpPr>
+          <p:spPr>
+            <a:xfrm>
+              <a:off x="9242" y="1346949"/>
+              <a:ext cx="2762398" cy="1657439"/>
+            </a:xfrm>
+            <a:prstGeom prst="roundRect">
+              <a:avLst>
+                <a:gd name="adj" fmla="val 10000"/>
+              </a:avLst>
+            </a:prstGeom>
+          </p:spPr>
+          <p:style>
+            <a:lnRef idx="2">
+              <a:schemeClr val="lt1">
+                <a:hueOff val="0"/>
+                <a:satOff val="0"/>
+                <a:lumOff val="0"/>
+                <a:alphaOff val="0"/>
+              </a:schemeClr>
+            </a:lnRef>
+            <a:fillRef idx="1">
+              <a:schemeClr val="accent5">
+                <a:hueOff val="0"/>
+                <a:satOff val="0"/>
+                <a:lumOff val="0"/>
+                <a:alphaOff val="0"/>
+              </a:schemeClr>
+            </a:fillRef>
+            <a:effectRef idx="0">
+              <a:schemeClr val="accent5">
+                <a:hueOff val="0"/>
+                <a:satOff val="0"/>
+                <a:lumOff val="0"/>
+                <a:alphaOff val="0"/>
+              </a:schemeClr>
+            </a:effectRef>
+            <a:fontRef idx="minor">
+              <a:schemeClr val="lt1"/>
+            </a:fontRef>
+          </p:style>
+        </p:sp>
+        <p:sp>
+          <p:nvSpPr>
+            <p:cNvPr id="8" name="Rounded Rectangle 4"/>
+            <p:cNvSpPr/>
+            <p:nvPr/>
+          </p:nvSpPr>
+          <p:spPr>
+            <a:xfrm>
+              <a:off x="57787" y="1395494"/>
+              <a:ext cx="2665308" cy="1560349"/>
+            </a:xfrm>
+            <a:prstGeom prst="rect">
+              <a:avLst/>
+            </a:prstGeom>
+          </p:spPr>
+          <p:style>
+            <a:lnRef idx="0">
+              <a:scrgbClr r="0" g="0" b="0"/>
+            </a:lnRef>
+            <a:fillRef idx="0">
+              <a:scrgbClr r="0" g="0" b="0"/>
+            </a:fillRef>
+            <a:effectRef idx="0">
+              <a:scrgbClr r="0" g="0" b="0"/>
+            </a:effectRef>
+            <a:fontRef idx="minor">
+              <a:schemeClr val="lt1"/>
+            </a:fontRef>
+          </p:style>
+          <p:txBody>
+            <a:bodyPr spcFirstLastPara="0" vert="horz" wrap="square" lIns="87630" tIns="87630" rIns="87630" bIns="87630" numCol="1" spcCol="1270" anchor="ctr" anchorCtr="0">
+              <a:noAutofit/>
+            </a:bodyPr>
+            <a:lstStyle/>
+            <a:p>
+              <a:pPr lvl="0" algn="ctr" defTabSz="1022350">
+                <a:lnSpc>
+                  <a:spcPct val="90000"/>
+                </a:lnSpc>
+                <a:spcBef>
+                  <a:spcPct val="0"/>
+                </a:spcBef>
+                <a:spcAft>
+                  <a:spcPct val="35000"/>
+                </a:spcAft>
+              </a:pPr>
+              <a:r>
+                <a:rPr lang="en-US" sz="2300" dirty="0" err="1"/>
+                <a:t>d</a:t>
+              </a:r>
+              <a:r>
+                <a:rPr lang="en-US" sz="2300" kern="1200" dirty="0" err="1" smtClean="0"/>
+                <a:t>oc_freq.json</a:t>
+              </a:r>
+              <a:endParaRPr lang="en-US" sz="2300" kern="1200" dirty="0"/>
+            </a:p>
+          </p:txBody>
+        </p:sp>
+      </p:grpSp>
       <p:sp>
         <p:nvSpPr>
-          <p:cNvPr id="5" name="Content Placeholder 4"/>
-          <p:cNvSpPr>
-            <a:spLocks noGrp="1"/>
-          </p:cNvSpPr>
-          <p:nvPr>
-            <p:ph idx="1"/>
-          </p:nvPr>
+          <p:cNvPr id="3" name="TextBox 2"/>
+          <p:cNvSpPr txBox="1"/>
+          <p:nvPr/>
         </p:nvSpPr>
-        <p:spPr/>
+        <p:spPr>
+          <a:xfrm>
+            <a:off x="7902127" y="5168978"/>
+            <a:ext cx="3305564" cy="1477328"/>
+          </a:xfrm>
+          <a:prstGeom prst="rect">
+            <a:avLst/>
+          </a:prstGeom>
+        </p:spPr>
+        <p:style>
+          <a:lnRef idx="2">
+            <a:schemeClr val="dk1"/>
+          </a:lnRef>
+          <a:fillRef idx="1">
+            <a:schemeClr val="lt1"/>
+          </a:fillRef>
+          <a:effectRef idx="0">
+            <a:schemeClr val="dk1"/>
+          </a:effectRef>
+          <a:fontRef idx="minor">
+            <a:schemeClr val="dk1"/>
+          </a:fontRef>
+        </p:style>
         <p:txBody>
-          <a:bodyPr/>
+          <a:bodyPr wrap="square" rtlCol="0">
+            <a:spAutoFit/>
+          </a:bodyPr>
           <a:lstStyle/>
           <a:p>
-            <a:endParaRPr lang="en-US"/>
+            <a:r>
+              <a:rPr lang="en-US" dirty="0" smtClean="0"/>
+              <a:t>No matching reducer. Mapping is all that’s needed. Internally, we just use the Apache </a:t>
+            </a:r>
+            <a:r>
+              <a:rPr lang="en-US" dirty="0" err="1" smtClean="0"/>
+              <a:t>IdentityReducer</a:t>
+            </a:r>
+            <a:r>
+              <a:rPr lang="en-US" dirty="0" smtClean="0"/>
+              <a:t> in the Streaming API.</a:t>
+            </a:r>
+            <a:endParaRPr lang="en-US" dirty="0"/>
           </a:p>
         </p:txBody>
       </p:sp>
     </p:spTree>
     <p:extLst>
       <p:ext uri="{BB962C8B-B14F-4D97-AF65-F5344CB8AC3E}">
-        <p14:creationId xmlns:p14="http://schemas.microsoft.com/office/powerpoint/2010/main" val="527337046"/>
+        <p14:creationId xmlns:p14="http://schemas.microsoft.com/office/powerpoint/2010/main" val="1095346935"/>
       </p:ext>
     </p:extLst>
   </p:cSld>
@@ -8634,6 +11948,798 @@
         </p:nvSpPr>
         <p:spPr/>
         <p:txBody>
+          <a:bodyPr>
+            <a:normAutofit/>
+          </a:bodyPr>
+          <a:lstStyle/>
+          <a:p>
+            <a:r>
+              <a:rPr lang="en-US" sz="5400" dirty="0" smtClean="0"/>
+              <a:t>Part 3: Clustering and Visualization</a:t>
+            </a:r>
+            <a:endParaRPr lang="en-US" sz="5400" dirty="0"/>
+          </a:p>
+        </p:txBody>
+      </p:sp>
+      <p:sp>
+        <p:nvSpPr>
+          <p:cNvPr id="3" name="Text Placeholder 2"/>
+          <p:cNvSpPr>
+            <a:spLocks noGrp="1"/>
+          </p:cNvSpPr>
+          <p:nvPr>
+            <p:ph type="body" idx="1"/>
+          </p:nvPr>
+        </p:nvSpPr>
+        <p:spPr/>
+        <p:txBody>
+          <a:bodyPr/>
+          <a:lstStyle/>
+          <a:p>
+            <a:r>
+              <a:rPr lang="en-US" dirty="0"/>
+              <a:t>So now that we have the </a:t>
+            </a:r>
+            <a:r>
+              <a:rPr lang="en-US" dirty="0" err="1"/>
+              <a:t>tf-idf</a:t>
+            </a:r>
+            <a:r>
+              <a:rPr lang="en-US" dirty="0"/>
+              <a:t> vectors, how do we cluster?</a:t>
+            </a:r>
+            <a:endParaRPr lang="en-US" dirty="0"/>
+          </a:p>
+        </p:txBody>
+      </p:sp>
+    </p:spTree>
+    <p:extLst>
+      <p:ext uri="{BB962C8B-B14F-4D97-AF65-F5344CB8AC3E}">
+        <p14:creationId xmlns:p14="http://schemas.microsoft.com/office/powerpoint/2010/main" val="2253944103"/>
+      </p:ext>
+    </p:extLst>
+  </p:cSld>
+  <p:clrMapOvr>
+    <a:masterClrMapping/>
+  </p:clrMapOvr>
+  <p:timing>
+    <p:tnLst>
+      <p:par>
+        <p:cTn id="1" dur="indefinite" restart="never" nodeType="tmRoot"/>
+      </p:par>
+    </p:tnLst>
+  </p:timing>
+</p:sld>
+</file>
+
+<file path=ppt/slides/slide13.xml><?xml version="1.0" encoding="utf-8"?>
+<p:sld xmlns:a="http://schemas.openxmlformats.org/drawingml/2006/main" xmlns:r="http://schemas.openxmlformats.org/officeDocument/2006/relationships" xmlns:p="http://schemas.openxmlformats.org/presentationml/2006/main">
+  <p:cSld>
+    <p:spTree>
+      <p:nvGrpSpPr>
+        <p:cNvPr id="1" name=""/>
+        <p:cNvGrpSpPr/>
+        <p:nvPr/>
+      </p:nvGrpSpPr>
+      <p:grpSpPr>
+        <a:xfrm>
+          <a:off x="0" y="0"/>
+          <a:ext cx="0" cy="0"/>
+          <a:chOff x="0" y="0"/>
+          <a:chExt cx="0" cy="0"/>
+        </a:xfrm>
+      </p:grpSpPr>
+      <p:sp>
+        <p:nvSpPr>
+          <p:cNvPr id="4" name="Title 3"/>
+          <p:cNvSpPr>
+            <a:spLocks noGrp="1"/>
+          </p:cNvSpPr>
+          <p:nvPr>
+            <p:ph type="title"/>
+          </p:nvPr>
+        </p:nvSpPr>
+        <p:spPr/>
+        <p:txBody>
+          <a:bodyPr/>
+          <a:lstStyle/>
+          <a:p>
+            <a:r>
+              <a:rPr lang="en-US" dirty="0" smtClean="0"/>
+              <a:t>Clustering methodology</a:t>
+            </a:r>
+            <a:endParaRPr lang="en-US" dirty="0"/>
+          </a:p>
+        </p:txBody>
+      </p:sp>
+      <p:sp>
+        <p:nvSpPr>
+          <p:cNvPr id="5" name="Content Placeholder 4"/>
+          <p:cNvSpPr>
+            <a:spLocks noGrp="1"/>
+          </p:cNvSpPr>
+          <p:nvPr>
+            <p:ph idx="1"/>
+          </p:nvPr>
+        </p:nvSpPr>
+        <p:spPr/>
+        <p:txBody>
+          <a:bodyPr>
+            <a:normAutofit lnSpcReduction="10000"/>
+          </a:bodyPr>
+          <a:lstStyle/>
+          <a:p>
+            <a:r>
+              <a:rPr lang="en-US" dirty="0" smtClean="0"/>
+              <a:t>Apache Spark makes it (relatively) easy to do distributed clustering.</a:t>
+            </a:r>
+          </a:p>
+          <a:p>
+            <a:r>
+              <a:rPr lang="en-US" dirty="0" smtClean="0"/>
+              <a:t>The API for Spark allows for a text file to be stored in a distributed manner.</a:t>
+            </a:r>
+          </a:p>
+          <a:p>
+            <a:r>
+              <a:rPr lang="en-US" dirty="0" smtClean="0"/>
+              <a:t>We use the previously calculated </a:t>
+            </a:r>
+            <a:r>
+              <a:rPr lang="en-US" dirty="0" err="1" smtClean="0"/>
+              <a:t>tf-idf</a:t>
+            </a:r>
+            <a:r>
+              <a:rPr lang="en-US" dirty="0" smtClean="0"/>
+              <a:t> vectors and transform them into </a:t>
+            </a:r>
+            <a:r>
+              <a:rPr lang="en-US" dirty="0" err="1" smtClean="0"/>
+              <a:t>Apche</a:t>
+            </a:r>
+            <a:r>
+              <a:rPr lang="en-US" dirty="0" smtClean="0"/>
+              <a:t> Spark’s own </a:t>
+            </a:r>
+            <a:r>
+              <a:rPr lang="en-US" dirty="0" err="1" smtClean="0"/>
+              <a:t>SparseVectors</a:t>
+            </a:r>
+            <a:r>
+              <a:rPr lang="en-US" dirty="0" smtClean="0"/>
+              <a:t>.</a:t>
+            </a:r>
+          </a:p>
+          <a:p>
+            <a:r>
+              <a:rPr lang="en-US" dirty="0" smtClean="0"/>
+              <a:t>Spark’s </a:t>
+            </a:r>
+            <a:r>
+              <a:rPr lang="en-US" dirty="0" err="1" smtClean="0"/>
+              <a:t>MLlib</a:t>
+            </a:r>
+            <a:r>
+              <a:rPr lang="en-US" dirty="0" smtClean="0"/>
+              <a:t> module is then used for distributed K-means clustering.</a:t>
+            </a:r>
+          </a:p>
+          <a:p>
+            <a:pPr lvl="1"/>
+            <a:r>
+              <a:rPr lang="en-US" dirty="0" smtClean="0"/>
+              <a:t>This uses the </a:t>
+            </a:r>
+            <a:r>
+              <a:rPr lang="en-US" dirty="0" err="1" smtClean="0"/>
+              <a:t>SparseVectors</a:t>
+            </a:r>
+            <a:r>
+              <a:rPr lang="en-US" dirty="0" smtClean="0"/>
+              <a:t> that we created and can rapidly separate the vectors into clusters.</a:t>
+            </a:r>
+          </a:p>
+          <a:p>
+            <a:r>
+              <a:rPr lang="en-US" dirty="0" smtClean="0"/>
+              <a:t>The centroids of the K-means model were analyzed to determine the most discriminative terms per cluster.</a:t>
+            </a:r>
+          </a:p>
+          <a:p>
+            <a:endParaRPr lang="en-US" dirty="0"/>
+          </a:p>
+        </p:txBody>
+      </p:sp>
+      <p:pic>
+        <p:nvPicPr>
+          <p:cNvPr id="1026" name="Picture 2" descr="https://spark.apache.org/images/spark-logo.png"/>
+          <p:cNvPicPr>
+            <a:picLocks noChangeAspect="1" noChangeArrowheads="1"/>
+          </p:cNvPicPr>
+          <p:nvPr/>
+        </p:nvPicPr>
+        <p:blipFill>
+          <a:blip r:embed="rId2">
+            <a:extLst>
+              <a:ext uri="{28A0092B-C50C-407E-A947-70E740481C1C}">
+                <a14:useLocalDpi xmlns:a14="http://schemas.microsoft.com/office/drawing/2010/main" val="0"/>
+              </a:ext>
+            </a:extLst>
+          </a:blip>
+          <a:srcRect/>
+          <a:stretch>
+            <a:fillRect/>
+          </a:stretch>
+        </p:blipFill>
+        <p:spPr bwMode="auto">
+          <a:xfrm>
+            <a:off x="8896350" y="114858"/>
+            <a:ext cx="2457450" cy="1304926"/>
+          </a:xfrm>
+          <a:prstGeom prst="rect">
+            <a:avLst/>
+          </a:prstGeom>
+          <a:noFill/>
+          <a:extLst>
+            <a:ext uri="{909E8E84-426E-40DD-AFC4-6F175D3DCCD1}">
+              <a14:hiddenFill xmlns:a14="http://schemas.microsoft.com/office/drawing/2010/main">
+                <a:solidFill>
+                  <a:srgbClr val="FFFFFF"/>
+                </a:solidFill>
+              </a14:hiddenFill>
+            </a:ext>
+          </a:extLst>
+        </p:spPr>
+      </p:pic>
+    </p:spTree>
+    <p:extLst>
+      <p:ext uri="{BB962C8B-B14F-4D97-AF65-F5344CB8AC3E}">
+        <p14:creationId xmlns:p14="http://schemas.microsoft.com/office/powerpoint/2010/main" val="527337046"/>
+      </p:ext>
+    </p:extLst>
+  </p:cSld>
+  <p:clrMapOvr>
+    <a:masterClrMapping/>
+  </p:clrMapOvr>
+  <p:timing>
+    <p:tnLst>
+      <p:par>
+        <p:cTn id="1" dur="indefinite" restart="never" nodeType="tmRoot"/>
+      </p:par>
+    </p:tnLst>
+  </p:timing>
+</p:sld>
+</file>
+
+<file path=ppt/slides/slide14.xml><?xml version="1.0" encoding="utf-8"?>
+<p:sld xmlns:a="http://schemas.openxmlformats.org/drawingml/2006/main" xmlns:r="http://schemas.openxmlformats.org/officeDocument/2006/relationships" xmlns:p="http://schemas.openxmlformats.org/presentationml/2006/main">
+  <p:cSld>
+    <p:spTree>
+      <p:nvGrpSpPr>
+        <p:cNvPr id="1" name=""/>
+        <p:cNvGrpSpPr/>
+        <p:nvPr/>
+      </p:nvGrpSpPr>
+      <p:grpSpPr>
+        <a:xfrm>
+          <a:off x="0" y="0"/>
+          <a:ext cx="0" cy="0"/>
+          <a:chOff x="0" y="0"/>
+          <a:chExt cx="0" cy="0"/>
+        </a:xfrm>
+      </p:grpSpPr>
+      <p:sp>
+        <p:nvSpPr>
+          <p:cNvPr id="2" name="Title 1"/>
+          <p:cNvSpPr>
+            <a:spLocks noGrp="1"/>
+          </p:cNvSpPr>
+          <p:nvPr>
+            <p:ph type="title"/>
+          </p:nvPr>
+        </p:nvSpPr>
+        <p:spPr/>
+        <p:txBody>
+          <a:bodyPr/>
+          <a:lstStyle/>
+          <a:p>
+            <a:r>
+              <a:rPr lang="en-US" dirty="0" smtClean="0"/>
+              <a:t>Why K-means?</a:t>
+            </a:r>
+            <a:endParaRPr lang="en-US" dirty="0"/>
+          </a:p>
+        </p:txBody>
+      </p:sp>
+      <p:sp>
+        <p:nvSpPr>
+          <p:cNvPr id="3" name="Content Placeholder 2"/>
+          <p:cNvSpPr>
+            <a:spLocks noGrp="1"/>
+          </p:cNvSpPr>
+          <p:nvPr>
+            <p:ph idx="1"/>
+          </p:nvPr>
+        </p:nvSpPr>
+        <p:spPr/>
+        <p:txBody>
+          <a:bodyPr/>
+          <a:lstStyle/>
+          <a:p>
+            <a:r>
+              <a:rPr lang="en-US" dirty="0" smtClean="0"/>
+              <a:t>Aside from it being the only clustering algorithm available in Spark (which is a good reason), it is one of 	the most popular clustering algorithms available and used in production in many Big Data applications.</a:t>
+            </a:r>
+          </a:p>
+          <a:p>
+            <a:r>
+              <a:rPr lang="en-US" dirty="0" smtClean="0"/>
+              <a:t>The Mahout K-means algorithm was also considered, but Apache Spark offered an easier set up and a Python API so it was used.</a:t>
+            </a:r>
+          </a:p>
+          <a:p>
+            <a:endParaRPr lang="en-US" dirty="0" smtClean="0"/>
+          </a:p>
+          <a:p>
+            <a:endParaRPr lang="en-US" dirty="0"/>
+          </a:p>
+        </p:txBody>
+      </p:sp>
+    </p:spTree>
+    <p:extLst>
+      <p:ext uri="{BB962C8B-B14F-4D97-AF65-F5344CB8AC3E}">
+        <p14:creationId xmlns:p14="http://schemas.microsoft.com/office/powerpoint/2010/main" val="223239098"/>
+      </p:ext>
+    </p:extLst>
+  </p:cSld>
+  <p:clrMapOvr>
+    <a:masterClrMapping/>
+  </p:clrMapOvr>
+</p:sld>
+</file>
+
+<file path=ppt/slides/slide15.xml><?xml version="1.0" encoding="utf-8"?>
+<p:sld xmlns:a="http://schemas.openxmlformats.org/drawingml/2006/main" xmlns:r="http://schemas.openxmlformats.org/officeDocument/2006/relationships" xmlns:p="http://schemas.openxmlformats.org/presentationml/2006/main">
+  <p:cSld>
+    <p:spTree>
+      <p:nvGrpSpPr>
+        <p:cNvPr id="1" name=""/>
+        <p:cNvGrpSpPr/>
+        <p:nvPr/>
+      </p:nvGrpSpPr>
+      <p:grpSpPr>
+        <a:xfrm>
+          <a:off x="0" y="0"/>
+          <a:ext cx="0" cy="0"/>
+          <a:chOff x="0" y="0"/>
+          <a:chExt cx="0" cy="0"/>
+        </a:xfrm>
+      </p:grpSpPr>
+      <p:sp>
+        <p:nvSpPr>
+          <p:cNvPr id="4" name="Title 3"/>
+          <p:cNvSpPr>
+            <a:spLocks noGrp="1"/>
+          </p:cNvSpPr>
+          <p:nvPr>
+            <p:ph type="title"/>
+          </p:nvPr>
+        </p:nvSpPr>
+        <p:spPr/>
+        <p:txBody>
+          <a:bodyPr/>
+          <a:lstStyle/>
+          <a:p>
+            <a:r>
+              <a:rPr lang="en-US" dirty="0" smtClean="0"/>
+              <a:t>K-means pros and cons</a:t>
+            </a:r>
+            <a:endParaRPr lang="en-US" dirty="0"/>
+          </a:p>
+        </p:txBody>
+      </p:sp>
+      <p:sp>
+        <p:nvSpPr>
+          <p:cNvPr id="5" name="Content Placeholder 4"/>
+          <p:cNvSpPr>
+            <a:spLocks noGrp="1"/>
+          </p:cNvSpPr>
+          <p:nvPr>
+            <p:ph sz="half" idx="1"/>
+          </p:nvPr>
+        </p:nvSpPr>
+        <p:spPr/>
+        <p:txBody>
+          <a:bodyPr/>
+          <a:lstStyle/>
+          <a:p>
+            <a:r>
+              <a:rPr lang="en-US" dirty="0" smtClean="0">
+                <a:solidFill>
+                  <a:srgbClr val="00B050"/>
+                </a:solidFill>
+              </a:rPr>
+              <a:t>Can easily tweak the k value.</a:t>
+            </a:r>
+          </a:p>
+          <a:p>
+            <a:r>
+              <a:rPr lang="en-US" dirty="0" smtClean="0">
+                <a:solidFill>
+                  <a:srgbClr val="00B050"/>
+                </a:solidFill>
+              </a:rPr>
+              <a:t>Can easily tweak the number of iterations and see if this improves the solution.</a:t>
+            </a:r>
+          </a:p>
+          <a:p>
+            <a:r>
+              <a:rPr lang="en-US" dirty="0" smtClean="0">
+                <a:solidFill>
+                  <a:srgbClr val="00B050"/>
+                </a:solidFill>
+              </a:rPr>
+              <a:t>Implementation is simple and easy to understand.</a:t>
+            </a:r>
+          </a:p>
+          <a:p>
+            <a:r>
+              <a:rPr lang="en-US" dirty="0" smtClean="0">
+                <a:solidFill>
+                  <a:srgbClr val="00B050"/>
+                </a:solidFill>
+              </a:rPr>
+              <a:t>Will find a local error minimum.</a:t>
+            </a:r>
+          </a:p>
+          <a:p>
+            <a:r>
+              <a:rPr lang="en-US" dirty="0" smtClean="0">
+                <a:solidFill>
+                  <a:srgbClr val="00B050"/>
+                </a:solidFill>
+              </a:rPr>
+              <a:t>Widely used.</a:t>
+            </a:r>
+            <a:endParaRPr lang="en-US" dirty="0">
+              <a:solidFill>
+                <a:srgbClr val="00B050"/>
+              </a:solidFill>
+            </a:endParaRPr>
+          </a:p>
+        </p:txBody>
+      </p:sp>
+      <p:sp>
+        <p:nvSpPr>
+          <p:cNvPr id="6" name="Content Placeholder 5"/>
+          <p:cNvSpPr>
+            <a:spLocks noGrp="1"/>
+          </p:cNvSpPr>
+          <p:nvPr>
+            <p:ph sz="half" idx="2"/>
+          </p:nvPr>
+        </p:nvSpPr>
+        <p:spPr/>
+        <p:txBody>
+          <a:bodyPr/>
+          <a:lstStyle/>
+          <a:p>
+            <a:r>
+              <a:rPr lang="en-US" dirty="0" smtClean="0">
+                <a:solidFill>
+                  <a:srgbClr val="FF0000"/>
+                </a:solidFill>
+              </a:rPr>
+              <a:t>Must pick the appropriate K value.</a:t>
+            </a:r>
+          </a:p>
+          <a:p>
+            <a:r>
+              <a:rPr lang="en-US" dirty="0" smtClean="0">
+                <a:solidFill>
+                  <a:srgbClr val="FF0000"/>
+                </a:solidFill>
+              </a:rPr>
+              <a:t>Have to choose how many iterations to perform.</a:t>
+            </a:r>
+          </a:p>
+          <a:p>
+            <a:r>
+              <a:rPr lang="en-US" dirty="0" smtClean="0">
+                <a:solidFill>
+                  <a:srgbClr val="FF0000"/>
+                </a:solidFill>
+              </a:rPr>
+              <a:t>Will probably not find the optimal solution.</a:t>
+            </a:r>
+          </a:p>
+          <a:p>
+            <a:r>
+              <a:rPr lang="en-US" dirty="0" smtClean="0">
+                <a:solidFill>
+                  <a:srgbClr val="FF0000"/>
+                </a:solidFill>
+              </a:rPr>
+              <a:t>Sensitive to outliers.</a:t>
+            </a:r>
+            <a:endParaRPr lang="en-US" dirty="0">
+              <a:solidFill>
+                <a:srgbClr val="FF0000"/>
+              </a:solidFill>
+            </a:endParaRPr>
+          </a:p>
+        </p:txBody>
+      </p:sp>
+    </p:spTree>
+    <p:extLst>
+      <p:ext uri="{BB962C8B-B14F-4D97-AF65-F5344CB8AC3E}">
+        <p14:creationId xmlns:p14="http://schemas.microsoft.com/office/powerpoint/2010/main" val="2879377972"/>
+      </p:ext>
+    </p:extLst>
+  </p:cSld>
+  <p:clrMapOvr>
+    <a:masterClrMapping/>
+  </p:clrMapOvr>
+</p:sld>
+</file>
+
+<file path=ppt/slides/slide16.xml><?xml version="1.0" encoding="utf-8"?>
+<p:sld xmlns:a="http://schemas.openxmlformats.org/drawingml/2006/main" xmlns:r="http://schemas.openxmlformats.org/officeDocument/2006/relationships" xmlns:p="http://schemas.openxmlformats.org/presentationml/2006/main">
+  <p:cSld>
+    <p:spTree>
+      <p:nvGrpSpPr>
+        <p:cNvPr id="1" name=""/>
+        <p:cNvGrpSpPr/>
+        <p:nvPr/>
+      </p:nvGrpSpPr>
+      <p:grpSpPr>
+        <a:xfrm>
+          <a:off x="0" y="0"/>
+          <a:ext cx="0" cy="0"/>
+          <a:chOff x="0" y="0"/>
+          <a:chExt cx="0" cy="0"/>
+        </a:xfrm>
+      </p:grpSpPr>
+      <p:sp>
+        <p:nvSpPr>
+          <p:cNvPr id="5" name="Title 4"/>
+          <p:cNvSpPr>
+            <a:spLocks noGrp="1"/>
+          </p:cNvSpPr>
+          <p:nvPr>
+            <p:ph type="title"/>
+          </p:nvPr>
+        </p:nvSpPr>
+        <p:spPr/>
+        <p:txBody>
+          <a:bodyPr/>
+          <a:lstStyle/>
+          <a:p>
+            <a:r>
+              <a:rPr lang="en-US" dirty="0" smtClean="0"/>
+              <a:t>How many clusters?</a:t>
+            </a:r>
+            <a:endParaRPr lang="en-US" dirty="0"/>
+          </a:p>
+        </p:txBody>
+      </p:sp>
+      <p:sp>
+        <p:nvSpPr>
+          <p:cNvPr id="9" name="Text Placeholder 8"/>
+          <p:cNvSpPr>
+            <a:spLocks noGrp="1"/>
+          </p:cNvSpPr>
+          <p:nvPr>
+            <p:ph type="body" sz="half" idx="2"/>
+          </p:nvPr>
+        </p:nvSpPr>
+        <p:spPr/>
+        <p:txBody>
+          <a:bodyPr/>
+          <a:lstStyle/>
+          <a:p>
+            <a:pPr marL="285750" indent="-285750">
+              <a:buFont typeface="Arial" panose="020B0604020202020204" pitchFamily="34" charset="0"/>
+              <a:buChar char="•"/>
+            </a:pPr>
+            <a:r>
+              <a:rPr lang="en-US" dirty="0" smtClean="0"/>
+              <a:t>If you look at the sections in the New York Times (right), there are around 20 primary sections of the paper.</a:t>
+            </a:r>
+          </a:p>
+          <a:p>
+            <a:pPr marL="285750" indent="-285750">
+              <a:buFont typeface="Arial" panose="020B0604020202020204" pitchFamily="34" charset="0"/>
+              <a:buChar char="•"/>
+            </a:pPr>
+            <a:r>
+              <a:rPr lang="en-US" dirty="0" smtClean="0"/>
+              <a:t>We initially started out at 20 clusters and then quantitatively analyzed how the number of clusters affected the results. </a:t>
+            </a:r>
+            <a:endParaRPr lang="en-US" dirty="0"/>
+          </a:p>
+        </p:txBody>
+      </p:sp>
+      <p:sp>
+        <p:nvSpPr>
+          <p:cNvPr id="11" name="Picture Placeholder 10"/>
+          <p:cNvSpPr>
+            <a:spLocks noGrp="1"/>
+          </p:cNvSpPr>
+          <p:nvPr>
+            <p:ph type="pic" idx="1"/>
+          </p:nvPr>
+        </p:nvSpPr>
+        <p:spPr/>
+      </p:sp>
+      <p:pic>
+        <p:nvPicPr>
+          <p:cNvPr id="12" name="Picture 11"/>
+          <p:cNvPicPr>
+            <a:picLocks noChangeAspect="1"/>
+          </p:cNvPicPr>
+          <p:nvPr/>
+        </p:nvPicPr>
+        <p:blipFill>
+          <a:blip r:embed="rId2"/>
+          <a:stretch>
+            <a:fillRect/>
+          </a:stretch>
+        </p:blipFill>
+        <p:spPr>
+          <a:xfrm>
+            <a:off x="5607050" y="532614"/>
+            <a:ext cx="5324475" cy="8401050"/>
+          </a:xfrm>
+          <a:prstGeom prst="rect">
+            <a:avLst/>
+          </a:prstGeom>
+        </p:spPr>
+      </p:pic>
+    </p:spTree>
+    <p:extLst>
+      <p:ext uri="{BB962C8B-B14F-4D97-AF65-F5344CB8AC3E}">
+        <p14:creationId xmlns:p14="http://schemas.microsoft.com/office/powerpoint/2010/main" val="2954540651"/>
+      </p:ext>
+    </p:extLst>
+  </p:cSld>
+  <p:clrMapOvr>
+    <a:masterClrMapping/>
+  </p:clrMapOvr>
+</p:sld>
+</file>
+
+<file path=ppt/slides/slide17.xml><?xml version="1.0" encoding="utf-8"?>
+<p:sld xmlns:a="http://schemas.openxmlformats.org/drawingml/2006/main" xmlns:r="http://schemas.openxmlformats.org/officeDocument/2006/relationships" xmlns:p="http://schemas.openxmlformats.org/presentationml/2006/main">
+  <p:cSld>
+    <p:spTree>
+      <p:nvGrpSpPr>
+        <p:cNvPr id="1" name=""/>
+        <p:cNvGrpSpPr/>
+        <p:nvPr/>
+      </p:nvGrpSpPr>
+      <p:grpSpPr>
+        <a:xfrm>
+          <a:off x="0" y="0"/>
+          <a:ext cx="0" cy="0"/>
+          <a:chOff x="0" y="0"/>
+          <a:chExt cx="0" cy="0"/>
+        </a:xfrm>
+      </p:grpSpPr>
+      <p:sp>
+        <p:nvSpPr>
+          <p:cNvPr id="5" name="Title 4"/>
+          <p:cNvSpPr>
+            <a:spLocks noGrp="1"/>
+          </p:cNvSpPr>
+          <p:nvPr>
+            <p:ph type="title"/>
+          </p:nvPr>
+        </p:nvSpPr>
+        <p:spPr/>
+        <p:txBody>
+          <a:bodyPr/>
+          <a:lstStyle/>
+          <a:p>
+            <a:r>
+              <a:rPr lang="en-US" dirty="0" smtClean="0"/>
+              <a:t>Things to consider when clustering</a:t>
+            </a:r>
+            <a:endParaRPr lang="en-US" dirty="0"/>
+          </a:p>
+        </p:txBody>
+      </p:sp>
+      <p:sp>
+        <p:nvSpPr>
+          <p:cNvPr id="6" name="Content Placeholder 5"/>
+          <p:cNvSpPr>
+            <a:spLocks noGrp="1"/>
+          </p:cNvSpPr>
+          <p:nvPr>
+            <p:ph idx="1"/>
+          </p:nvPr>
+        </p:nvSpPr>
+        <p:spPr/>
+        <p:txBody>
+          <a:bodyPr/>
+          <a:lstStyle/>
+          <a:p>
+            <a:r>
+              <a:rPr lang="en-US" dirty="0" smtClean="0"/>
+              <a:t>Our sample size is relatively small (~40k) and not all sections may be represented sufficiently.</a:t>
+            </a:r>
+          </a:p>
+          <a:p>
+            <a:r>
+              <a:rPr lang="en-US" dirty="0" smtClean="0"/>
+              <a:t>Sampling methodology.</a:t>
+            </a:r>
+          </a:p>
+          <a:p>
+            <a:pPr lvl="1"/>
+            <a:r>
+              <a:rPr lang="en-US" dirty="0" smtClean="0"/>
+              <a:t>It is highly dependent on which articles were being produced the most at the time of collection. We did not discriminate on the types of articles found. </a:t>
+            </a:r>
+          </a:p>
+          <a:p>
+            <a:pPr lvl="1"/>
+            <a:r>
+              <a:rPr lang="en-US" dirty="0" smtClean="0"/>
+              <a:t>This is a combination of the limitations of the New York Times API and the methodology employed in this study.</a:t>
+            </a:r>
+          </a:p>
+          <a:p>
+            <a:r>
+              <a:rPr lang="en-US" dirty="0" smtClean="0"/>
+              <a:t>This may help to explain some of the results. Some clusters seem to be much more informative than others.</a:t>
+            </a:r>
+            <a:endParaRPr lang="en-US" dirty="0"/>
+          </a:p>
+        </p:txBody>
+      </p:sp>
+    </p:spTree>
+    <p:extLst>
+      <p:ext uri="{BB962C8B-B14F-4D97-AF65-F5344CB8AC3E}">
+        <p14:creationId xmlns:p14="http://schemas.microsoft.com/office/powerpoint/2010/main" val="162719669"/>
+      </p:ext>
+    </p:extLst>
+  </p:cSld>
+  <p:clrMapOvr>
+    <a:masterClrMapping/>
+  </p:clrMapOvr>
+</p:sld>
+</file>
+
+<file path=ppt/slides/slide18.xml><?xml version="1.0" encoding="utf-8"?>
+<p:sld xmlns:a="http://schemas.openxmlformats.org/drawingml/2006/main" xmlns:r="http://schemas.openxmlformats.org/officeDocument/2006/relationships" xmlns:p="http://schemas.openxmlformats.org/presentationml/2006/main">
+  <p:cSld>
+    <p:spTree>
+      <p:nvGrpSpPr>
+        <p:cNvPr id="1" name=""/>
+        <p:cNvGrpSpPr/>
+        <p:nvPr/>
+      </p:nvGrpSpPr>
+      <p:grpSpPr>
+        <a:xfrm>
+          <a:off x="0" y="0"/>
+          <a:ext cx="0" cy="0"/>
+          <a:chOff x="0" y="0"/>
+          <a:chExt cx="0" cy="0"/>
+        </a:xfrm>
+      </p:grpSpPr>
+      <p:sp>
+        <p:nvSpPr>
+          <p:cNvPr id="2" name="Title 1"/>
+          <p:cNvSpPr>
+            <a:spLocks noGrp="1"/>
+          </p:cNvSpPr>
+          <p:nvPr>
+            <p:ph type="title"/>
+          </p:nvPr>
+        </p:nvSpPr>
+        <p:spPr/>
+        <p:txBody>
           <a:bodyPr/>
           <a:lstStyle/>
           <a:p>
@@ -8684,7 +12790,7 @@
 </p:sld>
 </file>
 
-<file path=ppt/slides/slide13.xml><?xml version="1.0" encoding="utf-8"?>
+<file path=ppt/slides/slide19.xml><?xml version="1.0" encoding="utf-8"?>
 <p:sld xmlns:a="http://schemas.openxmlformats.org/drawingml/2006/main" xmlns:r="http://schemas.openxmlformats.org/officeDocument/2006/relationships" xmlns:p="http://schemas.openxmlformats.org/presentationml/2006/main">
   <p:cSld>
     <p:spTree>
@@ -9339,17 +13445,7 @@
                 <a:effectLst/>
                 <a:latin typeface="Consolas" panose="020B0609020204030204" pitchFamily="49" charset="0"/>
               </a:rPr>
-              <a:t>r</a:t>
-            </a:r>
-            <a:r>
-              <a:rPr lang="en-US" b="0" i="0" dirty="0" smtClean="0">
-                <a:solidFill>
-                  <a:srgbClr val="DF5000"/>
-                </a:solidFill>
-                <a:effectLst/>
-                <a:latin typeface="Consolas" panose="020B0609020204030204" pitchFamily="49" charset="0"/>
-              </a:rPr>
-              <a:t>'[^a-z\s]'</a:t>
+              <a:t>r'[^a-z\s]'</a:t>
             </a:r>
             <a:r>
               <a:rPr lang="en-US" b="0" i="0" dirty="0" smtClean="0">
@@ -9365,7 +13461,6 @@
               <a:rPr lang="en-US" dirty="0" smtClean="0"/>
               <a:t> </a:t>
             </a:r>
-            <a:endParaRPr lang="en-US" dirty="0" smtClean="0"/>
           </a:p>
           <a:p>
             <a:pPr marL="914400" lvl="1" indent="-457200">
@@ -9469,6 +13564,104 @@
 </file>
 
 <file path=ppt/slides/slide6.xml><?xml version="1.0" encoding="utf-8"?>
+<p:sld xmlns:a="http://schemas.openxmlformats.org/drawingml/2006/main" xmlns:r="http://schemas.openxmlformats.org/officeDocument/2006/relationships" xmlns:p="http://schemas.openxmlformats.org/presentationml/2006/main">
+  <p:cSld>
+    <p:spTree>
+      <p:nvGrpSpPr>
+        <p:cNvPr id="1" name=""/>
+        <p:cNvGrpSpPr/>
+        <p:nvPr/>
+      </p:nvGrpSpPr>
+      <p:grpSpPr>
+        <a:xfrm>
+          <a:off x="0" y="0"/>
+          <a:ext cx="0" cy="0"/>
+          <a:chOff x="0" y="0"/>
+          <a:chExt cx="0" cy="0"/>
+        </a:xfrm>
+      </p:grpSpPr>
+      <p:sp>
+        <p:nvSpPr>
+          <p:cNvPr id="2" name="Title 1"/>
+          <p:cNvSpPr>
+            <a:spLocks noGrp="1"/>
+          </p:cNvSpPr>
+          <p:nvPr>
+            <p:ph type="title"/>
+          </p:nvPr>
+        </p:nvSpPr>
+        <p:spPr/>
+        <p:txBody>
+          <a:bodyPr/>
+          <a:lstStyle/>
+          <a:p>
+            <a:r>
+              <a:rPr lang="en-US" dirty="0" err="1"/>
+              <a:t>t</a:t>
+            </a:r>
+            <a:r>
+              <a:rPr lang="en-US" dirty="0" err="1" smtClean="0"/>
+              <a:t>f-idf</a:t>
+            </a:r>
+            <a:r>
+              <a:rPr lang="en-US" dirty="0" smtClean="0"/>
+              <a:t> is broken up into a couple of stages</a:t>
+            </a:r>
+            <a:endParaRPr lang="en-US" dirty="0"/>
+          </a:p>
+        </p:txBody>
+      </p:sp>
+      <p:sp>
+        <p:nvSpPr>
+          <p:cNvPr id="3" name="Content Placeholder 2"/>
+          <p:cNvSpPr>
+            <a:spLocks noGrp="1"/>
+          </p:cNvSpPr>
+          <p:nvPr>
+            <p:ph idx="1"/>
+          </p:nvPr>
+        </p:nvSpPr>
+        <p:spPr/>
+        <p:txBody>
+          <a:bodyPr/>
+          <a:lstStyle/>
+          <a:p>
+            <a:pPr marL="514350" indent="-514350">
+              <a:buFont typeface="+mj-lt"/>
+              <a:buAutoNum type="arabicPeriod"/>
+            </a:pPr>
+            <a:r>
+              <a:rPr lang="en-US" dirty="0" smtClean="0"/>
+              <a:t>Term frequency map reduce job.</a:t>
+            </a:r>
+          </a:p>
+          <a:p>
+            <a:pPr marL="514350" indent="-514350">
+              <a:buFont typeface="+mj-lt"/>
+              <a:buAutoNum type="arabicPeriod"/>
+            </a:pPr>
+            <a:r>
+              <a:rPr lang="en-US" dirty="0" smtClean="0"/>
+              <a:t>Document frequency and calculating the total number of documents. Done as a separate map reduce job.</a:t>
+            </a:r>
+            <a:endParaRPr lang="en-US" dirty="0"/>
+          </a:p>
+        </p:txBody>
+      </p:sp>
+    </p:spTree>
+    <p:extLst>
+      <p:ext uri="{BB962C8B-B14F-4D97-AF65-F5344CB8AC3E}">
+        <p14:creationId xmlns:p14="http://schemas.microsoft.com/office/powerpoint/2010/main" val="307509629"/>
+      </p:ext>
+    </p:extLst>
+  </p:cSld>
+  <p:clrMapOvr>
+    <a:masterClrMapping/>
+  </p:clrMapOvr>
+</p:sld>
+</file>
+
+<file path=ppt/slides/slide7.xml><?xml version="1.0" encoding="utf-8"?>
 <p:sld xmlns:a="http://schemas.openxmlformats.org/drawingml/2006/main" xmlns:r="http://schemas.openxmlformats.org/officeDocument/2006/relationships" xmlns:p="http://schemas.openxmlformats.org/presentationml/2006/main">
   <p:cSld>
     <p:spTree>
@@ -9574,14 +13767,20 @@
         </p:nvSpPr>
         <p:spPr/>
         <p:txBody>
-          <a:bodyPr/>
+          <a:bodyPr>
+            <a:normAutofit/>
+          </a:bodyPr>
           <a:lstStyle/>
           <a:p>
             <a:r>
-              <a:rPr lang="en-US" dirty="0" smtClean="0"/>
-              <a:t>How is this parallelized in Hadoop?</a:t>
-            </a:r>
-            <a:endParaRPr lang="en-US" dirty="0"/>
+              <a:rPr lang="en-US" sz="3600" dirty="0" smtClean="0"/>
+              <a:t>How is this parallelized in Hadoop</a:t>
+            </a:r>
+            <a:r>
+              <a:rPr lang="en-US" sz="3600" dirty="0" smtClean="0"/>
+              <a:t>? – Term frequency</a:t>
+            </a:r>
+            <a:endParaRPr lang="en-US" sz="3600" dirty="0"/>
           </a:p>
         </p:txBody>
       </p:sp>
@@ -9589,208 +13788,6 @@
     <p:extLst>
       <p:ext uri="{BB962C8B-B14F-4D97-AF65-F5344CB8AC3E}">
         <p14:creationId xmlns:p14="http://schemas.microsoft.com/office/powerpoint/2010/main" val="2005497109"/>
-      </p:ext>
-    </p:extLst>
-  </p:cSld>
-  <p:clrMapOvr>
-    <a:masterClrMapping/>
-  </p:clrMapOvr>
-  <p:timing>
-    <p:tnLst>
-      <p:par>
-        <p:cTn id="1" dur="indefinite" restart="never" nodeType="tmRoot"/>
-      </p:par>
-    </p:tnLst>
-  </p:timing>
-</p:sld>
-</file>
-
-<file path=ppt/slides/slide7.xml><?xml version="1.0" encoding="utf-8"?>
-<p:sld xmlns:a="http://schemas.openxmlformats.org/drawingml/2006/main" xmlns:r="http://schemas.openxmlformats.org/officeDocument/2006/relationships" xmlns:p="http://schemas.openxmlformats.org/presentationml/2006/main">
-  <p:cSld>
-    <p:spTree>
-      <p:nvGrpSpPr>
-        <p:cNvPr id="1" name=""/>
-        <p:cNvGrpSpPr/>
-        <p:nvPr/>
-      </p:nvGrpSpPr>
-      <p:grpSpPr>
-        <a:xfrm>
-          <a:off x="0" y="0"/>
-          <a:ext cx="0" cy="0"/>
-          <a:chOff x="0" y="0"/>
-          <a:chExt cx="0" cy="0"/>
-        </a:xfrm>
-      </p:grpSpPr>
-      <p:sp>
-        <p:nvSpPr>
-          <p:cNvPr id="4" name="Title 3"/>
-          <p:cNvSpPr>
-            <a:spLocks noGrp="1"/>
-          </p:cNvSpPr>
-          <p:nvPr>
-            <p:ph type="title"/>
-          </p:nvPr>
-        </p:nvSpPr>
-        <p:spPr/>
-        <p:txBody>
-          <a:bodyPr/>
-          <a:lstStyle/>
-          <a:p>
-            <a:r>
-              <a:rPr lang="en-US" dirty="0" err="1" smtClean="0"/>
-              <a:t>tf-idf</a:t>
-            </a:r>
-            <a:r>
-              <a:rPr lang="en-US" dirty="0" smtClean="0"/>
-              <a:t> </a:t>
-            </a:r>
-            <a:endParaRPr lang="en-US" dirty="0"/>
-          </a:p>
-        </p:txBody>
-      </p:sp>
-      <p:sp>
-        <p:nvSpPr>
-          <p:cNvPr id="5" name="Content Placeholder 4"/>
-          <p:cNvSpPr>
-            <a:spLocks noGrp="1"/>
-          </p:cNvSpPr>
-          <p:nvPr>
-            <p:ph idx="1"/>
-          </p:nvPr>
-        </p:nvSpPr>
-        <p:spPr/>
-        <p:txBody>
-          <a:bodyPr/>
-          <a:lstStyle/>
-          <a:p>
-            <a:r>
-              <a:rPr lang="en-US" dirty="0" smtClean="0"/>
-              <a:t>Dictionary is constructed of each document, the words it contains, and the frequencies of these words – this is all provided from the mapper.</a:t>
-            </a:r>
-          </a:p>
-          <a:p>
-            <a:r>
-              <a:rPr lang="en-US" dirty="0" smtClean="0"/>
-              <a:t>Frequency matrix is constructed for all documents.</a:t>
-            </a:r>
-          </a:p>
-          <a:p>
-            <a:pPr lvl="1"/>
-            <a:r>
-              <a:rPr lang="en-US" dirty="0" smtClean="0"/>
-              <a:t>Items without entries are filled with zeroes.</a:t>
-            </a:r>
-          </a:p>
-          <a:p>
-            <a:r>
-              <a:rPr lang="en-US" dirty="0" smtClean="0"/>
-              <a:t>Augmented (normalized) frequency matrix is calculated. </a:t>
-            </a:r>
-            <a:endParaRPr lang="en-US" dirty="0"/>
-          </a:p>
-          <a:p>
-            <a:pPr lvl="1"/>
-            <a:r>
-              <a:rPr lang="en-US" dirty="0" smtClean="0"/>
-              <a:t>This removes the bias for longer documents.</a:t>
-            </a:r>
-          </a:p>
-          <a:p>
-            <a:endParaRPr lang="en-US" dirty="0" smtClean="0"/>
-          </a:p>
-        </p:txBody>
-      </p:sp>
-      <p:pic>
-        <p:nvPicPr>
-          <p:cNvPr id="1026" name="Picture 2" descr="http://pandas.pydata.org/_static/pandas_logo.png"/>
-          <p:cNvPicPr>
-            <a:picLocks noChangeAspect="1" noChangeArrowheads="1"/>
-          </p:cNvPicPr>
-          <p:nvPr/>
-        </p:nvPicPr>
-        <p:blipFill>
-          <a:blip r:embed="rId2">
-            <a:extLst>
-              <a:ext uri="{28A0092B-C50C-407E-A947-70E740481C1C}">
-                <a14:useLocalDpi xmlns:a14="http://schemas.microsoft.com/office/drawing/2010/main" val="0"/>
-              </a:ext>
-            </a:extLst>
-          </a:blip>
-          <a:srcRect/>
-          <a:stretch>
-            <a:fillRect/>
-          </a:stretch>
-        </p:blipFill>
-        <p:spPr bwMode="auto">
-          <a:xfrm>
-            <a:off x="6334125" y="365125"/>
-            <a:ext cx="5857875" cy="1190625"/>
-          </a:xfrm>
-          <a:prstGeom prst="rect">
-            <a:avLst/>
-          </a:prstGeom>
-          <a:noFill/>
-          <a:extLst>
-            <a:ext uri="{909E8E84-426E-40DD-AFC4-6F175D3DCCD1}">
-              <a14:hiddenFill xmlns:a14="http://schemas.microsoft.com/office/drawing/2010/main">
-                <a:solidFill>
-                  <a:srgbClr val="FFFFFF"/>
-                </a:solidFill>
-              </a14:hiddenFill>
-            </a:ext>
-          </a:extLst>
-        </p:spPr>
-      </p:pic>
-      <p:pic>
-        <p:nvPicPr>
-          <p:cNvPr id="1030" name="Picture 6" descr="augmented frequency"/>
-          <p:cNvPicPr>
-            <a:picLocks noChangeAspect="1" noChangeArrowheads="1"/>
-          </p:cNvPicPr>
-          <p:nvPr/>
-        </p:nvPicPr>
-        <p:blipFill>
-          <a:blip r:embed="rId3">
-            <a:extLst>
-              <a:ext uri="{28A0092B-C50C-407E-A947-70E740481C1C}">
-                <a14:useLocalDpi xmlns:a14="http://schemas.microsoft.com/office/drawing/2010/main" val="0"/>
-              </a:ext>
-            </a:extLst>
-          </a:blip>
-          <a:srcRect/>
-          <a:stretch>
-            <a:fillRect/>
-          </a:stretch>
-        </p:blipFill>
-        <p:spPr bwMode="auto">
-          <a:xfrm>
-            <a:off x="7256591" y="4482841"/>
-            <a:ext cx="4300004" cy="665807"/>
-          </a:xfrm>
-          <a:prstGeom prst="rect">
-            <a:avLst/>
-          </a:prstGeom>
-        </p:spPr>
-        <p:style>
-          <a:lnRef idx="2">
-            <a:schemeClr val="accent2"/>
-          </a:lnRef>
-          <a:fillRef idx="1">
-            <a:schemeClr val="lt1"/>
-          </a:fillRef>
-          <a:effectRef idx="0">
-            <a:schemeClr val="accent2"/>
-          </a:effectRef>
-          <a:fontRef idx="minor">
-            <a:schemeClr val="dk1"/>
-          </a:fontRef>
-        </p:style>
-      </p:pic>
-    </p:spTree>
-    <p:extLst>
-      <p:ext uri="{BB962C8B-B14F-4D97-AF65-F5344CB8AC3E}">
-        <p14:creationId xmlns:p14="http://schemas.microsoft.com/office/powerpoint/2010/main" val="2771372540"/>
       </p:ext>
     </p:extLst>
   </p:cSld>
@@ -9840,78 +13837,302 @@
           <a:lstStyle/>
           <a:p>
             <a:r>
-              <a:rPr lang="en-US" dirty="0" err="1" smtClean="0"/>
-              <a:t>tf-idf</a:t>
-            </a:r>
-            <a:r>
               <a:rPr lang="en-US" dirty="0" smtClean="0"/>
-              <a:t> (contd.) </a:t>
+              <a:t>Term frequency</a:t>
             </a:r>
             <a:endParaRPr lang="en-US" dirty="0"/>
           </a:p>
         </p:txBody>
       </p:sp>
-      <p:sp>
-        <p:nvSpPr>
-          <p:cNvPr id="5" name="Content Placeholder 4"/>
-          <p:cNvSpPr>
-            <a:spLocks noGrp="1"/>
-          </p:cNvSpPr>
-          <p:nvPr>
-            <p:ph idx="1"/>
-          </p:nvPr>
-        </p:nvSpPr>
-        <p:spPr/>
-        <p:txBody>
-          <a:bodyPr/>
-          <a:lstStyle/>
-          <a:p>
-            <a:r>
-              <a:rPr lang="en-US" dirty="0" smtClean="0"/>
-              <a:t>Document frequency vector is calculated by counting the number of non-zero items on each row.</a:t>
-            </a:r>
-          </a:p>
-          <a:p>
-            <a:r>
-              <a:rPr lang="en-US" dirty="0" smtClean="0"/>
-              <a:t>From these data structures we can calculate the inverse document frequency (</a:t>
-            </a:r>
-            <a:r>
-              <a:rPr lang="en-US" dirty="0" err="1" smtClean="0"/>
-              <a:t>idf</a:t>
-            </a:r>
-            <a:r>
-              <a:rPr lang="en-US" dirty="0" smtClean="0"/>
-              <a:t>) vector.</a:t>
-            </a:r>
-          </a:p>
-          <a:p>
-            <a:r>
-              <a:rPr lang="en-US" dirty="0" smtClean="0"/>
-              <a:t>From this, we multiply the normalized frequency matrix with the </a:t>
-            </a:r>
-            <a:r>
-              <a:rPr lang="en-US" dirty="0" err="1" smtClean="0"/>
-              <a:t>idf</a:t>
-            </a:r>
-            <a:r>
-              <a:rPr lang="en-US" dirty="0" smtClean="0"/>
-              <a:t> vector to calculate the </a:t>
-            </a:r>
-            <a:r>
-              <a:rPr lang="en-US" dirty="0" err="1" smtClean="0"/>
-              <a:t>tf-idf</a:t>
-            </a:r>
-            <a:r>
-              <a:rPr lang="en-US" dirty="0" smtClean="0"/>
-              <a:t> matrix.</a:t>
-            </a:r>
-          </a:p>
-          <a:p>
-            <a:endParaRPr lang="en-US" dirty="0" smtClean="0"/>
-          </a:p>
-        </p:txBody>
-      </p:sp>
+      <mc:AlternateContent xmlns:mc="http://schemas.openxmlformats.org/markup-compatibility/2006">
+        <mc:Choice xmlns:a14="http://schemas.microsoft.com/office/drawing/2010/main" Requires="a14">
+          <p:sp>
+            <p:nvSpPr>
+              <p:cNvPr id="5" name="Content Placeholder 4"/>
+              <p:cNvSpPr>
+                <a:spLocks noGrp="1"/>
+              </p:cNvSpPr>
+              <p:nvPr>
+                <p:ph idx="1"/>
+              </p:nvPr>
+            </p:nvSpPr>
+            <p:spPr/>
+            <p:txBody>
+              <a:bodyPr/>
+              <a:lstStyle/>
+              <a:p>
+                <a:r>
+                  <a:rPr lang="en-US" dirty="0" smtClean="0"/>
+                  <a:t>Dictionary is constructed of each document, the words it contains, and the frequencies of these words – this is all provided from the mapper.</a:t>
+                </a:r>
+              </a:p>
+              <a:p>
+                <a:r>
+                  <a:rPr lang="en-US" dirty="0" smtClean="0"/>
+                  <a:t>A pandas Series is </a:t>
+                </a:r>
+                <a:r>
+                  <a:rPr lang="en-US" dirty="0" smtClean="0"/>
+                  <a:t>constructed for all documents</a:t>
+                </a:r>
+                <a:r>
+                  <a:rPr lang="en-US" dirty="0" smtClean="0"/>
+                  <a:t>. This is sparse, because it specifies the entries which ar</a:t>
+                </a:r>
+                <a:r>
+                  <a:rPr lang="en-US" dirty="0" smtClean="0"/>
+                  <a:t>e non-zero.</a:t>
+                </a:r>
+                <a:endParaRPr lang="en-US" dirty="0" smtClean="0"/>
+              </a:p>
+              <a:p>
+                <a:r>
+                  <a:rPr lang="en-US" dirty="0" smtClean="0"/>
+                  <a:t>Augmented </a:t>
+                </a:r>
+                <a:r>
+                  <a:rPr lang="en-US" dirty="0" smtClean="0"/>
+                  <a:t>(normalized) </a:t>
+                </a:r>
+                <a:r>
+                  <a:rPr lang="en-US" dirty="0" smtClean="0"/>
+                  <a:t>term frequency vector is calculated. </a:t>
+                </a:r>
+              </a:p>
+              <a:p>
+                <a:pPr lvl="1"/>
+                <a14:m>
+                  <m:oMath xmlns:m="http://schemas.openxmlformats.org/officeDocument/2006/math">
+                    <m:r>
+                      <a:rPr lang="en-US" b="0" i="1" smtClean="0">
+                        <a:latin typeface="Cambria Math" panose="02040503050406030204" pitchFamily="18" charset="0"/>
+                      </a:rPr>
+                      <m:t>𝑡𝑓</m:t>
+                    </m:r>
+                    <m:d>
+                      <m:dPr>
+                        <m:ctrlPr>
+                          <a:rPr lang="en-US" b="0" i="1" smtClean="0">
+                            <a:latin typeface="Cambria Math" panose="02040503050406030204" pitchFamily="18" charset="0"/>
+                          </a:rPr>
+                        </m:ctrlPr>
+                      </m:dPr>
+                      <m:e>
+                        <m:r>
+                          <a:rPr lang="en-US" b="0" i="1" smtClean="0">
+                            <a:latin typeface="Cambria Math" panose="02040503050406030204" pitchFamily="18" charset="0"/>
+                          </a:rPr>
+                          <m:t>𝑡</m:t>
+                        </m:r>
+                        <m:r>
+                          <a:rPr lang="en-US" b="0" i="1" smtClean="0">
+                            <a:latin typeface="Cambria Math" panose="02040503050406030204" pitchFamily="18" charset="0"/>
+                          </a:rPr>
+                          <m:t>,</m:t>
+                        </m:r>
+                        <m:r>
+                          <a:rPr lang="en-US" b="0" i="1" smtClean="0">
+                            <a:latin typeface="Cambria Math" panose="02040503050406030204" pitchFamily="18" charset="0"/>
+                          </a:rPr>
+                          <m:t>𝑑</m:t>
+                        </m:r>
+                      </m:e>
+                    </m:d>
+                    <m:r>
+                      <a:rPr lang="en-US" b="0" i="1" smtClean="0">
+                        <a:latin typeface="Cambria Math" panose="02040503050406030204" pitchFamily="18" charset="0"/>
+                      </a:rPr>
+                      <m:t>=</m:t>
+                    </m:r>
+                    <m:f>
+                      <m:fPr>
+                        <m:ctrlPr>
+                          <a:rPr lang="en-US" b="0" i="1" smtClean="0">
+                            <a:latin typeface="Cambria Math" panose="02040503050406030204" pitchFamily="18" charset="0"/>
+                          </a:rPr>
+                        </m:ctrlPr>
+                      </m:fPr>
+                      <m:num>
+                        <m:r>
+                          <a:rPr lang="en-US" b="0" i="1" smtClean="0">
+                            <a:latin typeface="Cambria Math" panose="02040503050406030204" pitchFamily="18" charset="0"/>
+                          </a:rPr>
+                          <m:t>𝑓</m:t>
+                        </m:r>
+                        <m:d>
+                          <m:dPr>
+                            <m:ctrlPr>
+                              <a:rPr lang="en-US" b="0" i="1" smtClean="0">
+                                <a:latin typeface="Cambria Math" panose="02040503050406030204" pitchFamily="18" charset="0"/>
+                              </a:rPr>
+                            </m:ctrlPr>
+                          </m:dPr>
+                          <m:e>
+                            <m:r>
+                              <a:rPr lang="en-US" b="0" i="1" smtClean="0">
+                                <a:latin typeface="Cambria Math" panose="02040503050406030204" pitchFamily="18" charset="0"/>
+                              </a:rPr>
+                              <m:t>𝑡</m:t>
+                            </m:r>
+                            <m:r>
+                              <a:rPr lang="en-US" b="0" i="1" smtClean="0">
+                                <a:latin typeface="Cambria Math" panose="02040503050406030204" pitchFamily="18" charset="0"/>
+                              </a:rPr>
+                              <m:t>,</m:t>
+                            </m:r>
+                            <m:r>
+                              <a:rPr lang="en-US" b="0" i="1" smtClean="0">
+                                <a:latin typeface="Cambria Math" panose="02040503050406030204" pitchFamily="18" charset="0"/>
+                              </a:rPr>
+                              <m:t>𝑑</m:t>
+                            </m:r>
+                          </m:e>
+                        </m:d>
+                      </m:num>
+                      <m:den>
+                        <m:r>
+                          <a:rPr lang="en-US" b="0" i="1" smtClean="0">
+                            <a:latin typeface="Cambria Math" panose="02040503050406030204" pitchFamily="18" charset="0"/>
+                          </a:rPr>
+                          <m:t>𝑠𝑢𝑚</m:t>
+                        </m:r>
+                        <m:r>
+                          <a:rPr lang="en-US" b="0" i="1" smtClean="0">
+                            <a:latin typeface="Cambria Math" panose="02040503050406030204" pitchFamily="18" charset="0"/>
+                          </a:rPr>
+                          <m:t>(</m:t>
+                        </m:r>
+                        <m:r>
+                          <a:rPr lang="en-US" b="0" i="1" smtClean="0">
+                            <a:latin typeface="Cambria Math" panose="02040503050406030204" pitchFamily="18" charset="0"/>
+                          </a:rPr>
+                          <m:t>𝑓</m:t>
+                        </m:r>
+                        <m:d>
+                          <m:dPr>
+                            <m:ctrlPr>
+                              <a:rPr lang="en-US" b="0" i="1" smtClean="0">
+                                <a:latin typeface="Cambria Math" panose="02040503050406030204" pitchFamily="18" charset="0"/>
+                              </a:rPr>
+                            </m:ctrlPr>
+                          </m:dPr>
+                          <m:e>
+                            <m:r>
+                              <a:rPr lang="en-US" b="0" i="1" smtClean="0">
+                                <a:latin typeface="Cambria Math" panose="02040503050406030204" pitchFamily="18" charset="0"/>
+                              </a:rPr>
+                              <m:t>𝑡</m:t>
+                            </m:r>
+                            <m:r>
+                              <a:rPr lang="en-US" b="0" i="1" smtClean="0">
+                                <a:latin typeface="Cambria Math" panose="02040503050406030204" pitchFamily="18" charset="0"/>
+                              </a:rPr>
+                              <m:t>,</m:t>
+                            </m:r>
+                            <m:r>
+                              <a:rPr lang="en-US" b="0" i="1" smtClean="0">
+                                <a:latin typeface="Cambria Math" panose="02040503050406030204" pitchFamily="18" charset="0"/>
+                              </a:rPr>
+                              <m:t>𝑑</m:t>
+                            </m:r>
+                          </m:e>
+                        </m:d>
+                        <m:r>
+                          <a:rPr lang="en-US" b="0" i="1" smtClean="0">
+                            <a:latin typeface="Cambria Math" panose="02040503050406030204" pitchFamily="18" charset="0"/>
+                          </a:rPr>
+                          <m:t> </m:t>
+                        </m:r>
+                        <m:r>
+                          <a:rPr lang="en-US" b="0" i="1" smtClean="0">
+                            <a:latin typeface="Cambria Math" panose="02040503050406030204" pitchFamily="18" charset="0"/>
+                            <a:ea typeface="Cambria Math" panose="02040503050406030204" pitchFamily="18" charset="0"/>
+                          </a:rPr>
+                          <m:t>∀ </m:t>
+                        </m:r>
+                        <m:r>
+                          <a:rPr lang="en-US" b="0" i="1" smtClean="0">
+                            <a:latin typeface="Cambria Math" panose="02040503050406030204" pitchFamily="18" charset="0"/>
+                            <a:ea typeface="Cambria Math" panose="02040503050406030204" pitchFamily="18" charset="0"/>
+                          </a:rPr>
+                          <m:t>𝑡</m:t>
+                        </m:r>
+                        <m:r>
+                          <a:rPr lang="en-US" b="0" i="1" smtClean="0">
+                            <a:latin typeface="Cambria Math" panose="02040503050406030204" pitchFamily="18" charset="0"/>
+                            <a:ea typeface="Cambria Math" panose="02040503050406030204" pitchFamily="18" charset="0"/>
+                          </a:rPr>
+                          <m:t>∈</m:t>
+                        </m:r>
+                        <m:r>
+                          <a:rPr lang="en-US" b="0" i="1" smtClean="0">
+                            <a:latin typeface="Cambria Math" panose="02040503050406030204" pitchFamily="18" charset="0"/>
+                            <a:ea typeface="Cambria Math" panose="02040503050406030204" pitchFamily="18" charset="0"/>
+                          </a:rPr>
+                          <m:t>𝑑</m:t>
+                        </m:r>
+                        <m:r>
+                          <a:rPr lang="en-US" b="0" i="1" smtClean="0">
+                            <a:latin typeface="Cambria Math" panose="02040503050406030204" pitchFamily="18" charset="0"/>
+                          </a:rPr>
+                          <m:t>)</m:t>
+                        </m:r>
+                      </m:den>
+                    </m:f>
+                  </m:oMath>
+                </a14:m>
+                <a:endParaRPr lang="en-US" dirty="0"/>
+              </a:p>
+              <a:p>
+                <a:pPr lvl="1"/>
+                <a:r>
+                  <a:rPr lang="en-US" dirty="0" smtClean="0"/>
+                  <a:t>This removes the bias for longer documents.</a:t>
+                </a:r>
+              </a:p>
+              <a:p>
+                <a:pPr marL="0" indent="0">
+                  <a:buNone/>
+                </a:pPr>
+                <a:endParaRPr lang="en-US" dirty="0" smtClean="0"/>
+              </a:p>
+            </p:txBody>
+          </p:sp>
+        </mc:Choice>
+        <mc:Fallback>
+          <p:sp>
+            <p:nvSpPr>
+              <p:cNvPr id="5" name="Content Placeholder 4"/>
+              <p:cNvSpPr>
+                <a:spLocks noGrp="1" noRot="1" noChangeAspect="1" noMove="1" noResize="1" noEditPoints="1" noAdjustHandles="1" noChangeArrowheads="1" noChangeShapeType="1" noTextEdit="1"/>
+              </p:cNvSpPr>
+              <p:nvPr>
+                <p:ph idx="1"/>
+              </p:nvPr>
+            </p:nvSpPr>
+            <p:spPr>
+              <a:blipFill rotWithShape="0">
+                <a:blip r:embed="rId2"/>
+                <a:stretch>
+                  <a:fillRect l="-1043" t="-2241"/>
+                </a:stretch>
+              </a:blipFill>
+            </p:spPr>
+            <p:txBody>
+              <a:bodyPr/>
+              <a:lstStyle/>
+              <a:p>
+                <a:r>
+                  <a:rPr lang="en-US">
+                    <a:noFill/>
+                  </a:rPr>
+                  <a:t> </a:t>
+                </a:r>
+              </a:p>
+            </p:txBody>
+          </p:sp>
+        </mc:Fallback>
+      </mc:AlternateContent>
       <p:pic>
         <p:nvPicPr>
           <p:cNvPr id="1026" name="Picture 2" descr="http://pandas.pydata.org/_static/pandas_logo.png"/>
@@ -9921,7 +14142,7 @@
           <p:nvPr/>
         </p:nvPicPr>
         <p:blipFill>
-          <a:blip r:embed="rId2">
+          <a:blip r:embed="rId3">
             <a:extLst>
               <a:ext uri="{28A0092B-C50C-407E-A947-70E740481C1C}">
                 <a14:useLocalDpi xmlns:a14="http://schemas.microsoft.com/office/drawing/2010/main" val="0"/>
@@ -9953,55 +14174,10 @@
           </a:extLst>
         </p:spPr>
       </p:pic>
-      <p:pic>
-        <p:nvPicPr>
-          <p:cNvPr id="3074" name="Picture 2" descr="tf-idf"/>
-          <p:cNvPicPr>
-            <a:picLocks noChangeAspect="1" noChangeArrowheads="1"/>
-          </p:cNvPicPr>
-          <p:nvPr/>
-        </p:nvPicPr>
-        <p:blipFill>
-          <a:blip r:embed="rId3">
-            <a:extLst>
-              <a:ext uri="{28A0092B-C50C-407E-A947-70E740481C1C}">
-                <a14:useLocalDpi xmlns:a14="http://schemas.microsoft.com/office/drawing/2010/main" val="0"/>
-              </a:ext>
-            </a:extLst>
-          </a:blip>
-          <a:srcRect/>
-          <a:stretch>
-            <a:fillRect/>
-          </a:stretch>
-        </p:blipFill>
-        <p:spPr bwMode="auto">
-          <a:xfrm>
-            <a:off x="4650131" y="3164488"/>
-            <a:ext cx="2994583" cy="512086"/>
-          </a:xfrm>
-          <a:prstGeom prst="rect">
-            <a:avLst/>
-          </a:prstGeom>
-        </p:spPr>
-        <p:style>
-          <a:lnRef idx="2">
-            <a:schemeClr val="accent2"/>
-          </a:lnRef>
-          <a:fillRef idx="1">
-            <a:schemeClr val="lt1"/>
-          </a:fillRef>
-          <a:effectRef idx="0">
-            <a:schemeClr val="accent2"/>
-          </a:effectRef>
-          <a:fontRef idx="minor">
-            <a:schemeClr val="dk1"/>
-          </a:fontRef>
-        </p:style>
-      </p:pic>
     </p:spTree>
     <p:extLst>
       <p:ext uri="{BB962C8B-B14F-4D97-AF65-F5344CB8AC3E}">
-        <p14:creationId xmlns:p14="http://schemas.microsoft.com/office/powerpoint/2010/main" val="1353182651"/>
+        <p14:creationId xmlns:p14="http://schemas.microsoft.com/office/powerpoint/2010/main" val="2771372540"/>
       </p:ext>
     </p:extLst>
   </p:cSld>
@@ -10043,27 +14219,24 @@
         </p:nvSpPr>
         <p:spPr>
           <a:xfrm>
-            <a:off x="4497858" y="2356022"/>
-            <a:ext cx="3196283" cy="3476367"/>
+            <a:off x="3554233" y="2433099"/>
+            <a:ext cx="5104737" cy="3108960"/>
           </a:xfrm>
           <a:prstGeom prst="rect">
             <a:avLst/>
           </a:prstGeom>
-          <a:solidFill>
-            <a:schemeClr val="accent6"/>
-          </a:solidFill>
         </p:spPr>
         <p:style>
           <a:lnRef idx="2">
-            <a:schemeClr val="accent1">
+            <a:schemeClr val="accent6">
               <a:shade val="50000"/>
             </a:schemeClr>
           </a:lnRef>
           <a:fillRef idx="1">
-            <a:schemeClr val="accent1"/>
+            <a:schemeClr val="accent6"/>
           </a:fillRef>
           <a:effectRef idx="0">
-            <a:schemeClr val="accent1"/>
+            <a:schemeClr val="accent6"/>
           </a:effectRef>
           <a:fontRef idx="minor">
             <a:schemeClr val="lt1"/>
@@ -10075,31 +14248,16 @@
           <a:p>
             <a:pPr algn="ctr"/>
             <a:r>
-              <a:rPr lang="en-US" sz="2800" dirty="0" smtClean="0"/>
-              <a:t>Hadoop reducer</a:t>
-            </a:r>
-            <a:endParaRPr lang="en-US" sz="2800" dirty="0"/>
-          </a:p>
-        </p:txBody>
-      </p:sp>
-      <p:sp>
-        <p:nvSpPr>
-          <p:cNvPr id="2" name="Title 1"/>
-          <p:cNvSpPr>
-            <a:spLocks noGrp="1"/>
-          </p:cNvSpPr>
-          <p:nvPr>
-            <p:ph type="title"/>
-          </p:nvPr>
-        </p:nvSpPr>
-        <p:spPr/>
-        <p:txBody>
-          <a:bodyPr/>
-          <a:lstStyle/>
-          <a:p>
-            <a:r>
               <a:rPr lang="en-US" dirty="0" smtClean="0"/>
-              <a:t>How is this parallelized in Hadoop?</a:t>
+              <a:t> </a:t>
+            </a:r>
+            <a:r>
+              <a:rPr lang="en-US" sz="4400" dirty="0" smtClean="0"/>
+              <a:t>Hadoop </a:t>
+            </a:r>
+            <a:r>
+              <a:rPr lang="en-US" sz="4400" dirty="0" smtClean="0"/>
+              <a:t>reducer</a:t>
             </a:r>
             <a:endParaRPr lang="en-US" dirty="0"/>
           </a:p>
@@ -10115,7 +14273,7 @@
             <p:ph idx="1"/>
             <p:extLst>
               <p:ext uri="{D42A27DB-BD31-4B8C-83A1-F6EECF244321}">
-                <p14:modId xmlns:p14="http://schemas.microsoft.com/office/powerpoint/2010/main" val="4141724312"/>
+                <p14:modId xmlns:p14="http://schemas.microsoft.com/office/powerpoint/2010/main" val="1904909466"/>
               </p:ext>
             </p:extLst>
           </p:nvPr>
@@ -10130,10 +14288,39 @@
           </a:graphicData>
         </a:graphic>
       </p:graphicFrame>
+      <p:sp>
+        <p:nvSpPr>
+          <p:cNvPr id="2" name="Title 1"/>
+          <p:cNvSpPr>
+            <a:spLocks noGrp="1"/>
+          </p:cNvSpPr>
+          <p:nvPr>
+            <p:ph type="title"/>
+          </p:nvPr>
+        </p:nvSpPr>
+        <p:spPr/>
+        <p:txBody>
+          <a:bodyPr>
+            <a:normAutofit/>
+          </a:bodyPr>
+          <a:lstStyle/>
+          <a:p>
+            <a:r>
+              <a:rPr lang="en-US" sz="3600" dirty="0" smtClean="0"/>
+              <a:t>How is this parallelized in Hadoop</a:t>
+            </a:r>
+            <a:r>
+              <a:rPr lang="en-US" sz="3600" dirty="0" smtClean="0"/>
+              <a:t>? – Doc frequency</a:t>
+            </a:r>
+            <a:endParaRPr lang="en-US" sz="3600" dirty="0"/>
+          </a:p>
+        </p:txBody>
+      </p:sp>
     </p:spTree>
     <p:extLst>
       <p:ext uri="{BB962C8B-B14F-4D97-AF65-F5344CB8AC3E}">
-        <p14:creationId xmlns:p14="http://schemas.microsoft.com/office/powerpoint/2010/main" val="1095346935"/>
+        <p14:creationId xmlns:p14="http://schemas.microsoft.com/office/powerpoint/2010/main" val="1065590461"/>
       </p:ext>
     </p:extLst>
   </p:cSld>

--- a/docs/presentation.pptx
+++ b/docs/presentation.pptx
@@ -21,9 +21,10 @@
     <p:sldId id="271" r:id="rId15"/>
     <p:sldId id="272" r:id="rId16"/>
     <p:sldId id="273" r:id="rId17"/>
-    <p:sldId id="274" r:id="rId18"/>
-    <p:sldId id="260" r:id="rId19"/>
-    <p:sldId id="267" r:id="rId20"/>
+    <p:sldId id="275" r:id="rId18"/>
+    <p:sldId id="274" r:id="rId19"/>
+    <p:sldId id="260" r:id="rId20"/>
+    <p:sldId id="267" r:id="rId21"/>
   </p:sldIdLst>
   <p:sldSz cx="12192000" cy="6858000"/>
   <p:notesSz cx="6858000" cy="9144000"/>
@@ -3344,16 +3345,16 @@
     </dgm:pt>
   </dgm:ptLst>
   <dgm:cxnLst>
-    <dgm:cxn modelId="{85EABAA7-D7A4-4AB7-B22B-9712989B93F0}" type="presOf" srcId="{5A531D99-B84E-4AF3-A437-B8448FE4E2B9}" destId="{201AA08F-03A7-47E4-BE01-E48D1FAB16DA}" srcOrd="0" destOrd="0" presId="urn:microsoft.com/office/officeart/2005/8/layout/process1"/>
-    <dgm:cxn modelId="{830DC654-9D76-46FE-ADBD-1E904728BC16}" srcId="{3096E159-40D3-414A-80F6-250B4D8BFD47}" destId="{E5702974-0ED9-4643-BAC1-110A83A02B58}" srcOrd="0" destOrd="0" parTransId="{04E0E73D-15E7-4C78-AB3E-25665872F886}" sibTransId="{4BFEE441-A433-4286-B540-F49EC5C239F8}"/>
-    <dgm:cxn modelId="{B534C948-4EFB-4B3B-BAEF-AC208D422F16}" type="presOf" srcId="{E5702974-0ED9-4643-BAC1-110A83A02B58}" destId="{57822964-2392-40EC-85E4-20F152301F81}" srcOrd="0" destOrd="0" presId="urn:microsoft.com/office/officeart/2005/8/layout/process1"/>
-    <dgm:cxn modelId="{E38ED4C2-44CD-4FDC-AD26-44BCE46A6958}" type="presOf" srcId="{32A4DBDD-6A40-41A5-8BFC-87F0A156C9F7}" destId="{01E74070-BC89-4E6C-B7B6-2C389AC66633}" srcOrd="0" destOrd="0" presId="urn:microsoft.com/office/officeart/2005/8/layout/process1"/>
-    <dgm:cxn modelId="{60E91877-EF16-4413-B98B-B86A9F10EA30}" type="presOf" srcId="{0DFE6958-23C7-4DC3-B3CA-4064FEE42DFC}" destId="{B640E2EA-7CD7-4A75-9991-ABAA1449AC7D}" srcOrd="0" destOrd="0" presId="urn:microsoft.com/office/officeart/2005/8/layout/process1"/>
-    <dgm:cxn modelId="{AE8624F8-4BE8-4032-B704-C9521473D0D5}" srcId="{3096E159-40D3-414A-80F6-250B4D8BFD47}" destId="{5A531D99-B84E-4AF3-A437-B8448FE4E2B9}" srcOrd="2" destOrd="0" parTransId="{1D605A95-D13E-488D-ADB8-CE5AFC00AF23}" sibTransId="{8933FFE8-EDB2-4C29-B310-A01A92F37602}"/>
-    <dgm:cxn modelId="{ED8C808E-F974-44FB-8450-39F467C7B685}" type="presOf" srcId="{4BFEE441-A433-4286-B540-F49EC5C239F8}" destId="{6C1FC4BC-1E72-496C-A0C3-422352D72408}" srcOrd="0" destOrd="0" presId="urn:microsoft.com/office/officeart/2005/8/layout/process1"/>
     <dgm:cxn modelId="{05F15B23-488E-4657-95E0-C5A2DDB81C8E}" type="presOf" srcId="{3096E159-40D3-414A-80F6-250B4D8BFD47}" destId="{2B3ED628-E4B6-4798-BE01-D41BCE33D47D}" srcOrd="0" destOrd="0" presId="urn:microsoft.com/office/officeart/2005/8/layout/process1"/>
     <dgm:cxn modelId="{A50BDEDF-E043-42B0-9EAD-297975E613AD}" type="presOf" srcId="{4BFEE441-A433-4286-B540-F49EC5C239F8}" destId="{22BE713E-402A-4492-8E6F-23C36AA26DE6}" srcOrd="1" destOrd="0" presId="urn:microsoft.com/office/officeart/2005/8/layout/process1"/>
+    <dgm:cxn modelId="{AE8624F8-4BE8-4032-B704-C9521473D0D5}" srcId="{3096E159-40D3-414A-80F6-250B4D8BFD47}" destId="{5A531D99-B84E-4AF3-A437-B8448FE4E2B9}" srcOrd="2" destOrd="0" parTransId="{1D605A95-D13E-488D-ADB8-CE5AFC00AF23}" sibTransId="{8933FFE8-EDB2-4C29-B310-A01A92F37602}"/>
     <dgm:cxn modelId="{C663987D-0204-4D51-BCB5-6781FFC544DE}" type="presOf" srcId="{0DFE6958-23C7-4DC3-B3CA-4064FEE42DFC}" destId="{7D1F9921-E645-45D0-9105-0FAFB0428E2D}" srcOrd="1" destOrd="0" presId="urn:microsoft.com/office/officeart/2005/8/layout/process1"/>
+    <dgm:cxn modelId="{85EABAA7-D7A4-4AB7-B22B-9712989B93F0}" type="presOf" srcId="{5A531D99-B84E-4AF3-A437-B8448FE4E2B9}" destId="{201AA08F-03A7-47E4-BE01-E48D1FAB16DA}" srcOrd="0" destOrd="0" presId="urn:microsoft.com/office/officeart/2005/8/layout/process1"/>
+    <dgm:cxn modelId="{ED8C808E-F974-44FB-8450-39F467C7B685}" type="presOf" srcId="{4BFEE441-A433-4286-B540-F49EC5C239F8}" destId="{6C1FC4BC-1E72-496C-A0C3-422352D72408}" srcOrd="0" destOrd="0" presId="urn:microsoft.com/office/officeart/2005/8/layout/process1"/>
+    <dgm:cxn modelId="{60E91877-EF16-4413-B98B-B86A9F10EA30}" type="presOf" srcId="{0DFE6958-23C7-4DC3-B3CA-4064FEE42DFC}" destId="{B640E2EA-7CD7-4A75-9991-ABAA1449AC7D}" srcOrd="0" destOrd="0" presId="urn:microsoft.com/office/officeart/2005/8/layout/process1"/>
+    <dgm:cxn modelId="{B534C948-4EFB-4B3B-BAEF-AC208D422F16}" type="presOf" srcId="{E5702974-0ED9-4643-BAC1-110A83A02B58}" destId="{57822964-2392-40EC-85E4-20F152301F81}" srcOrd="0" destOrd="0" presId="urn:microsoft.com/office/officeart/2005/8/layout/process1"/>
+    <dgm:cxn modelId="{830DC654-9D76-46FE-ADBD-1E904728BC16}" srcId="{3096E159-40D3-414A-80F6-250B4D8BFD47}" destId="{E5702974-0ED9-4643-BAC1-110A83A02B58}" srcOrd="0" destOrd="0" parTransId="{04E0E73D-15E7-4C78-AB3E-25665872F886}" sibTransId="{4BFEE441-A433-4286-B540-F49EC5C239F8}"/>
+    <dgm:cxn modelId="{E38ED4C2-44CD-4FDC-AD26-44BCE46A6958}" type="presOf" srcId="{32A4DBDD-6A40-41A5-8BFC-87F0A156C9F7}" destId="{01E74070-BC89-4E6C-B7B6-2C389AC66633}" srcOrd="0" destOrd="0" presId="urn:microsoft.com/office/officeart/2005/8/layout/process1"/>
     <dgm:cxn modelId="{3F0A8112-CB4C-4220-A76A-591AD6CC239B}" srcId="{3096E159-40D3-414A-80F6-250B4D8BFD47}" destId="{32A4DBDD-6A40-41A5-8BFC-87F0A156C9F7}" srcOrd="1" destOrd="0" parTransId="{1FC39C56-D9E5-4754-B776-89D996BBB99E}" sibTransId="{0DFE6958-23C7-4DC3-B3CA-4064FEE42DFC}"/>
     <dgm:cxn modelId="{6EEFC292-3BE3-4245-A4FB-E2F6E9B3CDC3}" type="presParOf" srcId="{2B3ED628-E4B6-4798-BE01-D41BCE33D47D}" destId="{57822964-2392-40EC-85E4-20F152301F81}" srcOrd="0" destOrd="0" presId="urn:microsoft.com/office/officeart/2005/8/layout/process1"/>
     <dgm:cxn modelId="{FA1863FB-7880-4EA5-87DD-976E569D67C0}" type="presParOf" srcId="{2B3ED628-E4B6-4798-BE01-D41BCE33D47D}" destId="{6C1FC4BC-1E72-496C-A0C3-422352D72408}" srcOrd="1" destOrd="0" presId="urn:microsoft.com/office/officeart/2005/8/layout/process1"/>
@@ -3381,544 +3382,6 @@
       <dsp:cNvGrpSpPr/>
     </dsp:nvGrpSpPr>
     <dsp:grpSpPr/>
-    <dsp:sp modelId="{2CCB3FBF-61E2-4489-9A2F-FAB5D6A8765A}">
-      <dsp:nvSpPr>
-        <dsp:cNvPr id="0" name=""/>
-        <dsp:cNvSpPr/>
-      </dsp:nvSpPr>
-      <dsp:spPr>
-        <a:xfrm>
-          <a:off x="4621" y="1569532"/>
-          <a:ext cx="2020453" cy="1212272"/>
-        </a:xfrm>
-        <a:prstGeom prst="roundRect">
-          <a:avLst>
-            <a:gd name="adj" fmla="val 10000"/>
-          </a:avLst>
-        </a:prstGeom>
-        <a:solidFill>
-          <a:schemeClr val="accent1">
-            <a:hueOff val="0"/>
-            <a:satOff val="0"/>
-            <a:lumOff val="0"/>
-            <a:alphaOff val="0"/>
-          </a:schemeClr>
-        </a:solidFill>
-        <a:ln w="12700" cap="flat" cmpd="sng" algn="ctr">
-          <a:solidFill>
-            <a:schemeClr val="lt1">
-              <a:hueOff val="0"/>
-              <a:satOff val="0"/>
-              <a:lumOff val="0"/>
-              <a:alphaOff val="0"/>
-            </a:schemeClr>
-          </a:solidFill>
-          <a:prstDash val="solid"/>
-          <a:miter lim="800000"/>
-        </a:ln>
-        <a:effectLst/>
-      </dsp:spPr>
-      <dsp:style>
-        <a:lnRef idx="2">
-          <a:scrgbClr r="0" g="0" b="0"/>
-        </a:lnRef>
-        <a:fillRef idx="1">
-          <a:scrgbClr r="0" g="0" b="0"/>
-        </a:fillRef>
-        <a:effectRef idx="0">
-          <a:scrgbClr r="0" g="0" b="0"/>
-        </a:effectRef>
-        <a:fontRef idx="minor">
-          <a:schemeClr val="lt1"/>
-        </a:fontRef>
-      </dsp:style>
-      <dsp:txBody>
-        <a:bodyPr spcFirstLastPara="0" vert="horz" wrap="square" lIns="64770" tIns="64770" rIns="64770" bIns="64770" numCol="1" spcCol="1270" anchor="ctr" anchorCtr="0">
-          <a:noAutofit/>
-        </a:bodyPr>
-        <a:lstStyle/>
-        <a:p>
-          <a:pPr lvl="0" algn="ctr" defTabSz="755650">
-            <a:lnSpc>
-              <a:spcPct val="90000"/>
-            </a:lnSpc>
-            <a:spcBef>
-              <a:spcPct val="0"/>
-            </a:spcBef>
-            <a:spcAft>
-              <a:spcPct val="35000"/>
-            </a:spcAft>
-          </a:pPr>
-          <a:r>
-            <a:rPr lang="en-US" sz="1700" kern="1200" dirty="0" smtClean="0"/>
-            <a:t>articles.csv </a:t>
-          </a:r>
-          <a:endParaRPr lang="en-US" sz="1700" kern="1200" dirty="0"/>
-        </a:p>
-      </dsp:txBody>
-      <dsp:txXfrm>
-        <a:off x="40127" y="1605038"/>
-        <a:ext cx="1949441" cy="1141260"/>
-      </dsp:txXfrm>
-    </dsp:sp>
-    <dsp:sp modelId="{C6BBAB1C-8441-4ED1-9F7B-1AE83F583C7D}">
-      <dsp:nvSpPr>
-        <dsp:cNvPr id="0" name=""/>
-        <dsp:cNvSpPr/>
-      </dsp:nvSpPr>
-      <dsp:spPr>
-        <a:xfrm>
-          <a:off x="2227119" y="1925132"/>
-          <a:ext cx="428336" cy="501072"/>
-        </a:xfrm>
-        <a:prstGeom prst="rightArrow">
-          <a:avLst>
-            <a:gd name="adj1" fmla="val 60000"/>
-            <a:gd name="adj2" fmla="val 50000"/>
-          </a:avLst>
-        </a:prstGeom>
-        <a:solidFill>
-          <a:schemeClr val="accent1">
-            <a:tint val="60000"/>
-            <a:hueOff val="0"/>
-            <a:satOff val="0"/>
-            <a:lumOff val="0"/>
-            <a:alphaOff val="0"/>
-          </a:schemeClr>
-        </a:solidFill>
-        <a:ln>
-          <a:noFill/>
-        </a:ln>
-        <a:effectLst/>
-      </dsp:spPr>
-      <dsp:style>
-        <a:lnRef idx="0">
-          <a:scrgbClr r="0" g="0" b="0"/>
-        </a:lnRef>
-        <a:fillRef idx="1">
-          <a:scrgbClr r="0" g="0" b="0"/>
-        </a:fillRef>
-        <a:effectRef idx="0">
-          <a:scrgbClr r="0" g="0" b="0"/>
-        </a:effectRef>
-        <a:fontRef idx="minor">
-          <a:schemeClr val="lt1"/>
-        </a:fontRef>
-      </dsp:style>
-      <dsp:txBody>
-        <a:bodyPr spcFirstLastPara="0" vert="horz" wrap="square" lIns="0" tIns="0" rIns="0" bIns="0" numCol="1" spcCol="1270" anchor="ctr" anchorCtr="0">
-          <a:noAutofit/>
-        </a:bodyPr>
-        <a:lstStyle/>
-        <a:p>
-          <a:pPr lvl="0" algn="ctr" defTabSz="622300">
-            <a:lnSpc>
-              <a:spcPct val="90000"/>
-            </a:lnSpc>
-            <a:spcBef>
-              <a:spcPct val="0"/>
-            </a:spcBef>
-            <a:spcAft>
-              <a:spcPct val="35000"/>
-            </a:spcAft>
-          </a:pPr>
-          <a:endParaRPr lang="en-US" sz="1400" kern="1200"/>
-        </a:p>
-      </dsp:txBody>
-      <dsp:txXfrm>
-        <a:off x="2227119" y="2025346"/>
-        <a:ext cx="299835" cy="300644"/>
-      </dsp:txXfrm>
-    </dsp:sp>
-    <dsp:sp modelId="{F82ABD8B-F336-419A-8ED9-2F319D067C56}">
-      <dsp:nvSpPr>
-        <dsp:cNvPr id="0" name=""/>
-        <dsp:cNvSpPr/>
-      </dsp:nvSpPr>
-      <dsp:spPr>
-        <a:xfrm>
-          <a:off x="2833255" y="1569532"/>
-          <a:ext cx="2020453" cy="1212272"/>
-        </a:xfrm>
-        <a:prstGeom prst="roundRect">
-          <a:avLst>
-            <a:gd name="adj" fmla="val 10000"/>
-          </a:avLst>
-        </a:prstGeom>
-        <a:solidFill>
-          <a:schemeClr val="accent1">
-            <a:hueOff val="0"/>
-            <a:satOff val="0"/>
-            <a:lumOff val="0"/>
-            <a:alphaOff val="0"/>
-          </a:schemeClr>
-        </a:solidFill>
-        <a:ln w="12700" cap="flat" cmpd="sng" algn="ctr">
-          <a:solidFill>
-            <a:schemeClr val="lt1">
-              <a:hueOff val="0"/>
-              <a:satOff val="0"/>
-              <a:lumOff val="0"/>
-              <a:alphaOff val="0"/>
-            </a:schemeClr>
-          </a:solidFill>
-          <a:prstDash val="solid"/>
-          <a:miter lim="800000"/>
-        </a:ln>
-        <a:effectLst/>
-      </dsp:spPr>
-      <dsp:style>
-        <a:lnRef idx="2">
-          <a:scrgbClr r="0" g="0" b="0"/>
-        </a:lnRef>
-        <a:fillRef idx="1">
-          <a:scrgbClr r="0" g="0" b="0"/>
-        </a:fillRef>
-        <a:effectRef idx="0">
-          <a:scrgbClr r="0" g="0" b="0"/>
-        </a:effectRef>
-        <a:fontRef idx="minor">
-          <a:schemeClr val="lt1"/>
-        </a:fontRef>
-      </dsp:style>
-      <dsp:txBody>
-        <a:bodyPr spcFirstLastPara="0" vert="horz" wrap="square" lIns="64770" tIns="64770" rIns="64770" bIns="64770" numCol="1" spcCol="1270" anchor="ctr" anchorCtr="0">
-          <a:noAutofit/>
-        </a:bodyPr>
-        <a:lstStyle/>
-        <a:p>
-          <a:pPr lvl="0" algn="ctr" defTabSz="755650">
-            <a:lnSpc>
-              <a:spcPct val="90000"/>
-            </a:lnSpc>
-            <a:spcBef>
-              <a:spcPct val="0"/>
-            </a:spcBef>
-            <a:spcAft>
-              <a:spcPct val="35000"/>
-            </a:spcAft>
-          </a:pPr>
-          <a:r>
-            <a:rPr lang="en-US" sz="1700" kern="1200" dirty="0" err="1" smtClean="0"/>
-            <a:t>clean_text</a:t>
-          </a:r>
-          <a:r>
-            <a:rPr lang="en-US" sz="1700" kern="1200" dirty="0" smtClean="0"/>
-            <a:t>() on each abstract</a:t>
-          </a:r>
-          <a:endParaRPr lang="en-US" sz="1700" kern="1200" dirty="0"/>
-        </a:p>
-      </dsp:txBody>
-      <dsp:txXfrm>
-        <a:off x="2868761" y="1605038"/>
-        <a:ext cx="1949441" cy="1141260"/>
-      </dsp:txXfrm>
-    </dsp:sp>
-    <dsp:sp modelId="{D7F30FBA-81D7-4F92-A987-120A33E90E02}">
-      <dsp:nvSpPr>
-        <dsp:cNvPr id="0" name=""/>
-        <dsp:cNvSpPr/>
-      </dsp:nvSpPr>
-      <dsp:spPr>
-        <a:xfrm>
-          <a:off x="5055754" y="1925132"/>
-          <a:ext cx="428336" cy="501072"/>
-        </a:xfrm>
-        <a:prstGeom prst="rightArrow">
-          <a:avLst>
-            <a:gd name="adj1" fmla="val 60000"/>
-            <a:gd name="adj2" fmla="val 50000"/>
-          </a:avLst>
-        </a:prstGeom>
-        <a:solidFill>
-          <a:schemeClr val="accent1">
-            <a:tint val="60000"/>
-            <a:hueOff val="0"/>
-            <a:satOff val="0"/>
-            <a:lumOff val="0"/>
-            <a:alphaOff val="0"/>
-          </a:schemeClr>
-        </a:solidFill>
-        <a:ln>
-          <a:noFill/>
-        </a:ln>
-        <a:effectLst/>
-      </dsp:spPr>
-      <dsp:style>
-        <a:lnRef idx="0">
-          <a:scrgbClr r="0" g="0" b="0"/>
-        </a:lnRef>
-        <a:fillRef idx="1">
-          <a:scrgbClr r="0" g="0" b="0"/>
-        </a:fillRef>
-        <a:effectRef idx="0">
-          <a:scrgbClr r="0" g="0" b="0"/>
-        </a:effectRef>
-        <a:fontRef idx="minor">
-          <a:schemeClr val="lt1"/>
-        </a:fontRef>
-      </dsp:style>
-      <dsp:txBody>
-        <a:bodyPr spcFirstLastPara="0" vert="horz" wrap="square" lIns="0" tIns="0" rIns="0" bIns="0" numCol="1" spcCol="1270" anchor="ctr" anchorCtr="0">
-          <a:noAutofit/>
-        </a:bodyPr>
-        <a:lstStyle/>
-        <a:p>
-          <a:pPr lvl="0" algn="ctr" defTabSz="622300">
-            <a:lnSpc>
-              <a:spcPct val="90000"/>
-            </a:lnSpc>
-            <a:spcBef>
-              <a:spcPct val="0"/>
-            </a:spcBef>
-            <a:spcAft>
-              <a:spcPct val="35000"/>
-            </a:spcAft>
-          </a:pPr>
-          <a:endParaRPr lang="en-US" sz="1400" kern="1200"/>
-        </a:p>
-      </dsp:txBody>
-      <dsp:txXfrm>
-        <a:off x="5055754" y="2025346"/>
-        <a:ext cx="299835" cy="300644"/>
-      </dsp:txXfrm>
-    </dsp:sp>
-    <dsp:sp modelId="{FB687F3F-0590-4628-A043-32446B5DD71C}">
-      <dsp:nvSpPr>
-        <dsp:cNvPr id="0" name=""/>
-        <dsp:cNvSpPr/>
-      </dsp:nvSpPr>
-      <dsp:spPr>
-        <a:xfrm>
-          <a:off x="5661890" y="1569532"/>
-          <a:ext cx="2020453" cy="1212272"/>
-        </a:xfrm>
-        <a:prstGeom prst="roundRect">
-          <a:avLst>
-            <a:gd name="adj" fmla="val 10000"/>
-          </a:avLst>
-        </a:prstGeom>
-        <a:solidFill>
-          <a:schemeClr val="accent1">
-            <a:hueOff val="0"/>
-            <a:satOff val="0"/>
-            <a:lumOff val="0"/>
-            <a:alphaOff val="0"/>
-          </a:schemeClr>
-        </a:solidFill>
-        <a:ln w="12700" cap="flat" cmpd="sng" algn="ctr">
-          <a:solidFill>
-            <a:schemeClr val="lt1">
-              <a:hueOff val="0"/>
-              <a:satOff val="0"/>
-              <a:lumOff val="0"/>
-              <a:alphaOff val="0"/>
-            </a:schemeClr>
-          </a:solidFill>
-          <a:prstDash val="solid"/>
-          <a:miter lim="800000"/>
-        </a:ln>
-        <a:effectLst/>
-      </dsp:spPr>
-      <dsp:style>
-        <a:lnRef idx="2">
-          <a:scrgbClr r="0" g="0" b="0"/>
-        </a:lnRef>
-        <a:fillRef idx="1">
-          <a:scrgbClr r="0" g="0" b="0"/>
-        </a:fillRef>
-        <a:effectRef idx="0">
-          <a:scrgbClr r="0" g="0" b="0"/>
-        </a:effectRef>
-        <a:fontRef idx="minor">
-          <a:schemeClr val="lt1"/>
-        </a:fontRef>
-      </dsp:style>
-      <dsp:txBody>
-        <a:bodyPr spcFirstLastPara="0" vert="horz" wrap="square" lIns="64770" tIns="64770" rIns="64770" bIns="64770" numCol="1" spcCol="1270" anchor="ctr" anchorCtr="0">
-          <a:noAutofit/>
-        </a:bodyPr>
-        <a:lstStyle/>
-        <a:p>
-          <a:pPr lvl="0" algn="ctr" defTabSz="755650">
-            <a:lnSpc>
-              <a:spcPct val="90000"/>
-            </a:lnSpc>
-            <a:spcBef>
-              <a:spcPct val="0"/>
-            </a:spcBef>
-            <a:spcAft>
-              <a:spcPct val="35000"/>
-            </a:spcAft>
-          </a:pPr>
-          <a:r>
-            <a:rPr lang="en-US" sz="1700" kern="1200" dirty="0" smtClean="0"/>
-            <a:t>Word counting</a:t>
-          </a:r>
-          <a:endParaRPr lang="en-US" sz="1700" kern="1200" dirty="0"/>
-        </a:p>
-      </dsp:txBody>
-      <dsp:txXfrm>
-        <a:off x="5697396" y="1605038"/>
-        <a:ext cx="1949441" cy="1141260"/>
-      </dsp:txXfrm>
-    </dsp:sp>
-    <dsp:sp modelId="{2A00525E-DAFE-46B4-8A28-FB4F2E89ADA8}">
-      <dsp:nvSpPr>
-        <dsp:cNvPr id="0" name=""/>
-        <dsp:cNvSpPr/>
-      </dsp:nvSpPr>
-      <dsp:spPr>
-        <a:xfrm>
-          <a:off x="7884389" y="1925132"/>
-          <a:ext cx="428336" cy="501072"/>
-        </a:xfrm>
-        <a:prstGeom prst="rightArrow">
-          <a:avLst>
-            <a:gd name="adj1" fmla="val 60000"/>
-            <a:gd name="adj2" fmla="val 50000"/>
-          </a:avLst>
-        </a:prstGeom>
-        <a:solidFill>
-          <a:schemeClr val="accent1">
-            <a:tint val="60000"/>
-            <a:hueOff val="0"/>
-            <a:satOff val="0"/>
-            <a:lumOff val="0"/>
-            <a:alphaOff val="0"/>
-          </a:schemeClr>
-        </a:solidFill>
-        <a:ln>
-          <a:noFill/>
-        </a:ln>
-        <a:effectLst/>
-      </dsp:spPr>
-      <dsp:style>
-        <a:lnRef idx="0">
-          <a:scrgbClr r="0" g="0" b="0"/>
-        </a:lnRef>
-        <a:fillRef idx="1">
-          <a:scrgbClr r="0" g="0" b="0"/>
-        </a:fillRef>
-        <a:effectRef idx="0">
-          <a:scrgbClr r="0" g="0" b="0"/>
-        </a:effectRef>
-        <a:fontRef idx="minor">
-          <a:schemeClr val="lt1"/>
-        </a:fontRef>
-      </dsp:style>
-      <dsp:txBody>
-        <a:bodyPr spcFirstLastPara="0" vert="horz" wrap="square" lIns="0" tIns="0" rIns="0" bIns="0" numCol="1" spcCol="1270" anchor="ctr" anchorCtr="0">
-          <a:noAutofit/>
-        </a:bodyPr>
-        <a:lstStyle/>
-        <a:p>
-          <a:pPr lvl="0" algn="ctr" defTabSz="622300">
-            <a:lnSpc>
-              <a:spcPct val="90000"/>
-            </a:lnSpc>
-            <a:spcBef>
-              <a:spcPct val="0"/>
-            </a:spcBef>
-            <a:spcAft>
-              <a:spcPct val="35000"/>
-            </a:spcAft>
-          </a:pPr>
-          <a:endParaRPr lang="en-US" sz="1400" kern="1200"/>
-        </a:p>
-      </dsp:txBody>
-      <dsp:txXfrm>
-        <a:off x="7884389" y="2025346"/>
-        <a:ext cx="299835" cy="300644"/>
-      </dsp:txXfrm>
-    </dsp:sp>
-    <dsp:sp modelId="{2E14C3FF-DB5C-4362-B5A5-000EC0CBCE97}">
-      <dsp:nvSpPr>
-        <dsp:cNvPr id="0" name=""/>
-        <dsp:cNvSpPr/>
-      </dsp:nvSpPr>
-      <dsp:spPr>
-        <a:xfrm>
-          <a:off x="8490525" y="1569532"/>
-          <a:ext cx="2020453" cy="1212272"/>
-        </a:xfrm>
-        <a:prstGeom prst="roundRect">
-          <a:avLst>
-            <a:gd name="adj" fmla="val 10000"/>
-          </a:avLst>
-        </a:prstGeom>
-        <a:solidFill>
-          <a:schemeClr val="accent1">
-            <a:hueOff val="0"/>
-            <a:satOff val="0"/>
-            <a:lumOff val="0"/>
-            <a:alphaOff val="0"/>
-          </a:schemeClr>
-        </a:solidFill>
-        <a:ln w="12700" cap="flat" cmpd="sng" algn="ctr">
-          <a:solidFill>
-            <a:schemeClr val="lt1">
-              <a:hueOff val="0"/>
-              <a:satOff val="0"/>
-              <a:lumOff val="0"/>
-              <a:alphaOff val="0"/>
-            </a:schemeClr>
-          </a:solidFill>
-          <a:prstDash val="solid"/>
-          <a:miter lim="800000"/>
-        </a:ln>
-        <a:effectLst/>
-      </dsp:spPr>
-      <dsp:style>
-        <a:lnRef idx="2">
-          <a:scrgbClr r="0" g="0" b="0"/>
-        </a:lnRef>
-        <a:fillRef idx="1">
-          <a:scrgbClr r="0" g="0" b="0"/>
-        </a:fillRef>
-        <a:effectRef idx="0">
-          <a:scrgbClr r="0" g="0" b="0"/>
-        </a:effectRef>
-        <a:fontRef idx="minor">
-          <a:schemeClr val="lt1"/>
-        </a:fontRef>
-      </dsp:style>
-      <dsp:txBody>
-        <a:bodyPr spcFirstLastPara="0" vert="horz" wrap="square" lIns="64770" tIns="64770" rIns="64770" bIns="64770" numCol="1" spcCol="1270" anchor="ctr" anchorCtr="0">
-          <a:noAutofit/>
-        </a:bodyPr>
-        <a:lstStyle/>
-        <a:p>
-          <a:pPr lvl="0" algn="ctr" defTabSz="755650">
-            <a:lnSpc>
-              <a:spcPct val="90000"/>
-            </a:lnSpc>
-            <a:spcBef>
-              <a:spcPct val="0"/>
-            </a:spcBef>
-            <a:spcAft>
-              <a:spcPct val="35000"/>
-            </a:spcAft>
-          </a:pPr>
-          <a:r>
-            <a:rPr lang="en-US" sz="1700" kern="1200" dirty="0" smtClean="0"/>
-            <a:t>Emit: (URL,WORD,COUNT)</a:t>
-          </a:r>
-          <a:br>
-            <a:rPr lang="en-US" sz="1700" kern="1200" dirty="0" smtClean="0"/>
-          </a:br>
-          <a:r>
-            <a:rPr lang="en-US" sz="1700" kern="1200" dirty="0" smtClean="0"/>
-            <a:t>Separated by tabs. URL is key.</a:t>
-          </a:r>
-          <a:endParaRPr lang="en-US" sz="1700" kern="1200" dirty="0"/>
-        </a:p>
-      </dsp:txBody>
-      <dsp:txXfrm>
-        <a:off x="8526031" y="1605038"/>
-        <a:ext cx="1949441" cy="1141260"/>
-      </dsp:txXfrm>
-    </dsp:sp>
   </dsp:spTree>
 </dsp:drawing>
 </file>
@@ -3931,530 +3394,6 @@
       <dsp:cNvGrpSpPr/>
     </dsp:nvGrpSpPr>
     <dsp:grpSpPr/>
-    <dsp:sp modelId="{2CCB3FBF-61E2-4489-9A2F-FAB5D6A8765A}">
-      <dsp:nvSpPr>
-        <dsp:cNvPr id="0" name=""/>
-        <dsp:cNvSpPr/>
-      </dsp:nvSpPr>
-      <dsp:spPr>
-        <a:xfrm>
-          <a:off x="4621" y="1569532"/>
-          <a:ext cx="2020453" cy="1212272"/>
-        </a:xfrm>
-        <a:prstGeom prst="roundRect">
-          <a:avLst>
-            <a:gd name="adj" fmla="val 10000"/>
-          </a:avLst>
-        </a:prstGeom>
-        <a:solidFill>
-          <a:schemeClr val="accent5">
-            <a:hueOff val="0"/>
-            <a:satOff val="0"/>
-            <a:lumOff val="0"/>
-            <a:alphaOff val="0"/>
-          </a:schemeClr>
-        </a:solidFill>
-        <a:ln w="12700" cap="flat" cmpd="sng" algn="ctr">
-          <a:solidFill>
-            <a:schemeClr val="lt1">
-              <a:hueOff val="0"/>
-              <a:satOff val="0"/>
-              <a:lumOff val="0"/>
-              <a:alphaOff val="0"/>
-            </a:schemeClr>
-          </a:solidFill>
-          <a:prstDash val="solid"/>
-          <a:miter lim="800000"/>
-        </a:ln>
-        <a:effectLst/>
-      </dsp:spPr>
-      <dsp:style>
-        <a:lnRef idx="2">
-          <a:scrgbClr r="0" g="0" b="0"/>
-        </a:lnRef>
-        <a:fillRef idx="1">
-          <a:scrgbClr r="0" g="0" b="0"/>
-        </a:fillRef>
-        <a:effectRef idx="0">
-          <a:scrgbClr r="0" g="0" b="0"/>
-        </a:effectRef>
-        <a:fontRef idx="minor">
-          <a:schemeClr val="lt1"/>
-        </a:fontRef>
-      </dsp:style>
-      <dsp:txBody>
-        <a:bodyPr spcFirstLastPara="0" vert="horz" wrap="square" lIns="64770" tIns="64770" rIns="64770" bIns="64770" numCol="1" spcCol="1270" anchor="ctr" anchorCtr="0">
-          <a:noAutofit/>
-        </a:bodyPr>
-        <a:lstStyle/>
-        <a:p>
-          <a:pPr lvl="0" algn="ctr" defTabSz="755650">
-            <a:lnSpc>
-              <a:spcPct val="90000"/>
-            </a:lnSpc>
-            <a:spcBef>
-              <a:spcPct val="0"/>
-            </a:spcBef>
-            <a:spcAft>
-              <a:spcPct val="35000"/>
-            </a:spcAft>
-          </a:pPr>
-          <a:r>
-            <a:rPr lang="en-US" sz="1700" kern="1200" dirty="0" smtClean="0"/>
-            <a:t>(URL,WORD,COUNT)  From previous mapper</a:t>
-          </a:r>
-          <a:endParaRPr lang="en-US" sz="1700" kern="1200" dirty="0"/>
-        </a:p>
-      </dsp:txBody>
-      <dsp:txXfrm>
-        <a:off x="40127" y="1605038"/>
-        <a:ext cx="1949441" cy="1141260"/>
-      </dsp:txXfrm>
-    </dsp:sp>
-    <dsp:sp modelId="{C6BBAB1C-8441-4ED1-9F7B-1AE83F583C7D}">
-      <dsp:nvSpPr>
-        <dsp:cNvPr id="0" name=""/>
-        <dsp:cNvSpPr/>
-      </dsp:nvSpPr>
-      <dsp:spPr>
-        <a:xfrm>
-          <a:off x="2227119" y="1925132"/>
-          <a:ext cx="428336" cy="501072"/>
-        </a:xfrm>
-        <a:prstGeom prst="rightArrow">
-          <a:avLst>
-            <a:gd name="adj1" fmla="val 60000"/>
-            <a:gd name="adj2" fmla="val 50000"/>
-          </a:avLst>
-        </a:prstGeom>
-        <a:solidFill>
-          <a:schemeClr val="accent5">
-            <a:hueOff val="0"/>
-            <a:satOff val="0"/>
-            <a:lumOff val="0"/>
-            <a:alphaOff val="0"/>
-          </a:schemeClr>
-        </a:solidFill>
-        <a:ln>
-          <a:noFill/>
-        </a:ln>
-        <a:effectLst/>
-      </dsp:spPr>
-      <dsp:style>
-        <a:lnRef idx="0">
-          <a:scrgbClr r="0" g="0" b="0"/>
-        </a:lnRef>
-        <a:fillRef idx="1">
-          <a:scrgbClr r="0" g="0" b="0"/>
-        </a:fillRef>
-        <a:effectRef idx="0">
-          <a:scrgbClr r="0" g="0" b="0"/>
-        </a:effectRef>
-        <a:fontRef idx="minor">
-          <a:schemeClr val="lt1"/>
-        </a:fontRef>
-      </dsp:style>
-      <dsp:txBody>
-        <a:bodyPr spcFirstLastPara="0" vert="horz" wrap="square" lIns="0" tIns="0" rIns="0" bIns="0" numCol="1" spcCol="1270" anchor="ctr" anchorCtr="0">
-          <a:noAutofit/>
-        </a:bodyPr>
-        <a:lstStyle/>
-        <a:p>
-          <a:pPr lvl="0" algn="ctr" defTabSz="622300">
-            <a:lnSpc>
-              <a:spcPct val="90000"/>
-            </a:lnSpc>
-            <a:spcBef>
-              <a:spcPct val="0"/>
-            </a:spcBef>
-            <a:spcAft>
-              <a:spcPct val="35000"/>
-            </a:spcAft>
-          </a:pPr>
-          <a:endParaRPr lang="en-US" sz="1400" kern="1200"/>
-        </a:p>
-      </dsp:txBody>
-      <dsp:txXfrm>
-        <a:off x="2227119" y="2025346"/>
-        <a:ext cx="299835" cy="300644"/>
-      </dsp:txXfrm>
-    </dsp:sp>
-    <dsp:sp modelId="{F82ABD8B-F336-419A-8ED9-2F319D067C56}">
-      <dsp:nvSpPr>
-        <dsp:cNvPr id="0" name=""/>
-        <dsp:cNvSpPr/>
-      </dsp:nvSpPr>
-      <dsp:spPr>
-        <a:xfrm>
-          <a:off x="2833255" y="1569532"/>
-          <a:ext cx="2020453" cy="1212272"/>
-        </a:xfrm>
-        <a:prstGeom prst="roundRect">
-          <a:avLst>
-            <a:gd name="adj" fmla="val 10000"/>
-          </a:avLst>
-        </a:prstGeom>
-        <a:solidFill>
-          <a:schemeClr val="accent5">
-            <a:hueOff val="-2451115"/>
-            <a:satOff val="-3409"/>
-            <a:lumOff val="-1307"/>
-            <a:alphaOff val="0"/>
-          </a:schemeClr>
-        </a:solidFill>
-        <a:ln w="12700" cap="flat" cmpd="sng" algn="ctr">
-          <a:solidFill>
-            <a:schemeClr val="lt1">
-              <a:hueOff val="0"/>
-              <a:satOff val="0"/>
-              <a:lumOff val="0"/>
-              <a:alphaOff val="0"/>
-            </a:schemeClr>
-          </a:solidFill>
-          <a:prstDash val="solid"/>
-          <a:miter lim="800000"/>
-        </a:ln>
-        <a:effectLst/>
-      </dsp:spPr>
-      <dsp:style>
-        <a:lnRef idx="2">
-          <a:scrgbClr r="0" g="0" b="0"/>
-        </a:lnRef>
-        <a:fillRef idx="1">
-          <a:scrgbClr r="0" g="0" b="0"/>
-        </a:fillRef>
-        <a:effectRef idx="0">
-          <a:scrgbClr r="0" g="0" b="0"/>
-        </a:effectRef>
-        <a:fontRef idx="minor">
-          <a:schemeClr val="lt1"/>
-        </a:fontRef>
-      </dsp:style>
-      <dsp:txBody>
-        <a:bodyPr spcFirstLastPara="0" vert="horz" wrap="square" lIns="64770" tIns="64770" rIns="64770" bIns="64770" numCol="1" spcCol="1270" anchor="ctr" anchorCtr="0">
-          <a:noAutofit/>
-        </a:bodyPr>
-        <a:lstStyle/>
-        <a:p>
-          <a:pPr lvl="0" algn="ctr" defTabSz="755650">
-            <a:lnSpc>
-              <a:spcPct val="90000"/>
-            </a:lnSpc>
-            <a:spcBef>
-              <a:spcPct val="0"/>
-            </a:spcBef>
-            <a:spcAft>
-              <a:spcPct val="35000"/>
-            </a:spcAft>
-          </a:pPr>
-          <a:r>
-            <a:rPr lang="en-US" sz="1700" kern="1200" dirty="0" smtClean="0"/>
-            <a:t>Count how many documents each word appears in.</a:t>
-          </a:r>
-          <a:endParaRPr lang="en-US" sz="1700" kern="1200" dirty="0"/>
-        </a:p>
-      </dsp:txBody>
-      <dsp:txXfrm>
-        <a:off x="2868761" y="1605038"/>
-        <a:ext cx="1949441" cy="1141260"/>
-      </dsp:txXfrm>
-    </dsp:sp>
-    <dsp:sp modelId="{D7F30FBA-81D7-4F92-A987-120A33E90E02}">
-      <dsp:nvSpPr>
-        <dsp:cNvPr id="0" name=""/>
-        <dsp:cNvSpPr/>
-      </dsp:nvSpPr>
-      <dsp:spPr>
-        <a:xfrm>
-          <a:off x="5055754" y="1925132"/>
-          <a:ext cx="428336" cy="501072"/>
-        </a:xfrm>
-        <a:prstGeom prst="rightArrow">
-          <a:avLst>
-            <a:gd name="adj1" fmla="val 60000"/>
-            <a:gd name="adj2" fmla="val 50000"/>
-          </a:avLst>
-        </a:prstGeom>
-        <a:solidFill>
-          <a:schemeClr val="accent5">
-            <a:hueOff val="-3676672"/>
-            <a:satOff val="-5114"/>
-            <a:lumOff val="-1961"/>
-            <a:alphaOff val="0"/>
-          </a:schemeClr>
-        </a:solidFill>
-        <a:ln>
-          <a:noFill/>
-        </a:ln>
-        <a:effectLst/>
-      </dsp:spPr>
-      <dsp:style>
-        <a:lnRef idx="0">
-          <a:scrgbClr r="0" g="0" b="0"/>
-        </a:lnRef>
-        <a:fillRef idx="1">
-          <a:scrgbClr r="0" g="0" b="0"/>
-        </a:fillRef>
-        <a:effectRef idx="0">
-          <a:scrgbClr r="0" g="0" b="0"/>
-        </a:effectRef>
-        <a:fontRef idx="minor">
-          <a:schemeClr val="lt1"/>
-        </a:fontRef>
-      </dsp:style>
-      <dsp:txBody>
-        <a:bodyPr spcFirstLastPara="0" vert="horz" wrap="square" lIns="0" tIns="0" rIns="0" bIns="0" numCol="1" spcCol="1270" anchor="ctr" anchorCtr="0">
-          <a:noAutofit/>
-        </a:bodyPr>
-        <a:lstStyle/>
-        <a:p>
-          <a:pPr lvl="0" algn="ctr" defTabSz="622300">
-            <a:lnSpc>
-              <a:spcPct val="90000"/>
-            </a:lnSpc>
-            <a:spcBef>
-              <a:spcPct val="0"/>
-            </a:spcBef>
-            <a:spcAft>
-              <a:spcPct val="35000"/>
-            </a:spcAft>
-          </a:pPr>
-          <a:endParaRPr lang="en-US" sz="1400" kern="1200"/>
-        </a:p>
-      </dsp:txBody>
-      <dsp:txXfrm>
-        <a:off x="5055754" y="2025346"/>
-        <a:ext cx="299835" cy="300644"/>
-      </dsp:txXfrm>
-    </dsp:sp>
-    <dsp:sp modelId="{FB687F3F-0590-4628-A043-32446B5DD71C}">
-      <dsp:nvSpPr>
-        <dsp:cNvPr id="0" name=""/>
-        <dsp:cNvSpPr/>
-      </dsp:nvSpPr>
-      <dsp:spPr>
-        <a:xfrm>
-          <a:off x="5661890" y="1569532"/>
-          <a:ext cx="2020453" cy="1212272"/>
-        </a:xfrm>
-        <a:prstGeom prst="roundRect">
-          <a:avLst>
-            <a:gd name="adj" fmla="val 10000"/>
-          </a:avLst>
-        </a:prstGeom>
-        <a:solidFill>
-          <a:schemeClr val="accent5">
-            <a:hueOff val="-4902230"/>
-            <a:satOff val="-6819"/>
-            <a:lumOff val="-2615"/>
-            <a:alphaOff val="0"/>
-          </a:schemeClr>
-        </a:solidFill>
-        <a:ln w="12700" cap="flat" cmpd="sng" algn="ctr">
-          <a:solidFill>
-            <a:schemeClr val="lt1">
-              <a:hueOff val="0"/>
-              <a:satOff val="0"/>
-              <a:lumOff val="0"/>
-              <a:alphaOff val="0"/>
-            </a:schemeClr>
-          </a:solidFill>
-          <a:prstDash val="solid"/>
-          <a:miter lim="800000"/>
-        </a:ln>
-        <a:effectLst/>
-      </dsp:spPr>
-      <dsp:style>
-        <a:lnRef idx="2">
-          <a:scrgbClr r="0" g="0" b="0"/>
-        </a:lnRef>
-        <a:fillRef idx="1">
-          <a:scrgbClr r="0" g="0" b="0"/>
-        </a:fillRef>
-        <a:effectRef idx="0">
-          <a:scrgbClr r="0" g="0" b="0"/>
-        </a:effectRef>
-        <a:fontRef idx="minor">
-          <a:schemeClr val="lt1"/>
-        </a:fontRef>
-      </dsp:style>
-      <dsp:txBody>
-        <a:bodyPr spcFirstLastPara="0" vert="horz" wrap="square" lIns="64770" tIns="64770" rIns="64770" bIns="64770" numCol="1" spcCol="1270" anchor="ctr" anchorCtr="0">
-          <a:noAutofit/>
-        </a:bodyPr>
-        <a:lstStyle/>
-        <a:p>
-          <a:pPr lvl="0" algn="ctr" defTabSz="755650">
-            <a:lnSpc>
-              <a:spcPct val="90000"/>
-            </a:lnSpc>
-            <a:spcBef>
-              <a:spcPct val="0"/>
-            </a:spcBef>
-            <a:spcAft>
-              <a:spcPct val="35000"/>
-            </a:spcAft>
-          </a:pPr>
-          <a:r>
-            <a:rPr lang="en-US" sz="1700" kern="1200" dirty="0" smtClean="0"/>
-            <a:t>Count the total number of words (N)</a:t>
-          </a:r>
-          <a:endParaRPr lang="en-US" sz="1700" kern="1200" dirty="0"/>
-        </a:p>
-      </dsp:txBody>
-      <dsp:txXfrm>
-        <a:off x="5697396" y="1605038"/>
-        <a:ext cx="1949441" cy="1141260"/>
-      </dsp:txXfrm>
-    </dsp:sp>
-    <dsp:sp modelId="{2A00525E-DAFE-46B4-8A28-FB4F2E89ADA8}">
-      <dsp:nvSpPr>
-        <dsp:cNvPr id="0" name=""/>
-        <dsp:cNvSpPr/>
-      </dsp:nvSpPr>
-      <dsp:spPr>
-        <a:xfrm>
-          <a:off x="7884389" y="1925132"/>
-          <a:ext cx="428336" cy="501072"/>
-        </a:xfrm>
-        <a:prstGeom prst="rightArrow">
-          <a:avLst>
-            <a:gd name="adj1" fmla="val 60000"/>
-            <a:gd name="adj2" fmla="val 50000"/>
-          </a:avLst>
-        </a:prstGeom>
-        <a:solidFill>
-          <a:schemeClr val="accent5">
-            <a:hueOff val="-7353344"/>
-            <a:satOff val="-10228"/>
-            <a:lumOff val="-3922"/>
-            <a:alphaOff val="0"/>
-          </a:schemeClr>
-        </a:solidFill>
-        <a:ln>
-          <a:noFill/>
-        </a:ln>
-        <a:effectLst/>
-      </dsp:spPr>
-      <dsp:style>
-        <a:lnRef idx="0">
-          <a:scrgbClr r="0" g="0" b="0"/>
-        </a:lnRef>
-        <a:fillRef idx="1">
-          <a:scrgbClr r="0" g="0" b="0"/>
-        </a:fillRef>
-        <a:effectRef idx="0">
-          <a:scrgbClr r="0" g="0" b="0"/>
-        </a:effectRef>
-        <a:fontRef idx="minor">
-          <a:schemeClr val="lt1"/>
-        </a:fontRef>
-      </dsp:style>
-      <dsp:txBody>
-        <a:bodyPr spcFirstLastPara="0" vert="horz" wrap="square" lIns="0" tIns="0" rIns="0" bIns="0" numCol="1" spcCol="1270" anchor="ctr" anchorCtr="0">
-          <a:noAutofit/>
-        </a:bodyPr>
-        <a:lstStyle/>
-        <a:p>
-          <a:pPr lvl="0" algn="ctr" defTabSz="622300">
-            <a:lnSpc>
-              <a:spcPct val="90000"/>
-            </a:lnSpc>
-            <a:spcBef>
-              <a:spcPct val="0"/>
-            </a:spcBef>
-            <a:spcAft>
-              <a:spcPct val="35000"/>
-            </a:spcAft>
-          </a:pPr>
-          <a:endParaRPr lang="en-US" sz="1400" kern="1200"/>
-        </a:p>
-      </dsp:txBody>
-      <dsp:txXfrm>
-        <a:off x="7884389" y="2025346"/>
-        <a:ext cx="299835" cy="300644"/>
-      </dsp:txXfrm>
-    </dsp:sp>
-    <dsp:sp modelId="{2E14C3FF-DB5C-4362-B5A5-000EC0CBCE97}">
-      <dsp:nvSpPr>
-        <dsp:cNvPr id="0" name=""/>
-        <dsp:cNvSpPr/>
-      </dsp:nvSpPr>
-      <dsp:spPr>
-        <a:xfrm>
-          <a:off x="8490525" y="1569532"/>
-          <a:ext cx="2020453" cy="1212272"/>
-        </a:xfrm>
-        <a:prstGeom prst="roundRect">
-          <a:avLst>
-            <a:gd name="adj" fmla="val 10000"/>
-          </a:avLst>
-        </a:prstGeom>
-        <a:solidFill>
-          <a:schemeClr val="accent5">
-            <a:hueOff val="-7353344"/>
-            <a:satOff val="-10228"/>
-            <a:lumOff val="-3922"/>
-            <a:alphaOff val="0"/>
-          </a:schemeClr>
-        </a:solidFill>
-        <a:ln w="12700" cap="flat" cmpd="sng" algn="ctr">
-          <a:solidFill>
-            <a:schemeClr val="lt1">
-              <a:hueOff val="0"/>
-              <a:satOff val="0"/>
-              <a:lumOff val="0"/>
-              <a:alphaOff val="0"/>
-            </a:schemeClr>
-          </a:solidFill>
-          <a:prstDash val="solid"/>
-          <a:miter lim="800000"/>
-        </a:ln>
-        <a:effectLst/>
-      </dsp:spPr>
-      <dsp:style>
-        <a:lnRef idx="2">
-          <a:scrgbClr r="0" g="0" b="0"/>
-        </a:lnRef>
-        <a:fillRef idx="1">
-          <a:scrgbClr r="0" g="0" b="0"/>
-        </a:fillRef>
-        <a:effectRef idx="0">
-          <a:scrgbClr r="0" g="0" b="0"/>
-        </a:effectRef>
-        <a:fontRef idx="minor">
-          <a:schemeClr val="lt1"/>
-        </a:fontRef>
-      </dsp:style>
-      <dsp:txBody>
-        <a:bodyPr spcFirstLastPara="0" vert="horz" wrap="square" lIns="64770" tIns="64770" rIns="64770" bIns="64770" numCol="1" spcCol="1270" anchor="ctr" anchorCtr="0">
-          <a:noAutofit/>
-        </a:bodyPr>
-        <a:lstStyle/>
-        <a:p>
-          <a:pPr lvl="0" algn="ctr" defTabSz="755650">
-            <a:lnSpc>
-              <a:spcPct val="90000"/>
-            </a:lnSpc>
-            <a:spcBef>
-              <a:spcPct val="0"/>
-            </a:spcBef>
-            <a:spcAft>
-              <a:spcPct val="35000"/>
-            </a:spcAft>
-          </a:pPr>
-          <a:r>
-            <a:rPr lang="en-US" sz="1700" kern="1200" dirty="0" err="1" smtClean="0"/>
-            <a:t>doc_freq.json</a:t>
-          </a:r>
-          <a:endParaRPr lang="en-US" sz="1700" kern="1200" dirty="0"/>
-        </a:p>
-      </dsp:txBody>
-      <dsp:txXfrm>
-        <a:off x="8526031" y="1605038"/>
-        <a:ext cx="1949441" cy="1141260"/>
-      </dsp:txXfrm>
-    </dsp:sp>
   </dsp:spTree>
 </dsp:drawing>
 </file>
@@ -4467,411 +3406,6 @@
       <dsp:cNvGrpSpPr/>
     </dsp:nvGrpSpPr>
     <dsp:grpSpPr/>
-    <dsp:sp modelId="{57822964-2392-40EC-85E4-20F152301F81}">
-      <dsp:nvSpPr>
-        <dsp:cNvPr id="0" name=""/>
-        <dsp:cNvSpPr/>
-      </dsp:nvSpPr>
-      <dsp:spPr>
-        <a:xfrm>
-          <a:off x="9242" y="1346949"/>
-          <a:ext cx="2762398" cy="1657439"/>
-        </a:xfrm>
-        <a:prstGeom prst="roundRect">
-          <a:avLst>
-            <a:gd name="adj" fmla="val 10000"/>
-          </a:avLst>
-        </a:prstGeom>
-        <a:solidFill>
-          <a:schemeClr val="accent5">
-            <a:hueOff val="0"/>
-            <a:satOff val="0"/>
-            <a:lumOff val="0"/>
-            <a:alphaOff val="0"/>
-          </a:schemeClr>
-        </a:solidFill>
-        <a:ln w="12700" cap="flat" cmpd="sng" algn="ctr">
-          <a:solidFill>
-            <a:schemeClr val="lt1">
-              <a:hueOff val="0"/>
-              <a:satOff val="0"/>
-              <a:lumOff val="0"/>
-              <a:alphaOff val="0"/>
-            </a:schemeClr>
-          </a:solidFill>
-          <a:prstDash val="solid"/>
-          <a:miter lim="800000"/>
-        </a:ln>
-        <a:effectLst/>
-      </dsp:spPr>
-      <dsp:style>
-        <a:lnRef idx="2">
-          <a:scrgbClr r="0" g="0" b="0"/>
-        </a:lnRef>
-        <a:fillRef idx="1">
-          <a:scrgbClr r="0" g="0" b="0"/>
-        </a:fillRef>
-        <a:effectRef idx="0">
-          <a:scrgbClr r="0" g="0" b="0"/>
-        </a:effectRef>
-        <a:fontRef idx="minor">
-          <a:schemeClr val="lt1"/>
-        </a:fontRef>
-      </dsp:style>
-      <dsp:txBody>
-        <a:bodyPr spcFirstLastPara="0" vert="horz" wrap="square" lIns="87630" tIns="87630" rIns="87630" bIns="87630" numCol="1" spcCol="1270" anchor="ctr" anchorCtr="0">
-          <a:noAutofit/>
-        </a:bodyPr>
-        <a:lstStyle/>
-        <a:p>
-          <a:pPr lvl="0" algn="ctr" defTabSz="1022350">
-            <a:lnSpc>
-              <a:spcPct val="90000"/>
-            </a:lnSpc>
-            <a:spcBef>
-              <a:spcPct val="0"/>
-            </a:spcBef>
-            <a:spcAft>
-              <a:spcPct val="35000"/>
-            </a:spcAft>
-          </a:pPr>
-          <a:r>
-            <a:rPr lang="en-US" sz="2300" kern="1200" dirty="0" smtClean="0"/>
-            <a:t>(URL,WORD,COUNT)</a:t>
-          </a:r>
-          <a:endParaRPr lang="en-US" sz="2300" kern="1200" dirty="0"/>
-        </a:p>
-      </dsp:txBody>
-      <dsp:txXfrm>
-        <a:off x="57787" y="1395494"/>
-        <a:ext cx="2665308" cy="1560349"/>
-      </dsp:txXfrm>
-    </dsp:sp>
-    <dsp:sp modelId="{6C1FC4BC-1E72-496C-A0C3-422352D72408}">
-      <dsp:nvSpPr>
-        <dsp:cNvPr id="0" name=""/>
-        <dsp:cNvSpPr/>
-      </dsp:nvSpPr>
-      <dsp:spPr>
-        <a:xfrm>
-          <a:off x="3047880" y="1833131"/>
-          <a:ext cx="585628" cy="685074"/>
-        </a:xfrm>
-        <a:prstGeom prst="rightArrow">
-          <a:avLst>
-            <a:gd name="adj1" fmla="val 60000"/>
-            <a:gd name="adj2" fmla="val 50000"/>
-          </a:avLst>
-        </a:prstGeom>
-        <a:solidFill>
-          <a:schemeClr val="accent5">
-            <a:hueOff val="0"/>
-            <a:satOff val="0"/>
-            <a:lumOff val="0"/>
-            <a:alphaOff val="0"/>
-          </a:schemeClr>
-        </a:solidFill>
-        <a:ln>
-          <a:noFill/>
-        </a:ln>
-        <a:effectLst/>
-      </dsp:spPr>
-      <dsp:style>
-        <a:lnRef idx="0">
-          <a:scrgbClr r="0" g="0" b="0"/>
-        </a:lnRef>
-        <a:fillRef idx="1">
-          <a:scrgbClr r="0" g="0" b="0"/>
-        </a:fillRef>
-        <a:effectRef idx="0">
-          <a:scrgbClr r="0" g="0" b="0"/>
-        </a:effectRef>
-        <a:fontRef idx="minor">
-          <a:schemeClr val="lt1"/>
-        </a:fontRef>
-      </dsp:style>
-      <dsp:txBody>
-        <a:bodyPr spcFirstLastPara="0" vert="horz" wrap="square" lIns="0" tIns="0" rIns="0" bIns="0" numCol="1" spcCol="1270" anchor="ctr" anchorCtr="0">
-          <a:noAutofit/>
-        </a:bodyPr>
-        <a:lstStyle/>
-        <a:p>
-          <a:pPr lvl="0" algn="ctr" defTabSz="844550">
-            <a:lnSpc>
-              <a:spcPct val="90000"/>
-            </a:lnSpc>
-            <a:spcBef>
-              <a:spcPct val="0"/>
-            </a:spcBef>
-            <a:spcAft>
-              <a:spcPct val="35000"/>
-            </a:spcAft>
-          </a:pPr>
-          <a:endParaRPr lang="en-US" sz="1900" kern="1200"/>
-        </a:p>
-      </dsp:txBody>
-      <dsp:txXfrm>
-        <a:off x="3047880" y="1970146"/>
-        <a:ext cx="409940" cy="411044"/>
-      </dsp:txXfrm>
-    </dsp:sp>
-    <dsp:sp modelId="{01E74070-BC89-4E6C-B7B6-2C389AC66633}">
-      <dsp:nvSpPr>
-        <dsp:cNvPr id="0" name=""/>
-        <dsp:cNvSpPr/>
-      </dsp:nvSpPr>
-      <dsp:spPr>
-        <a:xfrm>
-          <a:off x="3876600" y="1346949"/>
-          <a:ext cx="2762398" cy="1657439"/>
-        </a:xfrm>
-        <a:prstGeom prst="roundRect">
-          <a:avLst>
-            <a:gd name="adj" fmla="val 10000"/>
-          </a:avLst>
-        </a:prstGeom>
-        <a:solidFill>
-          <a:schemeClr val="accent5">
-            <a:hueOff val="-3676672"/>
-            <a:satOff val="-5114"/>
-            <a:lumOff val="-1961"/>
-            <a:alphaOff val="0"/>
-          </a:schemeClr>
-        </a:solidFill>
-        <a:ln w="12700" cap="flat" cmpd="sng" algn="ctr">
-          <a:solidFill>
-            <a:schemeClr val="lt1">
-              <a:hueOff val="0"/>
-              <a:satOff val="0"/>
-              <a:lumOff val="0"/>
-              <a:alphaOff val="0"/>
-            </a:schemeClr>
-          </a:solidFill>
-          <a:prstDash val="solid"/>
-          <a:miter lim="800000"/>
-        </a:ln>
-        <a:effectLst/>
-      </dsp:spPr>
-      <dsp:style>
-        <a:lnRef idx="2">
-          <a:scrgbClr r="0" g="0" b="0"/>
-        </a:lnRef>
-        <a:fillRef idx="1">
-          <a:scrgbClr r="0" g="0" b="0"/>
-        </a:fillRef>
-        <a:effectRef idx="0">
-          <a:scrgbClr r="0" g="0" b="0"/>
-        </a:effectRef>
-        <a:fontRef idx="minor">
-          <a:schemeClr val="lt1"/>
-        </a:fontRef>
-      </dsp:style>
-      <dsp:txBody>
-        <a:bodyPr spcFirstLastPara="0" vert="horz" wrap="square" lIns="87630" tIns="87630" rIns="87630" bIns="87630" numCol="1" spcCol="1270" anchor="ctr" anchorCtr="0">
-          <a:noAutofit/>
-        </a:bodyPr>
-        <a:lstStyle/>
-        <a:p>
-          <a:pPr lvl="0" algn="ctr" defTabSz="1022350">
-            <a:lnSpc>
-              <a:spcPct val="90000"/>
-            </a:lnSpc>
-            <a:spcBef>
-              <a:spcPct val="0"/>
-            </a:spcBef>
-            <a:spcAft>
-              <a:spcPct val="35000"/>
-            </a:spcAft>
-          </a:pPr>
-          <a:r>
-            <a:rPr lang="en-US" sz="2300" kern="1200" dirty="0" err="1" smtClean="0"/>
-            <a:t>tf-idf</a:t>
-          </a:r>
-          <a:r>
-            <a:rPr lang="en-US" sz="2300" kern="1200" dirty="0" smtClean="0"/>
-            <a:t> vectors</a:t>
-          </a:r>
-          <a:endParaRPr lang="en-US" sz="2300" kern="1200" dirty="0"/>
-        </a:p>
-      </dsp:txBody>
-      <dsp:txXfrm>
-        <a:off x="3925145" y="1395494"/>
-        <a:ext cx="2665308" cy="1560349"/>
-      </dsp:txXfrm>
-    </dsp:sp>
-    <dsp:sp modelId="{B640E2EA-7CD7-4A75-9991-ABAA1449AC7D}">
-      <dsp:nvSpPr>
-        <dsp:cNvPr id="0" name=""/>
-        <dsp:cNvSpPr/>
-      </dsp:nvSpPr>
-      <dsp:spPr>
-        <a:xfrm>
-          <a:off x="6915239" y="1833131"/>
-          <a:ext cx="585628" cy="685074"/>
-        </a:xfrm>
-        <a:prstGeom prst="rightArrow">
-          <a:avLst>
-            <a:gd name="adj1" fmla="val 60000"/>
-            <a:gd name="adj2" fmla="val 50000"/>
-          </a:avLst>
-        </a:prstGeom>
-        <a:solidFill>
-          <a:schemeClr val="accent5">
-            <a:hueOff val="-7353344"/>
-            <a:satOff val="-10228"/>
-            <a:lumOff val="-3922"/>
-            <a:alphaOff val="0"/>
-          </a:schemeClr>
-        </a:solidFill>
-        <a:ln>
-          <a:noFill/>
-        </a:ln>
-        <a:effectLst/>
-      </dsp:spPr>
-      <dsp:style>
-        <a:lnRef idx="0">
-          <a:scrgbClr r="0" g="0" b="0"/>
-        </a:lnRef>
-        <a:fillRef idx="1">
-          <a:scrgbClr r="0" g="0" b="0"/>
-        </a:fillRef>
-        <a:effectRef idx="0">
-          <a:scrgbClr r="0" g="0" b="0"/>
-        </a:effectRef>
-        <a:fontRef idx="minor">
-          <a:schemeClr val="lt1"/>
-        </a:fontRef>
-      </dsp:style>
-      <dsp:txBody>
-        <a:bodyPr spcFirstLastPara="0" vert="horz" wrap="square" lIns="0" tIns="0" rIns="0" bIns="0" numCol="1" spcCol="1270" anchor="ctr" anchorCtr="0">
-          <a:noAutofit/>
-        </a:bodyPr>
-        <a:lstStyle/>
-        <a:p>
-          <a:pPr lvl="0" algn="ctr" defTabSz="844550">
-            <a:lnSpc>
-              <a:spcPct val="90000"/>
-            </a:lnSpc>
-            <a:spcBef>
-              <a:spcPct val="0"/>
-            </a:spcBef>
-            <a:spcAft>
-              <a:spcPct val="35000"/>
-            </a:spcAft>
-          </a:pPr>
-          <a:endParaRPr lang="en-US" sz="1900" kern="1200"/>
-        </a:p>
-      </dsp:txBody>
-      <dsp:txXfrm>
-        <a:off x="6915239" y="1970146"/>
-        <a:ext cx="409940" cy="411044"/>
-      </dsp:txXfrm>
-    </dsp:sp>
-    <dsp:sp modelId="{201AA08F-03A7-47E4-BE01-E48D1FAB16DA}">
-      <dsp:nvSpPr>
-        <dsp:cNvPr id="0" name=""/>
-        <dsp:cNvSpPr/>
-      </dsp:nvSpPr>
-      <dsp:spPr>
-        <a:xfrm>
-          <a:off x="7743958" y="1346949"/>
-          <a:ext cx="2762398" cy="1657439"/>
-        </a:xfrm>
-        <a:prstGeom prst="roundRect">
-          <a:avLst>
-            <a:gd name="adj" fmla="val 10000"/>
-          </a:avLst>
-        </a:prstGeom>
-        <a:solidFill>
-          <a:schemeClr val="accent5">
-            <a:hueOff val="-7353344"/>
-            <a:satOff val="-10228"/>
-            <a:lumOff val="-3922"/>
-            <a:alphaOff val="0"/>
-          </a:schemeClr>
-        </a:solidFill>
-        <a:ln w="12700" cap="flat" cmpd="sng" algn="ctr">
-          <a:solidFill>
-            <a:schemeClr val="lt1">
-              <a:hueOff val="0"/>
-              <a:satOff val="0"/>
-              <a:lumOff val="0"/>
-              <a:alphaOff val="0"/>
-            </a:schemeClr>
-          </a:solidFill>
-          <a:prstDash val="solid"/>
-          <a:miter lim="800000"/>
-        </a:ln>
-        <a:effectLst/>
-      </dsp:spPr>
-      <dsp:style>
-        <a:lnRef idx="2">
-          <a:scrgbClr r="0" g="0" b="0"/>
-        </a:lnRef>
-        <a:fillRef idx="1">
-          <a:scrgbClr r="0" g="0" b="0"/>
-        </a:fillRef>
-        <a:effectRef idx="0">
-          <a:scrgbClr r="0" g="0" b="0"/>
-        </a:effectRef>
-        <a:fontRef idx="minor">
-          <a:schemeClr val="lt1"/>
-        </a:fontRef>
-      </dsp:style>
-      <dsp:txBody>
-        <a:bodyPr spcFirstLastPara="0" vert="horz" wrap="square" lIns="87630" tIns="87630" rIns="87630" bIns="87630" numCol="1" spcCol="1270" anchor="ctr" anchorCtr="0">
-          <a:noAutofit/>
-        </a:bodyPr>
-        <a:lstStyle/>
-        <a:p>
-          <a:pPr lvl="0" algn="ctr" defTabSz="1022350">
-            <a:lnSpc>
-              <a:spcPct val="90000"/>
-            </a:lnSpc>
-            <a:spcBef>
-              <a:spcPct val="0"/>
-            </a:spcBef>
-            <a:spcAft>
-              <a:spcPct val="35000"/>
-            </a:spcAft>
-          </a:pPr>
-          <a:r>
-            <a:rPr lang="en-US" sz="2300" kern="1200" dirty="0" smtClean="0"/>
-            <a:t>Emitted: (URL, </a:t>
-          </a:r>
-          <a:r>
-            <a:rPr lang="en-US" sz="2300" kern="1200" dirty="0" err="1" smtClean="0"/>
-            <a:t>tf-idf</a:t>
-          </a:r>
-          <a:r>
-            <a:rPr lang="en-US" sz="2300" kern="1200" dirty="0" smtClean="0"/>
-            <a:t> vector)</a:t>
-          </a:r>
-        </a:p>
-        <a:p>
-          <a:pPr lvl="0" algn="ctr" defTabSz="1022350">
-            <a:lnSpc>
-              <a:spcPct val="90000"/>
-            </a:lnSpc>
-            <a:spcBef>
-              <a:spcPct val="0"/>
-            </a:spcBef>
-            <a:spcAft>
-              <a:spcPct val="35000"/>
-            </a:spcAft>
-          </a:pPr>
-          <a:r>
-            <a:rPr lang="en-US" sz="2300" kern="1200" dirty="0" smtClean="0"/>
-            <a:t>In JSON.</a:t>
-          </a:r>
-          <a:endParaRPr lang="en-US" sz="2300" kern="1200" dirty="0"/>
-        </a:p>
-      </dsp:txBody>
-      <dsp:txXfrm>
-        <a:off x="7792503" y="1395494"/>
-        <a:ext cx="2665308" cy="1560349"/>
-      </dsp:txXfrm>
-    </dsp:sp>
   </dsp:spTree>
 </dsp:drawing>
 </file>
@@ -11416,21 +9950,8 @@
           <a:p>
             <a:r>
               <a:rPr lang="en-US" dirty="0" smtClean="0"/>
-              <a:t>Document frequency vector is calculated </a:t>
-            </a:r>
-            <a:r>
-              <a:rPr lang="en-US" dirty="0" smtClean="0"/>
-              <a:t>in a reducer by </a:t>
-            </a:r>
-            <a:r>
-              <a:rPr lang="en-US" dirty="0" smtClean="0"/>
-              <a:t>counting the number of </a:t>
-            </a:r>
-            <a:r>
-              <a:rPr lang="en-US" dirty="0" smtClean="0"/>
-              <a:t>unique documents that each term appears in.</a:t>
-            </a:r>
-            <a:endParaRPr lang="en-US" dirty="0" smtClean="0"/>
+              <a:t>Document frequency vector is calculated in a reducer by counting the number of unique documents that each term appears in.</a:t>
+            </a:r>
           </a:p>
           <a:p>
             <a:r>
@@ -11485,11 +10006,7 @@
           <a:p>
             <a:r>
               <a:rPr lang="en-US" dirty="0" smtClean="0"/>
-              <a:t>From </a:t>
-            </a:r>
-            <a:r>
-              <a:rPr lang="en-US" dirty="0" smtClean="0"/>
-              <a:t>these data structures we can calculate the inverse document frequency (</a:t>
+              <a:t>From these data structures we can calculate the inverse document frequency (</a:t>
             </a:r>
             <a:r>
               <a:rPr lang="en-US" dirty="0" err="1" smtClean="0"/>
@@ -11666,11 +10183,7 @@
             <a:pPr algn="ctr"/>
             <a:r>
               <a:rPr lang="en-US" sz="2800" dirty="0" smtClean="0"/>
-              <a:t>Hadoop </a:t>
-            </a:r>
-            <a:r>
-              <a:rPr lang="en-US" sz="2800" dirty="0" smtClean="0"/>
-              <a:t>mapper</a:t>
+              <a:t>Hadoop mapper</a:t>
             </a:r>
             <a:endParaRPr lang="en-US" sz="2800" dirty="0"/>
           </a:p>
@@ -11718,11 +10231,7 @@
           <a:p>
             <a:r>
               <a:rPr lang="en-US" dirty="0" smtClean="0"/>
-              <a:t>How is this parallelized in Hadoop</a:t>
-            </a:r>
-            <a:r>
-              <a:rPr lang="en-US" dirty="0" smtClean="0"/>
-              <a:t>?</a:t>
+              <a:t>How is this parallelized in Hadoop?</a:t>
             </a:r>
             <a:endParaRPr lang="en-US" dirty="0"/>
           </a:p>
@@ -11988,7 +10497,6 @@
               <a:rPr lang="en-US" dirty="0"/>
               <a:t> vectors, how do we cluster?</a:t>
             </a:r>
-            <a:endParaRPr lang="en-US" dirty="0"/>
           </a:p>
         </p:txBody>
       </p:sp>
@@ -12274,7 +10782,7 @@
           <a:p>
             <a:r>
               <a:rPr lang="en-US" dirty="0" smtClean="0"/>
-              <a:t>The Mahout K-means algorithm was also considered, but Apache Spark offered an easier set up and a Python API so it was used.</a:t>
+              <a:t>The Mahout K-means algorithm was also considered, but Apache Spark offered an easier set-up and a Python API so it was used.</a:t>
             </a:r>
           </a:p>
           <a:p>
@@ -12628,6 +11136,155 @@
       </p:grpSpPr>
       <p:sp>
         <p:nvSpPr>
+          <p:cNvPr id="2" name="Title 1"/>
+          <p:cNvSpPr>
+            <a:spLocks noGrp="1"/>
+          </p:cNvSpPr>
+          <p:nvPr>
+            <p:ph type="title"/>
+          </p:nvPr>
+        </p:nvSpPr>
+        <p:spPr/>
+        <p:txBody>
+          <a:bodyPr/>
+          <a:lstStyle/>
+          <a:p>
+            <a:r>
+              <a:rPr lang="en-US" dirty="0" smtClean="0"/>
+              <a:t>Analysis on number of clusters</a:t>
+            </a:r>
+            <a:endParaRPr lang="en-US" dirty="0"/>
+          </a:p>
+        </p:txBody>
+      </p:sp>
+      <p:pic>
+        <p:nvPicPr>
+          <p:cNvPr id="5" name="Picture Placeholder 4"/>
+          <p:cNvPicPr>
+            <a:picLocks noGrp="1" noChangeAspect="1"/>
+          </p:cNvPicPr>
+          <p:nvPr>
+            <p:ph type="pic" idx="1"/>
+          </p:nvPr>
+        </p:nvPicPr>
+        <p:blipFill>
+          <a:blip r:embed="rId2">
+            <a:extLst>
+              <a:ext uri="{28A0092B-C50C-407E-A947-70E740481C1C}">
+                <a14:useLocalDpi xmlns:a14="http://schemas.microsoft.com/office/drawing/2010/main" val="0"/>
+              </a:ext>
+            </a:extLst>
+          </a:blip>
+          <a:stretch>
+            <a:fillRect/>
+          </a:stretch>
+        </p:blipFill>
+        <p:spPr>
+          <a:xfrm>
+            <a:off x="5183188" y="1109663"/>
+            <a:ext cx="6172200" cy="4629149"/>
+          </a:xfrm>
+        </p:spPr>
+      </p:pic>
+      <p:sp>
+        <p:nvSpPr>
+          <p:cNvPr id="4" name="Text Placeholder 3"/>
+          <p:cNvSpPr>
+            <a:spLocks noGrp="1"/>
+          </p:cNvSpPr>
+          <p:nvPr>
+            <p:ph type="body" sz="half" idx="2"/>
+          </p:nvPr>
+        </p:nvSpPr>
+        <p:spPr/>
+        <p:txBody>
+          <a:bodyPr/>
+          <a:lstStyle/>
+          <a:p>
+            <a:pPr marL="285750" indent="-285750">
+              <a:buFont typeface="Arial" panose="020B0604020202020204" pitchFamily="34" charset="0"/>
+              <a:buChar char="•"/>
+            </a:pPr>
+            <a:r>
+              <a:rPr lang="en-US" dirty="0" smtClean="0"/>
+              <a:t>Each cluster contains a vector of the 20 highest discriminative terms for that cluster.</a:t>
+            </a:r>
+          </a:p>
+          <a:p>
+            <a:pPr marL="285750" indent="-285750">
+              <a:buFont typeface="Arial" panose="020B0604020202020204" pitchFamily="34" charset="0"/>
+              <a:buChar char="•"/>
+            </a:pPr>
+            <a:r>
+              <a:rPr lang="en-US" dirty="0" smtClean="0"/>
+              <a:t>Notice </a:t>
+            </a:r>
+            <a:r>
+              <a:rPr lang="en-US" dirty="0" smtClean="0"/>
+              <a:t>how the average is </a:t>
+            </a:r>
+            <a:r>
+              <a:rPr lang="en-US" smtClean="0"/>
+              <a:t>maximized </a:t>
+            </a:r>
+            <a:r>
+              <a:rPr lang="en-US" smtClean="0"/>
+              <a:t>at 14 </a:t>
+            </a:r>
+            <a:r>
+              <a:rPr lang="en-US" dirty="0" smtClean="0"/>
+              <a:t>clusters</a:t>
+            </a:r>
+            <a:r>
+              <a:rPr lang="en-US" dirty="0" smtClean="0"/>
+              <a:t>.</a:t>
+            </a:r>
+          </a:p>
+          <a:p>
+            <a:pPr marL="285750" indent="-285750">
+              <a:buFont typeface="Arial" panose="020B0604020202020204" pitchFamily="34" charset="0"/>
+              <a:buChar char="•"/>
+            </a:pPr>
+            <a:r>
+              <a:rPr lang="en-US" dirty="0" smtClean="0"/>
+              <a:t>Due to these results, we will be using the 14 clusters found to have the highest average discriminative terms.</a:t>
+            </a:r>
+            <a:endParaRPr lang="en-US" dirty="0"/>
+          </a:p>
+        </p:txBody>
+      </p:sp>
+    </p:spTree>
+    <p:extLst>
+      <p:ext uri="{BB962C8B-B14F-4D97-AF65-F5344CB8AC3E}">
+        <p14:creationId xmlns:p14="http://schemas.microsoft.com/office/powerpoint/2010/main" val="1776530436"/>
+      </p:ext>
+    </p:extLst>
+  </p:cSld>
+  <p:clrMapOvr>
+    <a:masterClrMapping/>
+  </p:clrMapOvr>
+</p:sld>
+</file>
+
+<file path=ppt/slides/slide18.xml><?xml version="1.0" encoding="utf-8"?>
+<p:sld xmlns:a="http://schemas.openxmlformats.org/drawingml/2006/main" xmlns:r="http://schemas.openxmlformats.org/officeDocument/2006/relationships" xmlns:p="http://schemas.openxmlformats.org/presentationml/2006/main">
+  <p:cSld>
+    <p:spTree>
+      <p:nvGrpSpPr>
+        <p:cNvPr id="1" name=""/>
+        <p:cNvGrpSpPr/>
+        <p:nvPr/>
+      </p:nvGrpSpPr>
+      <p:grpSpPr>
+        <a:xfrm>
+          <a:off x="0" y="0"/>
+          <a:ext cx="0" cy="0"/>
+          <a:chOff x="0" y="0"/>
+          <a:chExt cx="0" cy="0"/>
+        </a:xfrm>
+      </p:grpSpPr>
+      <p:sp>
+        <p:nvSpPr>
           <p:cNvPr id="5" name="Title 4"/>
           <p:cNvSpPr>
             <a:spLocks noGrp="1"/>
@@ -12711,7 +11368,7 @@
 </p:sld>
 </file>
 
-<file path=ppt/slides/slide18.xml><?xml version="1.0" encoding="utf-8"?>
+<file path=ppt/slides/slide19.xml><?xml version="1.0" encoding="utf-8"?>
 <p:sld xmlns:a="http://schemas.openxmlformats.org/drawingml/2006/main" xmlns:r="http://schemas.openxmlformats.org/officeDocument/2006/relationships" xmlns:p="http://schemas.openxmlformats.org/presentationml/2006/main">
   <p:cSld>
     <p:spTree>
@@ -12790,7 +11447,86 @@
 </p:sld>
 </file>
 
-<file path=ppt/slides/slide19.xml><?xml version="1.0" encoding="utf-8"?>
+<file path=ppt/slides/slide2.xml><?xml version="1.0" encoding="utf-8"?>
+<p:sld xmlns:a="http://schemas.openxmlformats.org/drawingml/2006/main" xmlns:r="http://schemas.openxmlformats.org/officeDocument/2006/relationships" xmlns:p="http://schemas.openxmlformats.org/presentationml/2006/main">
+  <p:cSld>
+    <p:spTree>
+      <p:nvGrpSpPr>
+        <p:cNvPr id="1" name=""/>
+        <p:cNvGrpSpPr/>
+        <p:nvPr/>
+      </p:nvGrpSpPr>
+      <p:grpSpPr>
+        <a:xfrm>
+          <a:off x="0" y="0"/>
+          <a:ext cx="0" cy="0"/>
+          <a:chOff x="0" y="0"/>
+          <a:chExt cx="0" cy="0"/>
+        </a:xfrm>
+      </p:grpSpPr>
+      <p:sp>
+        <p:nvSpPr>
+          <p:cNvPr id="2" name="Title 1"/>
+          <p:cNvSpPr>
+            <a:spLocks noGrp="1"/>
+          </p:cNvSpPr>
+          <p:nvPr>
+            <p:ph type="title"/>
+          </p:nvPr>
+        </p:nvSpPr>
+        <p:spPr/>
+        <p:txBody>
+          <a:bodyPr/>
+          <a:lstStyle/>
+          <a:p>
+            <a:r>
+              <a:rPr lang="en-US" dirty="0" smtClean="0"/>
+              <a:t>Part 1: Data Acquisition</a:t>
+            </a:r>
+            <a:endParaRPr lang="en-US" dirty="0"/>
+          </a:p>
+        </p:txBody>
+      </p:sp>
+      <p:sp>
+        <p:nvSpPr>
+          <p:cNvPr id="3" name="Text Placeholder 2"/>
+          <p:cNvSpPr>
+            <a:spLocks noGrp="1"/>
+          </p:cNvSpPr>
+          <p:nvPr>
+            <p:ph type="body" idx="1"/>
+          </p:nvPr>
+        </p:nvSpPr>
+        <p:spPr/>
+        <p:txBody>
+          <a:bodyPr/>
+          <a:lstStyle/>
+          <a:p>
+            <a:endParaRPr lang="en-US"/>
+          </a:p>
+        </p:txBody>
+      </p:sp>
+    </p:spTree>
+    <p:extLst>
+      <p:ext uri="{BB962C8B-B14F-4D97-AF65-F5344CB8AC3E}">
+        <p14:creationId xmlns:p14="http://schemas.microsoft.com/office/powerpoint/2010/main" val="2526114399"/>
+      </p:ext>
+    </p:extLst>
+  </p:cSld>
+  <p:clrMapOvr>
+    <a:masterClrMapping/>
+  </p:clrMapOvr>
+  <p:timing>
+    <p:tnLst>
+      <p:par>
+        <p:cTn id="1" dur="indefinite" restart="never" nodeType="tmRoot"/>
+      </p:par>
+    </p:tnLst>
+  </p:timing>
+</p:sld>
+</file>
+
+<file path=ppt/slides/slide20.xml><?xml version="1.0" encoding="utf-8"?>
 <p:sld xmlns:a="http://schemas.openxmlformats.org/drawingml/2006/main" xmlns:r="http://schemas.openxmlformats.org/officeDocument/2006/relationships" xmlns:p="http://schemas.openxmlformats.org/presentationml/2006/main">
   <p:cSld>
     <p:spTree>
@@ -12937,85 +11673,6 @@
     <p:extLst>
       <p:ext uri="{BB962C8B-B14F-4D97-AF65-F5344CB8AC3E}">
         <p14:creationId xmlns:p14="http://schemas.microsoft.com/office/powerpoint/2010/main" val="3759193945"/>
-      </p:ext>
-    </p:extLst>
-  </p:cSld>
-  <p:clrMapOvr>
-    <a:masterClrMapping/>
-  </p:clrMapOvr>
-  <p:timing>
-    <p:tnLst>
-      <p:par>
-        <p:cTn id="1" dur="indefinite" restart="never" nodeType="tmRoot"/>
-      </p:par>
-    </p:tnLst>
-  </p:timing>
-</p:sld>
-</file>
-
-<file path=ppt/slides/slide2.xml><?xml version="1.0" encoding="utf-8"?>
-<p:sld xmlns:a="http://schemas.openxmlformats.org/drawingml/2006/main" xmlns:r="http://schemas.openxmlformats.org/officeDocument/2006/relationships" xmlns:p="http://schemas.openxmlformats.org/presentationml/2006/main">
-  <p:cSld>
-    <p:spTree>
-      <p:nvGrpSpPr>
-        <p:cNvPr id="1" name=""/>
-        <p:cNvGrpSpPr/>
-        <p:nvPr/>
-      </p:nvGrpSpPr>
-      <p:grpSpPr>
-        <a:xfrm>
-          <a:off x="0" y="0"/>
-          <a:ext cx="0" cy="0"/>
-          <a:chOff x="0" y="0"/>
-          <a:chExt cx="0" cy="0"/>
-        </a:xfrm>
-      </p:grpSpPr>
-      <p:sp>
-        <p:nvSpPr>
-          <p:cNvPr id="2" name="Title 1"/>
-          <p:cNvSpPr>
-            <a:spLocks noGrp="1"/>
-          </p:cNvSpPr>
-          <p:nvPr>
-            <p:ph type="title"/>
-          </p:nvPr>
-        </p:nvSpPr>
-        <p:spPr/>
-        <p:txBody>
-          <a:bodyPr/>
-          <a:lstStyle/>
-          <a:p>
-            <a:r>
-              <a:rPr lang="en-US" dirty="0" smtClean="0"/>
-              <a:t>Part 1: Data Acquisition</a:t>
-            </a:r>
-            <a:endParaRPr lang="en-US" dirty="0"/>
-          </a:p>
-        </p:txBody>
-      </p:sp>
-      <p:sp>
-        <p:nvSpPr>
-          <p:cNvPr id="3" name="Text Placeholder 2"/>
-          <p:cNvSpPr>
-            <a:spLocks noGrp="1"/>
-          </p:cNvSpPr>
-          <p:nvPr>
-            <p:ph type="body" idx="1"/>
-          </p:nvPr>
-        </p:nvSpPr>
-        <p:spPr/>
-        <p:txBody>
-          <a:bodyPr/>
-          <a:lstStyle/>
-          <a:p>
-            <a:endParaRPr lang="en-US"/>
-          </a:p>
-        </p:txBody>
-      </p:sp>
-    </p:spTree>
-    <p:extLst>
-      <p:ext uri="{BB962C8B-B14F-4D97-AF65-F5344CB8AC3E}">
-        <p14:creationId xmlns:p14="http://schemas.microsoft.com/office/powerpoint/2010/main" val="2526114399"/>
       </p:ext>
     </p:extLst>
   </p:cSld>
@@ -13774,11 +12431,7 @@
           <a:p>
             <a:r>
               <a:rPr lang="en-US" sz="3600" dirty="0" smtClean="0"/>
-              <a:t>How is this parallelized in Hadoop</a:t>
-            </a:r>
-            <a:r>
-              <a:rPr lang="en-US" sz="3600" dirty="0" smtClean="0"/>
-              <a:t>? – Term frequency</a:t>
+              <a:t>How is this parallelized in Hadoop? – Term frequency</a:t>
             </a:r>
             <a:endParaRPr lang="en-US" sz="3600" dirty="0"/>
           </a:p>
@@ -13844,8 +12497,8 @@
           </a:p>
         </p:txBody>
       </p:sp>
-      <mc:AlternateContent xmlns:mc="http://schemas.openxmlformats.org/markup-compatibility/2006">
-        <mc:Choice xmlns:a14="http://schemas.microsoft.com/office/drawing/2010/main" Requires="a14">
+      <mc:AlternateContent xmlns:mc="http://schemas.openxmlformats.org/markup-compatibility/2006" xmlns:a14="http://schemas.microsoft.com/office/drawing/2010/main">
+        <mc:Choice Requires="a14">
           <p:sp>
             <p:nvSpPr>
               <p:cNvPr id="5" name="Content Placeholder 4"/>
@@ -13869,34 +12522,13 @@
               <a:p>
                 <a:r>
                   <a:rPr lang="en-US" dirty="0" smtClean="0"/>
-                  <a:t>A pandas Series is </a:t>
+                  <a:t>A pandas Series is constructed for all documents. This is sparse, because it specifies the entries which are non-zero.</a:t>
                 </a:r>
-                <a:r>
-                  <a:rPr lang="en-US" dirty="0" smtClean="0"/>
-                  <a:t>constructed for all documents</a:t>
-                </a:r>
-                <a:r>
-                  <a:rPr lang="en-US" dirty="0" smtClean="0"/>
-                  <a:t>. This is sparse, because it specifies the entries which ar</a:t>
-                </a:r>
-                <a:r>
-                  <a:rPr lang="en-US" dirty="0" smtClean="0"/>
-                  <a:t>e non-zero.</a:t>
-                </a:r>
-                <a:endParaRPr lang="en-US" dirty="0" smtClean="0"/>
               </a:p>
               <a:p>
                 <a:r>
                   <a:rPr lang="en-US" dirty="0" smtClean="0"/>
-                  <a:t>Augmented </a:t>
-                </a:r>
-                <a:r>
-                  <a:rPr lang="en-US" dirty="0" smtClean="0"/>
-                  <a:t>(normalized) </a:t>
-                </a:r>
-                <a:r>
-                  <a:rPr lang="en-US" dirty="0" smtClean="0"/>
-                  <a:t>term frequency vector is calculated. </a:t>
+                  <a:t>Augmented (normalized) term frequency vector is calculated. </a:t>
                 </a:r>
               </a:p>
               <a:p>
@@ -14099,7 +12731,7 @@
             </p:txBody>
           </p:sp>
         </mc:Choice>
-        <mc:Fallback>
+        <mc:Fallback xmlns="">
           <p:sp>
             <p:nvSpPr>
               <p:cNvPr id="5" name="Content Placeholder 4"/>
@@ -14253,11 +12885,7 @@
             </a:r>
             <a:r>
               <a:rPr lang="en-US" sz="4400" dirty="0" smtClean="0"/>
-              <a:t>Hadoop </a:t>
-            </a:r>
-            <a:r>
-              <a:rPr lang="en-US" sz="4400" dirty="0" smtClean="0"/>
-              <a:t>reducer</a:t>
+              <a:t>Hadoop reducer</a:t>
             </a:r>
             <a:endParaRPr lang="en-US" dirty="0"/>
           </a:p>
@@ -14307,11 +12935,7 @@
           <a:p>
             <a:r>
               <a:rPr lang="en-US" sz="3600" dirty="0" smtClean="0"/>
-              <a:t>How is this parallelized in Hadoop</a:t>
-            </a:r>
-            <a:r>
-              <a:rPr lang="en-US" sz="3600" dirty="0" smtClean="0"/>
-              <a:t>? – Doc frequency</a:t>
+              <a:t>How is this parallelized in Hadoop? – Doc frequency</a:t>
             </a:r>
             <a:endParaRPr lang="en-US" sz="3600" dirty="0"/>
           </a:p>

--- a/docs/presentation.pptx
+++ b/docs/presentation.pptx
@@ -23,8 +23,24 @@
     <p:sldId id="273" r:id="rId17"/>
     <p:sldId id="275" r:id="rId18"/>
     <p:sldId id="274" r:id="rId19"/>
-    <p:sldId id="260" r:id="rId20"/>
-    <p:sldId id="267" r:id="rId21"/>
+    <p:sldId id="276" r:id="rId20"/>
+    <p:sldId id="279" r:id="rId21"/>
+    <p:sldId id="260" r:id="rId22"/>
+    <p:sldId id="277" r:id="rId23"/>
+    <p:sldId id="278" r:id="rId24"/>
+    <p:sldId id="280" r:id="rId25"/>
+    <p:sldId id="281" r:id="rId26"/>
+    <p:sldId id="282" r:id="rId27"/>
+    <p:sldId id="283" r:id="rId28"/>
+    <p:sldId id="284" r:id="rId29"/>
+    <p:sldId id="285" r:id="rId30"/>
+    <p:sldId id="286" r:id="rId31"/>
+    <p:sldId id="287" r:id="rId32"/>
+    <p:sldId id="288" r:id="rId33"/>
+    <p:sldId id="289" r:id="rId34"/>
+    <p:sldId id="290" r:id="rId35"/>
+    <p:sldId id="291" r:id="rId36"/>
+    <p:sldId id="267" r:id="rId37"/>
   </p:sldIdLst>
   <p:sldSz cx="12192000" cy="6858000"/>
   <p:notesSz cx="6858000" cy="9144000"/>
@@ -11217,27 +11233,15 @@
             </a:pPr>
             <a:r>
               <a:rPr lang="en-US" dirty="0" smtClean="0"/>
-              <a:t>Notice </a:t>
+              <a:t>Notice how the average is </a:t>
+            </a:r>
+            <a:r>
+              <a:rPr lang="en-US" smtClean="0"/>
+              <a:t>maximized at 14 </a:t>
             </a:r>
             <a:r>
               <a:rPr lang="en-US" dirty="0" smtClean="0"/>
-              <a:t>how the average is </a:t>
-            </a:r>
-            <a:r>
-              <a:rPr lang="en-US" smtClean="0"/>
-              <a:t>maximized </a:t>
-            </a:r>
-            <a:r>
-              <a:rPr lang="en-US" smtClean="0"/>
-              <a:t>at 14 </a:t>
-            </a:r>
-            <a:r>
-              <a:rPr lang="en-US" dirty="0" smtClean="0"/>
-              <a:t>clusters</a:t>
-            </a:r>
-            <a:r>
-              <a:rPr lang="en-US" dirty="0" smtClean="0"/>
-              <a:t>.</a:t>
+              <a:t>clusters.</a:t>
             </a:r>
           </a:p>
           <a:p>
@@ -11402,7 +11406,7 @@
           <a:p>
             <a:r>
               <a:rPr lang="en-US" dirty="0" smtClean="0"/>
-              <a:t>Visualization</a:t>
+              <a:t>Visualization notes</a:t>
             </a:r>
             <a:endParaRPr lang="en-US" dirty="0"/>
           </a:p>
@@ -11423,14 +11427,75 @@
           <a:bodyPr/>
           <a:lstStyle/>
           <a:p>
-            <a:endParaRPr lang="en-US"/>
+            <a:r>
+              <a:rPr lang="en-US" dirty="0" smtClean="0"/>
+              <a:t>The top terms were selected based on their </a:t>
+            </a:r>
+            <a:r>
+              <a:rPr lang="en-US" dirty="0" err="1" smtClean="0"/>
+              <a:t>tf-idf</a:t>
+            </a:r>
+            <a:r>
+              <a:rPr lang="en-US" dirty="0" smtClean="0"/>
+              <a:t> value for that cluster. This was simply </a:t>
+            </a:r>
+            <a:r>
+              <a:rPr lang="en-US" dirty="0" err="1" smtClean="0">
+                <a:latin typeface="Consolas" panose="020B0609020204030204" pitchFamily="49" charset="0"/>
+                <a:cs typeface="Consolas" panose="020B0609020204030204" pitchFamily="49" charset="0"/>
+              </a:rPr>
+              <a:t>row.nlargest</a:t>
+            </a:r>
+            <a:r>
+              <a:rPr lang="en-US" dirty="0" smtClean="0">
+                <a:latin typeface="Consolas" panose="020B0609020204030204" pitchFamily="49" charset="0"/>
+                <a:cs typeface="Consolas" panose="020B0609020204030204" pitchFamily="49" charset="0"/>
+              </a:rPr>
+              <a:t>(NUM_TERMS)</a:t>
+            </a:r>
+            <a:r>
+              <a:rPr lang="en-US" dirty="0" smtClean="0"/>
+              <a:t> for each </a:t>
+            </a:r>
+            <a:r>
+              <a:rPr lang="en-US" dirty="0" err="1" smtClean="0">
+                <a:latin typeface="Consolas" panose="020B0609020204030204" pitchFamily="49" charset="0"/>
+                <a:cs typeface="Consolas" panose="020B0609020204030204" pitchFamily="49" charset="0"/>
+              </a:rPr>
+              <a:t>DataFrame</a:t>
+            </a:r>
+            <a:r>
+              <a:rPr lang="en-US" dirty="0" smtClean="0"/>
+              <a:t> row.</a:t>
+            </a:r>
+          </a:p>
+          <a:p>
+            <a:r>
+              <a:rPr lang="en-US" dirty="0" smtClean="0"/>
+              <a:t>Some clusters had less than 20 significant terms, the terms with zero </a:t>
+            </a:r>
+            <a:r>
+              <a:rPr lang="en-US" dirty="0" err="1" smtClean="0"/>
+              <a:t>tf-idf</a:t>
+            </a:r>
+            <a:r>
+              <a:rPr lang="en-US" dirty="0" smtClean="0"/>
+              <a:t> scores were eliminated, therefore some of the plots show less than 20 terms per cluster.</a:t>
+            </a:r>
+          </a:p>
+          <a:p>
+            <a:r>
+              <a:rPr lang="en-US" dirty="0" smtClean="0"/>
+              <a:t>This is an effect of the clustering algorithm used. </a:t>
+            </a:r>
+            <a:endParaRPr lang="en-US" dirty="0"/>
           </a:p>
         </p:txBody>
       </p:sp>
     </p:spTree>
     <p:extLst>
       <p:ext uri="{BB962C8B-B14F-4D97-AF65-F5344CB8AC3E}">
-        <p14:creationId xmlns:p14="http://schemas.microsoft.com/office/powerpoint/2010/main" val="2850804523"/>
+        <p14:creationId xmlns:p14="http://schemas.microsoft.com/office/powerpoint/2010/main" val="1992203487"/>
       </p:ext>
     </p:extLst>
   </p:cSld>
@@ -11527,6 +11592,1752 @@
 </file>
 
 <file path=ppt/slides/slide20.xml><?xml version="1.0" encoding="utf-8"?>
+<p:sld xmlns:a="http://schemas.openxmlformats.org/drawingml/2006/main" xmlns:r="http://schemas.openxmlformats.org/officeDocument/2006/relationships" xmlns:p="http://schemas.openxmlformats.org/presentationml/2006/main">
+  <p:cSld>
+    <p:spTree>
+      <p:nvGrpSpPr>
+        <p:cNvPr id="1" name=""/>
+        <p:cNvGrpSpPr/>
+        <p:nvPr/>
+      </p:nvGrpSpPr>
+      <p:grpSpPr>
+        <a:xfrm>
+          <a:off x="0" y="0"/>
+          <a:ext cx="0" cy="0"/>
+          <a:chOff x="0" y="0"/>
+          <a:chExt cx="0" cy="0"/>
+        </a:xfrm>
+      </p:grpSpPr>
+      <p:sp>
+        <p:nvSpPr>
+          <p:cNvPr id="2" name="Title 1"/>
+          <p:cNvSpPr>
+            <a:spLocks noGrp="1"/>
+          </p:cNvSpPr>
+          <p:nvPr>
+            <p:ph type="title"/>
+          </p:nvPr>
+        </p:nvSpPr>
+        <p:spPr/>
+        <p:txBody>
+          <a:bodyPr/>
+          <a:lstStyle/>
+          <a:p>
+            <a:r>
+              <a:rPr lang="en-US" dirty="0" smtClean="0"/>
+              <a:t>14 Cluster Plots</a:t>
+            </a:r>
+            <a:endParaRPr lang="en-US" dirty="0"/>
+          </a:p>
+        </p:txBody>
+      </p:sp>
+      <p:sp>
+        <p:nvSpPr>
+          <p:cNvPr id="3" name="Text Placeholder 2"/>
+          <p:cNvSpPr>
+            <a:spLocks noGrp="1"/>
+          </p:cNvSpPr>
+          <p:nvPr>
+            <p:ph type="body" idx="1"/>
+          </p:nvPr>
+        </p:nvSpPr>
+        <p:spPr/>
+        <p:txBody>
+          <a:bodyPr/>
+          <a:lstStyle/>
+          <a:p>
+            <a:endParaRPr lang="en-US"/>
+          </a:p>
+        </p:txBody>
+      </p:sp>
+    </p:spTree>
+    <p:extLst>
+      <p:ext uri="{BB962C8B-B14F-4D97-AF65-F5344CB8AC3E}">
+        <p14:creationId xmlns:p14="http://schemas.microsoft.com/office/powerpoint/2010/main" val="2309761914"/>
+      </p:ext>
+    </p:extLst>
+  </p:cSld>
+  <p:clrMapOvr>
+    <a:masterClrMapping/>
+  </p:clrMapOvr>
+  <p:timing>
+    <p:tnLst>
+      <p:par>
+        <p:cTn id="1" dur="indefinite" restart="never" nodeType="tmRoot"/>
+      </p:par>
+    </p:tnLst>
+  </p:timing>
+</p:sld>
+</file>
+
+<file path=ppt/slides/slide21.xml><?xml version="1.0" encoding="utf-8"?>
+<p:sld xmlns:a="http://schemas.openxmlformats.org/drawingml/2006/main" xmlns:r="http://schemas.openxmlformats.org/officeDocument/2006/relationships" xmlns:p="http://schemas.openxmlformats.org/presentationml/2006/main">
+  <p:cSld>
+    <p:spTree>
+      <p:nvGrpSpPr>
+        <p:cNvPr id="1" name=""/>
+        <p:cNvGrpSpPr/>
+        <p:nvPr/>
+      </p:nvGrpSpPr>
+      <p:grpSpPr>
+        <a:xfrm>
+          <a:off x="0" y="0"/>
+          <a:ext cx="0" cy="0"/>
+          <a:chOff x="0" y="0"/>
+          <a:chExt cx="0" cy="0"/>
+        </a:xfrm>
+      </p:grpSpPr>
+      <p:pic>
+        <p:nvPicPr>
+          <p:cNvPr id="4" name="Picture 3"/>
+          <p:cNvPicPr>
+            <a:picLocks noChangeAspect="1"/>
+          </p:cNvPicPr>
+          <p:nvPr/>
+        </p:nvPicPr>
+        <p:blipFill>
+          <a:blip r:embed="rId2">
+            <a:extLst>
+              <a:ext uri="{28A0092B-C50C-407E-A947-70E740481C1C}">
+                <a14:useLocalDpi xmlns:a14="http://schemas.microsoft.com/office/drawing/2010/main" val="0"/>
+              </a:ext>
+            </a:extLst>
+          </a:blip>
+          <a:stretch>
+            <a:fillRect/>
+          </a:stretch>
+        </p:blipFill>
+        <p:spPr>
+          <a:xfrm>
+            <a:off x="0" y="90617"/>
+            <a:ext cx="3702905" cy="2777178"/>
+          </a:xfrm>
+          <a:prstGeom prst="rect">
+            <a:avLst/>
+          </a:prstGeom>
+        </p:spPr>
+      </p:pic>
+      <p:pic>
+        <p:nvPicPr>
+          <p:cNvPr id="5" name="Picture 4"/>
+          <p:cNvPicPr>
+            <a:picLocks noChangeAspect="1"/>
+          </p:cNvPicPr>
+          <p:nvPr/>
+        </p:nvPicPr>
+        <p:blipFill>
+          <a:blip r:embed="rId3">
+            <a:extLst>
+              <a:ext uri="{28A0092B-C50C-407E-A947-70E740481C1C}">
+                <a14:useLocalDpi xmlns:a14="http://schemas.microsoft.com/office/drawing/2010/main" val="0"/>
+              </a:ext>
+            </a:extLst>
+          </a:blip>
+          <a:stretch>
+            <a:fillRect/>
+          </a:stretch>
+        </p:blipFill>
+        <p:spPr>
+          <a:xfrm>
+            <a:off x="3702905" y="90617"/>
+            <a:ext cx="3627387" cy="2720540"/>
+          </a:xfrm>
+          <a:prstGeom prst="rect">
+            <a:avLst/>
+          </a:prstGeom>
+        </p:spPr>
+      </p:pic>
+      <p:pic>
+        <p:nvPicPr>
+          <p:cNvPr id="6" name="Picture 5"/>
+          <p:cNvPicPr>
+            <a:picLocks noChangeAspect="1"/>
+          </p:cNvPicPr>
+          <p:nvPr/>
+        </p:nvPicPr>
+        <p:blipFill>
+          <a:blip r:embed="rId4">
+            <a:extLst>
+              <a:ext uri="{28A0092B-C50C-407E-A947-70E740481C1C}">
+                <a14:useLocalDpi xmlns:a14="http://schemas.microsoft.com/office/drawing/2010/main" val="0"/>
+              </a:ext>
+            </a:extLst>
+          </a:blip>
+          <a:stretch>
+            <a:fillRect/>
+          </a:stretch>
+        </p:blipFill>
+        <p:spPr>
+          <a:xfrm>
+            <a:off x="7330292" y="118936"/>
+            <a:ext cx="3627387" cy="2720540"/>
+          </a:xfrm>
+          <a:prstGeom prst="rect">
+            <a:avLst/>
+          </a:prstGeom>
+        </p:spPr>
+      </p:pic>
+      <p:pic>
+        <p:nvPicPr>
+          <p:cNvPr id="7" name="Picture 6"/>
+          <p:cNvPicPr>
+            <a:picLocks noChangeAspect="1"/>
+          </p:cNvPicPr>
+          <p:nvPr/>
+        </p:nvPicPr>
+        <p:blipFill>
+          <a:blip r:embed="rId5">
+            <a:extLst>
+              <a:ext uri="{28A0092B-C50C-407E-A947-70E740481C1C}">
+                <a14:useLocalDpi xmlns:a14="http://schemas.microsoft.com/office/drawing/2010/main" val="0"/>
+              </a:ext>
+            </a:extLst>
+          </a:blip>
+          <a:stretch>
+            <a:fillRect/>
+          </a:stretch>
+        </p:blipFill>
+        <p:spPr>
+          <a:xfrm>
+            <a:off x="0" y="2939876"/>
+            <a:ext cx="3431075" cy="2573306"/>
+          </a:xfrm>
+          <a:prstGeom prst="rect">
+            <a:avLst/>
+          </a:prstGeom>
+        </p:spPr>
+      </p:pic>
+      <p:pic>
+        <p:nvPicPr>
+          <p:cNvPr id="8" name="Picture 7"/>
+          <p:cNvPicPr>
+            <a:picLocks noChangeAspect="1"/>
+          </p:cNvPicPr>
+          <p:nvPr/>
+        </p:nvPicPr>
+        <p:blipFill>
+          <a:blip r:embed="rId6">
+            <a:extLst>
+              <a:ext uri="{28A0092B-C50C-407E-A947-70E740481C1C}">
+                <a14:useLocalDpi xmlns:a14="http://schemas.microsoft.com/office/drawing/2010/main" val="0"/>
+              </a:ext>
+            </a:extLst>
+          </a:blip>
+          <a:stretch>
+            <a:fillRect/>
+          </a:stretch>
+        </p:blipFill>
+        <p:spPr>
+          <a:xfrm>
+            <a:off x="3431075" y="2939876"/>
+            <a:ext cx="3657608" cy="2743206"/>
+          </a:xfrm>
+          <a:prstGeom prst="rect">
+            <a:avLst/>
+          </a:prstGeom>
+        </p:spPr>
+      </p:pic>
+      <p:pic>
+        <p:nvPicPr>
+          <p:cNvPr id="9" name="Picture 8"/>
+          <p:cNvPicPr>
+            <a:picLocks noChangeAspect="1"/>
+          </p:cNvPicPr>
+          <p:nvPr/>
+        </p:nvPicPr>
+        <p:blipFill>
+          <a:blip r:embed="rId7">
+            <a:extLst>
+              <a:ext uri="{28A0092B-C50C-407E-A947-70E740481C1C}">
+                <a14:useLocalDpi xmlns:a14="http://schemas.microsoft.com/office/drawing/2010/main" val="0"/>
+              </a:ext>
+            </a:extLst>
+          </a:blip>
+          <a:stretch>
+            <a:fillRect/>
+          </a:stretch>
+        </p:blipFill>
+        <p:spPr>
+          <a:xfrm>
+            <a:off x="7088683" y="3011937"/>
+            <a:ext cx="3561527" cy="2671145"/>
+          </a:xfrm>
+          <a:prstGeom prst="rect">
+            <a:avLst/>
+          </a:prstGeom>
+        </p:spPr>
+      </p:pic>
+    </p:spTree>
+    <p:extLst>
+      <p:ext uri="{BB962C8B-B14F-4D97-AF65-F5344CB8AC3E}">
+        <p14:creationId xmlns:p14="http://schemas.microsoft.com/office/powerpoint/2010/main" val="2850804523"/>
+      </p:ext>
+    </p:extLst>
+  </p:cSld>
+  <p:clrMapOvr>
+    <a:masterClrMapping/>
+  </p:clrMapOvr>
+  <p:timing>
+    <p:tnLst>
+      <p:par>
+        <p:cTn id="1" dur="indefinite" restart="never" nodeType="tmRoot"/>
+      </p:par>
+    </p:tnLst>
+  </p:timing>
+</p:sld>
+</file>
+
+<file path=ppt/slides/slide22.xml><?xml version="1.0" encoding="utf-8"?>
+<p:sld xmlns:a="http://schemas.openxmlformats.org/drawingml/2006/main" xmlns:r="http://schemas.openxmlformats.org/officeDocument/2006/relationships" xmlns:p="http://schemas.openxmlformats.org/presentationml/2006/main">
+  <p:cSld>
+    <p:spTree>
+      <p:nvGrpSpPr>
+        <p:cNvPr id="1" name=""/>
+        <p:cNvGrpSpPr/>
+        <p:nvPr/>
+      </p:nvGrpSpPr>
+      <p:grpSpPr>
+        <a:xfrm>
+          <a:off x="0" y="0"/>
+          <a:ext cx="0" cy="0"/>
+          <a:chOff x="0" y="0"/>
+          <a:chExt cx="0" cy="0"/>
+        </a:xfrm>
+      </p:grpSpPr>
+      <p:pic>
+        <p:nvPicPr>
+          <p:cNvPr id="2" name="Picture 1"/>
+          <p:cNvPicPr>
+            <a:picLocks noChangeAspect="1"/>
+          </p:cNvPicPr>
+          <p:nvPr/>
+        </p:nvPicPr>
+        <p:blipFill>
+          <a:blip r:embed="rId2">
+            <a:extLst>
+              <a:ext uri="{28A0092B-C50C-407E-A947-70E740481C1C}">
+                <a14:useLocalDpi xmlns:a14="http://schemas.microsoft.com/office/drawing/2010/main" val="0"/>
+              </a:ext>
+            </a:extLst>
+          </a:blip>
+          <a:stretch>
+            <a:fillRect/>
+          </a:stretch>
+        </p:blipFill>
+        <p:spPr>
+          <a:xfrm>
+            <a:off x="0" y="0"/>
+            <a:ext cx="3702905" cy="2777179"/>
+          </a:xfrm>
+          <a:prstGeom prst="rect">
+            <a:avLst/>
+          </a:prstGeom>
+        </p:spPr>
+      </p:pic>
+      <p:pic>
+        <p:nvPicPr>
+          <p:cNvPr id="3" name="Picture 2"/>
+          <p:cNvPicPr>
+            <a:picLocks noChangeAspect="1"/>
+          </p:cNvPicPr>
+          <p:nvPr/>
+        </p:nvPicPr>
+        <p:blipFill>
+          <a:blip r:embed="rId3">
+            <a:extLst>
+              <a:ext uri="{28A0092B-C50C-407E-A947-70E740481C1C}">
+                <a14:useLocalDpi xmlns:a14="http://schemas.microsoft.com/office/drawing/2010/main" val="0"/>
+              </a:ext>
+            </a:extLst>
+          </a:blip>
+          <a:stretch>
+            <a:fillRect/>
+          </a:stretch>
+        </p:blipFill>
+        <p:spPr>
+          <a:xfrm>
+            <a:off x="3702905" y="0"/>
+            <a:ext cx="3702905" cy="2777179"/>
+          </a:xfrm>
+          <a:prstGeom prst="rect">
+            <a:avLst/>
+          </a:prstGeom>
+        </p:spPr>
+      </p:pic>
+      <p:pic>
+        <p:nvPicPr>
+          <p:cNvPr id="4" name="Picture 3"/>
+          <p:cNvPicPr>
+            <a:picLocks noChangeAspect="1"/>
+          </p:cNvPicPr>
+          <p:nvPr/>
+        </p:nvPicPr>
+        <p:blipFill>
+          <a:blip r:embed="rId4">
+            <a:extLst>
+              <a:ext uri="{28A0092B-C50C-407E-A947-70E740481C1C}">
+                <a14:useLocalDpi xmlns:a14="http://schemas.microsoft.com/office/drawing/2010/main" val="0"/>
+              </a:ext>
+            </a:extLst>
+          </a:blip>
+          <a:stretch>
+            <a:fillRect/>
+          </a:stretch>
+        </p:blipFill>
+        <p:spPr>
+          <a:xfrm>
+            <a:off x="7405810" y="33973"/>
+            <a:ext cx="3612310" cy="2709232"/>
+          </a:xfrm>
+          <a:prstGeom prst="rect">
+            <a:avLst/>
+          </a:prstGeom>
+        </p:spPr>
+      </p:pic>
+      <p:pic>
+        <p:nvPicPr>
+          <p:cNvPr id="5" name="Picture 4"/>
+          <p:cNvPicPr>
+            <a:picLocks noChangeAspect="1"/>
+          </p:cNvPicPr>
+          <p:nvPr/>
+        </p:nvPicPr>
+        <p:blipFill>
+          <a:blip r:embed="rId5">
+            <a:extLst>
+              <a:ext uri="{28A0092B-C50C-407E-A947-70E740481C1C}">
+                <a14:useLocalDpi xmlns:a14="http://schemas.microsoft.com/office/drawing/2010/main" val="0"/>
+              </a:ext>
+            </a:extLst>
+          </a:blip>
+          <a:stretch>
+            <a:fillRect/>
+          </a:stretch>
+        </p:blipFill>
+        <p:spPr>
+          <a:xfrm>
+            <a:off x="90595" y="2777179"/>
+            <a:ext cx="3657608" cy="2743206"/>
+          </a:xfrm>
+          <a:prstGeom prst="rect">
+            <a:avLst/>
+          </a:prstGeom>
+        </p:spPr>
+      </p:pic>
+      <p:pic>
+        <p:nvPicPr>
+          <p:cNvPr id="6" name="Picture 5"/>
+          <p:cNvPicPr>
+            <a:picLocks noChangeAspect="1"/>
+          </p:cNvPicPr>
+          <p:nvPr/>
+        </p:nvPicPr>
+        <p:blipFill>
+          <a:blip r:embed="rId6">
+            <a:extLst>
+              <a:ext uri="{28A0092B-C50C-407E-A947-70E740481C1C}">
+                <a14:useLocalDpi xmlns:a14="http://schemas.microsoft.com/office/drawing/2010/main" val="0"/>
+              </a:ext>
+            </a:extLst>
+          </a:blip>
+          <a:stretch>
+            <a:fillRect/>
+          </a:stretch>
+        </p:blipFill>
+        <p:spPr>
+          <a:xfrm>
+            <a:off x="3908831" y="2743205"/>
+            <a:ext cx="3612310" cy="2709232"/>
+          </a:xfrm>
+          <a:prstGeom prst="rect">
+            <a:avLst/>
+          </a:prstGeom>
+        </p:spPr>
+      </p:pic>
+      <p:pic>
+        <p:nvPicPr>
+          <p:cNvPr id="7" name="Picture 6"/>
+          <p:cNvPicPr>
+            <a:picLocks noChangeAspect="1"/>
+          </p:cNvPicPr>
+          <p:nvPr/>
+        </p:nvPicPr>
+        <p:blipFill>
+          <a:blip r:embed="rId7">
+            <a:extLst>
+              <a:ext uri="{28A0092B-C50C-407E-A947-70E740481C1C}">
+                <a14:useLocalDpi xmlns:a14="http://schemas.microsoft.com/office/drawing/2010/main" val="0"/>
+              </a:ext>
+            </a:extLst>
+          </a:blip>
+          <a:stretch>
+            <a:fillRect/>
+          </a:stretch>
+        </p:blipFill>
+        <p:spPr>
+          <a:xfrm>
+            <a:off x="7521141" y="2743205"/>
+            <a:ext cx="3612310" cy="2709232"/>
+          </a:xfrm>
+          <a:prstGeom prst="rect">
+            <a:avLst/>
+          </a:prstGeom>
+        </p:spPr>
+      </p:pic>
+    </p:spTree>
+    <p:extLst>
+      <p:ext uri="{BB962C8B-B14F-4D97-AF65-F5344CB8AC3E}">
+        <p14:creationId xmlns:p14="http://schemas.microsoft.com/office/powerpoint/2010/main" val="817274641"/>
+      </p:ext>
+    </p:extLst>
+  </p:cSld>
+  <p:clrMapOvr>
+    <a:masterClrMapping/>
+  </p:clrMapOvr>
+  <p:timing>
+    <p:tnLst>
+      <p:par>
+        <p:cTn id="1" dur="indefinite" restart="never" nodeType="tmRoot"/>
+      </p:par>
+    </p:tnLst>
+  </p:timing>
+</p:sld>
+</file>
+
+<file path=ppt/slides/slide23.xml><?xml version="1.0" encoding="utf-8"?>
+<p:sld xmlns:a="http://schemas.openxmlformats.org/drawingml/2006/main" xmlns:r="http://schemas.openxmlformats.org/officeDocument/2006/relationships" xmlns:p="http://schemas.openxmlformats.org/presentationml/2006/main">
+  <p:cSld>
+    <p:spTree>
+      <p:nvGrpSpPr>
+        <p:cNvPr id="1" name=""/>
+        <p:cNvGrpSpPr/>
+        <p:nvPr/>
+      </p:nvGrpSpPr>
+      <p:grpSpPr>
+        <a:xfrm>
+          <a:off x="0" y="0"/>
+          <a:ext cx="0" cy="0"/>
+          <a:chOff x="0" y="0"/>
+          <a:chExt cx="0" cy="0"/>
+        </a:xfrm>
+      </p:grpSpPr>
+      <p:pic>
+        <p:nvPicPr>
+          <p:cNvPr id="2" name="Picture 1"/>
+          <p:cNvPicPr>
+            <a:picLocks noChangeAspect="1"/>
+          </p:cNvPicPr>
+          <p:nvPr/>
+        </p:nvPicPr>
+        <p:blipFill>
+          <a:blip r:embed="rId2">
+            <a:extLst>
+              <a:ext uri="{28A0092B-C50C-407E-A947-70E740481C1C}">
+                <a14:useLocalDpi xmlns:a14="http://schemas.microsoft.com/office/drawing/2010/main" val="0"/>
+              </a:ext>
+            </a:extLst>
+          </a:blip>
+          <a:stretch>
+            <a:fillRect/>
+          </a:stretch>
+        </p:blipFill>
+        <p:spPr>
+          <a:xfrm>
+            <a:off x="0" y="290378"/>
+            <a:ext cx="6063041" cy="4547281"/>
+          </a:xfrm>
+          <a:prstGeom prst="rect">
+            <a:avLst/>
+          </a:prstGeom>
+        </p:spPr>
+      </p:pic>
+      <p:pic>
+        <p:nvPicPr>
+          <p:cNvPr id="3" name="Picture 2"/>
+          <p:cNvPicPr>
+            <a:picLocks noChangeAspect="1"/>
+          </p:cNvPicPr>
+          <p:nvPr/>
+        </p:nvPicPr>
+        <p:blipFill>
+          <a:blip r:embed="rId3">
+            <a:extLst>
+              <a:ext uri="{28A0092B-C50C-407E-A947-70E740481C1C}">
+                <a14:useLocalDpi xmlns:a14="http://schemas.microsoft.com/office/drawing/2010/main" val="0"/>
+              </a:ext>
+            </a:extLst>
+          </a:blip>
+          <a:stretch>
+            <a:fillRect/>
+          </a:stretch>
+        </p:blipFill>
+        <p:spPr>
+          <a:xfrm>
+            <a:off x="6063041" y="290378"/>
+            <a:ext cx="6128959" cy="4596719"/>
+          </a:xfrm>
+          <a:prstGeom prst="rect">
+            <a:avLst/>
+          </a:prstGeom>
+        </p:spPr>
+      </p:pic>
+    </p:spTree>
+    <p:extLst>
+      <p:ext uri="{BB962C8B-B14F-4D97-AF65-F5344CB8AC3E}">
+        <p14:creationId xmlns:p14="http://schemas.microsoft.com/office/powerpoint/2010/main" val="2006498637"/>
+      </p:ext>
+    </p:extLst>
+  </p:cSld>
+  <p:clrMapOvr>
+    <a:masterClrMapping/>
+  </p:clrMapOvr>
+  <p:timing>
+    <p:tnLst>
+      <p:par>
+        <p:cTn id="1" dur="indefinite" restart="never" nodeType="tmRoot"/>
+      </p:par>
+    </p:tnLst>
+  </p:timing>
+</p:sld>
+</file>
+
+<file path=ppt/slides/slide24.xml><?xml version="1.0" encoding="utf-8"?>
+<p:sld xmlns:a="http://schemas.openxmlformats.org/drawingml/2006/main" xmlns:r="http://schemas.openxmlformats.org/officeDocument/2006/relationships" xmlns:p="http://schemas.openxmlformats.org/presentationml/2006/main">
+  <p:cSld>
+    <p:spTree>
+      <p:nvGrpSpPr>
+        <p:cNvPr id="1" name=""/>
+        <p:cNvGrpSpPr/>
+        <p:nvPr/>
+      </p:nvGrpSpPr>
+      <p:grpSpPr>
+        <a:xfrm>
+          <a:off x="0" y="0"/>
+          <a:ext cx="0" cy="0"/>
+          <a:chOff x="0" y="0"/>
+          <a:chExt cx="0" cy="0"/>
+        </a:xfrm>
+      </p:grpSpPr>
+      <p:sp>
+        <p:nvSpPr>
+          <p:cNvPr id="2" name="Title 1"/>
+          <p:cNvSpPr>
+            <a:spLocks noGrp="1"/>
+          </p:cNvSpPr>
+          <p:nvPr>
+            <p:ph type="title"/>
+          </p:nvPr>
+        </p:nvSpPr>
+        <p:spPr/>
+        <p:txBody>
+          <a:bodyPr/>
+          <a:lstStyle/>
+          <a:p>
+            <a:r>
+              <a:rPr lang="en-US" dirty="0" smtClean="0"/>
+              <a:t>14 Clusters Selected Word Clouds</a:t>
+            </a:r>
+            <a:endParaRPr lang="en-US" dirty="0"/>
+          </a:p>
+        </p:txBody>
+      </p:sp>
+      <p:sp>
+        <p:nvSpPr>
+          <p:cNvPr id="3" name="Text Placeholder 2"/>
+          <p:cNvSpPr>
+            <a:spLocks noGrp="1"/>
+          </p:cNvSpPr>
+          <p:nvPr>
+            <p:ph type="body" idx="1"/>
+          </p:nvPr>
+        </p:nvSpPr>
+        <p:spPr/>
+        <p:txBody>
+          <a:bodyPr/>
+          <a:lstStyle/>
+          <a:p>
+            <a:r>
+              <a:rPr lang="en-US" dirty="0" smtClean="0"/>
+              <a:t>These were created by </a:t>
+            </a:r>
+            <a:r>
+              <a:rPr lang="en-US" dirty="0"/>
+              <a:t>hand at </a:t>
+            </a:r>
+            <a:r>
+              <a:rPr lang="en-US" dirty="0">
+                <a:hlinkClick r:id="rId2"/>
+              </a:rPr>
+              <a:t>http://</a:t>
+            </a:r>
+            <a:r>
+              <a:rPr lang="en-US" dirty="0" smtClean="0">
+                <a:hlinkClick r:id="rId2"/>
+              </a:rPr>
+              <a:t>www.wordle.net/compose</a:t>
+            </a:r>
+            <a:r>
+              <a:rPr lang="en-US" dirty="0" smtClean="0"/>
+              <a:t> using the </a:t>
+            </a:r>
+            <a:r>
+              <a:rPr lang="en-US" dirty="0" err="1" smtClean="0"/>
+              <a:t>tf-idf</a:t>
+            </a:r>
+            <a:r>
+              <a:rPr lang="en-US" dirty="0" smtClean="0"/>
+              <a:t> scores as weights. Words with higher weights </a:t>
+            </a:r>
+            <a:r>
+              <a:rPr lang="en-US" smtClean="0"/>
+              <a:t>are larger.</a:t>
+            </a:r>
+            <a:endParaRPr lang="en-US" dirty="0" smtClean="0"/>
+          </a:p>
+          <a:p>
+            <a:r>
+              <a:rPr lang="en-US" dirty="0" smtClean="0"/>
+              <a:t>Most interesting included, some left out for brevity.</a:t>
+            </a:r>
+            <a:endParaRPr lang="en-US" dirty="0"/>
+          </a:p>
+        </p:txBody>
+      </p:sp>
+    </p:spTree>
+    <p:extLst>
+      <p:ext uri="{BB962C8B-B14F-4D97-AF65-F5344CB8AC3E}">
+        <p14:creationId xmlns:p14="http://schemas.microsoft.com/office/powerpoint/2010/main" val="520024063"/>
+      </p:ext>
+    </p:extLst>
+  </p:cSld>
+  <p:clrMapOvr>
+    <a:masterClrMapping/>
+  </p:clrMapOvr>
+</p:sld>
+</file>
+
+<file path=ppt/slides/slide25.xml><?xml version="1.0" encoding="utf-8"?>
+<p:sld xmlns:a="http://schemas.openxmlformats.org/drawingml/2006/main" xmlns:r="http://schemas.openxmlformats.org/officeDocument/2006/relationships" xmlns:p="http://schemas.openxmlformats.org/presentationml/2006/main">
+  <p:cSld>
+    <p:spTree>
+      <p:nvGrpSpPr>
+        <p:cNvPr id="1" name=""/>
+        <p:cNvGrpSpPr/>
+        <p:nvPr/>
+      </p:nvGrpSpPr>
+      <p:grpSpPr>
+        <a:xfrm>
+          <a:off x="0" y="0"/>
+          <a:ext cx="0" cy="0"/>
+          <a:chOff x="0" y="0"/>
+          <a:chExt cx="0" cy="0"/>
+        </a:xfrm>
+      </p:grpSpPr>
+      <p:sp>
+        <p:nvSpPr>
+          <p:cNvPr id="4" name="Title 3"/>
+          <p:cNvSpPr>
+            <a:spLocks noGrp="1"/>
+          </p:cNvSpPr>
+          <p:nvPr>
+            <p:ph type="title"/>
+          </p:nvPr>
+        </p:nvSpPr>
+        <p:spPr/>
+        <p:txBody>
+          <a:bodyPr/>
+          <a:lstStyle/>
+          <a:p>
+            <a:r>
+              <a:rPr lang="en-US" dirty="0" smtClean="0"/>
+              <a:t>Cooking cluster?</a:t>
+            </a:r>
+            <a:endParaRPr lang="en-US" dirty="0"/>
+          </a:p>
+        </p:txBody>
+      </p:sp>
+      <p:pic>
+        <p:nvPicPr>
+          <p:cNvPr id="6" name="Content Placeholder 5"/>
+          <p:cNvPicPr>
+            <a:picLocks noGrp="1" noChangeAspect="1"/>
+          </p:cNvPicPr>
+          <p:nvPr>
+            <p:ph idx="1"/>
+          </p:nvPr>
+        </p:nvPicPr>
+        <p:blipFill>
+          <a:blip r:embed="rId2">
+            <a:extLst>
+              <a:ext uri="{28A0092B-C50C-407E-A947-70E740481C1C}">
+                <a14:useLocalDpi xmlns:a14="http://schemas.microsoft.com/office/drawing/2010/main" val="0"/>
+              </a:ext>
+            </a:extLst>
+          </a:blip>
+          <a:stretch>
+            <a:fillRect/>
+          </a:stretch>
+        </p:blipFill>
+        <p:spPr>
+          <a:xfrm>
+            <a:off x="2684519" y="1825625"/>
+            <a:ext cx="6822962" cy="4351338"/>
+          </a:xfrm>
+        </p:spPr>
+      </p:pic>
+    </p:spTree>
+    <p:extLst>
+      <p:ext uri="{BB962C8B-B14F-4D97-AF65-F5344CB8AC3E}">
+        <p14:creationId xmlns:p14="http://schemas.microsoft.com/office/powerpoint/2010/main" val="2693055507"/>
+      </p:ext>
+    </p:extLst>
+  </p:cSld>
+  <p:clrMapOvr>
+    <a:masterClrMapping/>
+  </p:clrMapOvr>
+</p:sld>
+</file>
+
+<file path=ppt/slides/slide26.xml><?xml version="1.0" encoding="utf-8"?>
+<p:sld xmlns:a="http://schemas.openxmlformats.org/drawingml/2006/main" xmlns:r="http://schemas.openxmlformats.org/officeDocument/2006/relationships" xmlns:p="http://schemas.openxmlformats.org/presentationml/2006/main">
+  <p:cSld>
+    <p:spTree>
+      <p:nvGrpSpPr>
+        <p:cNvPr id="1" name=""/>
+        <p:cNvGrpSpPr/>
+        <p:nvPr/>
+      </p:nvGrpSpPr>
+      <p:grpSpPr>
+        <a:xfrm>
+          <a:off x="0" y="0"/>
+          <a:ext cx="0" cy="0"/>
+          <a:chOff x="0" y="0"/>
+          <a:chExt cx="0" cy="0"/>
+        </a:xfrm>
+      </p:grpSpPr>
+      <p:sp>
+        <p:nvSpPr>
+          <p:cNvPr id="2" name="Title 1"/>
+          <p:cNvSpPr>
+            <a:spLocks noGrp="1"/>
+          </p:cNvSpPr>
+          <p:nvPr>
+            <p:ph type="title"/>
+          </p:nvPr>
+        </p:nvSpPr>
+        <p:spPr/>
+        <p:txBody>
+          <a:bodyPr/>
+          <a:lstStyle/>
+          <a:p>
+            <a:endParaRPr lang="en-US"/>
+          </a:p>
+        </p:txBody>
+      </p:sp>
+      <p:pic>
+        <p:nvPicPr>
+          <p:cNvPr id="4" name="Content Placeholder 3"/>
+          <p:cNvPicPr>
+            <a:picLocks noGrp="1" noChangeAspect="1"/>
+          </p:cNvPicPr>
+          <p:nvPr>
+            <p:ph idx="1"/>
+          </p:nvPr>
+        </p:nvPicPr>
+        <p:blipFill>
+          <a:blip r:embed="rId2">
+            <a:extLst>
+              <a:ext uri="{28A0092B-C50C-407E-A947-70E740481C1C}">
+                <a14:useLocalDpi xmlns:a14="http://schemas.microsoft.com/office/drawing/2010/main" val="0"/>
+              </a:ext>
+            </a:extLst>
+          </a:blip>
+          <a:stretch>
+            <a:fillRect/>
+          </a:stretch>
+        </p:blipFill>
+        <p:spPr>
+          <a:xfrm>
+            <a:off x="2659015" y="1825625"/>
+            <a:ext cx="6873970" cy="4351338"/>
+          </a:xfrm>
+        </p:spPr>
+      </p:pic>
+    </p:spTree>
+    <p:extLst>
+      <p:ext uri="{BB962C8B-B14F-4D97-AF65-F5344CB8AC3E}">
+        <p14:creationId xmlns:p14="http://schemas.microsoft.com/office/powerpoint/2010/main" val="456549789"/>
+      </p:ext>
+    </p:extLst>
+  </p:cSld>
+  <p:clrMapOvr>
+    <a:masterClrMapping/>
+  </p:clrMapOvr>
+</p:sld>
+</file>
+
+<file path=ppt/slides/slide27.xml><?xml version="1.0" encoding="utf-8"?>
+<p:sld xmlns:a="http://schemas.openxmlformats.org/drawingml/2006/main" xmlns:r="http://schemas.openxmlformats.org/officeDocument/2006/relationships" xmlns:p="http://schemas.openxmlformats.org/presentationml/2006/main">
+  <p:cSld>
+    <p:spTree>
+      <p:nvGrpSpPr>
+        <p:cNvPr id="1" name=""/>
+        <p:cNvGrpSpPr/>
+        <p:nvPr/>
+      </p:nvGrpSpPr>
+      <p:grpSpPr>
+        <a:xfrm>
+          <a:off x="0" y="0"/>
+          <a:ext cx="0" cy="0"/>
+          <a:chOff x="0" y="0"/>
+          <a:chExt cx="0" cy="0"/>
+        </a:xfrm>
+      </p:grpSpPr>
+      <p:sp>
+        <p:nvSpPr>
+          <p:cNvPr id="2" name="Title 1"/>
+          <p:cNvSpPr>
+            <a:spLocks noGrp="1"/>
+          </p:cNvSpPr>
+          <p:nvPr>
+            <p:ph type="title"/>
+          </p:nvPr>
+        </p:nvSpPr>
+        <p:spPr/>
+        <p:txBody>
+          <a:bodyPr/>
+          <a:lstStyle/>
+          <a:p>
+            <a:endParaRPr lang="en-US"/>
+          </a:p>
+        </p:txBody>
+      </p:sp>
+      <p:pic>
+        <p:nvPicPr>
+          <p:cNvPr id="4" name="Content Placeholder 3"/>
+          <p:cNvPicPr>
+            <a:picLocks noGrp="1" noChangeAspect="1"/>
+          </p:cNvPicPr>
+          <p:nvPr>
+            <p:ph idx="1"/>
+          </p:nvPr>
+        </p:nvPicPr>
+        <p:blipFill>
+          <a:blip r:embed="rId2">
+            <a:extLst>
+              <a:ext uri="{28A0092B-C50C-407E-A947-70E740481C1C}">
+                <a14:useLocalDpi xmlns:a14="http://schemas.microsoft.com/office/drawing/2010/main" val="0"/>
+              </a:ext>
+            </a:extLst>
+          </a:blip>
+          <a:stretch>
+            <a:fillRect/>
+          </a:stretch>
+        </p:blipFill>
+        <p:spPr>
+          <a:xfrm>
+            <a:off x="2744832" y="1825625"/>
+            <a:ext cx="6702335" cy="4351338"/>
+          </a:xfrm>
+        </p:spPr>
+      </p:pic>
+    </p:spTree>
+    <p:extLst>
+      <p:ext uri="{BB962C8B-B14F-4D97-AF65-F5344CB8AC3E}">
+        <p14:creationId xmlns:p14="http://schemas.microsoft.com/office/powerpoint/2010/main" val="785290532"/>
+      </p:ext>
+    </p:extLst>
+  </p:cSld>
+  <p:clrMapOvr>
+    <a:masterClrMapping/>
+  </p:clrMapOvr>
+</p:sld>
+</file>
+
+<file path=ppt/slides/slide28.xml><?xml version="1.0" encoding="utf-8"?>
+<p:sld xmlns:a="http://schemas.openxmlformats.org/drawingml/2006/main" xmlns:r="http://schemas.openxmlformats.org/officeDocument/2006/relationships" xmlns:p="http://schemas.openxmlformats.org/presentationml/2006/main">
+  <p:cSld>
+    <p:spTree>
+      <p:nvGrpSpPr>
+        <p:cNvPr id="1" name=""/>
+        <p:cNvGrpSpPr/>
+        <p:nvPr/>
+      </p:nvGrpSpPr>
+      <p:grpSpPr>
+        <a:xfrm>
+          <a:off x="0" y="0"/>
+          <a:ext cx="0" cy="0"/>
+          <a:chOff x="0" y="0"/>
+          <a:chExt cx="0" cy="0"/>
+        </a:xfrm>
+      </p:grpSpPr>
+      <p:sp>
+        <p:nvSpPr>
+          <p:cNvPr id="2" name="Title 1"/>
+          <p:cNvSpPr>
+            <a:spLocks noGrp="1"/>
+          </p:cNvSpPr>
+          <p:nvPr>
+            <p:ph type="title"/>
+          </p:nvPr>
+        </p:nvSpPr>
+        <p:spPr/>
+        <p:txBody>
+          <a:bodyPr/>
+          <a:lstStyle/>
+          <a:p>
+            <a:endParaRPr lang="en-US"/>
+          </a:p>
+        </p:txBody>
+      </p:sp>
+      <p:pic>
+        <p:nvPicPr>
+          <p:cNvPr id="4" name="Content Placeholder 3"/>
+          <p:cNvPicPr>
+            <a:picLocks noGrp="1" noChangeAspect="1"/>
+          </p:cNvPicPr>
+          <p:nvPr>
+            <p:ph idx="1"/>
+          </p:nvPr>
+        </p:nvPicPr>
+        <p:blipFill>
+          <a:blip r:embed="rId2">
+            <a:extLst>
+              <a:ext uri="{28A0092B-C50C-407E-A947-70E740481C1C}">
+                <a14:useLocalDpi xmlns:a14="http://schemas.microsoft.com/office/drawing/2010/main" val="0"/>
+              </a:ext>
+            </a:extLst>
+          </a:blip>
+          <a:stretch>
+            <a:fillRect/>
+          </a:stretch>
+        </p:blipFill>
+        <p:spPr>
+          <a:xfrm>
+            <a:off x="2753093" y="1825625"/>
+            <a:ext cx="6685814" cy="4351338"/>
+          </a:xfrm>
+        </p:spPr>
+      </p:pic>
+    </p:spTree>
+    <p:extLst>
+      <p:ext uri="{BB962C8B-B14F-4D97-AF65-F5344CB8AC3E}">
+        <p14:creationId xmlns:p14="http://schemas.microsoft.com/office/powerpoint/2010/main" val="2439513660"/>
+      </p:ext>
+    </p:extLst>
+  </p:cSld>
+  <p:clrMapOvr>
+    <a:masterClrMapping/>
+  </p:clrMapOvr>
+</p:sld>
+</file>
+
+<file path=ppt/slides/slide29.xml><?xml version="1.0" encoding="utf-8"?>
+<p:sld xmlns:a="http://schemas.openxmlformats.org/drawingml/2006/main" xmlns:r="http://schemas.openxmlformats.org/officeDocument/2006/relationships" xmlns:p="http://schemas.openxmlformats.org/presentationml/2006/main">
+  <p:cSld>
+    <p:spTree>
+      <p:nvGrpSpPr>
+        <p:cNvPr id="1" name=""/>
+        <p:cNvGrpSpPr/>
+        <p:nvPr/>
+      </p:nvGrpSpPr>
+      <p:grpSpPr>
+        <a:xfrm>
+          <a:off x="0" y="0"/>
+          <a:ext cx="0" cy="0"/>
+          <a:chOff x="0" y="0"/>
+          <a:chExt cx="0" cy="0"/>
+        </a:xfrm>
+      </p:grpSpPr>
+      <p:sp>
+        <p:nvSpPr>
+          <p:cNvPr id="2" name="Title 1"/>
+          <p:cNvSpPr>
+            <a:spLocks noGrp="1"/>
+          </p:cNvSpPr>
+          <p:nvPr>
+            <p:ph type="title"/>
+          </p:nvPr>
+        </p:nvSpPr>
+        <p:spPr/>
+        <p:txBody>
+          <a:bodyPr/>
+          <a:lstStyle/>
+          <a:p>
+            <a:r>
+              <a:rPr lang="en-US" dirty="0" smtClean="0"/>
+              <a:t>Local news?</a:t>
+            </a:r>
+            <a:endParaRPr lang="en-US" dirty="0"/>
+          </a:p>
+        </p:txBody>
+      </p:sp>
+      <p:pic>
+        <p:nvPicPr>
+          <p:cNvPr id="4" name="Content Placeholder 3"/>
+          <p:cNvPicPr>
+            <a:picLocks noGrp="1" noChangeAspect="1"/>
+          </p:cNvPicPr>
+          <p:nvPr>
+            <p:ph idx="1"/>
+          </p:nvPr>
+        </p:nvPicPr>
+        <p:blipFill>
+          <a:blip r:embed="rId2">
+            <a:extLst>
+              <a:ext uri="{28A0092B-C50C-407E-A947-70E740481C1C}">
+                <a14:useLocalDpi xmlns:a14="http://schemas.microsoft.com/office/drawing/2010/main" val="0"/>
+              </a:ext>
+            </a:extLst>
+          </a:blip>
+          <a:stretch>
+            <a:fillRect/>
+          </a:stretch>
+        </p:blipFill>
+        <p:spPr>
+          <a:xfrm>
+            <a:off x="2770620" y="1825625"/>
+            <a:ext cx="6650759" cy="4351338"/>
+          </a:xfrm>
+        </p:spPr>
+      </p:pic>
+    </p:spTree>
+    <p:extLst>
+      <p:ext uri="{BB962C8B-B14F-4D97-AF65-F5344CB8AC3E}">
+        <p14:creationId xmlns:p14="http://schemas.microsoft.com/office/powerpoint/2010/main" val="180609489"/>
+      </p:ext>
+    </p:extLst>
+  </p:cSld>
+  <p:clrMapOvr>
+    <a:masterClrMapping/>
+  </p:clrMapOvr>
+</p:sld>
+</file>
+
+<file path=ppt/slides/slide3.xml><?xml version="1.0" encoding="utf-8"?>
+<p:sld xmlns:a="http://schemas.openxmlformats.org/drawingml/2006/main" xmlns:r="http://schemas.openxmlformats.org/officeDocument/2006/relationships" xmlns:p="http://schemas.openxmlformats.org/presentationml/2006/main">
+  <p:cSld>
+    <p:spTree>
+      <p:nvGrpSpPr>
+        <p:cNvPr id="1" name=""/>
+        <p:cNvGrpSpPr/>
+        <p:nvPr/>
+      </p:nvGrpSpPr>
+      <p:grpSpPr>
+        <a:xfrm>
+          <a:off x="0" y="0"/>
+          <a:ext cx="0" cy="0"/>
+          <a:chOff x="0" y="0"/>
+          <a:chExt cx="0" cy="0"/>
+        </a:xfrm>
+      </p:grpSpPr>
+      <p:sp>
+        <p:nvSpPr>
+          <p:cNvPr id="2" name="Title 1"/>
+          <p:cNvSpPr>
+            <a:spLocks noGrp="1"/>
+          </p:cNvSpPr>
+          <p:nvPr>
+            <p:ph type="title"/>
+          </p:nvPr>
+        </p:nvSpPr>
+        <p:spPr/>
+        <p:txBody>
+          <a:bodyPr/>
+          <a:lstStyle/>
+          <a:p>
+            <a:r>
+              <a:rPr lang="en-US" dirty="0" smtClean="0"/>
+              <a:t>Data acquisition</a:t>
+            </a:r>
+            <a:endParaRPr lang="en-US" dirty="0"/>
+          </a:p>
+        </p:txBody>
+      </p:sp>
+      <p:sp>
+        <p:nvSpPr>
+          <p:cNvPr id="3" name="Content Placeholder 2"/>
+          <p:cNvSpPr>
+            <a:spLocks noGrp="1"/>
+          </p:cNvSpPr>
+          <p:nvPr>
+            <p:ph idx="1"/>
+          </p:nvPr>
+        </p:nvSpPr>
+        <p:spPr/>
+        <p:txBody>
+          <a:bodyPr>
+            <a:normAutofit lnSpcReduction="10000"/>
+          </a:bodyPr>
+          <a:lstStyle/>
+          <a:p>
+            <a:r>
+              <a:rPr lang="en-US" dirty="0" smtClean="0"/>
+              <a:t>Used the python </a:t>
+            </a:r>
+            <a:r>
+              <a:rPr lang="en-US" b="1" dirty="0" smtClean="0"/>
+              <a:t>requests </a:t>
+            </a:r>
+            <a:r>
+              <a:rPr lang="en-US" dirty="0" smtClean="0"/>
+              <a:t>module. </a:t>
+            </a:r>
+          </a:p>
+          <a:p>
+            <a:pPr lvl="1"/>
+            <a:r>
+              <a:rPr lang="en-US" dirty="0" smtClean="0"/>
+              <a:t>Used the offset parameter to load new pages of abstracts and slept 1/8</a:t>
+            </a:r>
+            <a:r>
+              <a:rPr lang="en-US" baseline="30000" dirty="0" smtClean="0"/>
+              <a:t>th</a:t>
+            </a:r>
+            <a:r>
+              <a:rPr lang="en-US" dirty="0" smtClean="0"/>
+              <a:t> of a second between each request to abide by the NYT API terms of use.</a:t>
+            </a:r>
+          </a:p>
+          <a:p>
+            <a:r>
+              <a:rPr lang="en-US" dirty="0" smtClean="0"/>
+              <a:t>Loaded JSON response into python dictionary and then exported as a single large JSON file containing all the articles and all metadata. (</a:t>
+            </a:r>
+            <a:r>
+              <a:rPr lang="en-US" b="1" dirty="0" smtClean="0"/>
+              <a:t>~40,000</a:t>
+            </a:r>
+            <a:r>
+              <a:rPr lang="en-US" dirty="0" smtClean="0"/>
+              <a:t>)</a:t>
+            </a:r>
+          </a:p>
+          <a:p>
+            <a:r>
+              <a:rPr lang="en-US" dirty="0" smtClean="0"/>
+              <a:t>In a separate script, I export this JSON data to a CSV file with the </a:t>
+            </a:r>
+            <a:r>
+              <a:rPr lang="en-US" dirty="0" err="1" smtClean="0"/>
+              <a:t>docIDs</a:t>
+            </a:r>
+            <a:r>
+              <a:rPr lang="en-US" dirty="0" smtClean="0"/>
+              <a:t>, URLs, and abstracts.</a:t>
+            </a:r>
+          </a:p>
+          <a:p>
+            <a:pPr lvl="1"/>
+            <a:r>
+              <a:rPr lang="en-US" dirty="0" smtClean="0"/>
+              <a:t>This is also where I check for </a:t>
+            </a:r>
+            <a:r>
+              <a:rPr lang="en-US" b="1" dirty="0" smtClean="0"/>
+              <a:t>duplicates</a:t>
+            </a:r>
+            <a:r>
+              <a:rPr lang="en-US" dirty="0" smtClean="0"/>
+              <a:t>. I have a set of URLs that the exporter has seen, if this URL is in this set the program prints a warning and does not export it.</a:t>
+            </a:r>
+            <a:endParaRPr lang="en-US" dirty="0"/>
+          </a:p>
+        </p:txBody>
+      </p:sp>
+    </p:spTree>
+    <p:extLst>
+      <p:ext uri="{BB962C8B-B14F-4D97-AF65-F5344CB8AC3E}">
+        <p14:creationId xmlns:p14="http://schemas.microsoft.com/office/powerpoint/2010/main" val="212841903"/>
+      </p:ext>
+    </p:extLst>
+  </p:cSld>
+  <p:clrMapOvr>
+    <a:masterClrMapping/>
+  </p:clrMapOvr>
+  <p:timing>
+    <p:tnLst>
+      <p:par>
+        <p:cTn id="1" dur="indefinite" restart="never" nodeType="tmRoot"/>
+      </p:par>
+    </p:tnLst>
+  </p:timing>
+</p:sld>
+</file>
+
+<file path=ppt/slides/slide30.xml><?xml version="1.0" encoding="utf-8"?>
+<p:sld xmlns:a="http://schemas.openxmlformats.org/drawingml/2006/main" xmlns:r="http://schemas.openxmlformats.org/officeDocument/2006/relationships" xmlns:p="http://schemas.openxmlformats.org/presentationml/2006/main">
+  <p:cSld>
+    <p:spTree>
+      <p:nvGrpSpPr>
+        <p:cNvPr id="1" name=""/>
+        <p:cNvGrpSpPr/>
+        <p:nvPr/>
+      </p:nvGrpSpPr>
+      <p:grpSpPr>
+        <a:xfrm>
+          <a:off x="0" y="0"/>
+          <a:ext cx="0" cy="0"/>
+          <a:chOff x="0" y="0"/>
+          <a:chExt cx="0" cy="0"/>
+        </a:xfrm>
+      </p:grpSpPr>
+      <p:sp>
+        <p:nvSpPr>
+          <p:cNvPr id="2" name="Title 1"/>
+          <p:cNvSpPr>
+            <a:spLocks noGrp="1"/>
+          </p:cNvSpPr>
+          <p:nvPr>
+            <p:ph type="title"/>
+          </p:nvPr>
+        </p:nvSpPr>
+        <p:spPr/>
+        <p:txBody>
+          <a:bodyPr/>
+          <a:lstStyle/>
+          <a:p>
+            <a:endParaRPr lang="en-US"/>
+          </a:p>
+        </p:txBody>
+      </p:sp>
+      <p:pic>
+        <p:nvPicPr>
+          <p:cNvPr id="4" name="Content Placeholder 3"/>
+          <p:cNvPicPr>
+            <a:picLocks noGrp="1" noChangeAspect="1"/>
+          </p:cNvPicPr>
+          <p:nvPr>
+            <p:ph idx="1"/>
+          </p:nvPr>
+        </p:nvPicPr>
+        <p:blipFill>
+          <a:blip r:embed="rId2">
+            <a:extLst>
+              <a:ext uri="{28A0092B-C50C-407E-A947-70E740481C1C}">
+                <a14:useLocalDpi xmlns:a14="http://schemas.microsoft.com/office/drawing/2010/main" val="0"/>
+              </a:ext>
+            </a:extLst>
+          </a:blip>
+          <a:stretch>
+            <a:fillRect/>
+          </a:stretch>
+        </p:blipFill>
+        <p:spPr>
+          <a:xfrm>
+            <a:off x="2776914" y="1825625"/>
+            <a:ext cx="6638171" cy="4351338"/>
+          </a:xfrm>
+        </p:spPr>
+      </p:pic>
+    </p:spTree>
+    <p:extLst>
+      <p:ext uri="{BB962C8B-B14F-4D97-AF65-F5344CB8AC3E}">
+        <p14:creationId xmlns:p14="http://schemas.microsoft.com/office/powerpoint/2010/main" val="1559800781"/>
+      </p:ext>
+    </p:extLst>
+  </p:cSld>
+  <p:clrMapOvr>
+    <a:masterClrMapping/>
+  </p:clrMapOvr>
+</p:sld>
+</file>
+
+<file path=ppt/slides/slide31.xml><?xml version="1.0" encoding="utf-8"?>
+<p:sld xmlns:a="http://schemas.openxmlformats.org/drawingml/2006/main" xmlns:r="http://schemas.openxmlformats.org/officeDocument/2006/relationships" xmlns:p="http://schemas.openxmlformats.org/presentationml/2006/main">
+  <p:cSld>
+    <p:spTree>
+      <p:nvGrpSpPr>
+        <p:cNvPr id="1" name=""/>
+        <p:cNvGrpSpPr/>
+        <p:nvPr/>
+      </p:nvGrpSpPr>
+      <p:grpSpPr>
+        <a:xfrm>
+          <a:off x="0" y="0"/>
+          <a:ext cx="0" cy="0"/>
+          <a:chOff x="0" y="0"/>
+          <a:chExt cx="0" cy="0"/>
+        </a:xfrm>
+      </p:grpSpPr>
+      <p:sp>
+        <p:nvSpPr>
+          <p:cNvPr id="2" name="Title 1"/>
+          <p:cNvSpPr>
+            <a:spLocks noGrp="1"/>
+          </p:cNvSpPr>
+          <p:nvPr>
+            <p:ph type="title"/>
+          </p:nvPr>
+        </p:nvSpPr>
+        <p:spPr/>
+        <p:txBody>
+          <a:bodyPr/>
+          <a:lstStyle/>
+          <a:p>
+            <a:endParaRPr lang="en-US"/>
+          </a:p>
+        </p:txBody>
+      </p:sp>
+      <p:pic>
+        <p:nvPicPr>
+          <p:cNvPr id="4" name="Content Placeholder 3"/>
+          <p:cNvPicPr>
+            <a:picLocks noGrp="1" noChangeAspect="1"/>
+          </p:cNvPicPr>
+          <p:nvPr>
+            <p:ph idx="1"/>
+          </p:nvPr>
+        </p:nvPicPr>
+        <p:blipFill>
+          <a:blip r:embed="rId2">
+            <a:extLst>
+              <a:ext uri="{28A0092B-C50C-407E-A947-70E740481C1C}">
+                <a14:useLocalDpi xmlns:a14="http://schemas.microsoft.com/office/drawing/2010/main" val="0"/>
+              </a:ext>
+            </a:extLst>
+          </a:blip>
+          <a:stretch>
+            <a:fillRect/>
+          </a:stretch>
+        </p:blipFill>
+        <p:spPr>
+          <a:xfrm>
+            <a:off x="2662458" y="1825625"/>
+            <a:ext cx="6867083" cy="4351338"/>
+          </a:xfrm>
+        </p:spPr>
+      </p:pic>
+    </p:spTree>
+    <p:extLst>
+      <p:ext uri="{BB962C8B-B14F-4D97-AF65-F5344CB8AC3E}">
+        <p14:creationId xmlns:p14="http://schemas.microsoft.com/office/powerpoint/2010/main" val="952027792"/>
+      </p:ext>
+    </p:extLst>
+  </p:cSld>
+  <p:clrMapOvr>
+    <a:masterClrMapping/>
+  </p:clrMapOvr>
+</p:sld>
+</file>
+
+<file path=ppt/slides/slide32.xml><?xml version="1.0" encoding="utf-8"?>
+<p:sld xmlns:a="http://schemas.openxmlformats.org/drawingml/2006/main" xmlns:r="http://schemas.openxmlformats.org/officeDocument/2006/relationships" xmlns:p="http://schemas.openxmlformats.org/presentationml/2006/main">
+  <p:cSld>
+    <p:spTree>
+      <p:nvGrpSpPr>
+        <p:cNvPr id="1" name=""/>
+        <p:cNvGrpSpPr/>
+        <p:nvPr/>
+      </p:nvGrpSpPr>
+      <p:grpSpPr>
+        <a:xfrm>
+          <a:off x="0" y="0"/>
+          <a:ext cx="0" cy="0"/>
+          <a:chOff x="0" y="0"/>
+          <a:chExt cx="0" cy="0"/>
+        </a:xfrm>
+      </p:grpSpPr>
+      <p:sp>
+        <p:nvSpPr>
+          <p:cNvPr id="2" name="Title 1"/>
+          <p:cNvSpPr>
+            <a:spLocks noGrp="1"/>
+          </p:cNvSpPr>
+          <p:nvPr>
+            <p:ph type="title"/>
+          </p:nvPr>
+        </p:nvSpPr>
+        <p:spPr/>
+        <p:txBody>
+          <a:bodyPr/>
+          <a:lstStyle/>
+          <a:p>
+            <a:r>
+              <a:rPr lang="en-US" dirty="0" smtClean="0"/>
+              <a:t>Lifestyle &amp; health cluster?</a:t>
+            </a:r>
+            <a:endParaRPr lang="en-US" dirty="0"/>
+          </a:p>
+        </p:txBody>
+      </p:sp>
+      <p:pic>
+        <p:nvPicPr>
+          <p:cNvPr id="4" name="Content Placeholder 3"/>
+          <p:cNvPicPr>
+            <a:picLocks noGrp="1" noChangeAspect="1"/>
+          </p:cNvPicPr>
+          <p:nvPr>
+            <p:ph idx="1"/>
+          </p:nvPr>
+        </p:nvPicPr>
+        <p:blipFill>
+          <a:blip r:embed="rId2">
+            <a:extLst>
+              <a:ext uri="{28A0092B-C50C-407E-A947-70E740481C1C}">
+                <a14:useLocalDpi xmlns:a14="http://schemas.microsoft.com/office/drawing/2010/main" val="0"/>
+              </a:ext>
+            </a:extLst>
+          </a:blip>
+          <a:stretch>
+            <a:fillRect/>
+          </a:stretch>
+        </p:blipFill>
+        <p:spPr>
+          <a:xfrm>
+            <a:off x="2758098" y="1825625"/>
+            <a:ext cx="6675804" cy="4351338"/>
+          </a:xfrm>
+        </p:spPr>
+      </p:pic>
+    </p:spTree>
+    <p:extLst>
+      <p:ext uri="{BB962C8B-B14F-4D97-AF65-F5344CB8AC3E}">
+        <p14:creationId xmlns:p14="http://schemas.microsoft.com/office/powerpoint/2010/main" val="4252599329"/>
+      </p:ext>
+    </p:extLst>
+  </p:cSld>
+  <p:clrMapOvr>
+    <a:masterClrMapping/>
+  </p:clrMapOvr>
+</p:sld>
+</file>
+
+<file path=ppt/slides/slide33.xml><?xml version="1.0" encoding="utf-8"?>
+<p:sld xmlns:a="http://schemas.openxmlformats.org/drawingml/2006/main" xmlns:r="http://schemas.openxmlformats.org/officeDocument/2006/relationships" xmlns:p="http://schemas.openxmlformats.org/presentationml/2006/main">
+  <p:cSld>
+    <p:spTree>
+      <p:nvGrpSpPr>
+        <p:cNvPr id="1" name=""/>
+        <p:cNvGrpSpPr/>
+        <p:nvPr/>
+      </p:nvGrpSpPr>
+      <p:grpSpPr>
+        <a:xfrm>
+          <a:off x="0" y="0"/>
+          <a:ext cx="0" cy="0"/>
+          <a:chOff x="0" y="0"/>
+          <a:chExt cx="0" cy="0"/>
+        </a:xfrm>
+      </p:grpSpPr>
+      <p:sp>
+        <p:nvSpPr>
+          <p:cNvPr id="2" name="Title 1"/>
+          <p:cNvSpPr>
+            <a:spLocks noGrp="1"/>
+          </p:cNvSpPr>
+          <p:nvPr>
+            <p:ph type="title"/>
+          </p:nvPr>
+        </p:nvSpPr>
+        <p:spPr/>
+        <p:txBody>
+          <a:bodyPr/>
+          <a:lstStyle/>
+          <a:p>
+            <a:endParaRPr lang="en-US"/>
+          </a:p>
+        </p:txBody>
+      </p:sp>
+      <p:pic>
+        <p:nvPicPr>
+          <p:cNvPr id="4" name="Content Placeholder 3"/>
+          <p:cNvPicPr>
+            <a:picLocks noGrp="1" noChangeAspect="1"/>
+          </p:cNvPicPr>
+          <p:nvPr>
+            <p:ph idx="1"/>
+          </p:nvPr>
+        </p:nvPicPr>
+        <p:blipFill>
+          <a:blip r:embed="rId2">
+            <a:extLst>
+              <a:ext uri="{28A0092B-C50C-407E-A947-70E740481C1C}">
+                <a14:useLocalDpi xmlns:a14="http://schemas.microsoft.com/office/drawing/2010/main" val="0"/>
+              </a:ext>
+            </a:extLst>
+          </a:blip>
+          <a:stretch>
+            <a:fillRect/>
+          </a:stretch>
+        </p:blipFill>
+        <p:spPr>
+          <a:xfrm>
+            <a:off x="2746033" y="1825625"/>
+            <a:ext cx="6699934" cy="4351338"/>
+          </a:xfrm>
+        </p:spPr>
+      </p:pic>
+    </p:spTree>
+    <p:extLst>
+      <p:ext uri="{BB962C8B-B14F-4D97-AF65-F5344CB8AC3E}">
+        <p14:creationId xmlns:p14="http://schemas.microsoft.com/office/powerpoint/2010/main" val="3818853060"/>
+      </p:ext>
+    </p:extLst>
+  </p:cSld>
+  <p:clrMapOvr>
+    <a:masterClrMapping/>
+  </p:clrMapOvr>
+</p:sld>
+</file>
+
+<file path=ppt/slides/slide34.xml><?xml version="1.0" encoding="utf-8"?>
+<p:sld xmlns:a="http://schemas.openxmlformats.org/drawingml/2006/main" xmlns:r="http://schemas.openxmlformats.org/officeDocument/2006/relationships" xmlns:p="http://schemas.openxmlformats.org/presentationml/2006/main">
+  <p:cSld>
+    <p:spTree>
+      <p:nvGrpSpPr>
+        <p:cNvPr id="1" name=""/>
+        <p:cNvGrpSpPr/>
+        <p:nvPr/>
+      </p:nvGrpSpPr>
+      <p:grpSpPr>
+        <a:xfrm>
+          <a:off x="0" y="0"/>
+          <a:ext cx="0" cy="0"/>
+          <a:chOff x="0" y="0"/>
+          <a:chExt cx="0" cy="0"/>
+        </a:xfrm>
+      </p:grpSpPr>
+      <p:sp>
+        <p:nvSpPr>
+          <p:cNvPr id="2" name="Title 1"/>
+          <p:cNvSpPr>
+            <a:spLocks noGrp="1"/>
+          </p:cNvSpPr>
+          <p:nvPr>
+            <p:ph type="title"/>
+          </p:nvPr>
+        </p:nvSpPr>
+        <p:spPr/>
+        <p:txBody>
+          <a:bodyPr/>
+          <a:lstStyle/>
+          <a:p>
+            <a:endParaRPr lang="en-US"/>
+          </a:p>
+        </p:txBody>
+      </p:sp>
+      <p:pic>
+        <p:nvPicPr>
+          <p:cNvPr id="4" name="Content Placeholder 3"/>
+          <p:cNvPicPr>
+            <a:picLocks noGrp="1" noChangeAspect="1"/>
+          </p:cNvPicPr>
+          <p:nvPr>
+            <p:ph idx="1"/>
+          </p:nvPr>
+        </p:nvPicPr>
+        <p:blipFill>
+          <a:blip r:embed="rId2">
+            <a:extLst>
+              <a:ext uri="{28A0092B-C50C-407E-A947-70E740481C1C}">
+                <a14:useLocalDpi xmlns:a14="http://schemas.microsoft.com/office/drawing/2010/main" val="0"/>
+              </a:ext>
+            </a:extLst>
+          </a:blip>
+          <a:stretch>
+            <a:fillRect/>
+          </a:stretch>
+        </p:blipFill>
+        <p:spPr>
+          <a:xfrm>
+            <a:off x="2689897" y="1825625"/>
+            <a:ext cx="6812206" cy="4351338"/>
+          </a:xfrm>
+        </p:spPr>
+      </p:pic>
+    </p:spTree>
+    <p:extLst>
+      <p:ext uri="{BB962C8B-B14F-4D97-AF65-F5344CB8AC3E}">
+        <p14:creationId xmlns:p14="http://schemas.microsoft.com/office/powerpoint/2010/main" val="642699941"/>
+      </p:ext>
+    </p:extLst>
+  </p:cSld>
+  <p:clrMapOvr>
+    <a:masterClrMapping/>
+  </p:clrMapOvr>
+</p:sld>
+</file>
+
+<file path=ppt/slides/slide35.xml><?xml version="1.0" encoding="utf-8"?>
+<p:sld xmlns:a="http://schemas.openxmlformats.org/drawingml/2006/main" xmlns:r="http://schemas.openxmlformats.org/officeDocument/2006/relationships" xmlns:p="http://schemas.openxmlformats.org/presentationml/2006/main">
+  <p:cSld>
+    <p:spTree>
+      <p:nvGrpSpPr>
+        <p:cNvPr id="1" name=""/>
+        <p:cNvGrpSpPr/>
+        <p:nvPr/>
+      </p:nvGrpSpPr>
+      <p:grpSpPr>
+        <a:xfrm>
+          <a:off x="0" y="0"/>
+          <a:ext cx="0" cy="0"/>
+          <a:chOff x="0" y="0"/>
+          <a:chExt cx="0" cy="0"/>
+        </a:xfrm>
+      </p:grpSpPr>
+      <p:sp>
+        <p:nvSpPr>
+          <p:cNvPr id="2" name="Title 1"/>
+          <p:cNvSpPr>
+            <a:spLocks noGrp="1"/>
+          </p:cNvSpPr>
+          <p:nvPr>
+            <p:ph type="title"/>
+          </p:nvPr>
+        </p:nvSpPr>
+        <p:spPr/>
+        <p:txBody>
+          <a:bodyPr/>
+          <a:lstStyle/>
+          <a:p>
+            <a:endParaRPr lang="en-US"/>
+          </a:p>
+        </p:txBody>
+      </p:sp>
+      <p:pic>
+        <p:nvPicPr>
+          <p:cNvPr id="4" name="Content Placeholder 3"/>
+          <p:cNvPicPr>
+            <a:picLocks noGrp="1" noChangeAspect="1"/>
+          </p:cNvPicPr>
+          <p:nvPr>
+            <p:ph idx="1"/>
+          </p:nvPr>
+        </p:nvPicPr>
+        <p:blipFill>
+          <a:blip r:embed="rId2">
+            <a:extLst>
+              <a:ext uri="{28A0092B-C50C-407E-A947-70E740481C1C}">
+                <a14:useLocalDpi xmlns:a14="http://schemas.microsoft.com/office/drawing/2010/main" val="0"/>
+              </a:ext>
+            </a:extLst>
+          </a:blip>
+          <a:stretch>
+            <a:fillRect/>
+          </a:stretch>
+        </p:blipFill>
+        <p:spPr>
+          <a:xfrm>
+            <a:off x="2744510" y="1825625"/>
+            <a:ext cx="6702980" cy="4351338"/>
+          </a:xfrm>
+        </p:spPr>
+      </p:pic>
+    </p:spTree>
+    <p:extLst>
+      <p:ext uri="{BB962C8B-B14F-4D97-AF65-F5344CB8AC3E}">
+        <p14:creationId xmlns:p14="http://schemas.microsoft.com/office/powerpoint/2010/main" val="2438654932"/>
+      </p:ext>
+    </p:extLst>
+  </p:cSld>
+  <p:clrMapOvr>
+    <a:masterClrMapping/>
+  </p:clrMapOvr>
+</p:sld>
+</file>
+
+<file path=ppt/slides/slide36.xml><?xml version="1.0" encoding="utf-8"?>
 <p:sld xmlns:a="http://schemas.openxmlformats.org/drawingml/2006/main" xmlns:r="http://schemas.openxmlformats.org/officeDocument/2006/relationships" xmlns:p="http://schemas.openxmlformats.org/presentationml/2006/main">
   <p:cSld>
     <p:spTree>
@@ -11689,157 +13500,6 @@
 </p:sld>
 </file>
 
-<file path=ppt/slides/slide3.xml><?xml version="1.0" encoding="utf-8"?>
-<p:sld xmlns:a="http://schemas.openxmlformats.org/drawingml/2006/main" xmlns:r="http://schemas.openxmlformats.org/officeDocument/2006/relationships" xmlns:p="http://schemas.openxmlformats.org/presentationml/2006/main">
-  <p:cSld>
-    <p:spTree>
-      <p:nvGrpSpPr>
-        <p:cNvPr id="1" name=""/>
-        <p:cNvGrpSpPr/>
-        <p:nvPr/>
-      </p:nvGrpSpPr>
-      <p:grpSpPr>
-        <a:xfrm>
-          <a:off x="0" y="0"/>
-          <a:ext cx="0" cy="0"/>
-          <a:chOff x="0" y="0"/>
-          <a:chExt cx="0" cy="0"/>
-        </a:xfrm>
-      </p:grpSpPr>
-      <p:sp>
-        <p:nvSpPr>
-          <p:cNvPr id="2" name="Title 1"/>
-          <p:cNvSpPr>
-            <a:spLocks noGrp="1"/>
-          </p:cNvSpPr>
-          <p:nvPr>
-            <p:ph type="title"/>
-          </p:nvPr>
-        </p:nvSpPr>
-        <p:spPr/>
-        <p:txBody>
-          <a:bodyPr/>
-          <a:lstStyle/>
-          <a:p>
-            <a:r>
-              <a:rPr lang="en-US" dirty="0" smtClean="0"/>
-              <a:t>Data acquisition</a:t>
-            </a:r>
-            <a:endParaRPr lang="en-US" dirty="0"/>
-          </a:p>
-        </p:txBody>
-      </p:sp>
-      <p:sp>
-        <p:nvSpPr>
-          <p:cNvPr id="3" name="Content Placeholder 2"/>
-          <p:cNvSpPr>
-            <a:spLocks noGrp="1"/>
-          </p:cNvSpPr>
-          <p:nvPr>
-            <p:ph idx="1"/>
-          </p:nvPr>
-        </p:nvSpPr>
-        <p:spPr/>
-        <p:txBody>
-          <a:bodyPr>
-            <a:normAutofit lnSpcReduction="10000"/>
-          </a:bodyPr>
-          <a:lstStyle/>
-          <a:p>
-            <a:r>
-              <a:rPr lang="en-US" dirty="0" smtClean="0"/>
-              <a:t>Used the python </a:t>
-            </a:r>
-            <a:r>
-              <a:rPr lang="en-US" b="1" dirty="0" smtClean="0"/>
-              <a:t>requests </a:t>
-            </a:r>
-            <a:r>
-              <a:rPr lang="en-US" dirty="0" smtClean="0"/>
-              <a:t>module. </a:t>
-            </a:r>
-          </a:p>
-          <a:p>
-            <a:pPr lvl="1"/>
-            <a:r>
-              <a:rPr lang="en-US" dirty="0" smtClean="0"/>
-              <a:t>Used the offset parameter to load new pages of abstracts and slept 1/8</a:t>
-            </a:r>
-            <a:r>
-              <a:rPr lang="en-US" baseline="30000" dirty="0" smtClean="0"/>
-              <a:t>th</a:t>
-            </a:r>
-            <a:r>
-              <a:rPr lang="en-US" dirty="0" smtClean="0"/>
-              <a:t> of a second between each request to abide by the NYT API terms of use.</a:t>
-            </a:r>
-          </a:p>
-          <a:p>
-            <a:r>
-              <a:rPr lang="en-US" dirty="0" smtClean="0"/>
-              <a:t>Loaded JSON response into python dictionary and then exported as a single large JSON file containing all the articles and all metadata. (</a:t>
-            </a:r>
-            <a:r>
-              <a:rPr lang="en-US" b="1" dirty="0" smtClean="0"/>
-              <a:t>~40,000</a:t>
-            </a:r>
-            <a:r>
-              <a:rPr lang="en-US" dirty="0" smtClean="0"/>
-              <a:t>)</a:t>
-            </a:r>
-          </a:p>
-          <a:p>
-            <a:r>
-              <a:rPr lang="en-US" dirty="0" smtClean="0"/>
-              <a:t>In a separate script, I export this JSON data to a CSV file with the </a:t>
-            </a:r>
-            <a:r>
-              <a:rPr lang="en-US" dirty="0" err="1" smtClean="0"/>
-              <a:t>docIDs</a:t>
-            </a:r>
-            <a:r>
-              <a:rPr lang="en-US" dirty="0" smtClean="0"/>
-              <a:t>, URLs, and abstracts.</a:t>
-            </a:r>
-          </a:p>
-          <a:p>
-            <a:pPr lvl="1"/>
-            <a:r>
-              <a:rPr lang="en-US" dirty="0" smtClean="0"/>
-              <a:t>This is also where I check for </a:t>
-            </a:r>
-            <a:r>
-              <a:rPr lang="en-US" b="1" dirty="0" smtClean="0"/>
-              <a:t>duplicates</a:t>
-            </a:r>
-            <a:r>
-              <a:rPr lang="en-US" dirty="0" smtClean="0"/>
-              <a:t>. I have a set of URLs that the exporter has seen, if this URL is in this set the program prints a warning and does not export it.</a:t>
-            </a:r>
-            <a:endParaRPr lang="en-US" dirty="0"/>
-          </a:p>
-        </p:txBody>
-      </p:sp>
-    </p:spTree>
-    <p:extLst>
-      <p:ext uri="{BB962C8B-B14F-4D97-AF65-F5344CB8AC3E}">
-        <p14:creationId xmlns:p14="http://schemas.microsoft.com/office/powerpoint/2010/main" val="212841903"/>
-      </p:ext>
-    </p:extLst>
-  </p:cSld>
-  <p:clrMapOvr>
-    <a:masterClrMapping/>
-  </p:clrMapOvr>
-  <p:timing>
-    <p:tnLst>
-      <p:par>
-        <p:cTn id="1" dur="indefinite" restart="never" nodeType="tmRoot"/>
-      </p:par>
-    </p:tnLst>
-  </p:timing>
-</p:sld>
-</file>
-
 <file path=ppt/slides/slide4.xml><?xml version="1.0" encoding="utf-8"?>
 <p:sld xmlns:a="http://schemas.openxmlformats.org/drawingml/2006/main" xmlns:r="http://schemas.openxmlformats.org/officeDocument/2006/relationships" xmlns:p="http://schemas.openxmlformats.org/presentationml/2006/main">
   <p:cSld>
@@ -12315,6 +13975,13 @@
   <p:clrMapOvr>
     <a:masterClrMapping/>
   </p:clrMapOvr>
+  <p:timing>
+    <p:tnLst>
+      <p:par>
+        <p:cTn id="1" dur="indefinite" restart="never" nodeType="tmRoot"/>
+      </p:par>
+    </p:tnLst>
+  </p:timing>
 </p:sld>
 </file>
 
@@ -12623,16 +14290,13 @@
                       </m:num>
                       <m:den>
                         <m:r>
-                          <a:rPr lang="en-US" b="0" i="1" smtClean="0">
+                          <m:rPr>
+                            <m:sty m:val="p"/>
+                          </m:rPr>
+                          <a:rPr lang="en-US" b="0" i="0" smtClean="0">
                             <a:latin typeface="Cambria Math" panose="02040503050406030204" pitchFamily="18" charset="0"/>
                           </a:rPr>
-                          <m:t>𝑠𝑢𝑚</m:t>
-                        </m:r>
-                        <m:r>
-                          <a:rPr lang="en-US" b="0" i="1" smtClean="0">
-                            <a:latin typeface="Cambria Math" panose="02040503050406030204" pitchFamily="18" charset="0"/>
-                          </a:rPr>
-                          <m:t>(</m:t>
+                          <m:t>Σ</m:t>
                         </m:r>
                         <m:r>
                           <a:rPr lang="en-US" b="0" i="1" smtClean="0">
@@ -12702,12 +14366,6 @@
                             <a:ea typeface="Cambria Math" panose="02040503050406030204" pitchFamily="18" charset="0"/>
                           </a:rPr>
                           <m:t>𝑑</m:t>
-                        </m:r>
-                        <m:r>
-                          <a:rPr lang="en-US" b="0" i="1" smtClean="0">
-                            <a:latin typeface="Cambria Math" panose="02040503050406030204" pitchFamily="18" charset="0"/>
-                          </a:rPr>
-                          <m:t>)</m:t>
                         </m:r>
                       </m:den>
                     </m:f>
